--- a/3학년1반3조ppt.pptx
+++ b/3학년1반3조ppt.pptx
@@ -5,14 +5,16 @@
     <p:sldMasterId id="2147483648" r:id="rId1"/>
   </p:sldMasterIdLst>
   <p:sldIdLst>
-    <p:sldId id="258" r:id="rId2"/>
-    <p:sldId id="266" r:id="rId3"/>
-    <p:sldId id="263" r:id="rId4"/>
-    <p:sldId id="259" r:id="rId5"/>
-    <p:sldId id="260" r:id="rId6"/>
-    <p:sldId id="261" r:id="rId7"/>
-    <p:sldId id="265" r:id="rId8"/>
-    <p:sldId id="267" r:id="rId9"/>
+    <p:sldId id="268" r:id="rId2"/>
+    <p:sldId id="258" r:id="rId3"/>
+    <p:sldId id="266" r:id="rId4"/>
+    <p:sldId id="263" r:id="rId5"/>
+    <p:sldId id="259" r:id="rId6"/>
+    <p:sldId id="260" r:id="rId7"/>
+    <p:sldId id="261" r:id="rId8"/>
+    <p:sldId id="270" r:id="rId9"/>
+    <p:sldId id="265" r:id="rId10"/>
+    <p:sldId id="269" r:id="rId11"/>
   </p:sldIdLst>
   <p:sldSz cx="12192000" cy="6858000"/>
   <p:notesSz cx="6858000" cy="9144000"/>
@@ -113,7 +115,18 @@
   </p:defaultTextStyle>
   <p:extLst>
     <p:ext uri="{EFAFB233-063F-42B5-8137-9DF3F51BA10A}">
-      <p15:sldGuideLst xmlns:p15="http://schemas.microsoft.com/office/powerpoint/2012/main"/>
+      <p15:sldGuideLst xmlns:p15="http://schemas.microsoft.com/office/powerpoint/2012/main">
+        <p15:guide id="1" orient="horz" pos="2160">
+          <p15:clr>
+            <a:srgbClr val="A4A3A4"/>
+          </p15:clr>
+        </p15:guide>
+        <p15:guide id="2" pos="3840">
+          <p15:clr>
+            <a:srgbClr val="A4A3A4"/>
+          </p15:clr>
+        </p15:guide>
+      </p15:sldGuideLst>
     </p:ext>
   </p:extLst>
 </p:presentation>
@@ -122,6 +135,233 @@
 <file path=ppt/slideLayouts/slideLayout1.xml><?xml version="1.0" encoding="utf-8"?>
 <p:sldLayout xmlns:a="http://schemas.openxmlformats.org/drawingml/2006/main" xmlns:r="http://schemas.openxmlformats.org/officeDocument/2006/relationships" xmlns:p="http://schemas.openxmlformats.org/presentationml/2006/main" type="title" preserve="1">
   <p:cSld name="제목 슬라이드">
+    <p:spTree>
+      <p:nvGrpSpPr>
+        <p:cNvPr id="1" name=""/>
+        <p:cNvGrpSpPr/>
+        <p:nvPr/>
+      </p:nvGrpSpPr>
+      <p:grpSpPr>
+        <a:xfrm>
+          <a:off x="0" y="0"/>
+          <a:ext cx="0" cy="0"/>
+          <a:chOff x="0" y="0"/>
+          <a:chExt cx="0" cy="0"/>
+        </a:xfrm>
+      </p:grpSpPr>
+      <p:pic>
+        <p:nvPicPr>
+          <p:cNvPr id="8" name="그림 7"/>
+          <p:cNvPicPr>
+            <a:picLocks noChangeAspect="1"/>
+          </p:cNvPicPr>
+          <p:nvPr userDrawn="1"/>
+        </p:nvPicPr>
+        <p:blipFill>
+          <a:blip r:embed="rId2">
+            <a:extLst>
+              <a:ext uri="{28A0092B-C50C-407E-A947-70E740481C1C}">
+                <a14:useLocalDpi xmlns:a14="http://schemas.microsoft.com/office/drawing/2010/main" val="0"/>
+              </a:ext>
+            </a:extLst>
+          </a:blip>
+          <a:stretch>
+            <a:fillRect/>
+          </a:stretch>
+        </p:blipFill>
+        <p:spPr>
+          <a:xfrm>
+            <a:off x="0" y="1"/>
+            <a:ext cx="12192000" cy="6858000"/>
+          </a:xfrm>
+          <a:prstGeom prst="rect">
+            <a:avLst/>
+          </a:prstGeom>
+        </p:spPr>
+      </p:pic>
+      <p:sp>
+        <p:nvSpPr>
+          <p:cNvPr id="2" name="제목 1"/>
+          <p:cNvSpPr>
+            <a:spLocks noGrp="1"/>
+          </p:cNvSpPr>
+          <p:nvPr>
+            <p:ph type="ctrTitle"/>
+          </p:nvPr>
+        </p:nvSpPr>
+        <p:spPr>
+          <a:xfrm>
+            <a:off x="1524000" y="1122363"/>
+            <a:ext cx="9144000" cy="2387600"/>
+          </a:xfrm>
+        </p:spPr>
+        <p:txBody>
+          <a:bodyPr anchor="b"/>
+          <a:lstStyle>
+            <a:lvl1pPr algn="ctr">
+              <a:defRPr sz="6000"/>
+            </a:lvl1pPr>
+          </a:lstStyle>
+          <a:p>
+            <a:r>
+              <a:rPr lang="ko-KR" altLang="en-US"/>
+              <a:t>마스터 제목 스타일 편집</a:t>
+            </a:r>
+          </a:p>
+        </p:txBody>
+      </p:sp>
+      <p:sp>
+        <p:nvSpPr>
+          <p:cNvPr id="3" name="부제목 2"/>
+          <p:cNvSpPr>
+            <a:spLocks noGrp="1"/>
+          </p:cNvSpPr>
+          <p:nvPr>
+            <p:ph type="subTitle" idx="1"/>
+          </p:nvPr>
+        </p:nvSpPr>
+        <p:spPr>
+          <a:xfrm>
+            <a:off x="1524000" y="3602038"/>
+            <a:ext cx="9144000" cy="1655762"/>
+          </a:xfrm>
+        </p:spPr>
+        <p:txBody>
+          <a:bodyPr/>
+          <a:lstStyle>
+            <a:lvl1pPr marL="0" indent="0" algn="ctr">
+              <a:buNone/>
+              <a:defRPr sz="2400"/>
+            </a:lvl1pPr>
+            <a:lvl2pPr marL="457200" indent="0" algn="ctr">
+              <a:buNone/>
+              <a:defRPr sz="2000"/>
+            </a:lvl2pPr>
+            <a:lvl3pPr marL="914400" indent="0" algn="ctr">
+              <a:buNone/>
+              <a:defRPr sz="1800"/>
+            </a:lvl3pPr>
+            <a:lvl4pPr marL="1371600" indent="0" algn="ctr">
+              <a:buNone/>
+              <a:defRPr sz="1600"/>
+            </a:lvl4pPr>
+            <a:lvl5pPr marL="1828800" indent="0" algn="ctr">
+              <a:buNone/>
+              <a:defRPr sz="1600"/>
+            </a:lvl5pPr>
+            <a:lvl6pPr marL="2286000" indent="0" algn="ctr">
+              <a:buNone/>
+              <a:defRPr sz="1600"/>
+            </a:lvl6pPr>
+            <a:lvl7pPr marL="2743200" indent="0" algn="ctr">
+              <a:buNone/>
+              <a:defRPr sz="1600"/>
+            </a:lvl7pPr>
+            <a:lvl8pPr marL="3200400" indent="0" algn="ctr">
+              <a:buNone/>
+              <a:defRPr sz="1600"/>
+            </a:lvl8pPr>
+            <a:lvl9pPr marL="3657600" indent="0" algn="ctr">
+              <a:buNone/>
+              <a:defRPr sz="1600"/>
+            </a:lvl9pPr>
+          </a:lstStyle>
+          <a:p>
+            <a:r>
+              <a:rPr lang="ko-KR" altLang="en-US"/>
+              <a:t>클릭하여 마스터 부제목 스타일 편집</a:t>
+            </a:r>
+          </a:p>
+        </p:txBody>
+      </p:sp>
+      <p:sp>
+        <p:nvSpPr>
+          <p:cNvPr id="4" name="날짜 개체 틀 3"/>
+          <p:cNvSpPr>
+            <a:spLocks noGrp="1"/>
+          </p:cNvSpPr>
+          <p:nvPr>
+            <p:ph type="dt" sz="half" idx="10"/>
+          </p:nvPr>
+        </p:nvSpPr>
+        <p:spPr/>
+        <p:txBody>
+          <a:bodyPr/>
+          <a:lstStyle/>
+          <a:p>
+            <a:fld id="{AF8BD327-8EDF-4A3A-80D5-1C0CCFBF0AF3}" type="datetimeFigureOut">
+              <a:rPr lang="ko-KR" altLang="en-US" smtClean="0"/>
+              <a:t>2018-10-19</a:t>
+            </a:fld>
+            <a:endParaRPr lang="ko-KR" altLang="en-US"/>
+          </a:p>
+        </p:txBody>
+      </p:sp>
+      <p:sp>
+        <p:nvSpPr>
+          <p:cNvPr id="5" name="바닥글 개체 틀 4"/>
+          <p:cNvSpPr>
+            <a:spLocks noGrp="1"/>
+          </p:cNvSpPr>
+          <p:nvPr>
+            <p:ph type="ftr" sz="quarter" idx="11"/>
+          </p:nvPr>
+        </p:nvSpPr>
+        <p:spPr/>
+        <p:txBody>
+          <a:bodyPr/>
+          <a:lstStyle/>
+          <a:p>
+            <a:endParaRPr lang="ko-KR" altLang="en-US"/>
+          </a:p>
+        </p:txBody>
+      </p:sp>
+      <p:sp>
+        <p:nvSpPr>
+          <p:cNvPr id="6" name="슬라이드 번호 개체 틀 5"/>
+          <p:cNvSpPr>
+            <a:spLocks noGrp="1"/>
+          </p:cNvSpPr>
+          <p:nvPr>
+            <p:ph type="sldNum" sz="quarter" idx="12"/>
+          </p:nvPr>
+        </p:nvSpPr>
+        <p:spPr/>
+        <p:txBody>
+          <a:bodyPr/>
+          <a:lstStyle/>
+          <a:p>
+            <a:fld id="{32C31704-2E3B-4618-8147-AD51354D0FB1}" type="slidenum">
+              <a:rPr lang="ko-KR" altLang="en-US" smtClean="0"/>
+              <a:t>‹#›</a:t>
+            </a:fld>
+            <a:endParaRPr lang="ko-KR" altLang="en-US"/>
+          </a:p>
+        </p:txBody>
+      </p:sp>
+    </p:spTree>
+    <p:extLst>
+      <p:ext uri="{BB962C8B-B14F-4D97-AF65-F5344CB8AC3E}">
+        <p14:creationId xmlns:p14="http://schemas.microsoft.com/office/powerpoint/2010/main" val="3823520877"/>
+      </p:ext>
+    </p:extLst>
+  </p:cSld>
+  <p:clrMapOvr>
+    <a:masterClrMapping/>
+  </p:clrMapOvr>
+  <p:timing>
+    <p:tnLst>
+      <p:par>
+        <p:cTn id="1" dur="indefinite" restart="never" nodeType="tmRoot"/>
+      </p:par>
+    </p:tnLst>
+  </p:timing>
+</p:sldLayout>
+</file>
+
+<file path=ppt/slideLayouts/slideLayout10.xml><?xml version="1.0" encoding="utf-8"?>
+<p:sldLayout xmlns:a="http://schemas.openxmlformats.org/drawingml/2006/main" xmlns:r="http://schemas.openxmlformats.org/officeDocument/2006/relationships" xmlns:p="http://schemas.openxmlformats.org/presentationml/2006/main" type="vertTx" preserve="1">
+  <p:cSld name="제목 및 세로 텍스트">
     <p:spTree>
       <p:nvGrpSpPr>
         <p:cNvPr id="1" name=""/>
@@ -173,22 +413,13 @@
             <a:spLocks noGrp="1"/>
           </p:cNvSpPr>
           <p:nvPr>
-            <p:ph type="ctrTitle"/>
-          </p:nvPr>
-        </p:nvSpPr>
-        <p:spPr>
-          <a:xfrm>
-            <a:off x="1524000" y="1122363"/>
-            <a:ext cx="9144000" cy="2387600"/>
-          </a:xfrm>
-        </p:spPr>
-        <p:txBody>
-          <a:bodyPr anchor="b"/>
-          <a:lstStyle>
-            <a:lvl1pPr algn="ctr">
-              <a:defRPr sz="6000"/>
-            </a:lvl1pPr>
-          </a:lstStyle>
+            <p:ph type="title"/>
+          </p:nvPr>
+        </p:nvSpPr>
+        <p:spPr/>
+        <p:txBody>
+          <a:bodyPr/>
+          <a:lstStyle/>
           <a:p>
             <a:r>
               <a:rPr lang="ko-KR" altLang="en-US"/>
@@ -199,64 +430,51 @@
       </p:sp>
       <p:sp>
         <p:nvSpPr>
-          <p:cNvPr id="3" name="부제목 2"/>
-          <p:cNvSpPr>
-            <a:spLocks noGrp="1"/>
-          </p:cNvSpPr>
-          <p:nvPr>
-            <p:ph type="subTitle" idx="1"/>
-          </p:nvPr>
-        </p:nvSpPr>
-        <p:spPr>
-          <a:xfrm>
-            <a:off x="1524000" y="3602038"/>
-            <a:ext cx="9144000" cy="1655762"/>
-          </a:xfrm>
-        </p:spPr>
-        <p:txBody>
-          <a:bodyPr/>
-          <a:lstStyle>
-            <a:lvl1pPr marL="0" indent="0" algn="ctr">
-              <a:buNone/>
-              <a:defRPr sz="2400"/>
-            </a:lvl1pPr>
-            <a:lvl2pPr marL="457200" indent="0" algn="ctr">
-              <a:buNone/>
-              <a:defRPr sz="2000"/>
-            </a:lvl2pPr>
-            <a:lvl3pPr marL="914400" indent="0" algn="ctr">
-              <a:buNone/>
-              <a:defRPr sz="1800"/>
-            </a:lvl3pPr>
-            <a:lvl4pPr marL="1371600" indent="0" algn="ctr">
-              <a:buNone/>
-              <a:defRPr sz="1600"/>
-            </a:lvl4pPr>
-            <a:lvl5pPr marL="1828800" indent="0" algn="ctr">
-              <a:buNone/>
-              <a:defRPr sz="1600"/>
-            </a:lvl5pPr>
-            <a:lvl6pPr marL="2286000" indent="0" algn="ctr">
-              <a:buNone/>
-              <a:defRPr sz="1600"/>
-            </a:lvl6pPr>
-            <a:lvl7pPr marL="2743200" indent="0" algn="ctr">
-              <a:buNone/>
-              <a:defRPr sz="1600"/>
-            </a:lvl7pPr>
-            <a:lvl8pPr marL="3200400" indent="0" algn="ctr">
-              <a:buNone/>
-              <a:defRPr sz="1600"/>
-            </a:lvl8pPr>
-            <a:lvl9pPr marL="3657600" indent="0" algn="ctr">
-              <a:buNone/>
-              <a:defRPr sz="1600"/>
-            </a:lvl9pPr>
-          </a:lstStyle>
-          <a:p>
+          <p:cNvPr id="3" name="세로 텍스트 개체 틀 2"/>
+          <p:cNvSpPr>
+            <a:spLocks noGrp="1"/>
+          </p:cNvSpPr>
+          <p:nvPr>
+            <p:ph type="body" orient="vert" idx="1"/>
+          </p:nvPr>
+        </p:nvSpPr>
+        <p:spPr/>
+        <p:txBody>
+          <a:bodyPr vert="eaVert"/>
+          <a:lstStyle/>
+          <a:p>
+            <a:pPr lvl="0"/>
             <a:r>
               <a:rPr lang="ko-KR" altLang="en-US"/>
-              <a:t>클릭하여 마스터 부제목 스타일 편집</a:t>
+              <a:t>마스터 텍스트 스타일 편집</a:t>
+            </a:r>
+          </a:p>
+          <a:p>
+            <a:pPr lvl="1"/>
+            <a:r>
+              <a:rPr lang="ko-KR" altLang="en-US"/>
+              <a:t>둘째 수준</a:t>
+            </a:r>
+          </a:p>
+          <a:p>
+            <a:pPr lvl="2"/>
+            <a:r>
+              <a:rPr lang="ko-KR" altLang="en-US"/>
+              <a:t>셋째 수준</a:t>
+            </a:r>
+          </a:p>
+          <a:p>
+            <a:pPr lvl="3"/>
+            <a:r>
+              <a:rPr lang="ko-KR" altLang="en-US"/>
+              <a:t>넷째 수준</a:t>
+            </a:r>
+          </a:p>
+          <a:p>
+            <a:pPr lvl="4"/>
+            <a:r>
+              <a:rPr lang="ko-KR" altLang="en-US"/>
+              <a:t>다섯째 수준</a:t>
             </a:r>
           </a:p>
         </p:txBody>
@@ -278,7 +496,7 @@
           <a:p>
             <a:fld id="{AF8BD327-8EDF-4A3A-80D5-1C0CCFBF0AF3}" type="datetimeFigureOut">
               <a:rPr lang="ko-KR" altLang="en-US" smtClean="0"/>
-              <a:t>2018-10-18</a:t>
+              <a:t>2018-10-19</a:t>
             </a:fld>
             <a:endParaRPr lang="ko-KR" altLang="en-US"/>
           </a:p>
@@ -326,174 +544,59 @@
           </a:p>
         </p:txBody>
       </p:sp>
-    </p:spTree>
-    <p:extLst>
-      <p:ext uri="{BB962C8B-B14F-4D97-AF65-F5344CB8AC3E}">
-        <p14:creationId xmlns:p14="http://schemas.microsoft.com/office/powerpoint/2010/main" val="3823520877"/>
-      </p:ext>
-    </p:extLst>
-  </p:cSld>
-  <p:clrMapOvr>
-    <a:masterClrMapping/>
-  </p:clrMapOvr>
-</p:sldLayout>
-</file>
-
-<file path=ppt/slideLayouts/slideLayout10.xml><?xml version="1.0" encoding="utf-8"?>
-<p:sldLayout xmlns:a="http://schemas.openxmlformats.org/drawingml/2006/main" xmlns:r="http://schemas.openxmlformats.org/officeDocument/2006/relationships" xmlns:p="http://schemas.openxmlformats.org/presentationml/2006/main" type="vertTx" preserve="1">
-  <p:cSld name="제목 및 세로 텍스트">
-    <p:spTree>
-      <p:nvGrpSpPr>
-        <p:cNvPr id="1" name=""/>
-        <p:cNvGrpSpPr/>
-        <p:nvPr/>
-      </p:nvGrpSpPr>
-      <p:grpSpPr>
-        <a:xfrm>
-          <a:off x="0" y="0"/>
-          <a:ext cx="0" cy="0"/>
-          <a:chOff x="0" y="0"/>
-          <a:chExt cx="0" cy="0"/>
-        </a:xfrm>
-      </p:grpSpPr>
-      <p:sp>
-        <p:nvSpPr>
-          <p:cNvPr id="2" name="제목 1"/>
-          <p:cNvSpPr>
-            <a:spLocks noGrp="1"/>
-          </p:cNvSpPr>
-          <p:nvPr>
-            <p:ph type="title"/>
-          </p:nvPr>
-        </p:nvSpPr>
-        <p:spPr/>
-        <p:txBody>
-          <a:bodyPr/>
-          <a:lstStyle/>
-          <a:p>
-            <a:r>
-              <a:rPr lang="ko-KR" altLang="en-US"/>
-              <a:t>마스터 제목 스타일 편집</a:t>
-            </a:r>
-          </a:p>
-        </p:txBody>
-      </p:sp>
-      <p:sp>
-        <p:nvSpPr>
-          <p:cNvPr id="3" name="세로 텍스트 개체 틀 2"/>
-          <p:cNvSpPr>
-            <a:spLocks noGrp="1"/>
-          </p:cNvSpPr>
-          <p:nvPr>
-            <p:ph type="body" orient="vert" idx="1"/>
-          </p:nvPr>
-        </p:nvSpPr>
-        <p:spPr/>
-        <p:txBody>
-          <a:bodyPr vert="eaVert"/>
-          <a:lstStyle/>
-          <a:p>
-            <a:pPr lvl="0"/>
-            <a:r>
-              <a:rPr lang="ko-KR" altLang="en-US"/>
-              <a:t>마스터 텍스트 스타일 편집</a:t>
-            </a:r>
-          </a:p>
-          <a:p>
-            <a:pPr lvl="1"/>
-            <a:r>
-              <a:rPr lang="ko-KR" altLang="en-US"/>
-              <a:t>둘째 수준</a:t>
-            </a:r>
-          </a:p>
-          <a:p>
-            <a:pPr lvl="2"/>
-            <a:r>
-              <a:rPr lang="ko-KR" altLang="en-US"/>
-              <a:t>셋째 수준</a:t>
-            </a:r>
-          </a:p>
-          <a:p>
-            <a:pPr lvl="3"/>
-            <a:r>
-              <a:rPr lang="ko-KR" altLang="en-US"/>
-              <a:t>넷째 수준</a:t>
-            </a:r>
-          </a:p>
-          <a:p>
-            <a:pPr lvl="4"/>
-            <a:r>
-              <a:rPr lang="ko-KR" altLang="en-US"/>
-              <a:t>다섯째 수준</a:t>
-            </a:r>
-          </a:p>
-        </p:txBody>
-      </p:sp>
-      <p:sp>
-        <p:nvSpPr>
-          <p:cNvPr id="4" name="날짜 개체 틀 3"/>
-          <p:cNvSpPr>
-            <a:spLocks noGrp="1"/>
-          </p:cNvSpPr>
-          <p:nvPr>
-            <p:ph type="dt" sz="half" idx="10"/>
-          </p:nvPr>
-        </p:nvSpPr>
-        <p:spPr/>
-        <p:txBody>
-          <a:bodyPr/>
-          <a:lstStyle/>
-          <a:p>
-            <a:fld id="{AF8BD327-8EDF-4A3A-80D5-1C0CCFBF0AF3}" type="datetimeFigureOut">
-              <a:rPr lang="ko-KR" altLang="en-US" smtClean="0"/>
-              <a:t>2018-10-18</a:t>
-            </a:fld>
-            <a:endParaRPr lang="ko-KR" altLang="en-US"/>
-          </a:p>
-        </p:txBody>
-      </p:sp>
-      <p:sp>
-        <p:nvSpPr>
-          <p:cNvPr id="5" name="바닥글 개체 틀 4"/>
-          <p:cNvSpPr>
-            <a:spLocks noGrp="1"/>
-          </p:cNvSpPr>
-          <p:nvPr>
-            <p:ph type="ftr" sz="quarter" idx="11"/>
-          </p:nvPr>
-        </p:nvSpPr>
-        <p:spPr/>
-        <p:txBody>
-          <a:bodyPr/>
-          <a:lstStyle/>
-          <a:p>
-            <a:endParaRPr lang="ko-KR" altLang="en-US"/>
-          </a:p>
-        </p:txBody>
-      </p:sp>
-      <p:sp>
-        <p:nvSpPr>
-          <p:cNvPr id="6" name="슬라이드 번호 개체 틀 5"/>
-          <p:cNvSpPr>
-            <a:spLocks noGrp="1"/>
-          </p:cNvSpPr>
-          <p:nvPr>
-            <p:ph type="sldNum" sz="quarter" idx="12"/>
-          </p:nvPr>
-        </p:nvSpPr>
-        <p:spPr/>
-        <p:txBody>
-          <a:bodyPr/>
-          <a:lstStyle/>
-          <a:p>
-            <a:fld id="{32C31704-2E3B-4618-8147-AD51354D0FB1}" type="slidenum">
-              <a:rPr lang="ko-KR" altLang="en-US" smtClean="0"/>
-              <a:t>‹#›</a:t>
-            </a:fld>
-            <a:endParaRPr lang="ko-KR" altLang="en-US"/>
-          </a:p>
-        </p:txBody>
-      </p:sp>
+      <p:pic>
+        <p:nvPicPr>
+          <p:cNvPr id="8" name="Picture 2" descr="C:\Users\MS_House\Downloads\Document-master\DreamTree_icon.png"/>
+          <p:cNvPicPr>
+            <a:picLocks noChangeAspect="1" noChangeArrowheads="1"/>
+          </p:cNvPicPr>
+          <p:nvPr userDrawn="1"/>
+        </p:nvPicPr>
+        <p:blipFill>
+          <a:blip r:embed="rId3" cstate="print">
+            <a:extLst>
+              <a:ext uri="{BEBA8EAE-BF5A-486C-A8C5-ECC9F3942E4B}">
+                <a14:imgProps xmlns:a14="http://schemas.microsoft.com/office/drawing/2010/main">
+                  <a14:imgLayer r:embed="rId4">
+                    <a14:imgEffect>
+                      <a14:saturation sat="60000"/>
+                    </a14:imgEffect>
+                    <a14:imgEffect>
+                      <a14:brightnessContrast bright="-18000"/>
+                    </a14:imgEffect>
+                  </a14:imgLayer>
+                </a14:imgProps>
+              </a:ext>
+              <a:ext uri="{28A0092B-C50C-407E-A947-70E740481C1C}">
+                <a14:useLocalDpi xmlns:a14="http://schemas.microsoft.com/office/drawing/2010/main" val="0"/>
+              </a:ext>
+            </a:extLst>
+          </a:blip>
+          <a:srcRect/>
+          <a:stretch>
+            <a:fillRect/>
+          </a:stretch>
+        </p:blipFill>
+        <p:spPr bwMode="auto">
+          <a:xfrm>
+            <a:off x="11488848" y="6197302"/>
+            <a:ext cx="569834" cy="563246"/>
+          </a:xfrm>
+          <a:prstGeom prst="rect">
+            <a:avLst/>
+          </a:prstGeom>
+          <a:noFill/>
+          <a:extLst>
+            <a:ext uri="{909E8E84-426E-40DD-AFC4-6F175D3DCCD1}">
+              <a14:hiddenFill xmlns:a14="http://schemas.microsoft.com/office/drawing/2010/main">
+                <a:solidFill>
+                  <a:srgbClr val="FFFFFF"/>
+                </a:solidFill>
+              </a14:hiddenFill>
+            </a:ext>
+          </a:extLst>
+        </p:spPr>
+      </p:pic>
     </p:spTree>
     <p:extLst>
       <p:ext uri="{BB962C8B-B14F-4D97-AF65-F5344CB8AC3E}">
@@ -504,6 +607,13 @@
   <p:clrMapOvr>
     <a:masterClrMapping/>
   </p:clrMapOvr>
+  <p:timing>
+    <p:tnLst>
+      <p:par>
+        <p:cTn id="1" dur="indefinite" restart="never" nodeType="tmRoot"/>
+      </p:par>
+    </p:tnLst>
+  </p:timing>
 </p:sldLayout>
 </file>
 
@@ -524,439 +634,6 @@
           <a:chExt cx="0" cy="0"/>
         </a:xfrm>
       </p:grpSpPr>
-      <p:sp>
-        <p:nvSpPr>
-          <p:cNvPr id="2" name="세로 제목 1"/>
-          <p:cNvSpPr>
-            <a:spLocks noGrp="1"/>
-          </p:cNvSpPr>
-          <p:nvPr>
-            <p:ph type="title" orient="vert"/>
-          </p:nvPr>
-        </p:nvSpPr>
-        <p:spPr>
-          <a:xfrm>
-            <a:off x="8724900" y="365125"/>
-            <a:ext cx="2628900" cy="5811838"/>
-          </a:xfrm>
-        </p:spPr>
-        <p:txBody>
-          <a:bodyPr vert="eaVert"/>
-          <a:lstStyle/>
-          <a:p>
-            <a:r>
-              <a:rPr lang="ko-KR" altLang="en-US"/>
-              <a:t>마스터 제목 스타일 편집</a:t>
-            </a:r>
-          </a:p>
-        </p:txBody>
-      </p:sp>
-      <p:sp>
-        <p:nvSpPr>
-          <p:cNvPr id="3" name="세로 텍스트 개체 틀 2"/>
-          <p:cNvSpPr>
-            <a:spLocks noGrp="1"/>
-          </p:cNvSpPr>
-          <p:nvPr>
-            <p:ph type="body" orient="vert" idx="1"/>
-          </p:nvPr>
-        </p:nvSpPr>
-        <p:spPr>
-          <a:xfrm>
-            <a:off x="838200" y="365125"/>
-            <a:ext cx="7734300" cy="5811838"/>
-          </a:xfrm>
-        </p:spPr>
-        <p:txBody>
-          <a:bodyPr vert="eaVert"/>
-          <a:lstStyle/>
-          <a:p>
-            <a:pPr lvl="0"/>
-            <a:r>
-              <a:rPr lang="ko-KR" altLang="en-US"/>
-              <a:t>마스터 텍스트 스타일 편집</a:t>
-            </a:r>
-          </a:p>
-          <a:p>
-            <a:pPr lvl="1"/>
-            <a:r>
-              <a:rPr lang="ko-KR" altLang="en-US"/>
-              <a:t>둘째 수준</a:t>
-            </a:r>
-          </a:p>
-          <a:p>
-            <a:pPr lvl="2"/>
-            <a:r>
-              <a:rPr lang="ko-KR" altLang="en-US"/>
-              <a:t>셋째 수준</a:t>
-            </a:r>
-          </a:p>
-          <a:p>
-            <a:pPr lvl="3"/>
-            <a:r>
-              <a:rPr lang="ko-KR" altLang="en-US"/>
-              <a:t>넷째 수준</a:t>
-            </a:r>
-          </a:p>
-          <a:p>
-            <a:pPr lvl="4"/>
-            <a:r>
-              <a:rPr lang="ko-KR" altLang="en-US"/>
-              <a:t>다섯째 수준</a:t>
-            </a:r>
-          </a:p>
-        </p:txBody>
-      </p:sp>
-      <p:sp>
-        <p:nvSpPr>
-          <p:cNvPr id="4" name="날짜 개체 틀 3"/>
-          <p:cNvSpPr>
-            <a:spLocks noGrp="1"/>
-          </p:cNvSpPr>
-          <p:nvPr>
-            <p:ph type="dt" sz="half" idx="10"/>
-          </p:nvPr>
-        </p:nvSpPr>
-        <p:spPr/>
-        <p:txBody>
-          <a:bodyPr/>
-          <a:lstStyle/>
-          <a:p>
-            <a:fld id="{AF8BD327-8EDF-4A3A-80D5-1C0CCFBF0AF3}" type="datetimeFigureOut">
-              <a:rPr lang="ko-KR" altLang="en-US" smtClean="0"/>
-              <a:t>2018-10-18</a:t>
-            </a:fld>
-            <a:endParaRPr lang="ko-KR" altLang="en-US"/>
-          </a:p>
-        </p:txBody>
-      </p:sp>
-      <p:sp>
-        <p:nvSpPr>
-          <p:cNvPr id="5" name="바닥글 개체 틀 4"/>
-          <p:cNvSpPr>
-            <a:spLocks noGrp="1"/>
-          </p:cNvSpPr>
-          <p:nvPr>
-            <p:ph type="ftr" sz="quarter" idx="11"/>
-          </p:nvPr>
-        </p:nvSpPr>
-        <p:spPr/>
-        <p:txBody>
-          <a:bodyPr/>
-          <a:lstStyle/>
-          <a:p>
-            <a:endParaRPr lang="ko-KR" altLang="en-US"/>
-          </a:p>
-        </p:txBody>
-      </p:sp>
-      <p:sp>
-        <p:nvSpPr>
-          <p:cNvPr id="6" name="슬라이드 번호 개체 틀 5"/>
-          <p:cNvSpPr>
-            <a:spLocks noGrp="1"/>
-          </p:cNvSpPr>
-          <p:nvPr>
-            <p:ph type="sldNum" sz="quarter" idx="12"/>
-          </p:nvPr>
-        </p:nvSpPr>
-        <p:spPr/>
-        <p:txBody>
-          <a:bodyPr/>
-          <a:lstStyle/>
-          <a:p>
-            <a:fld id="{32C31704-2E3B-4618-8147-AD51354D0FB1}" type="slidenum">
-              <a:rPr lang="ko-KR" altLang="en-US" smtClean="0"/>
-              <a:t>‹#›</a:t>
-            </a:fld>
-            <a:endParaRPr lang="ko-KR" altLang="en-US"/>
-          </a:p>
-        </p:txBody>
-      </p:sp>
-    </p:spTree>
-    <p:extLst>
-      <p:ext uri="{BB962C8B-B14F-4D97-AF65-F5344CB8AC3E}">
-        <p14:creationId xmlns:p14="http://schemas.microsoft.com/office/powerpoint/2010/main" val="2093705424"/>
-      </p:ext>
-    </p:extLst>
-  </p:cSld>
-  <p:clrMapOvr>
-    <a:masterClrMapping/>
-  </p:clrMapOvr>
-</p:sldLayout>
-</file>
-
-<file path=ppt/slideLayouts/slideLayout12.xml><?xml version="1.0" encoding="utf-8"?>
-<p:sldLayout xmlns:a="http://schemas.openxmlformats.org/drawingml/2006/main" xmlns:r="http://schemas.openxmlformats.org/officeDocument/2006/relationships" xmlns:p="http://schemas.openxmlformats.org/presentationml/2006/main" preserve="1" userDrawn="1">
-  <p:cSld name="사용자 지정 레이아웃">
-    <p:spTree>
-      <p:nvGrpSpPr>
-        <p:cNvPr id="1" name=""/>
-        <p:cNvGrpSpPr/>
-        <p:nvPr/>
-      </p:nvGrpSpPr>
-      <p:grpSpPr>
-        <a:xfrm>
-          <a:off x="0" y="0"/>
-          <a:ext cx="0" cy="0"/>
-          <a:chOff x="0" y="0"/>
-          <a:chExt cx="0" cy="0"/>
-        </a:xfrm>
-      </p:grpSpPr>
-      <p:sp>
-        <p:nvSpPr>
-          <p:cNvPr id="2" name="제목 1"/>
-          <p:cNvSpPr>
-            <a:spLocks noGrp="1"/>
-          </p:cNvSpPr>
-          <p:nvPr>
-            <p:ph type="title"/>
-          </p:nvPr>
-        </p:nvSpPr>
-        <p:spPr/>
-        <p:txBody>
-          <a:bodyPr/>
-          <a:lstStyle/>
-          <a:p>
-            <a:r>
-              <a:rPr lang="ko-KR" altLang="en-US"/>
-              <a:t>마스터 제목 스타일 편집</a:t>
-            </a:r>
-          </a:p>
-        </p:txBody>
-      </p:sp>
-      <p:sp>
-        <p:nvSpPr>
-          <p:cNvPr id="3" name="날짜 개체 틀 2"/>
-          <p:cNvSpPr>
-            <a:spLocks noGrp="1"/>
-          </p:cNvSpPr>
-          <p:nvPr>
-            <p:ph type="dt" sz="half" idx="10"/>
-          </p:nvPr>
-        </p:nvSpPr>
-        <p:spPr/>
-        <p:txBody>
-          <a:bodyPr/>
-          <a:lstStyle/>
-          <a:p>
-            <a:fld id="{AF8BD327-8EDF-4A3A-80D5-1C0CCFBF0AF3}" type="datetimeFigureOut">
-              <a:rPr lang="ko-KR" altLang="en-US" smtClean="0"/>
-              <a:t>2018-10-18</a:t>
-            </a:fld>
-            <a:endParaRPr lang="ko-KR" altLang="en-US"/>
-          </a:p>
-        </p:txBody>
-      </p:sp>
-      <p:sp>
-        <p:nvSpPr>
-          <p:cNvPr id="4" name="바닥글 개체 틀 3"/>
-          <p:cNvSpPr>
-            <a:spLocks noGrp="1"/>
-          </p:cNvSpPr>
-          <p:nvPr>
-            <p:ph type="ftr" sz="quarter" idx="11"/>
-          </p:nvPr>
-        </p:nvSpPr>
-        <p:spPr/>
-        <p:txBody>
-          <a:bodyPr/>
-          <a:lstStyle/>
-          <a:p>
-            <a:endParaRPr lang="ko-KR" altLang="en-US"/>
-          </a:p>
-        </p:txBody>
-      </p:sp>
-      <p:sp>
-        <p:nvSpPr>
-          <p:cNvPr id="5" name="슬라이드 번호 개체 틀 4"/>
-          <p:cNvSpPr>
-            <a:spLocks noGrp="1"/>
-          </p:cNvSpPr>
-          <p:nvPr>
-            <p:ph type="sldNum" sz="quarter" idx="12"/>
-          </p:nvPr>
-        </p:nvSpPr>
-        <p:spPr/>
-        <p:txBody>
-          <a:bodyPr/>
-          <a:lstStyle/>
-          <a:p>
-            <a:fld id="{32C31704-2E3B-4618-8147-AD51354D0FB1}" type="slidenum">
-              <a:rPr lang="ko-KR" altLang="en-US" smtClean="0"/>
-              <a:t>‹#›</a:t>
-            </a:fld>
-            <a:endParaRPr lang="ko-KR" altLang="en-US"/>
-          </a:p>
-        </p:txBody>
-      </p:sp>
-    </p:spTree>
-    <p:extLst>
-      <p:ext uri="{BB962C8B-B14F-4D97-AF65-F5344CB8AC3E}">
-        <p14:creationId xmlns:p14="http://schemas.microsoft.com/office/powerpoint/2010/main" val="1295471573"/>
-      </p:ext>
-    </p:extLst>
-  </p:cSld>
-  <p:clrMapOvr>
-    <a:masterClrMapping/>
-  </p:clrMapOvr>
-</p:sldLayout>
-</file>
-
-<file path=ppt/slideLayouts/slideLayout2.xml><?xml version="1.0" encoding="utf-8"?>
-<p:sldLayout xmlns:a="http://schemas.openxmlformats.org/drawingml/2006/main" xmlns:r="http://schemas.openxmlformats.org/officeDocument/2006/relationships" xmlns:p="http://schemas.openxmlformats.org/presentationml/2006/main" type="obj" preserve="1">
-  <p:cSld name="제목 및 내용">
-    <p:spTree>
-      <p:nvGrpSpPr>
-        <p:cNvPr id="1" name=""/>
-        <p:cNvGrpSpPr/>
-        <p:nvPr/>
-      </p:nvGrpSpPr>
-      <p:grpSpPr>
-        <a:xfrm>
-          <a:off x="0" y="0"/>
-          <a:ext cx="0" cy="0"/>
-          <a:chOff x="0" y="0"/>
-          <a:chExt cx="0" cy="0"/>
-        </a:xfrm>
-      </p:grpSpPr>
-      <p:sp>
-        <p:nvSpPr>
-          <p:cNvPr id="2" name="제목 1"/>
-          <p:cNvSpPr>
-            <a:spLocks noGrp="1"/>
-          </p:cNvSpPr>
-          <p:nvPr>
-            <p:ph type="title"/>
-          </p:nvPr>
-        </p:nvSpPr>
-        <p:spPr/>
-        <p:txBody>
-          <a:bodyPr/>
-          <a:lstStyle/>
-          <a:p>
-            <a:r>
-              <a:rPr lang="ko-KR" altLang="en-US"/>
-              <a:t>마스터 제목 스타일 편집</a:t>
-            </a:r>
-          </a:p>
-        </p:txBody>
-      </p:sp>
-      <p:sp>
-        <p:nvSpPr>
-          <p:cNvPr id="3" name="내용 개체 틀 2"/>
-          <p:cNvSpPr>
-            <a:spLocks noGrp="1"/>
-          </p:cNvSpPr>
-          <p:nvPr>
-            <p:ph idx="1"/>
-          </p:nvPr>
-        </p:nvSpPr>
-        <p:spPr/>
-        <p:txBody>
-          <a:bodyPr/>
-          <a:lstStyle/>
-          <a:p>
-            <a:pPr lvl="0"/>
-            <a:r>
-              <a:rPr lang="ko-KR" altLang="en-US"/>
-              <a:t>마스터 텍스트 스타일 편집</a:t>
-            </a:r>
-          </a:p>
-          <a:p>
-            <a:pPr lvl="1"/>
-            <a:r>
-              <a:rPr lang="ko-KR" altLang="en-US"/>
-              <a:t>둘째 수준</a:t>
-            </a:r>
-          </a:p>
-          <a:p>
-            <a:pPr lvl="2"/>
-            <a:r>
-              <a:rPr lang="ko-KR" altLang="en-US"/>
-              <a:t>셋째 수준</a:t>
-            </a:r>
-          </a:p>
-          <a:p>
-            <a:pPr lvl="3"/>
-            <a:r>
-              <a:rPr lang="ko-KR" altLang="en-US"/>
-              <a:t>넷째 수준</a:t>
-            </a:r>
-          </a:p>
-          <a:p>
-            <a:pPr lvl="4"/>
-            <a:r>
-              <a:rPr lang="ko-KR" altLang="en-US"/>
-              <a:t>다섯째 수준</a:t>
-            </a:r>
-          </a:p>
-        </p:txBody>
-      </p:sp>
-      <p:sp>
-        <p:nvSpPr>
-          <p:cNvPr id="4" name="날짜 개체 틀 3"/>
-          <p:cNvSpPr>
-            <a:spLocks noGrp="1"/>
-          </p:cNvSpPr>
-          <p:nvPr>
-            <p:ph type="dt" sz="half" idx="10"/>
-          </p:nvPr>
-        </p:nvSpPr>
-        <p:spPr/>
-        <p:txBody>
-          <a:bodyPr/>
-          <a:lstStyle/>
-          <a:p>
-            <a:fld id="{AF8BD327-8EDF-4A3A-80D5-1C0CCFBF0AF3}" type="datetimeFigureOut">
-              <a:rPr lang="ko-KR" altLang="en-US" smtClean="0"/>
-              <a:t>2018-10-18</a:t>
-            </a:fld>
-            <a:endParaRPr lang="ko-KR" altLang="en-US"/>
-          </a:p>
-        </p:txBody>
-      </p:sp>
-      <p:sp>
-        <p:nvSpPr>
-          <p:cNvPr id="5" name="바닥글 개체 틀 4"/>
-          <p:cNvSpPr>
-            <a:spLocks noGrp="1"/>
-          </p:cNvSpPr>
-          <p:nvPr>
-            <p:ph type="ftr" sz="quarter" idx="11"/>
-          </p:nvPr>
-        </p:nvSpPr>
-        <p:spPr/>
-        <p:txBody>
-          <a:bodyPr/>
-          <a:lstStyle/>
-          <a:p>
-            <a:endParaRPr lang="ko-KR" altLang="en-US"/>
-          </a:p>
-        </p:txBody>
-      </p:sp>
-      <p:sp>
-        <p:nvSpPr>
-          <p:cNvPr id="6" name="슬라이드 번호 개체 틀 5"/>
-          <p:cNvSpPr>
-            <a:spLocks noGrp="1"/>
-          </p:cNvSpPr>
-          <p:nvPr>
-            <p:ph type="sldNum" sz="quarter" idx="12"/>
-          </p:nvPr>
-        </p:nvSpPr>
-        <p:spPr/>
-        <p:txBody>
-          <a:bodyPr/>
-          <a:lstStyle/>
-          <a:p>
-            <a:fld id="{32C31704-2E3B-4618-8147-AD51354D0FB1}" type="slidenum">
-              <a:rPr lang="ko-KR" altLang="en-US" smtClean="0"/>
-              <a:t>‹#›</a:t>
-            </a:fld>
-            <a:endParaRPr lang="ko-KR" altLang="en-US"/>
-          </a:p>
-        </p:txBody>
-      </p:sp>
       <p:pic>
         <p:nvPicPr>
           <p:cNvPr id="7" name="그림 6"/>
@@ -987,6 +664,672 @@
           </a:prstGeom>
         </p:spPr>
       </p:pic>
+      <p:sp>
+        <p:nvSpPr>
+          <p:cNvPr id="2" name="세로 제목 1"/>
+          <p:cNvSpPr>
+            <a:spLocks noGrp="1"/>
+          </p:cNvSpPr>
+          <p:nvPr>
+            <p:ph type="title" orient="vert"/>
+          </p:nvPr>
+        </p:nvSpPr>
+        <p:spPr>
+          <a:xfrm>
+            <a:off x="8724900" y="365125"/>
+            <a:ext cx="2628900" cy="5811838"/>
+          </a:xfrm>
+        </p:spPr>
+        <p:txBody>
+          <a:bodyPr vert="eaVert"/>
+          <a:lstStyle/>
+          <a:p>
+            <a:r>
+              <a:rPr lang="ko-KR" altLang="en-US"/>
+              <a:t>마스터 제목 스타일 편집</a:t>
+            </a:r>
+          </a:p>
+        </p:txBody>
+      </p:sp>
+      <p:sp>
+        <p:nvSpPr>
+          <p:cNvPr id="3" name="세로 텍스트 개체 틀 2"/>
+          <p:cNvSpPr>
+            <a:spLocks noGrp="1"/>
+          </p:cNvSpPr>
+          <p:nvPr>
+            <p:ph type="body" orient="vert" idx="1"/>
+          </p:nvPr>
+        </p:nvSpPr>
+        <p:spPr>
+          <a:xfrm>
+            <a:off x="838200" y="365125"/>
+            <a:ext cx="7734300" cy="5811838"/>
+          </a:xfrm>
+        </p:spPr>
+        <p:txBody>
+          <a:bodyPr vert="eaVert"/>
+          <a:lstStyle/>
+          <a:p>
+            <a:pPr lvl="0"/>
+            <a:r>
+              <a:rPr lang="ko-KR" altLang="en-US"/>
+              <a:t>마스터 텍스트 스타일 편집</a:t>
+            </a:r>
+          </a:p>
+          <a:p>
+            <a:pPr lvl="1"/>
+            <a:r>
+              <a:rPr lang="ko-KR" altLang="en-US"/>
+              <a:t>둘째 수준</a:t>
+            </a:r>
+          </a:p>
+          <a:p>
+            <a:pPr lvl="2"/>
+            <a:r>
+              <a:rPr lang="ko-KR" altLang="en-US"/>
+              <a:t>셋째 수준</a:t>
+            </a:r>
+          </a:p>
+          <a:p>
+            <a:pPr lvl="3"/>
+            <a:r>
+              <a:rPr lang="ko-KR" altLang="en-US"/>
+              <a:t>넷째 수준</a:t>
+            </a:r>
+          </a:p>
+          <a:p>
+            <a:pPr lvl="4"/>
+            <a:r>
+              <a:rPr lang="ko-KR" altLang="en-US"/>
+              <a:t>다섯째 수준</a:t>
+            </a:r>
+          </a:p>
+        </p:txBody>
+      </p:sp>
+      <p:sp>
+        <p:nvSpPr>
+          <p:cNvPr id="4" name="날짜 개체 틀 3"/>
+          <p:cNvSpPr>
+            <a:spLocks noGrp="1"/>
+          </p:cNvSpPr>
+          <p:nvPr>
+            <p:ph type="dt" sz="half" idx="10"/>
+          </p:nvPr>
+        </p:nvSpPr>
+        <p:spPr/>
+        <p:txBody>
+          <a:bodyPr/>
+          <a:lstStyle/>
+          <a:p>
+            <a:fld id="{AF8BD327-8EDF-4A3A-80D5-1C0CCFBF0AF3}" type="datetimeFigureOut">
+              <a:rPr lang="ko-KR" altLang="en-US" smtClean="0"/>
+              <a:t>2018-10-19</a:t>
+            </a:fld>
+            <a:endParaRPr lang="ko-KR" altLang="en-US"/>
+          </a:p>
+        </p:txBody>
+      </p:sp>
+      <p:sp>
+        <p:nvSpPr>
+          <p:cNvPr id="5" name="바닥글 개체 틀 4"/>
+          <p:cNvSpPr>
+            <a:spLocks noGrp="1"/>
+          </p:cNvSpPr>
+          <p:nvPr>
+            <p:ph type="ftr" sz="quarter" idx="11"/>
+          </p:nvPr>
+        </p:nvSpPr>
+        <p:spPr/>
+        <p:txBody>
+          <a:bodyPr/>
+          <a:lstStyle/>
+          <a:p>
+            <a:endParaRPr lang="ko-KR" altLang="en-US"/>
+          </a:p>
+        </p:txBody>
+      </p:sp>
+      <p:sp>
+        <p:nvSpPr>
+          <p:cNvPr id="6" name="슬라이드 번호 개체 틀 5"/>
+          <p:cNvSpPr>
+            <a:spLocks noGrp="1"/>
+          </p:cNvSpPr>
+          <p:nvPr>
+            <p:ph type="sldNum" sz="quarter" idx="12"/>
+          </p:nvPr>
+        </p:nvSpPr>
+        <p:spPr/>
+        <p:txBody>
+          <a:bodyPr/>
+          <a:lstStyle/>
+          <a:p>
+            <a:fld id="{32C31704-2E3B-4618-8147-AD51354D0FB1}" type="slidenum">
+              <a:rPr lang="ko-KR" altLang="en-US" smtClean="0"/>
+              <a:t>‹#›</a:t>
+            </a:fld>
+            <a:endParaRPr lang="ko-KR" altLang="en-US"/>
+          </a:p>
+        </p:txBody>
+      </p:sp>
+      <p:pic>
+        <p:nvPicPr>
+          <p:cNvPr id="8" name="Picture 2" descr="C:\Users\MS_House\Downloads\Document-master\DreamTree_icon.png"/>
+          <p:cNvPicPr>
+            <a:picLocks noChangeAspect="1" noChangeArrowheads="1"/>
+          </p:cNvPicPr>
+          <p:nvPr userDrawn="1"/>
+        </p:nvPicPr>
+        <p:blipFill>
+          <a:blip r:embed="rId3" cstate="print">
+            <a:extLst>
+              <a:ext uri="{BEBA8EAE-BF5A-486C-A8C5-ECC9F3942E4B}">
+                <a14:imgProps xmlns:a14="http://schemas.microsoft.com/office/drawing/2010/main">
+                  <a14:imgLayer r:embed="rId4">
+                    <a14:imgEffect>
+                      <a14:saturation sat="60000"/>
+                    </a14:imgEffect>
+                    <a14:imgEffect>
+                      <a14:brightnessContrast bright="-18000"/>
+                    </a14:imgEffect>
+                  </a14:imgLayer>
+                </a14:imgProps>
+              </a:ext>
+              <a:ext uri="{28A0092B-C50C-407E-A947-70E740481C1C}">
+                <a14:useLocalDpi xmlns:a14="http://schemas.microsoft.com/office/drawing/2010/main" val="0"/>
+              </a:ext>
+            </a:extLst>
+          </a:blip>
+          <a:srcRect/>
+          <a:stretch>
+            <a:fillRect/>
+          </a:stretch>
+        </p:blipFill>
+        <p:spPr bwMode="auto">
+          <a:xfrm>
+            <a:off x="11488848" y="6197302"/>
+            <a:ext cx="569834" cy="563246"/>
+          </a:xfrm>
+          <a:prstGeom prst="rect">
+            <a:avLst/>
+          </a:prstGeom>
+          <a:noFill/>
+          <a:extLst>
+            <a:ext uri="{909E8E84-426E-40DD-AFC4-6F175D3DCCD1}">
+              <a14:hiddenFill xmlns:a14="http://schemas.microsoft.com/office/drawing/2010/main">
+                <a:solidFill>
+                  <a:srgbClr val="FFFFFF"/>
+                </a:solidFill>
+              </a14:hiddenFill>
+            </a:ext>
+          </a:extLst>
+        </p:spPr>
+      </p:pic>
+    </p:spTree>
+    <p:extLst>
+      <p:ext uri="{BB962C8B-B14F-4D97-AF65-F5344CB8AC3E}">
+        <p14:creationId xmlns:p14="http://schemas.microsoft.com/office/powerpoint/2010/main" val="2093705424"/>
+      </p:ext>
+    </p:extLst>
+  </p:cSld>
+  <p:clrMapOvr>
+    <a:masterClrMapping/>
+  </p:clrMapOvr>
+  <p:timing>
+    <p:tnLst>
+      <p:par>
+        <p:cTn id="1" dur="indefinite" restart="never" nodeType="tmRoot"/>
+      </p:par>
+    </p:tnLst>
+  </p:timing>
+</p:sldLayout>
+</file>
+
+<file path=ppt/slideLayouts/slideLayout12.xml><?xml version="1.0" encoding="utf-8"?>
+<p:sldLayout xmlns:a="http://schemas.openxmlformats.org/drawingml/2006/main" xmlns:r="http://schemas.openxmlformats.org/officeDocument/2006/relationships" xmlns:p="http://schemas.openxmlformats.org/presentationml/2006/main" preserve="1" userDrawn="1">
+  <p:cSld name="사용자 지정 레이아웃">
+    <p:spTree>
+      <p:nvGrpSpPr>
+        <p:cNvPr id="1" name=""/>
+        <p:cNvGrpSpPr/>
+        <p:nvPr/>
+      </p:nvGrpSpPr>
+      <p:grpSpPr>
+        <a:xfrm>
+          <a:off x="0" y="0"/>
+          <a:ext cx="0" cy="0"/>
+          <a:chOff x="0" y="0"/>
+          <a:chExt cx="0" cy="0"/>
+        </a:xfrm>
+      </p:grpSpPr>
+      <p:pic>
+        <p:nvPicPr>
+          <p:cNvPr id="6" name="그림 5"/>
+          <p:cNvPicPr>
+            <a:picLocks noChangeAspect="1"/>
+          </p:cNvPicPr>
+          <p:nvPr userDrawn="1"/>
+        </p:nvPicPr>
+        <p:blipFill>
+          <a:blip r:embed="rId2">
+            <a:extLst>
+              <a:ext uri="{28A0092B-C50C-407E-A947-70E740481C1C}">
+                <a14:useLocalDpi xmlns:a14="http://schemas.microsoft.com/office/drawing/2010/main" val="0"/>
+              </a:ext>
+            </a:extLst>
+          </a:blip>
+          <a:stretch>
+            <a:fillRect/>
+          </a:stretch>
+        </p:blipFill>
+        <p:spPr>
+          <a:xfrm>
+            <a:off x="0" y="1"/>
+            <a:ext cx="12192000" cy="6858000"/>
+          </a:xfrm>
+          <a:prstGeom prst="rect">
+            <a:avLst/>
+          </a:prstGeom>
+        </p:spPr>
+      </p:pic>
+      <p:sp>
+        <p:nvSpPr>
+          <p:cNvPr id="2" name="제목 1"/>
+          <p:cNvSpPr>
+            <a:spLocks noGrp="1"/>
+          </p:cNvSpPr>
+          <p:nvPr>
+            <p:ph type="title"/>
+          </p:nvPr>
+        </p:nvSpPr>
+        <p:spPr/>
+        <p:txBody>
+          <a:bodyPr/>
+          <a:lstStyle/>
+          <a:p>
+            <a:r>
+              <a:rPr lang="ko-KR" altLang="en-US"/>
+              <a:t>마스터 제목 스타일 편집</a:t>
+            </a:r>
+          </a:p>
+        </p:txBody>
+      </p:sp>
+      <p:sp>
+        <p:nvSpPr>
+          <p:cNvPr id="3" name="날짜 개체 틀 2"/>
+          <p:cNvSpPr>
+            <a:spLocks noGrp="1"/>
+          </p:cNvSpPr>
+          <p:nvPr>
+            <p:ph type="dt" sz="half" idx="10"/>
+          </p:nvPr>
+        </p:nvSpPr>
+        <p:spPr/>
+        <p:txBody>
+          <a:bodyPr/>
+          <a:lstStyle/>
+          <a:p>
+            <a:fld id="{AF8BD327-8EDF-4A3A-80D5-1C0CCFBF0AF3}" type="datetimeFigureOut">
+              <a:rPr lang="ko-KR" altLang="en-US" smtClean="0"/>
+              <a:t>2018-10-19</a:t>
+            </a:fld>
+            <a:endParaRPr lang="ko-KR" altLang="en-US"/>
+          </a:p>
+        </p:txBody>
+      </p:sp>
+      <p:sp>
+        <p:nvSpPr>
+          <p:cNvPr id="4" name="바닥글 개체 틀 3"/>
+          <p:cNvSpPr>
+            <a:spLocks noGrp="1"/>
+          </p:cNvSpPr>
+          <p:nvPr>
+            <p:ph type="ftr" sz="quarter" idx="11"/>
+          </p:nvPr>
+        </p:nvSpPr>
+        <p:spPr/>
+        <p:txBody>
+          <a:bodyPr/>
+          <a:lstStyle/>
+          <a:p>
+            <a:endParaRPr lang="ko-KR" altLang="en-US"/>
+          </a:p>
+        </p:txBody>
+      </p:sp>
+      <p:sp>
+        <p:nvSpPr>
+          <p:cNvPr id="5" name="슬라이드 번호 개체 틀 4"/>
+          <p:cNvSpPr>
+            <a:spLocks noGrp="1"/>
+          </p:cNvSpPr>
+          <p:nvPr>
+            <p:ph type="sldNum" sz="quarter" idx="12"/>
+          </p:nvPr>
+        </p:nvSpPr>
+        <p:spPr/>
+        <p:txBody>
+          <a:bodyPr/>
+          <a:lstStyle/>
+          <a:p>
+            <a:fld id="{32C31704-2E3B-4618-8147-AD51354D0FB1}" type="slidenum">
+              <a:rPr lang="ko-KR" altLang="en-US" smtClean="0"/>
+              <a:t>‹#›</a:t>
+            </a:fld>
+            <a:endParaRPr lang="ko-KR" altLang="en-US"/>
+          </a:p>
+        </p:txBody>
+      </p:sp>
+      <p:pic>
+        <p:nvPicPr>
+          <p:cNvPr id="7" name="Picture 2" descr="C:\Users\MS_House\Downloads\Document-master\DreamTree_icon.png"/>
+          <p:cNvPicPr>
+            <a:picLocks noChangeAspect="1" noChangeArrowheads="1"/>
+          </p:cNvPicPr>
+          <p:nvPr userDrawn="1"/>
+        </p:nvPicPr>
+        <p:blipFill>
+          <a:blip r:embed="rId3" cstate="print">
+            <a:extLst>
+              <a:ext uri="{BEBA8EAE-BF5A-486C-A8C5-ECC9F3942E4B}">
+                <a14:imgProps xmlns:a14="http://schemas.microsoft.com/office/drawing/2010/main">
+                  <a14:imgLayer r:embed="rId4">
+                    <a14:imgEffect>
+                      <a14:saturation sat="60000"/>
+                    </a14:imgEffect>
+                    <a14:imgEffect>
+                      <a14:brightnessContrast bright="-18000"/>
+                    </a14:imgEffect>
+                  </a14:imgLayer>
+                </a14:imgProps>
+              </a:ext>
+              <a:ext uri="{28A0092B-C50C-407E-A947-70E740481C1C}">
+                <a14:useLocalDpi xmlns:a14="http://schemas.microsoft.com/office/drawing/2010/main" val="0"/>
+              </a:ext>
+            </a:extLst>
+          </a:blip>
+          <a:srcRect/>
+          <a:stretch>
+            <a:fillRect/>
+          </a:stretch>
+        </p:blipFill>
+        <p:spPr bwMode="auto">
+          <a:xfrm>
+            <a:off x="11488848" y="6197302"/>
+            <a:ext cx="569834" cy="563246"/>
+          </a:xfrm>
+          <a:prstGeom prst="rect">
+            <a:avLst/>
+          </a:prstGeom>
+          <a:noFill/>
+          <a:extLst>
+            <a:ext uri="{909E8E84-426E-40DD-AFC4-6F175D3DCCD1}">
+              <a14:hiddenFill xmlns:a14="http://schemas.microsoft.com/office/drawing/2010/main">
+                <a:solidFill>
+                  <a:srgbClr val="FFFFFF"/>
+                </a:solidFill>
+              </a14:hiddenFill>
+            </a:ext>
+          </a:extLst>
+        </p:spPr>
+      </p:pic>
+    </p:spTree>
+    <p:extLst>
+      <p:ext uri="{BB962C8B-B14F-4D97-AF65-F5344CB8AC3E}">
+        <p14:creationId xmlns:p14="http://schemas.microsoft.com/office/powerpoint/2010/main" val="1295471573"/>
+      </p:ext>
+    </p:extLst>
+  </p:cSld>
+  <p:clrMapOvr>
+    <a:masterClrMapping/>
+  </p:clrMapOvr>
+  <p:timing>
+    <p:tnLst>
+      <p:par>
+        <p:cTn id="1" dur="indefinite" restart="never" nodeType="tmRoot"/>
+      </p:par>
+    </p:tnLst>
+  </p:timing>
+</p:sldLayout>
+</file>
+
+<file path=ppt/slideLayouts/slideLayout2.xml><?xml version="1.0" encoding="utf-8"?>
+<p:sldLayout xmlns:a="http://schemas.openxmlformats.org/drawingml/2006/main" xmlns:r="http://schemas.openxmlformats.org/officeDocument/2006/relationships" xmlns:p="http://schemas.openxmlformats.org/presentationml/2006/main" type="obj" preserve="1">
+  <p:cSld name="제목 및 내용">
+    <p:spTree>
+      <p:nvGrpSpPr>
+        <p:cNvPr id="1" name=""/>
+        <p:cNvGrpSpPr/>
+        <p:nvPr/>
+      </p:nvGrpSpPr>
+      <p:grpSpPr>
+        <a:xfrm>
+          <a:off x="0" y="0"/>
+          <a:ext cx="0" cy="0"/>
+          <a:chOff x="0" y="0"/>
+          <a:chExt cx="0" cy="0"/>
+        </a:xfrm>
+      </p:grpSpPr>
+      <p:pic>
+        <p:nvPicPr>
+          <p:cNvPr id="7" name="그림 6"/>
+          <p:cNvPicPr>
+            <a:picLocks noChangeAspect="1"/>
+          </p:cNvPicPr>
+          <p:nvPr userDrawn="1"/>
+        </p:nvPicPr>
+        <p:blipFill>
+          <a:blip r:embed="rId2">
+            <a:extLst>
+              <a:ext uri="{28A0092B-C50C-407E-A947-70E740481C1C}">
+                <a14:useLocalDpi xmlns:a14="http://schemas.microsoft.com/office/drawing/2010/main" val="0"/>
+              </a:ext>
+            </a:extLst>
+          </a:blip>
+          <a:stretch>
+            <a:fillRect/>
+          </a:stretch>
+        </p:blipFill>
+        <p:spPr>
+          <a:xfrm>
+            <a:off x="0" y="1"/>
+            <a:ext cx="12192000" cy="6858000"/>
+          </a:xfrm>
+          <a:prstGeom prst="rect">
+            <a:avLst/>
+          </a:prstGeom>
+        </p:spPr>
+      </p:pic>
+      <p:sp>
+        <p:nvSpPr>
+          <p:cNvPr id="2" name="제목 1"/>
+          <p:cNvSpPr>
+            <a:spLocks noGrp="1"/>
+          </p:cNvSpPr>
+          <p:nvPr>
+            <p:ph type="title"/>
+          </p:nvPr>
+        </p:nvSpPr>
+        <p:spPr/>
+        <p:txBody>
+          <a:bodyPr/>
+          <a:lstStyle/>
+          <a:p>
+            <a:r>
+              <a:rPr lang="ko-KR" altLang="en-US"/>
+              <a:t>마스터 제목 스타일 편집</a:t>
+            </a:r>
+          </a:p>
+        </p:txBody>
+      </p:sp>
+      <p:sp>
+        <p:nvSpPr>
+          <p:cNvPr id="3" name="내용 개체 틀 2"/>
+          <p:cNvSpPr>
+            <a:spLocks noGrp="1"/>
+          </p:cNvSpPr>
+          <p:nvPr>
+            <p:ph idx="1"/>
+          </p:nvPr>
+        </p:nvSpPr>
+        <p:spPr/>
+        <p:txBody>
+          <a:bodyPr/>
+          <a:lstStyle/>
+          <a:p>
+            <a:pPr lvl="0"/>
+            <a:r>
+              <a:rPr lang="ko-KR" altLang="en-US"/>
+              <a:t>마스터 텍스트 스타일 편집</a:t>
+            </a:r>
+          </a:p>
+          <a:p>
+            <a:pPr lvl="1"/>
+            <a:r>
+              <a:rPr lang="ko-KR" altLang="en-US"/>
+              <a:t>둘째 수준</a:t>
+            </a:r>
+          </a:p>
+          <a:p>
+            <a:pPr lvl="2"/>
+            <a:r>
+              <a:rPr lang="ko-KR" altLang="en-US"/>
+              <a:t>셋째 수준</a:t>
+            </a:r>
+          </a:p>
+          <a:p>
+            <a:pPr lvl="3"/>
+            <a:r>
+              <a:rPr lang="ko-KR" altLang="en-US"/>
+              <a:t>넷째 수준</a:t>
+            </a:r>
+          </a:p>
+          <a:p>
+            <a:pPr lvl="4"/>
+            <a:r>
+              <a:rPr lang="ko-KR" altLang="en-US"/>
+              <a:t>다섯째 수준</a:t>
+            </a:r>
+          </a:p>
+        </p:txBody>
+      </p:sp>
+      <p:sp>
+        <p:nvSpPr>
+          <p:cNvPr id="4" name="날짜 개체 틀 3"/>
+          <p:cNvSpPr>
+            <a:spLocks noGrp="1"/>
+          </p:cNvSpPr>
+          <p:nvPr>
+            <p:ph type="dt" sz="half" idx="10"/>
+          </p:nvPr>
+        </p:nvSpPr>
+        <p:spPr/>
+        <p:txBody>
+          <a:bodyPr/>
+          <a:lstStyle/>
+          <a:p>
+            <a:fld id="{AF8BD327-8EDF-4A3A-80D5-1C0CCFBF0AF3}" type="datetimeFigureOut">
+              <a:rPr lang="ko-KR" altLang="en-US" smtClean="0"/>
+              <a:t>2018-10-19</a:t>
+            </a:fld>
+            <a:endParaRPr lang="ko-KR" altLang="en-US"/>
+          </a:p>
+        </p:txBody>
+      </p:sp>
+      <p:sp>
+        <p:nvSpPr>
+          <p:cNvPr id="5" name="바닥글 개체 틀 4"/>
+          <p:cNvSpPr>
+            <a:spLocks noGrp="1"/>
+          </p:cNvSpPr>
+          <p:nvPr>
+            <p:ph type="ftr" sz="quarter" idx="11"/>
+          </p:nvPr>
+        </p:nvSpPr>
+        <p:spPr/>
+        <p:txBody>
+          <a:bodyPr/>
+          <a:lstStyle/>
+          <a:p>
+            <a:endParaRPr lang="ko-KR" altLang="en-US"/>
+          </a:p>
+        </p:txBody>
+      </p:sp>
+      <p:sp>
+        <p:nvSpPr>
+          <p:cNvPr id="6" name="슬라이드 번호 개체 틀 5"/>
+          <p:cNvSpPr>
+            <a:spLocks noGrp="1"/>
+          </p:cNvSpPr>
+          <p:nvPr>
+            <p:ph type="sldNum" sz="quarter" idx="12"/>
+          </p:nvPr>
+        </p:nvSpPr>
+        <p:spPr/>
+        <p:txBody>
+          <a:bodyPr/>
+          <a:lstStyle/>
+          <a:p>
+            <a:fld id="{32C31704-2E3B-4618-8147-AD51354D0FB1}" type="slidenum">
+              <a:rPr lang="ko-KR" altLang="en-US" smtClean="0"/>
+              <a:t>‹#›</a:t>
+            </a:fld>
+            <a:endParaRPr lang="ko-KR" altLang="en-US"/>
+          </a:p>
+        </p:txBody>
+      </p:sp>
+      <p:pic>
+        <p:nvPicPr>
+          <p:cNvPr id="8" name="Picture 2" descr="C:\Users\MS_House\Downloads\Document-master\DreamTree_icon.png"/>
+          <p:cNvPicPr>
+            <a:picLocks noChangeAspect="1" noChangeArrowheads="1"/>
+          </p:cNvPicPr>
+          <p:nvPr userDrawn="1"/>
+        </p:nvPicPr>
+        <p:blipFill>
+          <a:blip r:embed="rId3" cstate="print">
+            <a:extLst>
+              <a:ext uri="{BEBA8EAE-BF5A-486C-A8C5-ECC9F3942E4B}">
+                <a14:imgProps xmlns:a14="http://schemas.microsoft.com/office/drawing/2010/main">
+                  <a14:imgLayer r:embed="rId4">
+                    <a14:imgEffect>
+                      <a14:saturation sat="60000"/>
+                    </a14:imgEffect>
+                    <a14:imgEffect>
+                      <a14:brightnessContrast bright="-18000"/>
+                    </a14:imgEffect>
+                  </a14:imgLayer>
+                </a14:imgProps>
+              </a:ext>
+              <a:ext uri="{28A0092B-C50C-407E-A947-70E740481C1C}">
+                <a14:useLocalDpi xmlns:a14="http://schemas.microsoft.com/office/drawing/2010/main" val="0"/>
+              </a:ext>
+            </a:extLst>
+          </a:blip>
+          <a:srcRect/>
+          <a:stretch>
+            <a:fillRect/>
+          </a:stretch>
+        </p:blipFill>
+        <p:spPr bwMode="auto">
+          <a:xfrm>
+            <a:off x="11488848" y="6197302"/>
+            <a:ext cx="569834" cy="563246"/>
+          </a:xfrm>
+          <a:prstGeom prst="rect">
+            <a:avLst/>
+          </a:prstGeom>
+          <a:noFill/>
+          <a:extLst>
+            <a:ext uri="{909E8E84-426E-40DD-AFC4-6F175D3DCCD1}">
+              <a14:hiddenFill xmlns:a14="http://schemas.microsoft.com/office/drawing/2010/main">
+                <a:solidFill>
+                  <a:srgbClr val="FFFFFF"/>
+                </a:solidFill>
+              </a14:hiddenFill>
+            </a:ext>
+          </a:extLst>
+        </p:spPr>
+      </p:pic>
     </p:spTree>
     <p:extLst>
       <p:ext uri="{BB962C8B-B14F-4D97-AF65-F5344CB8AC3E}">
@@ -997,6 +1340,13 @@
   <p:clrMapOvr>
     <a:masterClrMapping/>
   </p:clrMapOvr>
+  <p:timing>
+    <p:tnLst>
+      <p:par>
+        <p:cTn id="1" dur="indefinite" restart="never" nodeType="tmRoot"/>
+      </p:par>
+    </p:tnLst>
+  </p:timing>
 </p:sldLayout>
 </file>
 
@@ -1017,6 +1367,36 @@
           <a:chExt cx="0" cy="0"/>
         </a:xfrm>
       </p:grpSpPr>
+      <p:pic>
+        <p:nvPicPr>
+          <p:cNvPr id="7" name="그림 6"/>
+          <p:cNvPicPr>
+            <a:picLocks noChangeAspect="1"/>
+          </p:cNvPicPr>
+          <p:nvPr userDrawn="1"/>
+        </p:nvPicPr>
+        <p:blipFill>
+          <a:blip r:embed="rId2">
+            <a:extLst>
+              <a:ext uri="{28A0092B-C50C-407E-A947-70E740481C1C}">
+                <a14:useLocalDpi xmlns:a14="http://schemas.microsoft.com/office/drawing/2010/main" val="0"/>
+              </a:ext>
+            </a:extLst>
+          </a:blip>
+          <a:stretch>
+            <a:fillRect/>
+          </a:stretch>
+        </p:blipFill>
+        <p:spPr>
+          <a:xfrm>
+            <a:off x="0" y="1"/>
+            <a:ext cx="12192000" cy="6858000"/>
+          </a:xfrm>
+          <a:prstGeom prst="rect">
+            <a:avLst/>
+          </a:prstGeom>
+        </p:spPr>
+      </p:pic>
       <p:sp>
         <p:nvSpPr>
           <p:cNvPr id="2" name="제목 1"/>
@@ -1184,7 +1564,7 @@
           <a:p>
             <a:fld id="{AF8BD327-8EDF-4A3A-80D5-1C0CCFBF0AF3}" type="datetimeFigureOut">
               <a:rPr lang="ko-KR" altLang="en-US" smtClean="0"/>
-              <a:t>2018-10-18</a:t>
+              <a:t>2018-10-19</a:t>
             </a:fld>
             <a:endParaRPr lang="ko-KR" altLang="en-US"/>
           </a:p>
@@ -1234,32 +1614,55 @@
       </p:sp>
       <p:pic>
         <p:nvPicPr>
-          <p:cNvPr id="7" name="그림 6"/>
+          <p:cNvPr id="8" name="Picture 2" descr="C:\Users\MS_House\Downloads\Document-master\DreamTree_icon.png"/>
           <p:cNvPicPr>
-            <a:picLocks noChangeAspect="1"/>
+            <a:picLocks noChangeAspect="1" noChangeArrowheads="1"/>
           </p:cNvPicPr>
           <p:nvPr userDrawn="1"/>
         </p:nvPicPr>
         <p:blipFill>
-          <a:blip r:embed="rId2">
+          <a:blip r:embed="rId3" cstate="print">
             <a:extLst>
+              <a:ext uri="{BEBA8EAE-BF5A-486C-A8C5-ECC9F3942E4B}">
+                <a14:imgProps xmlns:a14="http://schemas.microsoft.com/office/drawing/2010/main">
+                  <a14:imgLayer r:embed="rId4">
+                    <a14:imgEffect>
+                      <a14:saturation sat="60000"/>
+                    </a14:imgEffect>
+                    <a14:imgEffect>
+                      <a14:brightnessContrast bright="-18000"/>
+                    </a14:imgEffect>
+                  </a14:imgLayer>
+                </a14:imgProps>
+              </a:ext>
               <a:ext uri="{28A0092B-C50C-407E-A947-70E740481C1C}">
                 <a14:useLocalDpi xmlns:a14="http://schemas.microsoft.com/office/drawing/2010/main" val="0"/>
               </a:ext>
             </a:extLst>
           </a:blip>
+          <a:srcRect/>
           <a:stretch>
             <a:fillRect/>
           </a:stretch>
         </p:blipFill>
-        <p:spPr>
+        <p:spPr bwMode="auto">
           <a:xfrm>
-            <a:off x="0" y="1"/>
-            <a:ext cx="12192000" cy="6858000"/>
+            <a:off x="11488848" y="6197302"/>
+            <a:ext cx="569834" cy="563246"/>
           </a:xfrm>
           <a:prstGeom prst="rect">
             <a:avLst/>
           </a:prstGeom>
+          <a:noFill/>
+          <a:extLst>
+            <a:ext uri="{909E8E84-426E-40DD-AFC4-6F175D3DCCD1}">
+              <a14:hiddenFill xmlns:a14="http://schemas.microsoft.com/office/drawing/2010/main">
+                <a:solidFill>
+                  <a:srgbClr val="FFFFFF"/>
+                </a:solidFill>
+              </a14:hiddenFill>
+            </a:ext>
+          </a:extLst>
         </p:spPr>
       </p:pic>
     </p:spTree>
@@ -1272,6 +1675,13 @@
   <p:clrMapOvr>
     <a:masterClrMapping/>
   </p:clrMapOvr>
+  <p:timing>
+    <p:tnLst>
+      <p:par>
+        <p:cTn id="1" dur="indefinite" restart="never" nodeType="tmRoot"/>
+      </p:par>
+    </p:tnLst>
+  </p:timing>
 </p:sldLayout>
 </file>
 
@@ -1292,205 +1702,6 @@
           <a:chExt cx="0" cy="0"/>
         </a:xfrm>
       </p:grpSpPr>
-      <p:sp>
-        <p:nvSpPr>
-          <p:cNvPr id="2" name="제목 1"/>
-          <p:cNvSpPr>
-            <a:spLocks noGrp="1"/>
-          </p:cNvSpPr>
-          <p:nvPr>
-            <p:ph type="title"/>
-          </p:nvPr>
-        </p:nvSpPr>
-        <p:spPr/>
-        <p:txBody>
-          <a:bodyPr/>
-          <a:lstStyle/>
-          <a:p>
-            <a:r>
-              <a:rPr lang="ko-KR" altLang="en-US"/>
-              <a:t>마스터 제목 스타일 편집</a:t>
-            </a:r>
-          </a:p>
-        </p:txBody>
-      </p:sp>
-      <p:sp>
-        <p:nvSpPr>
-          <p:cNvPr id="3" name="내용 개체 틀 2"/>
-          <p:cNvSpPr>
-            <a:spLocks noGrp="1"/>
-          </p:cNvSpPr>
-          <p:nvPr>
-            <p:ph sz="half" idx="1"/>
-          </p:nvPr>
-        </p:nvSpPr>
-        <p:spPr>
-          <a:xfrm>
-            <a:off x="838200" y="1825625"/>
-            <a:ext cx="5181600" cy="4351338"/>
-          </a:xfrm>
-        </p:spPr>
-        <p:txBody>
-          <a:bodyPr/>
-          <a:lstStyle/>
-          <a:p>
-            <a:pPr lvl="0"/>
-            <a:r>
-              <a:rPr lang="ko-KR" altLang="en-US"/>
-              <a:t>마스터 텍스트 스타일 편집</a:t>
-            </a:r>
-          </a:p>
-          <a:p>
-            <a:pPr lvl="1"/>
-            <a:r>
-              <a:rPr lang="ko-KR" altLang="en-US"/>
-              <a:t>둘째 수준</a:t>
-            </a:r>
-          </a:p>
-          <a:p>
-            <a:pPr lvl="2"/>
-            <a:r>
-              <a:rPr lang="ko-KR" altLang="en-US"/>
-              <a:t>셋째 수준</a:t>
-            </a:r>
-          </a:p>
-          <a:p>
-            <a:pPr lvl="3"/>
-            <a:r>
-              <a:rPr lang="ko-KR" altLang="en-US"/>
-              <a:t>넷째 수준</a:t>
-            </a:r>
-          </a:p>
-          <a:p>
-            <a:pPr lvl="4"/>
-            <a:r>
-              <a:rPr lang="ko-KR" altLang="en-US"/>
-              <a:t>다섯째 수준</a:t>
-            </a:r>
-          </a:p>
-        </p:txBody>
-      </p:sp>
-      <p:sp>
-        <p:nvSpPr>
-          <p:cNvPr id="4" name="내용 개체 틀 3"/>
-          <p:cNvSpPr>
-            <a:spLocks noGrp="1"/>
-          </p:cNvSpPr>
-          <p:nvPr>
-            <p:ph sz="half" idx="2"/>
-          </p:nvPr>
-        </p:nvSpPr>
-        <p:spPr>
-          <a:xfrm>
-            <a:off x="6172200" y="1825625"/>
-            <a:ext cx="5181600" cy="4351338"/>
-          </a:xfrm>
-        </p:spPr>
-        <p:txBody>
-          <a:bodyPr/>
-          <a:lstStyle/>
-          <a:p>
-            <a:pPr lvl="0"/>
-            <a:r>
-              <a:rPr lang="ko-KR" altLang="en-US"/>
-              <a:t>마스터 텍스트 스타일 편집</a:t>
-            </a:r>
-          </a:p>
-          <a:p>
-            <a:pPr lvl="1"/>
-            <a:r>
-              <a:rPr lang="ko-KR" altLang="en-US"/>
-              <a:t>둘째 수준</a:t>
-            </a:r>
-          </a:p>
-          <a:p>
-            <a:pPr lvl="2"/>
-            <a:r>
-              <a:rPr lang="ko-KR" altLang="en-US"/>
-              <a:t>셋째 수준</a:t>
-            </a:r>
-          </a:p>
-          <a:p>
-            <a:pPr lvl="3"/>
-            <a:r>
-              <a:rPr lang="ko-KR" altLang="en-US"/>
-              <a:t>넷째 수준</a:t>
-            </a:r>
-          </a:p>
-          <a:p>
-            <a:pPr lvl="4"/>
-            <a:r>
-              <a:rPr lang="ko-KR" altLang="en-US"/>
-              <a:t>다섯째 수준</a:t>
-            </a:r>
-          </a:p>
-        </p:txBody>
-      </p:sp>
-      <p:sp>
-        <p:nvSpPr>
-          <p:cNvPr id="5" name="날짜 개체 틀 4"/>
-          <p:cNvSpPr>
-            <a:spLocks noGrp="1"/>
-          </p:cNvSpPr>
-          <p:nvPr>
-            <p:ph type="dt" sz="half" idx="10"/>
-          </p:nvPr>
-        </p:nvSpPr>
-        <p:spPr/>
-        <p:txBody>
-          <a:bodyPr/>
-          <a:lstStyle/>
-          <a:p>
-            <a:fld id="{AF8BD327-8EDF-4A3A-80D5-1C0CCFBF0AF3}" type="datetimeFigureOut">
-              <a:rPr lang="ko-KR" altLang="en-US" smtClean="0"/>
-              <a:t>2018-10-18</a:t>
-            </a:fld>
-            <a:endParaRPr lang="ko-KR" altLang="en-US"/>
-          </a:p>
-        </p:txBody>
-      </p:sp>
-      <p:sp>
-        <p:nvSpPr>
-          <p:cNvPr id="6" name="바닥글 개체 틀 5"/>
-          <p:cNvSpPr>
-            <a:spLocks noGrp="1"/>
-          </p:cNvSpPr>
-          <p:nvPr>
-            <p:ph type="ftr" sz="quarter" idx="11"/>
-          </p:nvPr>
-        </p:nvSpPr>
-        <p:spPr/>
-        <p:txBody>
-          <a:bodyPr/>
-          <a:lstStyle/>
-          <a:p>
-            <a:endParaRPr lang="ko-KR" altLang="en-US"/>
-          </a:p>
-        </p:txBody>
-      </p:sp>
-      <p:sp>
-        <p:nvSpPr>
-          <p:cNvPr id="7" name="슬라이드 번호 개체 틀 6"/>
-          <p:cNvSpPr>
-            <a:spLocks noGrp="1"/>
-          </p:cNvSpPr>
-          <p:nvPr>
-            <p:ph type="sldNum" sz="quarter" idx="12"/>
-          </p:nvPr>
-        </p:nvSpPr>
-        <p:spPr/>
-        <p:txBody>
-          <a:bodyPr/>
-          <a:lstStyle/>
-          <a:p>
-            <a:fld id="{32C31704-2E3B-4618-8147-AD51354D0FB1}" type="slidenum">
-              <a:rPr lang="ko-KR" altLang="en-US" smtClean="0"/>
-              <a:t>‹#›</a:t>
-            </a:fld>
-            <a:endParaRPr lang="ko-KR" altLang="en-US"/>
-          </a:p>
-        </p:txBody>
-      </p:sp>
       <p:pic>
         <p:nvPicPr>
           <p:cNvPr id="8" name="그림 7"/>
@@ -1521,6 +1732,258 @@
           </a:prstGeom>
         </p:spPr>
       </p:pic>
+      <p:sp>
+        <p:nvSpPr>
+          <p:cNvPr id="2" name="제목 1"/>
+          <p:cNvSpPr>
+            <a:spLocks noGrp="1"/>
+          </p:cNvSpPr>
+          <p:nvPr>
+            <p:ph type="title"/>
+          </p:nvPr>
+        </p:nvSpPr>
+        <p:spPr/>
+        <p:txBody>
+          <a:bodyPr/>
+          <a:lstStyle/>
+          <a:p>
+            <a:r>
+              <a:rPr lang="ko-KR" altLang="en-US"/>
+              <a:t>마스터 제목 스타일 편집</a:t>
+            </a:r>
+          </a:p>
+        </p:txBody>
+      </p:sp>
+      <p:sp>
+        <p:nvSpPr>
+          <p:cNvPr id="3" name="내용 개체 틀 2"/>
+          <p:cNvSpPr>
+            <a:spLocks noGrp="1"/>
+          </p:cNvSpPr>
+          <p:nvPr>
+            <p:ph sz="half" idx="1"/>
+          </p:nvPr>
+        </p:nvSpPr>
+        <p:spPr>
+          <a:xfrm>
+            <a:off x="838200" y="1825625"/>
+            <a:ext cx="5181600" cy="4351338"/>
+          </a:xfrm>
+        </p:spPr>
+        <p:txBody>
+          <a:bodyPr/>
+          <a:lstStyle/>
+          <a:p>
+            <a:pPr lvl="0"/>
+            <a:r>
+              <a:rPr lang="ko-KR" altLang="en-US"/>
+              <a:t>마스터 텍스트 스타일 편집</a:t>
+            </a:r>
+          </a:p>
+          <a:p>
+            <a:pPr lvl="1"/>
+            <a:r>
+              <a:rPr lang="ko-KR" altLang="en-US"/>
+              <a:t>둘째 수준</a:t>
+            </a:r>
+          </a:p>
+          <a:p>
+            <a:pPr lvl="2"/>
+            <a:r>
+              <a:rPr lang="ko-KR" altLang="en-US"/>
+              <a:t>셋째 수준</a:t>
+            </a:r>
+          </a:p>
+          <a:p>
+            <a:pPr lvl="3"/>
+            <a:r>
+              <a:rPr lang="ko-KR" altLang="en-US"/>
+              <a:t>넷째 수준</a:t>
+            </a:r>
+          </a:p>
+          <a:p>
+            <a:pPr lvl="4"/>
+            <a:r>
+              <a:rPr lang="ko-KR" altLang="en-US"/>
+              <a:t>다섯째 수준</a:t>
+            </a:r>
+          </a:p>
+        </p:txBody>
+      </p:sp>
+      <p:sp>
+        <p:nvSpPr>
+          <p:cNvPr id="4" name="내용 개체 틀 3"/>
+          <p:cNvSpPr>
+            <a:spLocks noGrp="1"/>
+          </p:cNvSpPr>
+          <p:nvPr>
+            <p:ph sz="half" idx="2"/>
+          </p:nvPr>
+        </p:nvSpPr>
+        <p:spPr>
+          <a:xfrm>
+            <a:off x="6172200" y="1825625"/>
+            <a:ext cx="5181600" cy="4351338"/>
+          </a:xfrm>
+        </p:spPr>
+        <p:txBody>
+          <a:bodyPr/>
+          <a:lstStyle/>
+          <a:p>
+            <a:pPr lvl="0"/>
+            <a:r>
+              <a:rPr lang="ko-KR" altLang="en-US"/>
+              <a:t>마스터 텍스트 스타일 편집</a:t>
+            </a:r>
+          </a:p>
+          <a:p>
+            <a:pPr lvl="1"/>
+            <a:r>
+              <a:rPr lang="ko-KR" altLang="en-US"/>
+              <a:t>둘째 수준</a:t>
+            </a:r>
+          </a:p>
+          <a:p>
+            <a:pPr lvl="2"/>
+            <a:r>
+              <a:rPr lang="ko-KR" altLang="en-US"/>
+              <a:t>셋째 수준</a:t>
+            </a:r>
+          </a:p>
+          <a:p>
+            <a:pPr lvl="3"/>
+            <a:r>
+              <a:rPr lang="ko-KR" altLang="en-US"/>
+              <a:t>넷째 수준</a:t>
+            </a:r>
+          </a:p>
+          <a:p>
+            <a:pPr lvl="4"/>
+            <a:r>
+              <a:rPr lang="ko-KR" altLang="en-US"/>
+              <a:t>다섯째 수준</a:t>
+            </a:r>
+          </a:p>
+        </p:txBody>
+      </p:sp>
+      <p:sp>
+        <p:nvSpPr>
+          <p:cNvPr id="5" name="날짜 개체 틀 4"/>
+          <p:cNvSpPr>
+            <a:spLocks noGrp="1"/>
+          </p:cNvSpPr>
+          <p:nvPr>
+            <p:ph type="dt" sz="half" idx="10"/>
+          </p:nvPr>
+        </p:nvSpPr>
+        <p:spPr/>
+        <p:txBody>
+          <a:bodyPr/>
+          <a:lstStyle/>
+          <a:p>
+            <a:fld id="{AF8BD327-8EDF-4A3A-80D5-1C0CCFBF0AF3}" type="datetimeFigureOut">
+              <a:rPr lang="ko-KR" altLang="en-US" smtClean="0"/>
+              <a:t>2018-10-19</a:t>
+            </a:fld>
+            <a:endParaRPr lang="ko-KR" altLang="en-US"/>
+          </a:p>
+        </p:txBody>
+      </p:sp>
+      <p:sp>
+        <p:nvSpPr>
+          <p:cNvPr id="6" name="바닥글 개체 틀 5"/>
+          <p:cNvSpPr>
+            <a:spLocks noGrp="1"/>
+          </p:cNvSpPr>
+          <p:nvPr>
+            <p:ph type="ftr" sz="quarter" idx="11"/>
+          </p:nvPr>
+        </p:nvSpPr>
+        <p:spPr/>
+        <p:txBody>
+          <a:bodyPr/>
+          <a:lstStyle/>
+          <a:p>
+            <a:endParaRPr lang="ko-KR" altLang="en-US"/>
+          </a:p>
+        </p:txBody>
+      </p:sp>
+      <p:sp>
+        <p:nvSpPr>
+          <p:cNvPr id="7" name="슬라이드 번호 개체 틀 6"/>
+          <p:cNvSpPr>
+            <a:spLocks noGrp="1"/>
+          </p:cNvSpPr>
+          <p:nvPr>
+            <p:ph type="sldNum" sz="quarter" idx="12"/>
+          </p:nvPr>
+        </p:nvSpPr>
+        <p:spPr/>
+        <p:txBody>
+          <a:bodyPr/>
+          <a:lstStyle/>
+          <a:p>
+            <a:fld id="{32C31704-2E3B-4618-8147-AD51354D0FB1}" type="slidenum">
+              <a:rPr lang="ko-KR" altLang="en-US" smtClean="0"/>
+              <a:t>‹#›</a:t>
+            </a:fld>
+            <a:endParaRPr lang="ko-KR" altLang="en-US"/>
+          </a:p>
+        </p:txBody>
+      </p:sp>
+      <p:pic>
+        <p:nvPicPr>
+          <p:cNvPr id="9" name="Picture 2" descr="C:\Users\MS_House\Downloads\Document-master\DreamTree_icon.png"/>
+          <p:cNvPicPr>
+            <a:picLocks noChangeAspect="1" noChangeArrowheads="1"/>
+          </p:cNvPicPr>
+          <p:nvPr userDrawn="1"/>
+        </p:nvPicPr>
+        <p:blipFill>
+          <a:blip r:embed="rId3" cstate="print">
+            <a:extLst>
+              <a:ext uri="{BEBA8EAE-BF5A-486C-A8C5-ECC9F3942E4B}">
+                <a14:imgProps xmlns:a14="http://schemas.microsoft.com/office/drawing/2010/main">
+                  <a14:imgLayer r:embed="rId4">
+                    <a14:imgEffect>
+                      <a14:saturation sat="60000"/>
+                    </a14:imgEffect>
+                    <a14:imgEffect>
+                      <a14:brightnessContrast bright="-18000"/>
+                    </a14:imgEffect>
+                  </a14:imgLayer>
+                </a14:imgProps>
+              </a:ext>
+              <a:ext uri="{28A0092B-C50C-407E-A947-70E740481C1C}">
+                <a14:useLocalDpi xmlns:a14="http://schemas.microsoft.com/office/drawing/2010/main" val="0"/>
+              </a:ext>
+            </a:extLst>
+          </a:blip>
+          <a:srcRect/>
+          <a:stretch>
+            <a:fillRect/>
+          </a:stretch>
+        </p:blipFill>
+        <p:spPr bwMode="auto">
+          <a:xfrm>
+            <a:off x="11488848" y="6197302"/>
+            <a:ext cx="569834" cy="563246"/>
+          </a:xfrm>
+          <a:prstGeom prst="rect">
+            <a:avLst/>
+          </a:prstGeom>
+          <a:noFill/>
+          <a:extLst>
+            <a:ext uri="{909E8E84-426E-40DD-AFC4-6F175D3DCCD1}">
+              <a14:hiddenFill xmlns:a14="http://schemas.microsoft.com/office/drawing/2010/main">
+                <a:solidFill>
+                  <a:srgbClr val="FFFFFF"/>
+                </a:solidFill>
+              </a14:hiddenFill>
+            </a:ext>
+          </a:extLst>
+        </p:spPr>
+      </p:pic>
     </p:spTree>
     <p:extLst>
       <p:ext uri="{BB962C8B-B14F-4D97-AF65-F5344CB8AC3E}">
@@ -1531,6 +1994,13 @@
   <p:clrMapOvr>
     <a:masterClrMapping/>
   </p:clrMapOvr>
+  <p:timing>
+    <p:tnLst>
+      <p:par>
+        <p:cTn id="1" dur="indefinite" restart="never" nodeType="tmRoot"/>
+      </p:par>
+    </p:tnLst>
+  </p:timing>
 </p:sldLayout>
 </file>
 
@@ -1551,6 +2021,36 @@
           <a:chExt cx="0" cy="0"/>
         </a:xfrm>
       </p:grpSpPr>
+      <p:pic>
+        <p:nvPicPr>
+          <p:cNvPr id="10" name="그림 9"/>
+          <p:cNvPicPr>
+            <a:picLocks noChangeAspect="1"/>
+          </p:cNvPicPr>
+          <p:nvPr userDrawn="1"/>
+        </p:nvPicPr>
+        <p:blipFill>
+          <a:blip r:embed="rId2">
+            <a:extLst>
+              <a:ext uri="{28A0092B-C50C-407E-A947-70E740481C1C}">
+                <a14:useLocalDpi xmlns:a14="http://schemas.microsoft.com/office/drawing/2010/main" val="0"/>
+              </a:ext>
+            </a:extLst>
+          </a:blip>
+          <a:stretch>
+            <a:fillRect/>
+          </a:stretch>
+        </p:blipFill>
+        <p:spPr>
+          <a:xfrm>
+            <a:off x="0" y="1"/>
+            <a:ext cx="12192000" cy="6858000"/>
+          </a:xfrm>
+          <a:prstGeom prst="rect">
+            <a:avLst/>
+          </a:prstGeom>
+        </p:spPr>
+      </p:pic>
       <p:sp>
         <p:nvSpPr>
           <p:cNvPr id="2" name="제목 1"/>
@@ -1837,7 +2337,7 @@
           <a:p>
             <a:fld id="{AF8BD327-8EDF-4A3A-80D5-1C0CCFBF0AF3}" type="datetimeFigureOut">
               <a:rPr lang="ko-KR" altLang="en-US" smtClean="0"/>
-              <a:t>2018-10-18</a:t>
+              <a:t>2018-10-19</a:t>
             </a:fld>
             <a:endParaRPr lang="ko-KR" altLang="en-US"/>
           </a:p>
@@ -1887,32 +2387,55 @@
       </p:sp>
       <p:pic>
         <p:nvPicPr>
-          <p:cNvPr id="10" name="그림 9"/>
+          <p:cNvPr id="11" name="Picture 2" descr="C:\Users\MS_House\Downloads\Document-master\DreamTree_icon.png"/>
           <p:cNvPicPr>
-            <a:picLocks noChangeAspect="1"/>
+            <a:picLocks noChangeAspect="1" noChangeArrowheads="1"/>
           </p:cNvPicPr>
           <p:nvPr userDrawn="1"/>
         </p:nvPicPr>
         <p:blipFill>
-          <a:blip r:embed="rId2">
+          <a:blip r:embed="rId3" cstate="print">
             <a:extLst>
+              <a:ext uri="{BEBA8EAE-BF5A-486C-A8C5-ECC9F3942E4B}">
+                <a14:imgProps xmlns:a14="http://schemas.microsoft.com/office/drawing/2010/main">
+                  <a14:imgLayer r:embed="rId4">
+                    <a14:imgEffect>
+                      <a14:saturation sat="60000"/>
+                    </a14:imgEffect>
+                    <a14:imgEffect>
+                      <a14:brightnessContrast bright="-18000"/>
+                    </a14:imgEffect>
+                  </a14:imgLayer>
+                </a14:imgProps>
+              </a:ext>
               <a:ext uri="{28A0092B-C50C-407E-A947-70E740481C1C}">
                 <a14:useLocalDpi xmlns:a14="http://schemas.microsoft.com/office/drawing/2010/main" val="0"/>
               </a:ext>
             </a:extLst>
           </a:blip>
+          <a:srcRect/>
           <a:stretch>
             <a:fillRect/>
           </a:stretch>
         </p:blipFill>
-        <p:spPr>
+        <p:spPr bwMode="auto">
           <a:xfrm>
-            <a:off x="0" y="1"/>
-            <a:ext cx="12192000" cy="6858000"/>
+            <a:off x="11488848" y="6197302"/>
+            <a:ext cx="569834" cy="563246"/>
           </a:xfrm>
           <a:prstGeom prst="rect">
             <a:avLst/>
           </a:prstGeom>
+          <a:noFill/>
+          <a:extLst>
+            <a:ext uri="{909E8E84-426E-40DD-AFC4-6F175D3DCCD1}">
+              <a14:hiddenFill xmlns:a14="http://schemas.microsoft.com/office/drawing/2010/main">
+                <a:solidFill>
+                  <a:srgbClr val="FFFFFF"/>
+                </a:solidFill>
+              </a14:hiddenFill>
+            </a:ext>
+          </a:extLst>
         </p:spPr>
       </p:pic>
     </p:spTree>
@@ -1925,6 +2448,13 @@
   <p:clrMapOvr>
     <a:masterClrMapping/>
   </p:clrMapOvr>
+  <p:timing>
+    <p:tnLst>
+      <p:par>
+        <p:cTn id="1" dur="indefinite" restart="never" nodeType="tmRoot"/>
+      </p:par>
+    </p:tnLst>
+  </p:timing>
 </p:sldLayout>
 </file>
 
@@ -1984,7 +2514,7 @@
           <a:p>
             <a:fld id="{AF8BD327-8EDF-4A3A-80D5-1C0CCFBF0AF3}" type="datetimeFigureOut">
               <a:rPr lang="ko-KR" altLang="en-US" smtClean="0"/>
-              <a:t>2018-10-18</a:t>
+              <a:t>2018-10-19</a:t>
             </a:fld>
             <a:endParaRPr lang="ko-KR" altLang="en-US"/>
           </a:p>
@@ -2032,36 +2562,6 @@
           </a:p>
         </p:txBody>
       </p:sp>
-      <p:pic>
-        <p:nvPicPr>
-          <p:cNvPr id="6" name="그림 5"/>
-          <p:cNvPicPr>
-            <a:picLocks noChangeAspect="1"/>
-          </p:cNvPicPr>
-          <p:nvPr userDrawn="1"/>
-        </p:nvPicPr>
-        <p:blipFill>
-          <a:blip r:embed="rId2">
-            <a:extLst>
-              <a:ext uri="{28A0092B-C50C-407E-A947-70E740481C1C}">
-                <a14:useLocalDpi xmlns:a14="http://schemas.microsoft.com/office/drawing/2010/main" val="0"/>
-              </a:ext>
-            </a:extLst>
-          </a:blip>
-          <a:stretch>
-            <a:fillRect/>
-          </a:stretch>
-        </p:blipFill>
-        <p:spPr>
-          <a:xfrm>
-            <a:off x="0" y="1"/>
-            <a:ext cx="12192000" cy="6858000"/>
-          </a:xfrm>
-          <a:prstGeom prst="rect">
-            <a:avLst/>
-          </a:prstGeom>
-        </p:spPr>
-      </p:pic>
     </p:spTree>
     <p:extLst>
       <p:ext uri="{BB962C8B-B14F-4D97-AF65-F5344CB8AC3E}">
@@ -2072,6 +2572,13 @@
   <p:clrMapOvr>
     <a:masterClrMapping/>
   </p:clrMapOvr>
+  <p:timing>
+    <p:tnLst>
+      <p:par>
+        <p:cTn id="1" dur="indefinite" restart="never" nodeType="tmRoot"/>
+      </p:par>
+    </p:tnLst>
+  </p:timing>
 </p:sldLayout>
 </file>
 
@@ -2092,71 +2599,6 @@
           <a:chExt cx="0" cy="0"/>
         </a:xfrm>
       </p:grpSpPr>
-      <p:sp>
-        <p:nvSpPr>
-          <p:cNvPr id="2" name="날짜 개체 틀 1"/>
-          <p:cNvSpPr>
-            <a:spLocks noGrp="1"/>
-          </p:cNvSpPr>
-          <p:nvPr>
-            <p:ph type="dt" sz="half" idx="10"/>
-          </p:nvPr>
-        </p:nvSpPr>
-        <p:spPr/>
-        <p:txBody>
-          <a:bodyPr/>
-          <a:lstStyle/>
-          <a:p>
-            <a:fld id="{AF8BD327-8EDF-4A3A-80D5-1C0CCFBF0AF3}" type="datetimeFigureOut">
-              <a:rPr lang="ko-KR" altLang="en-US" smtClean="0"/>
-              <a:t>2018-10-18</a:t>
-            </a:fld>
-            <a:endParaRPr lang="ko-KR" altLang="en-US"/>
-          </a:p>
-        </p:txBody>
-      </p:sp>
-      <p:sp>
-        <p:nvSpPr>
-          <p:cNvPr id="3" name="바닥글 개체 틀 2"/>
-          <p:cNvSpPr>
-            <a:spLocks noGrp="1"/>
-          </p:cNvSpPr>
-          <p:nvPr>
-            <p:ph type="ftr" sz="quarter" idx="11"/>
-          </p:nvPr>
-        </p:nvSpPr>
-        <p:spPr/>
-        <p:txBody>
-          <a:bodyPr/>
-          <a:lstStyle/>
-          <a:p>
-            <a:endParaRPr lang="ko-KR" altLang="en-US"/>
-          </a:p>
-        </p:txBody>
-      </p:sp>
-      <p:sp>
-        <p:nvSpPr>
-          <p:cNvPr id="4" name="슬라이드 번호 개체 틀 3"/>
-          <p:cNvSpPr>
-            <a:spLocks noGrp="1"/>
-          </p:cNvSpPr>
-          <p:nvPr>
-            <p:ph type="sldNum" sz="quarter" idx="12"/>
-          </p:nvPr>
-        </p:nvSpPr>
-        <p:spPr/>
-        <p:txBody>
-          <a:bodyPr/>
-          <a:lstStyle/>
-          <a:p>
-            <a:fld id="{32C31704-2E3B-4618-8147-AD51354D0FB1}" type="slidenum">
-              <a:rPr lang="ko-KR" altLang="en-US" smtClean="0"/>
-              <a:t>‹#›</a:t>
-            </a:fld>
-            <a:endParaRPr lang="ko-KR" altLang="en-US"/>
-          </a:p>
-        </p:txBody>
-      </p:sp>
       <p:pic>
         <p:nvPicPr>
           <p:cNvPr id="5" name="그림 4"/>
@@ -2187,6 +2629,71 @@
           </a:prstGeom>
         </p:spPr>
       </p:pic>
+      <p:sp>
+        <p:nvSpPr>
+          <p:cNvPr id="2" name="날짜 개체 틀 1"/>
+          <p:cNvSpPr>
+            <a:spLocks noGrp="1"/>
+          </p:cNvSpPr>
+          <p:nvPr>
+            <p:ph type="dt" sz="half" idx="10"/>
+          </p:nvPr>
+        </p:nvSpPr>
+        <p:spPr/>
+        <p:txBody>
+          <a:bodyPr/>
+          <a:lstStyle/>
+          <a:p>
+            <a:fld id="{AF8BD327-8EDF-4A3A-80D5-1C0CCFBF0AF3}" type="datetimeFigureOut">
+              <a:rPr lang="ko-KR" altLang="en-US" smtClean="0"/>
+              <a:t>2018-10-19</a:t>
+            </a:fld>
+            <a:endParaRPr lang="ko-KR" altLang="en-US"/>
+          </a:p>
+        </p:txBody>
+      </p:sp>
+      <p:sp>
+        <p:nvSpPr>
+          <p:cNvPr id="3" name="바닥글 개체 틀 2"/>
+          <p:cNvSpPr>
+            <a:spLocks noGrp="1"/>
+          </p:cNvSpPr>
+          <p:nvPr>
+            <p:ph type="ftr" sz="quarter" idx="11"/>
+          </p:nvPr>
+        </p:nvSpPr>
+        <p:spPr/>
+        <p:txBody>
+          <a:bodyPr/>
+          <a:lstStyle/>
+          <a:p>
+            <a:endParaRPr lang="ko-KR" altLang="en-US"/>
+          </a:p>
+        </p:txBody>
+      </p:sp>
+      <p:sp>
+        <p:nvSpPr>
+          <p:cNvPr id="4" name="슬라이드 번호 개체 틀 3"/>
+          <p:cNvSpPr>
+            <a:spLocks noGrp="1"/>
+          </p:cNvSpPr>
+          <p:nvPr>
+            <p:ph type="sldNum" sz="quarter" idx="12"/>
+          </p:nvPr>
+        </p:nvSpPr>
+        <p:spPr/>
+        <p:txBody>
+          <a:bodyPr/>
+          <a:lstStyle/>
+          <a:p>
+            <a:fld id="{32C31704-2E3B-4618-8147-AD51354D0FB1}" type="slidenum">
+              <a:rPr lang="ko-KR" altLang="en-US" smtClean="0"/>
+              <a:t>‹#›</a:t>
+            </a:fld>
+            <a:endParaRPr lang="ko-KR" altLang="en-US"/>
+          </a:p>
+        </p:txBody>
+      </p:sp>
     </p:spTree>
     <p:extLst>
       <p:ext uri="{BB962C8B-B14F-4D97-AF65-F5344CB8AC3E}">
@@ -2197,6 +2704,13 @@
   <p:clrMapOvr>
     <a:masterClrMapping/>
   </p:clrMapOvr>
+  <p:timing>
+    <p:tnLst>
+      <p:par>
+        <p:cTn id="1" dur="indefinite" restart="never" nodeType="tmRoot"/>
+      </p:par>
+    </p:tnLst>
+  </p:timing>
 </p:sldLayout>
 </file>
 
@@ -2217,6 +2731,36 @@
           <a:chExt cx="0" cy="0"/>
         </a:xfrm>
       </p:grpSpPr>
+      <p:pic>
+        <p:nvPicPr>
+          <p:cNvPr id="8" name="그림 7"/>
+          <p:cNvPicPr>
+            <a:picLocks noChangeAspect="1"/>
+          </p:cNvPicPr>
+          <p:nvPr userDrawn="1"/>
+        </p:nvPicPr>
+        <p:blipFill>
+          <a:blip r:embed="rId2">
+            <a:extLst>
+              <a:ext uri="{28A0092B-C50C-407E-A947-70E740481C1C}">
+                <a14:useLocalDpi xmlns:a14="http://schemas.microsoft.com/office/drawing/2010/main" val="0"/>
+              </a:ext>
+            </a:extLst>
+          </a:blip>
+          <a:stretch>
+            <a:fillRect/>
+          </a:stretch>
+        </p:blipFill>
+        <p:spPr>
+          <a:xfrm>
+            <a:off x="0" y="1"/>
+            <a:ext cx="12192000" cy="6858000"/>
+          </a:xfrm>
+          <a:prstGeom prst="rect">
+            <a:avLst/>
+          </a:prstGeom>
+        </p:spPr>
+      </p:pic>
       <p:sp>
         <p:nvSpPr>
           <p:cNvPr id="2" name="제목 1"/>
@@ -2414,7 +2958,7 @@
           <a:p>
             <a:fld id="{AF8BD327-8EDF-4A3A-80D5-1C0CCFBF0AF3}" type="datetimeFigureOut">
               <a:rPr lang="ko-KR" altLang="en-US" smtClean="0"/>
-              <a:t>2018-10-18</a:t>
+              <a:t>2018-10-19</a:t>
             </a:fld>
             <a:endParaRPr lang="ko-KR" altLang="en-US"/>
           </a:p>
@@ -2462,6 +3006,96 @@
           </a:p>
         </p:txBody>
       </p:sp>
+      <p:pic>
+        <p:nvPicPr>
+          <p:cNvPr id="9" name="Picture 2" descr="C:\Users\MS_House\Downloads\Document-master\DreamTree_icon.png"/>
+          <p:cNvPicPr>
+            <a:picLocks noChangeAspect="1" noChangeArrowheads="1"/>
+          </p:cNvPicPr>
+          <p:nvPr userDrawn="1"/>
+        </p:nvPicPr>
+        <p:blipFill>
+          <a:blip r:embed="rId3" cstate="print">
+            <a:extLst>
+              <a:ext uri="{BEBA8EAE-BF5A-486C-A8C5-ECC9F3942E4B}">
+                <a14:imgProps xmlns:a14="http://schemas.microsoft.com/office/drawing/2010/main">
+                  <a14:imgLayer r:embed="rId4">
+                    <a14:imgEffect>
+                      <a14:saturation sat="60000"/>
+                    </a14:imgEffect>
+                    <a14:imgEffect>
+                      <a14:brightnessContrast bright="-18000"/>
+                    </a14:imgEffect>
+                  </a14:imgLayer>
+                </a14:imgProps>
+              </a:ext>
+              <a:ext uri="{28A0092B-C50C-407E-A947-70E740481C1C}">
+                <a14:useLocalDpi xmlns:a14="http://schemas.microsoft.com/office/drawing/2010/main" val="0"/>
+              </a:ext>
+            </a:extLst>
+          </a:blip>
+          <a:srcRect/>
+          <a:stretch>
+            <a:fillRect/>
+          </a:stretch>
+        </p:blipFill>
+        <p:spPr bwMode="auto">
+          <a:xfrm>
+            <a:off x="11488848" y="6197302"/>
+            <a:ext cx="569834" cy="563246"/>
+          </a:xfrm>
+          <a:prstGeom prst="rect">
+            <a:avLst/>
+          </a:prstGeom>
+          <a:noFill/>
+          <a:extLst>
+            <a:ext uri="{909E8E84-426E-40DD-AFC4-6F175D3DCCD1}">
+              <a14:hiddenFill xmlns:a14="http://schemas.microsoft.com/office/drawing/2010/main">
+                <a:solidFill>
+                  <a:srgbClr val="FFFFFF"/>
+                </a:solidFill>
+              </a14:hiddenFill>
+            </a:ext>
+          </a:extLst>
+        </p:spPr>
+      </p:pic>
+    </p:spTree>
+    <p:extLst>
+      <p:ext uri="{BB962C8B-B14F-4D97-AF65-F5344CB8AC3E}">
+        <p14:creationId xmlns:p14="http://schemas.microsoft.com/office/powerpoint/2010/main" val="478322145"/>
+      </p:ext>
+    </p:extLst>
+  </p:cSld>
+  <p:clrMapOvr>
+    <a:masterClrMapping/>
+  </p:clrMapOvr>
+  <p:timing>
+    <p:tnLst>
+      <p:par>
+        <p:cTn id="1" dur="indefinite" restart="never" nodeType="tmRoot"/>
+      </p:par>
+    </p:tnLst>
+  </p:timing>
+</p:sldLayout>
+</file>
+
+<file path=ppt/slideLayouts/slideLayout9.xml><?xml version="1.0" encoding="utf-8"?>
+<p:sldLayout xmlns:a="http://schemas.openxmlformats.org/drawingml/2006/main" xmlns:r="http://schemas.openxmlformats.org/officeDocument/2006/relationships" xmlns:p="http://schemas.openxmlformats.org/presentationml/2006/main" type="picTx" preserve="1">
+  <p:cSld name="캡션 있는 그림">
+    <p:spTree>
+      <p:nvGrpSpPr>
+        <p:cNvPr id="1" name=""/>
+        <p:cNvGrpSpPr/>
+        <p:nvPr/>
+      </p:nvGrpSpPr>
+      <p:grpSpPr>
+        <a:xfrm>
+          <a:off x="0" y="0"/>
+          <a:ext cx="0" cy="0"/>
+          <a:chOff x="0" y="0"/>
+          <a:chExt cx="0" cy="0"/>
+        </a:xfrm>
+      </p:grpSpPr>
       <p:pic>
         <p:nvPicPr>
           <p:cNvPr id="8" name="그림 7"/>
@@ -2492,36 +3126,6 @@
           </a:prstGeom>
         </p:spPr>
       </p:pic>
-    </p:spTree>
-    <p:extLst>
-      <p:ext uri="{BB962C8B-B14F-4D97-AF65-F5344CB8AC3E}">
-        <p14:creationId xmlns:p14="http://schemas.microsoft.com/office/powerpoint/2010/main" val="478322145"/>
-      </p:ext>
-    </p:extLst>
-  </p:cSld>
-  <p:clrMapOvr>
-    <a:masterClrMapping/>
-  </p:clrMapOvr>
-</p:sldLayout>
-</file>
-
-<file path=ppt/slideLayouts/slideLayout9.xml><?xml version="1.0" encoding="utf-8"?>
-<p:sldLayout xmlns:a="http://schemas.openxmlformats.org/drawingml/2006/main" xmlns:r="http://schemas.openxmlformats.org/officeDocument/2006/relationships" xmlns:p="http://schemas.openxmlformats.org/presentationml/2006/main" type="picTx" preserve="1">
-  <p:cSld name="캡션 있는 그림">
-    <p:spTree>
-      <p:nvGrpSpPr>
-        <p:cNvPr id="1" name=""/>
-        <p:cNvGrpSpPr/>
-        <p:nvPr/>
-      </p:nvGrpSpPr>
-      <p:grpSpPr>
-        <a:xfrm>
-          <a:off x="0" y="0"/>
-          <a:ext cx="0" cy="0"/>
-          <a:chOff x="0" y="0"/>
-          <a:chExt cx="0" cy="0"/>
-        </a:xfrm>
-      </p:grpSpPr>
       <p:sp>
         <p:nvSpPr>
           <p:cNvPr id="2" name="제목 1"/>
@@ -2696,7 +3300,7 @@
           <a:p>
             <a:fld id="{AF8BD327-8EDF-4A3A-80D5-1C0CCFBF0AF3}" type="datetimeFigureOut">
               <a:rPr lang="ko-KR" altLang="en-US" smtClean="0"/>
-              <a:t>2018-10-18</a:t>
+              <a:t>2018-10-19</a:t>
             </a:fld>
             <a:endParaRPr lang="ko-KR" altLang="en-US"/>
           </a:p>
@@ -2744,6 +3348,59 @@
           </a:p>
         </p:txBody>
       </p:sp>
+      <p:pic>
+        <p:nvPicPr>
+          <p:cNvPr id="9" name="Picture 2" descr="C:\Users\MS_House\Downloads\Document-master\DreamTree_icon.png"/>
+          <p:cNvPicPr>
+            <a:picLocks noChangeAspect="1" noChangeArrowheads="1"/>
+          </p:cNvPicPr>
+          <p:nvPr userDrawn="1"/>
+        </p:nvPicPr>
+        <p:blipFill>
+          <a:blip r:embed="rId3" cstate="print">
+            <a:extLst>
+              <a:ext uri="{BEBA8EAE-BF5A-486C-A8C5-ECC9F3942E4B}">
+                <a14:imgProps xmlns:a14="http://schemas.microsoft.com/office/drawing/2010/main">
+                  <a14:imgLayer r:embed="rId4">
+                    <a14:imgEffect>
+                      <a14:saturation sat="60000"/>
+                    </a14:imgEffect>
+                    <a14:imgEffect>
+                      <a14:brightnessContrast bright="-18000"/>
+                    </a14:imgEffect>
+                  </a14:imgLayer>
+                </a14:imgProps>
+              </a:ext>
+              <a:ext uri="{28A0092B-C50C-407E-A947-70E740481C1C}">
+                <a14:useLocalDpi xmlns:a14="http://schemas.microsoft.com/office/drawing/2010/main" val="0"/>
+              </a:ext>
+            </a:extLst>
+          </a:blip>
+          <a:srcRect/>
+          <a:stretch>
+            <a:fillRect/>
+          </a:stretch>
+        </p:blipFill>
+        <p:spPr bwMode="auto">
+          <a:xfrm>
+            <a:off x="11488848" y="6197302"/>
+            <a:ext cx="569834" cy="563246"/>
+          </a:xfrm>
+          <a:prstGeom prst="rect">
+            <a:avLst/>
+          </a:prstGeom>
+          <a:noFill/>
+          <a:extLst>
+            <a:ext uri="{909E8E84-426E-40DD-AFC4-6F175D3DCCD1}">
+              <a14:hiddenFill xmlns:a14="http://schemas.microsoft.com/office/drawing/2010/main">
+                <a:solidFill>
+                  <a:srgbClr val="FFFFFF"/>
+                </a:solidFill>
+              </a14:hiddenFill>
+            </a:ext>
+          </a:extLst>
+        </p:spPr>
+      </p:pic>
     </p:spTree>
     <p:extLst>
       <p:ext uri="{BB962C8B-B14F-4D97-AF65-F5344CB8AC3E}">
@@ -2754,6 +3411,13 @@
   <p:clrMapOvr>
     <a:masterClrMapping/>
   </p:clrMapOvr>
+  <p:timing>
+    <p:tnLst>
+      <p:par>
+        <p:cTn id="1" dur="indefinite" restart="never" nodeType="tmRoot"/>
+      </p:par>
+    </p:tnLst>
+  </p:timing>
 </p:sldLayout>
 </file>
 
@@ -2779,36 +3443,6 @@
           <a:chExt cx="0" cy="0"/>
         </a:xfrm>
       </p:grpSpPr>
-      <p:pic>
-        <p:nvPicPr>
-          <p:cNvPr id="7" name="그림 6"/>
-          <p:cNvPicPr>
-            <a:picLocks noChangeAspect="1"/>
-          </p:cNvPicPr>
-          <p:nvPr userDrawn="1"/>
-        </p:nvPicPr>
-        <p:blipFill>
-          <a:blip r:embed="rId14">
-            <a:extLst>
-              <a:ext uri="{28A0092B-C50C-407E-A947-70E740481C1C}">
-                <a14:useLocalDpi xmlns:a14="http://schemas.microsoft.com/office/drawing/2010/main" val="0"/>
-              </a:ext>
-            </a:extLst>
-          </a:blip>
-          <a:stretch>
-            <a:fillRect/>
-          </a:stretch>
-        </p:blipFill>
-        <p:spPr>
-          <a:xfrm>
-            <a:off x="0" y="1"/>
-            <a:ext cx="12192000" cy="6858000"/>
-          </a:xfrm>
-          <a:prstGeom prst="rect">
-            <a:avLst/>
-          </a:prstGeom>
-        </p:spPr>
-      </p:pic>
       <p:sp>
         <p:nvSpPr>
           <p:cNvPr id="2" name="제목 개체 틀 1"/>
@@ -2937,7 +3571,7 @@
           <a:p>
             <a:fld id="{AF8BD327-8EDF-4A3A-80D5-1C0CCFBF0AF3}" type="datetimeFigureOut">
               <a:rPr lang="ko-KR" altLang="en-US" smtClean="0"/>
-              <a:t>2018-10-18</a:t>
+              <a:t>2018-10-19</a:t>
             </a:fld>
             <a:endParaRPr lang="ko-KR" altLang="en-US"/>
           </a:p>
@@ -3043,6 +3677,13 @@
     <p:sldLayoutId id="2147483659" r:id="rId11"/>
     <p:sldLayoutId id="2147483660" r:id="rId12"/>
   </p:sldLayoutIdLst>
+  <p:timing>
+    <p:tnLst>
+      <p:par>
+        <p:cTn id="1" dur="indefinite" restart="never" nodeType="tmRoot"/>
+      </p:par>
+    </p:tnLst>
+  </p:timing>
   <p:txStyles>
     <p:titleStyle>
       <a:lvl1pPr algn="l" defTabSz="914400" rtl="0" eaLnBrk="1" latinLnBrk="1" hangingPunct="1">
@@ -3343,127 +3984,290 @@
           <a:chExt cx="0" cy="0"/>
         </a:xfrm>
       </p:grpSpPr>
-      <p:sp>
-        <p:nvSpPr>
-          <p:cNvPr id="2" name="제목 1"/>
-          <p:cNvSpPr>
-            <a:spLocks noGrp="1"/>
-          </p:cNvSpPr>
-          <p:nvPr>
-            <p:ph type="ctrTitle"/>
-          </p:nvPr>
-        </p:nvSpPr>
-        <p:spPr/>
-        <p:txBody>
-          <a:bodyPr/>
-          <a:lstStyle/>
-          <a:p>
-            <a:r>
-              <a:rPr lang="en-US" altLang="ko-KR" dirty="0">
-                <a:latin typeface="HY견고딕" panose="02030600000101010101" pitchFamily="18" charset="-127"/>
-                <a:ea typeface="HY견고딕" panose="02030600000101010101" pitchFamily="18" charset="-127"/>
-              </a:rPr>
-              <a:t>Dream Tree</a:t>
-            </a:r>
-            <a:endParaRPr lang="ko-KR" altLang="en-US" dirty="0">
-              <a:latin typeface="HY견고딕" panose="02030600000101010101" pitchFamily="18" charset="-127"/>
-              <a:ea typeface="HY견고딕" panose="02030600000101010101" pitchFamily="18" charset="-127"/>
-            </a:endParaRPr>
-          </a:p>
-        </p:txBody>
-      </p:sp>
-      <p:sp>
-        <p:nvSpPr>
-          <p:cNvPr id="3" name="부제목 2"/>
-          <p:cNvSpPr>
-            <a:spLocks noGrp="1"/>
-          </p:cNvSpPr>
-          <p:nvPr>
-            <p:ph type="subTitle" idx="1"/>
-          </p:nvPr>
-        </p:nvSpPr>
-        <p:spPr/>
-        <p:txBody>
-          <a:bodyPr/>
-          <a:lstStyle/>
-          <a:p>
-            <a:r>
-              <a:rPr lang="ko-KR" altLang="en-US" dirty="0"/>
-              <a:t>선린인터넷고 </a:t>
-            </a:r>
-            <a:r>
-              <a:rPr lang="en-US" altLang="ko-KR" dirty="0"/>
-              <a:t>SW</a:t>
-            </a:r>
-            <a:r>
-              <a:rPr lang="ko-KR" altLang="en-US" dirty="0"/>
-              <a:t>학급 </a:t>
-            </a:r>
-            <a:r>
-              <a:rPr lang="en-US" altLang="ko-KR" dirty="0"/>
-              <a:t>3</a:t>
-            </a:r>
-            <a:r>
-              <a:rPr lang="ko-KR" altLang="en-US" dirty="0"/>
-              <a:t>학년 </a:t>
-            </a:r>
-            <a:r>
-              <a:rPr lang="en-US" altLang="ko-KR" dirty="0"/>
-              <a:t>3</a:t>
-            </a:r>
-            <a:r>
-              <a:rPr lang="ko-KR" altLang="en-US" dirty="0"/>
-              <a:t>조</a:t>
-            </a:r>
-            <a:endParaRPr lang="en-US" altLang="ko-KR" dirty="0"/>
-          </a:p>
-          <a:p>
-            <a:r>
-              <a:rPr lang="ko-KR" altLang="en-US" dirty="0"/>
-              <a:t>선민수</a:t>
-            </a:r>
-            <a:r>
-              <a:rPr lang="en-US" altLang="ko-KR" dirty="0"/>
-              <a:t>, </a:t>
-            </a:r>
-            <a:r>
-              <a:rPr lang="ko-KR" altLang="en-US" dirty="0" err="1"/>
-              <a:t>정찬효</a:t>
-            </a:r>
-            <a:r>
-              <a:rPr lang="en-US" altLang="ko-KR" dirty="0"/>
-              <a:t>, </a:t>
-            </a:r>
-            <a:r>
-              <a:rPr lang="ko-KR" altLang="en-US" dirty="0" err="1"/>
-              <a:t>한윤호</a:t>
-            </a:r>
-            <a:endParaRPr lang="ko-KR" altLang="en-US" dirty="0"/>
-          </a:p>
-        </p:txBody>
-      </p:sp>
     </p:spTree>
     <p:extLst>
       <p:ext uri="{BB962C8B-B14F-4D97-AF65-F5344CB8AC3E}">
-        <p14:creationId xmlns:p14="http://schemas.microsoft.com/office/powerpoint/2010/main" val="4108364297"/>
+        <p14:creationId xmlns:p14="http://schemas.microsoft.com/office/powerpoint/2010/main" val="4173933837"/>
       </p:ext>
     </p:extLst>
   </p:cSld>
   <p:clrMapOvr>
     <a:masterClrMapping/>
   </p:clrMapOvr>
-  <mc:AlternateContent xmlns:mc="http://schemas.openxmlformats.org/markup-compatibility/2006" xmlns:p14="http://schemas.microsoft.com/office/powerpoint/2010/main">
-    <mc:Choice Requires="p14">
-      <p:transition spd="slow" p14:dur="2500">
-        <p14:flythrough/>
-      </p:transition>
-    </mc:Choice>
-    <mc:Fallback xmlns="">
-      <p:transition spd="slow">
-        <p:fade/>
-      </p:transition>
-    </mc:Fallback>
-  </mc:AlternateContent>
+  <p:timing>
+    <p:tnLst>
+      <p:par>
+        <p:cTn id="1" dur="indefinite" restart="never" nodeType="tmRoot"/>
+      </p:par>
+    </p:tnLst>
+  </p:timing>
+</p:sld>
+</file>
+
+<file path=ppt/slides/slide10.xml><?xml version="1.0" encoding="utf-8"?>
+<p:sld xmlns:a="http://schemas.openxmlformats.org/drawingml/2006/main" xmlns:r="http://schemas.openxmlformats.org/officeDocument/2006/relationships" xmlns:p="http://schemas.openxmlformats.org/presentationml/2006/main">
+  <p:cSld>
+    <p:spTree>
+      <p:nvGrpSpPr>
+        <p:cNvPr id="1" name=""/>
+        <p:cNvGrpSpPr/>
+        <p:nvPr/>
+      </p:nvGrpSpPr>
+      <p:grpSpPr>
+        <a:xfrm>
+          <a:off x="0" y="0"/>
+          <a:ext cx="0" cy="0"/>
+          <a:chOff x="0" y="0"/>
+          <a:chExt cx="0" cy="0"/>
+        </a:xfrm>
+      </p:grpSpPr>
+      <p:sp>
+        <p:nvSpPr>
+          <p:cNvPr id="2" name="제목 1"/>
+          <p:cNvSpPr txBox="1">
+            <a:spLocks/>
+          </p:cNvSpPr>
+          <p:nvPr/>
+        </p:nvSpPr>
+        <p:spPr>
+          <a:xfrm>
+            <a:off x="329317" y="1801461"/>
+            <a:ext cx="11533365" cy="3255078"/>
+          </a:xfrm>
+          <a:prstGeom prst="rect">
+            <a:avLst/>
+          </a:prstGeom>
+        </p:spPr>
+        <p:txBody>
+          <a:bodyPr>
+            <a:normAutofit/>
+          </a:bodyPr>
+          <a:lstStyle>
+            <a:lvl1pPr algn="l" defTabSz="914400" rtl="0" eaLnBrk="1" latinLnBrk="1" hangingPunct="1">
+              <a:lnSpc>
+                <a:spcPct val="90000"/>
+              </a:lnSpc>
+              <a:spcBef>
+                <a:spcPct val="0"/>
+              </a:spcBef>
+              <a:buNone/>
+              <a:defRPr sz="4400" kern="1200">
+                <a:solidFill>
+                  <a:schemeClr val="tx1"/>
+                </a:solidFill>
+                <a:latin typeface="+mj-lt"/>
+                <a:ea typeface="+mj-ea"/>
+                <a:cs typeface="+mj-cs"/>
+              </a:defRPr>
+            </a:lvl1pPr>
+          </a:lstStyle>
+          <a:p>
+            <a:pPr algn="ctr">
+              <a:tabLst>
+                <a:tab pos="6102350" algn="l"/>
+              </a:tabLst>
+            </a:pPr>
+            <a:r>
+              <a:rPr lang="ko-KR" altLang="en-US" sz="4800" smtClean="0">
+                <a:ea typeface="문체부 쓰기 정체" panose="02030609000101010101" pitchFamily="17" charset="-127"/>
+              </a:rPr>
+              <a:t>꿈을 꾸세요</a:t>
+            </a:r>
+            <a:r>
+              <a:rPr lang="en-US" altLang="ko-KR" sz="4800" smtClean="0">
+                <a:ea typeface="문체부 쓰기 정체" panose="02030609000101010101" pitchFamily="17" charset="-127"/>
+              </a:rPr>
+              <a:t>.</a:t>
+            </a:r>
+            <a:br>
+              <a:rPr lang="en-US" altLang="ko-KR" sz="4800" smtClean="0">
+                <a:ea typeface="문체부 쓰기 정체" panose="02030609000101010101" pitchFamily="17" charset="-127"/>
+              </a:rPr>
+            </a:br>
+            <a:r>
+              <a:rPr lang="ko-KR" altLang="en-US" sz="4800" smtClean="0">
+                <a:ea typeface="문체부 쓰기 정체" panose="02030609000101010101" pitchFamily="17" charset="-127"/>
+              </a:rPr>
+              <a:t>그러면 그 꿈이 당신을 만들 것입니다</a:t>
+            </a:r>
+            <a:r>
+              <a:rPr lang="en-US" altLang="ko-KR" sz="4800" smtClean="0">
+                <a:ea typeface="문체부 쓰기 정체" panose="02030609000101010101" pitchFamily="17" charset="-127"/>
+              </a:rPr>
+              <a:t/>
+            </a:r>
+            <a:br>
+              <a:rPr lang="en-US" altLang="ko-KR" sz="4800" smtClean="0">
+                <a:ea typeface="문체부 쓰기 정체" panose="02030609000101010101" pitchFamily="17" charset="-127"/>
+              </a:rPr>
+            </a:br>
+            <a:r>
+              <a:rPr lang="en-US" altLang="ko-KR" sz="5400" smtClean="0">
+                <a:ea typeface="문체부 쓰기 정체" panose="02030609000101010101" pitchFamily="17" charset="-127"/>
+              </a:rPr>
+              <a:t/>
+            </a:r>
+            <a:br>
+              <a:rPr lang="en-US" altLang="ko-KR" sz="5400" smtClean="0">
+                <a:ea typeface="문체부 쓰기 정체" panose="02030609000101010101" pitchFamily="17" charset="-127"/>
+              </a:rPr>
+            </a:br>
+            <a:r>
+              <a:rPr lang="en-US" altLang="ko-KR" sz="3200" smtClean="0">
+                <a:latin typeface="나눔손글씨 펜" panose="03040600000000000000" pitchFamily="66" charset="-127"/>
+                <a:ea typeface="나눔손글씨 펜" panose="03040600000000000000" pitchFamily="66" charset="-127"/>
+              </a:rPr>
+              <a:t>Robert J. Shiller</a:t>
+            </a:r>
+            <a:endParaRPr lang="ko-KR" altLang="en-US" sz="7200" dirty="0">
+              <a:latin typeface="나눔손글씨 펜" panose="03040600000000000000" pitchFamily="66" charset="-127"/>
+              <a:ea typeface="나눔손글씨 펜" panose="03040600000000000000" pitchFamily="66" charset="-127"/>
+            </a:endParaRPr>
+          </a:p>
+        </p:txBody>
+      </p:sp>
+      <p:sp>
+        <p:nvSpPr>
+          <p:cNvPr id="3" name="TextBox 2">
+            <a:extLst>
+              <a:ext uri="{FF2B5EF4-FFF2-40B4-BE49-F238E27FC236}">
+                <a16:creationId xmlns:a16="http://schemas.microsoft.com/office/drawing/2014/main" id="{F9CDA9BF-F5E1-458A-A7B5-27021FC8A0B6}"/>
+              </a:ext>
+            </a:extLst>
+          </p:cNvPr>
+          <p:cNvSpPr txBox="1"/>
+          <p:nvPr/>
+        </p:nvSpPr>
+        <p:spPr>
+          <a:xfrm>
+            <a:off x="2105099" y="5056539"/>
+            <a:ext cx="7981800" cy="923330"/>
+          </a:xfrm>
+          <a:prstGeom prst="rect">
+            <a:avLst/>
+          </a:prstGeom>
+          <a:noFill/>
+        </p:spPr>
+        <p:txBody>
+          <a:bodyPr wrap="square" rtlCol="0">
+            <a:spAutoFit/>
+          </a:bodyPr>
+          <a:lstStyle/>
+          <a:p>
+            <a:pPr algn="ctr"/>
+            <a:r>
+              <a:rPr lang="en-US" altLang="ko-KR" sz="5400" dirty="0">
+                <a:latin typeface="나눔바른펜" panose="020B0503000000000000" pitchFamily="50" charset="-127"/>
+                <a:ea typeface="나눔바른펜" panose="020B0503000000000000" pitchFamily="50" charset="-127"/>
+              </a:rPr>
+              <a:t>With Dream Tree</a:t>
+            </a:r>
+            <a:endParaRPr lang="ko-KR" altLang="en-US" sz="5400" dirty="0">
+              <a:latin typeface="나눔바른펜" panose="020B0503000000000000" pitchFamily="50" charset="-127"/>
+              <a:ea typeface="나눔바른펜" panose="020B0503000000000000" pitchFamily="50" charset="-127"/>
+            </a:endParaRPr>
+          </a:p>
+        </p:txBody>
+      </p:sp>
+    </p:spTree>
+    <p:extLst>
+      <p:ext uri="{BB962C8B-B14F-4D97-AF65-F5344CB8AC3E}">
+        <p14:creationId xmlns:p14="http://schemas.microsoft.com/office/powerpoint/2010/main" val="2150920336"/>
+      </p:ext>
+    </p:extLst>
+  </p:cSld>
+  <p:clrMapOvr>
+    <a:masterClrMapping/>
+  </p:clrMapOvr>
+  <p:timing>
+    <p:tnLst>
+      <p:par>
+        <p:cTn id="1" dur="indefinite" restart="never" nodeType="tmRoot">
+          <p:childTnLst>
+            <p:seq concurrent="1" nextAc="seek">
+              <p:cTn id="2" dur="indefinite" nodeType="mainSeq">
+                <p:childTnLst>
+                  <p:par>
+                    <p:cTn id="3" fill="hold">
+                      <p:stCondLst>
+                        <p:cond delay="indefinite"/>
+                        <p:cond evt="onBegin" delay="0">
+                          <p:tn val="2"/>
+                        </p:cond>
+                      </p:stCondLst>
+                      <p:childTnLst>
+                        <p:par>
+                          <p:cTn id="4" fill="hold">
+                            <p:stCondLst>
+                              <p:cond delay="0"/>
+                            </p:stCondLst>
+                            <p:childTnLst>
+                              <p:par>
+                                <p:cTn id="5" presetID="10" presetClass="entr" presetSubtype="0" fill="hold" grpId="0" nodeType="withEffect">
+                                  <p:stCondLst>
+                                    <p:cond delay="5000"/>
+                                  </p:stCondLst>
+                                  <p:childTnLst>
+                                    <p:set>
+                                      <p:cBhvr>
+                                        <p:cTn id="6" dur="1" fill="hold">
+                                          <p:stCondLst>
+                                            <p:cond delay="0"/>
+                                          </p:stCondLst>
+                                        </p:cTn>
+                                        <p:tgtEl>
+                                          <p:spTgt spid="3"/>
+                                        </p:tgtEl>
+                                        <p:attrNameLst>
+                                          <p:attrName>style.visibility</p:attrName>
+                                        </p:attrNameLst>
+                                      </p:cBhvr>
+                                      <p:to>
+                                        <p:strVal val="visible"/>
+                                      </p:to>
+                                    </p:set>
+                                    <p:animEffect transition="in" filter="fade">
+                                      <p:cBhvr>
+                                        <p:cTn id="7" dur="1000"/>
+                                        <p:tgtEl>
+                                          <p:spTgt spid="3"/>
+                                        </p:tgtEl>
+                                      </p:cBhvr>
+                                    </p:animEffect>
+                                  </p:childTnLst>
+                                </p:cTn>
+                              </p:par>
+                            </p:childTnLst>
+                          </p:cTn>
+                        </p:par>
+                      </p:childTnLst>
+                    </p:cTn>
+                  </p:par>
+                </p:childTnLst>
+              </p:cTn>
+              <p:prevCondLst>
+                <p:cond evt="onPrev" delay="0">
+                  <p:tgtEl>
+                    <p:sldTgt/>
+                  </p:tgtEl>
+                </p:cond>
+              </p:prevCondLst>
+              <p:nextCondLst>
+                <p:cond evt="onNext" delay="0">
+                  <p:tgtEl>
+                    <p:sldTgt/>
+                  </p:tgtEl>
+                </p:cond>
+              </p:nextCondLst>
+            </p:seq>
+          </p:childTnLst>
+        </p:cTn>
+      </p:par>
+    </p:tnLst>
+    <p:bldLst>
+      <p:bldP spid="3" grpId="0"/>
+    </p:bldLst>
+  </p:timing>
 </p:sld>
 </file>
 
@@ -3491,33 +4295,285 @@
             <a:spLocks noGrp="1"/>
           </p:cNvSpPr>
           <p:nvPr>
-            <p:ph type="title"/>
-          </p:nvPr>
-        </p:nvSpPr>
-        <p:spPr>
-          <a:xfrm>
-            <a:off x="838200" y="2103437"/>
-            <a:ext cx="10515600" cy="1325563"/>
-          </a:xfrm>
-        </p:spPr>
+            <p:ph type="ctrTitle"/>
+          </p:nvPr>
+        </p:nvSpPr>
+        <p:spPr/>
         <p:txBody>
           <a:bodyPr>
             <a:normAutofit/>
           </a:bodyPr>
           <a:lstStyle/>
           <a:p>
-            <a:r>
-              <a:rPr lang="ko-KR" altLang="en-US" sz="5400" dirty="0" err="1"/>
-              <a:t>ㅈ</a:t>
-            </a:r>
-            <a:endParaRPr lang="ko-KR" altLang="en-US" sz="5400" dirty="0"/>
-          </a:p>
-        </p:txBody>
-      </p:sp>
+            <a:pPr>
+              <a:tabLst>
+                <a:tab pos="6011863" algn="l"/>
+              </a:tabLst>
+            </a:pPr>
+            <a:r>
+              <a:rPr lang="en-US" altLang="ko-KR" sz="8000" dirty="0" err="1" smtClean="0">
+                <a:ln w="28575">
+                  <a:solidFill>
+                    <a:srgbClr val="1CB3B4"/>
+                  </a:solidFill>
+                </a:ln>
+                <a:solidFill>
+                  <a:schemeClr val="bg1"/>
+                </a:solidFill>
+                <a:latin typeface="나눔스퀘어라운드 ExtraBold" panose="020B0600000101010101" pitchFamily="50" charset="-127"/>
+                <a:ea typeface="나눔스퀘어라운드 ExtraBold" panose="020B0600000101010101" pitchFamily="50" charset="-127"/>
+              </a:rPr>
+              <a:t>DreamTree</a:t>
+            </a:r>
+            <a:endParaRPr lang="ko-KR" altLang="en-US" sz="7200" dirty="0">
+              <a:ln w="28575">
+                <a:solidFill>
+                  <a:srgbClr val="1CB3B4"/>
+                </a:solidFill>
+              </a:ln>
+              <a:solidFill>
+                <a:schemeClr val="bg1"/>
+              </a:solidFill>
+              <a:latin typeface="나눔스퀘어라운드 ExtraBold" panose="020B0600000101010101" pitchFamily="50" charset="-127"/>
+              <a:ea typeface="나눔스퀘어라운드 ExtraBold" panose="020B0600000101010101" pitchFamily="50" charset="-127"/>
+            </a:endParaRPr>
+          </a:p>
+        </p:txBody>
+      </p:sp>
+      <p:sp>
+        <p:nvSpPr>
+          <p:cNvPr id="3" name="부제목 2"/>
+          <p:cNvSpPr>
+            <a:spLocks noGrp="1"/>
+          </p:cNvSpPr>
+          <p:nvPr>
+            <p:ph type="subTitle" idx="1"/>
+          </p:nvPr>
+        </p:nvSpPr>
+        <p:spPr>
+          <a:xfrm>
+            <a:off x="1524000" y="4054688"/>
+            <a:ext cx="9144000" cy="1655762"/>
+          </a:xfrm>
+        </p:spPr>
+        <p:txBody>
+          <a:bodyPr>
+            <a:normAutofit/>
+          </a:bodyPr>
+          <a:lstStyle/>
+          <a:p>
+            <a:r>
+              <a:rPr lang="ko-KR" altLang="en-US" sz="2000" b="1" dirty="0" smtClean="0">
+                <a:ln>
+                  <a:solidFill>
+                    <a:srgbClr val="1CB3B4"/>
+                  </a:solidFill>
+                </a:ln>
+                <a:latin typeface="나눔고딕 ExtraBold" panose="020D0904000000000000" pitchFamily="50" charset="-127"/>
+                <a:ea typeface="나눔고딕 ExtraBold" panose="020D0904000000000000" pitchFamily="50" charset="-127"/>
+              </a:rPr>
+              <a:t>선린 </a:t>
+            </a:r>
+            <a:r>
+              <a:rPr lang="en-US" altLang="ko-KR" sz="2000" b="1" dirty="0">
+                <a:ln>
+                  <a:solidFill>
+                    <a:srgbClr val="1CB3B4"/>
+                  </a:solidFill>
+                </a:ln>
+                <a:latin typeface="나눔고딕 ExtraBold" panose="020D0904000000000000" pitchFamily="50" charset="-127"/>
+                <a:ea typeface="나눔고딕 ExtraBold" panose="020D0904000000000000" pitchFamily="50" charset="-127"/>
+              </a:rPr>
+              <a:t>SW</a:t>
+            </a:r>
+            <a:r>
+              <a:rPr lang="ko-KR" altLang="en-US" sz="2000" b="1" dirty="0">
+                <a:ln>
+                  <a:solidFill>
+                    <a:srgbClr val="1CB3B4"/>
+                  </a:solidFill>
+                </a:ln>
+                <a:latin typeface="나눔고딕 ExtraBold" panose="020D0904000000000000" pitchFamily="50" charset="-127"/>
+                <a:ea typeface="나눔고딕 ExtraBold" panose="020D0904000000000000" pitchFamily="50" charset="-127"/>
+              </a:rPr>
+              <a:t>학급 </a:t>
+            </a:r>
+            <a:r>
+              <a:rPr lang="en-US" altLang="ko-KR" sz="2000" b="1" dirty="0">
+                <a:ln>
+                  <a:solidFill>
+                    <a:srgbClr val="1CB3B4"/>
+                  </a:solidFill>
+                </a:ln>
+                <a:latin typeface="나눔고딕 ExtraBold" panose="020D0904000000000000" pitchFamily="50" charset="-127"/>
+                <a:ea typeface="나눔고딕 ExtraBold" panose="020D0904000000000000" pitchFamily="50" charset="-127"/>
+              </a:rPr>
+              <a:t>3</a:t>
+            </a:r>
+            <a:r>
+              <a:rPr lang="ko-KR" altLang="en-US" sz="2000" b="1" dirty="0">
+                <a:ln>
+                  <a:solidFill>
+                    <a:srgbClr val="1CB3B4"/>
+                  </a:solidFill>
+                </a:ln>
+                <a:latin typeface="나눔고딕 ExtraBold" panose="020D0904000000000000" pitchFamily="50" charset="-127"/>
+                <a:ea typeface="나눔고딕 ExtraBold" panose="020D0904000000000000" pitchFamily="50" charset="-127"/>
+              </a:rPr>
+              <a:t>학년 </a:t>
+            </a:r>
+            <a:r>
+              <a:rPr lang="en-US" altLang="ko-KR" sz="2000" b="1" dirty="0">
+                <a:ln>
+                  <a:solidFill>
+                    <a:srgbClr val="1CB3B4"/>
+                  </a:solidFill>
+                </a:ln>
+                <a:latin typeface="나눔고딕 ExtraBold" panose="020D0904000000000000" pitchFamily="50" charset="-127"/>
+                <a:ea typeface="나눔고딕 ExtraBold" panose="020D0904000000000000" pitchFamily="50" charset="-127"/>
+              </a:rPr>
+              <a:t>3</a:t>
+            </a:r>
+            <a:r>
+              <a:rPr lang="ko-KR" altLang="en-US" sz="2000" b="1" dirty="0">
+                <a:ln>
+                  <a:solidFill>
+                    <a:srgbClr val="1CB3B4"/>
+                  </a:solidFill>
+                </a:ln>
+                <a:latin typeface="나눔고딕 ExtraBold" panose="020D0904000000000000" pitchFamily="50" charset="-127"/>
+                <a:ea typeface="나눔고딕 ExtraBold" panose="020D0904000000000000" pitchFamily="50" charset="-127"/>
+              </a:rPr>
+              <a:t>조</a:t>
+            </a:r>
+            <a:endParaRPr lang="en-US" altLang="ko-KR" sz="2000" b="1" dirty="0">
+              <a:ln>
+                <a:solidFill>
+                  <a:srgbClr val="1CB3B4"/>
+                </a:solidFill>
+              </a:ln>
+              <a:latin typeface="나눔고딕 ExtraBold" panose="020D0904000000000000" pitchFamily="50" charset="-127"/>
+              <a:ea typeface="나눔고딕 ExtraBold" panose="020D0904000000000000" pitchFamily="50" charset="-127"/>
+            </a:endParaRPr>
+          </a:p>
+          <a:p>
+            <a:r>
+              <a:rPr lang="ko-KR" altLang="en-US" sz="2000" b="1" dirty="0">
+                <a:ln>
+                  <a:solidFill>
+                    <a:srgbClr val="1CB3B4"/>
+                  </a:solidFill>
+                </a:ln>
+                <a:latin typeface="나눔고딕 ExtraBold" panose="020D0904000000000000" pitchFamily="50" charset="-127"/>
+                <a:ea typeface="나눔고딕 ExtraBold" panose="020D0904000000000000" pitchFamily="50" charset="-127"/>
+              </a:rPr>
+              <a:t>선민수</a:t>
+            </a:r>
+            <a:r>
+              <a:rPr lang="en-US" altLang="ko-KR" sz="2000" b="1" dirty="0">
+                <a:ln>
+                  <a:solidFill>
+                    <a:srgbClr val="1CB3B4"/>
+                  </a:solidFill>
+                </a:ln>
+                <a:latin typeface="나눔고딕 ExtraBold" panose="020D0904000000000000" pitchFamily="50" charset="-127"/>
+                <a:ea typeface="나눔고딕 ExtraBold" panose="020D0904000000000000" pitchFamily="50" charset="-127"/>
+              </a:rPr>
+              <a:t>, </a:t>
+            </a:r>
+            <a:r>
+              <a:rPr lang="ko-KR" altLang="en-US" sz="2000" b="1" dirty="0" err="1">
+                <a:ln>
+                  <a:solidFill>
+                    <a:srgbClr val="1CB3B4"/>
+                  </a:solidFill>
+                </a:ln>
+                <a:latin typeface="나눔고딕 ExtraBold" panose="020D0904000000000000" pitchFamily="50" charset="-127"/>
+                <a:ea typeface="나눔고딕 ExtraBold" panose="020D0904000000000000" pitchFamily="50" charset="-127"/>
+              </a:rPr>
+              <a:t>정찬효</a:t>
+            </a:r>
+            <a:r>
+              <a:rPr lang="en-US" altLang="ko-KR" sz="2000" b="1" dirty="0">
+                <a:ln>
+                  <a:solidFill>
+                    <a:srgbClr val="1CB3B4"/>
+                  </a:solidFill>
+                </a:ln>
+                <a:latin typeface="나눔고딕 ExtraBold" panose="020D0904000000000000" pitchFamily="50" charset="-127"/>
+                <a:ea typeface="나눔고딕 ExtraBold" panose="020D0904000000000000" pitchFamily="50" charset="-127"/>
+              </a:rPr>
+              <a:t>, </a:t>
+            </a:r>
+            <a:r>
+              <a:rPr lang="ko-KR" altLang="en-US" sz="2000" b="1" dirty="0" err="1">
+                <a:ln>
+                  <a:solidFill>
+                    <a:srgbClr val="1CB3B4"/>
+                  </a:solidFill>
+                </a:ln>
+                <a:latin typeface="나눔고딕 ExtraBold" panose="020D0904000000000000" pitchFamily="50" charset="-127"/>
+                <a:ea typeface="나눔고딕 ExtraBold" panose="020D0904000000000000" pitchFamily="50" charset="-127"/>
+              </a:rPr>
+              <a:t>한윤호</a:t>
+            </a:r>
+            <a:endParaRPr lang="ko-KR" altLang="en-US" sz="2000" b="1" dirty="0">
+              <a:ln>
+                <a:solidFill>
+                  <a:srgbClr val="1CB3B4"/>
+                </a:solidFill>
+              </a:ln>
+              <a:latin typeface="나눔고딕 ExtraBold" panose="020D0904000000000000" pitchFamily="50" charset="-127"/>
+              <a:ea typeface="나눔고딕 ExtraBold" panose="020D0904000000000000" pitchFamily="50" charset="-127"/>
+            </a:endParaRPr>
+          </a:p>
+        </p:txBody>
+      </p:sp>
+      <p:pic>
+        <p:nvPicPr>
+          <p:cNvPr id="5" name="Picture 2" descr="C:\Users\MS_House\Downloads\Document-master\DreamTree_icon.png"/>
+          <p:cNvPicPr>
+            <a:picLocks noChangeAspect="1" noChangeArrowheads="1"/>
+          </p:cNvPicPr>
+          <p:nvPr/>
+        </p:nvPicPr>
+        <p:blipFill>
+          <a:blip r:embed="rId2" cstate="print">
+            <a:extLst>
+              <a:ext uri="{28A0092B-C50C-407E-A947-70E740481C1C}">
+                <a14:useLocalDpi xmlns:a14="http://schemas.microsoft.com/office/drawing/2010/main" val="0"/>
+              </a:ext>
+            </a:extLst>
+          </a:blip>
+          <a:srcRect/>
+          <a:stretch>
+            <a:fillRect/>
+          </a:stretch>
+        </p:blipFill>
+        <p:spPr bwMode="auto">
+          <a:xfrm rot="19616581">
+            <a:off x="2884738" y="1724039"/>
+            <a:ext cx="749174" cy="740513"/>
+          </a:xfrm>
+          <a:prstGeom prst="rect">
+            <a:avLst/>
+          </a:prstGeom>
+          <a:noFill/>
+          <a:extLst>
+            <a:ext uri="{909E8E84-426E-40DD-AFC4-6F175D3DCCD1}">
+              <a14:hiddenFill xmlns:a14="http://schemas.microsoft.com/office/drawing/2010/main">
+                <a:solidFill>
+                  <a:srgbClr val="FFFFFF"/>
+                </a:solidFill>
+              </a14:hiddenFill>
+            </a:ext>
+          </a:extLst>
+        </p:spPr>
+      </p:pic>
     </p:spTree>
     <p:extLst>
       <p:ext uri="{BB962C8B-B14F-4D97-AF65-F5344CB8AC3E}">
-        <p14:creationId xmlns:p14="http://schemas.microsoft.com/office/powerpoint/2010/main" val="402478993"/>
+        <p14:creationId xmlns:p14="http://schemas.microsoft.com/office/powerpoint/2010/main" val="4108364297"/>
       </p:ext>
     </p:extLst>
   </p:cSld>
@@ -3526,16 +4582,23 @@
   </p:clrMapOvr>
   <mc:AlternateContent xmlns:mc="http://schemas.openxmlformats.org/markup-compatibility/2006" xmlns:p14="http://schemas.microsoft.com/office/powerpoint/2010/main">
     <mc:Choice Requires="p14">
-      <p:transition spd="med" p14:dur="700">
-        <p:fade/>
+      <p:transition spd="slow" p14:dur="1500">
+        <p14:flash/>
       </p:transition>
     </mc:Choice>
     <mc:Fallback xmlns="">
-      <p:transition spd="med">
+      <p:transition spd="slow">
         <p:fade/>
       </p:transition>
     </mc:Fallback>
   </mc:AlternateContent>
+  <p:timing>
+    <p:tnLst>
+      <p:par>
+        <p:cTn id="1" dur="indefinite" restart="never" nodeType="tmRoot"/>
+      </p:par>
+    </p:tnLst>
+  </p:timing>
 </p:sld>
 </file>
 
@@ -3558,55 +4621,75 @@
       </p:grpSpPr>
       <p:sp>
         <p:nvSpPr>
-          <p:cNvPr id="2" name="제목 1"/>
-          <p:cNvSpPr>
-            <a:spLocks noGrp="1"/>
-          </p:cNvSpPr>
-          <p:nvPr>
-            <p:ph type="title"/>
-          </p:nvPr>
+          <p:cNvPr id="4" name="TextBox 3"/>
+          <p:cNvSpPr txBox="1"/>
+          <p:nvPr/>
         </p:nvSpPr>
         <p:spPr>
           <a:xfrm>
-            <a:off x="838200" y="2103437"/>
-            <a:ext cx="10515600" cy="1325563"/>
+            <a:off x="4657145" y="2967335"/>
+            <a:ext cx="2877711" cy="923330"/>
           </a:xfrm>
+          <a:prstGeom prst="rect">
+            <a:avLst/>
+          </a:prstGeom>
+          <a:noFill/>
+          <a:ln>
+            <a:noFill/>
+          </a:ln>
         </p:spPr>
         <p:txBody>
-          <a:bodyPr>
-            <a:normAutofit/>
+          <a:bodyPr wrap="none" rtlCol="0">
+            <a:spAutoFit/>
           </a:bodyPr>
           <a:lstStyle/>
           <a:p>
             <a:r>
-              <a:rPr lang="ko-KR" altLang="en-US" sz="5400" dirty="0"/>
-              <a:t>앱 시연</a:t>
-            </a:r>
+              <a:rPr lang="ko-KR" altLang="en-US" sz="5400" b="1" dirty="0" smtClean="0">
+                <a:ln w="19050">
+                  <a:noFill/>
+                </a:ln>
+                <a:solidFill>
+                  <a:schemeClr val="bg1"/>
+                </a:solidFill>
+                <a:latin typeface="나눔스퀘어라운드 ExtraBold" panose="020B0600000101010101" pitchFamily="50" charset="-127"/>
+                <a:ea typeface="나눔스퀘어라운드 ExtraBold" panose="020B0600000101010101" pitchFamily="50" charset="-127"/>
+              </a:rPr>
+              <a:t>제작 동기</a:t>
+            </a:r>
+            <a:endParaRPr lang="ko-KR" altLang="en-US" sz="5400" b="1" dirty="0">
+              <a:ln w="19050">
+                <a:noFill/>
+              </a:ln>
+              <a:solidFill>
+                <a:schemeClr val="bg1"/>
+              </a:solidFill>
+              <a:latin typeface="나눔스퀘어라운드 ExtraBold" panose="020B0600000101010101" pitchFamily="50" charset="-127"/>
+              <a:ea typeface="나눔스퀘어라운드 ExtraBold" panose="020B0600000101010101" pitchFamily="50" charset="-127"/>
+            </a:endParaRPr>
           </a:p>
         </p:txBody>
       </p:sp>
     </p:spTree>
     <p:extLst>
       <p:ext uri="{BB962C8B-B14F-4D97-AF65-F5344CB8AC3E}">
-        <p14:creationId xmlns:p14="http://schemas.microsoft.com/office/powerpoint/2010/main" val="3572875868"/>
+        <p14:creationId xmlns:p14="http://schemas.microsoft.com/office/powerpoint/2010/main" val="402478993"/>
       </p:ext>
     </p:extLst>
   </p:cSld>
   <p:clrMapOvr>
     <a:masterClrMapping/>
   </p:clrMapOvr>
-  <mc:AlternateContent xmlns:mc="http://schemas.openxmlformats.org/markup-compatibility/2006" xmlns:p14="http://schemas.microsoft.com/office/powerpoint/2010/main">
-    <mc:Choice Requires="p14">
-      <p:transition spd="med" p14:dur="700">
-        <p:fade/>
-      </p:transition>
-    </mc:Choice>
-    <mc:Fallback xmlns="">
-      <p:transition spd="med">
-        <p:fade/>
-      </p:transition>
-    </mc:Fallback>
-  </mc:AlternateContent>
+  <p:transition spd="slow">
+    <p:pull dir="lu"/>
+  </p:transition>
+  <p:timing>
+    <p:tnLst>
+      <p:par>
+        <p:cTn id="1" dur="indefinite" restart="never" nodeType="tmRoot"/>
+      </p:par>
+    </p:tnLst>
+  </p:timing>
 </p:sld>
 </file>
 
@@ -3627,126 +4710,144 @@
           <a:chExt cx="0" cy="0"/>
         </a:xfrm>
       </p:grpSpPr>
-      <p:pic>
-        <p:nvPicPr>
-          <p:cNvPr id="1025" name="_x204844296" descr="EMB00004fa44b68">
-            <a:extLst>
-              <a:ext uri="{FF2B5EF4-FFF2-40B4-BE49-F238E27FC236}">
-                <a16:creationId xmlns:a16="http://schemas.microsoft.com/office/drawing/2014/main" id="{2333E780-6B58-4F2C-BEBA-B059632F1F6D}"/>
-              </a:ext>
-            </a:extLst>
-          </p:cNvPr>
-          <p:cNvPicPr>
-            <a:picLocks noChangeAspect="1" noChangeArrowheads="1"/>
-          </p:cNvPicPr>
-          <p:nvPr/>
-        </p:nvPicPr>
-        <p:blipFill>
-          <a:blip r:embed="rId2">
-            <a:extLst>
-              <a:ext uri="{28A0092B-C50C-407E-A947-70E740481C1C}">
-                <a14:useLocalDpi xmlns:a14="http://schemas.microsoft.com/office/drawing/2010/main" val="0"/>
-              </a:ext>
-            </a:extLst>
-          </a:blip>
-          <a:srcRect/>
-          <a:stretch>
-            <a:fillRect/>
-          </a:stretch>
-        </p:blipFill>
-        <p:spPr bwMode="auto">
-          <a:xfrm>
-            <a:off x="522514" y="137622"/>
-            <a:ext cx="3477986" cy="6027586"/>
-          </a:xfrm>
-          <a:prstGeom prst="rect">
-            <a:avLst/>
-          </a:prstGeom>
-          <a:noFill/>
-          <a:extLst>
-            <a:ext uri="{909E8E84-426E-40DD-AFC4-6F175D3DCCD1}">
-              <a14:hiddenFill xmlns:a14="http://schemas.microsoft.com/office/drawing/2010/main">
-                <a:solidFill>
-                  <a:srgbClr val="FFFFFF"/>
-                </a:solidFill>
-              </a14:hiddenFill>
-            </a:ext>
-          </a:extLst>
-        </p:spPr>
-      </p:pic>
-      <p:sp>
-        <p:nvSpPr>
-          <p:cNvPr id="6" name="TextBox 5">
-            <a:extLst>
-              <a:ext uri="{FF2B5EF4-FFF2-40B4-BE49-F238E27FC236}">
-                <a16:creationId xmlns:a16="http://schemas.microsoft.com/office/drawing/2014/main" id="{8779CA88-BFBB-49FD-8ADA-4153927962F8}"/>
-              </a:ext>
-            </a:extLst>
-          </p:cNvPr>
-          <p:cNvSpPr txBox="1"/>
-          <p:nvPr/>
+      <p:sp>
+        <p:nvSpPr>
+          <p:cNvPr id="2" name="제목 1"/>
+          <p:cNvSpPr>
+            <a:spLocks noGrp="1"/>
+          </p:cNvSpPr>
+          <p:nvPr>
+            <p:ph type="title"/>
+          </p:nvPr>
         </p:nvSpPr>
         <p:spPr>
           <a:xfrm>
-            <a:off x="1404254" y="6302827"/>
-            <a:ext cx="3477986" cy="369332"/>
+            <a:off x="838200" y="2766219"/>
+            <a:ext cx="10515600" cy="1325563"/>
           </a:xfrm>
-          <a:prstGeom prst="rect">
-            <a:avLst/>
-          </a:prstGeom>
-          <a:noFill/>
+          <a:ln>
+            <a:noFill/>
+          </a:ln>
         </p:spPr>
         <p:txBody>
-          <a:bodyPr wrap="square" rtlCol="0">
-            <a:spAutoFit/>
+          <a:bodyPr>
+            <a:normAutofit/>
           </a:bodyPr>
           <a:lstStyle/>
           <a:p>
-            <a:r>
-              <a:rPr lang="en-US" altLang="ko-KR" dirty="0"/>
-              <a:t>&lt;</a:t>
-            </a:r>
-            <a:r>
-              <a:rPr lang="ko-KR" altLang="en-US" dirty="0" err="1"/>
-              <a:t>인트로</a:t>
-            </a:r>
-            <a:r>
-              <a:rPr lang="ko-KR" altLang="en-US" dirty="0"/>
-              <a:t> 화면</a:t>
-            </a:r>
-            <a:r>
-              <a:rPr lang="en-US" altLang="ko-KR" dirty="0"/>
-              <a:t>&gt;</a:t>
-            </a:r>
-            <a:endParaRPr lang="ko-KR" altLang="en-US" dirty="0"/>
-          </a:p>
-        </p:txBody>
-      </p:sp>
-      <p:sp>
-        <p:nvSpPr>
-          <p:cNvPr id="11" name="화살표: 오른쪽 10">
-            <a:extLst>
-              <a:ext uri="{FF2B5EF4-FFF2-40B4-BE49-F238E27FC236}">
-                <a16:creationId xmlns:a16="http://schemas.microsoft.com/office/drawing/2014/main" id="{92E4A9FF-563C-41B2-A0F8-D06C296F4B7E}"/>
-              </a:ext>
-            </a:extLst>
-          </p:cNvPr>
+            <a:pPr algn="ctr"/>
+            <a:r>
+              <a:rPr lang="ko-KR" altLang="en-US" sz="5400" dirty="0" smtClean="0">
+                <a:ln w="28575">
+                  <a:noFill/>
+                </a:ln>
+                <a:solidFill>
+                  <a:schemeClr val="bg1"/>
+                </a:solidFill>
+                <a:latin typeface="나눔스퀘어라운드 ExtraBold" panose="020B0600000101010101" pitchFamily="50" charset="-127"/>
+                <a:ea typeface="나눔스퀘어라운드 ExtraBold" panose="020B0600000101010101" pitchFamily="50" charset="-127"/>
+              </a:rPr>
+              <a:t>앱 </a:t>
+            </a:r>
+            <a:r>
+              <a:rPr lang="ko-KR" altLang="en-US" sz="5400" dirty="0" smtClean="0">
+                <a:ln w="28575">
+                  <a:noFill/>
+                </a:ln>
+                <a:solidFill>
+                  <a:schemeClr val="bg1"/>
+                </a:solidFill>
+                <a:latin typeface="나눔스퀘어라운드 ExtraBold" panose="020B0600000101010101" pitchFamily="50" charset="-127"/>
+                <a:ea typeface="나눔스퀘어라운드 ExtraBold" panose="020B0600000101010101" pitchFamily="50" charset="-127"/>
+              </a:rPr>
+              <a:t>레이아웃 </a:t>
+            </a:r>
+            <a:r>
+              <a:rPr lang="ko-KR" altLang="en-US" sz="5400" dirty="0" smtClean="0">
+                <a:ln w="28575">
+                  <a:noFill/>
+                </a:ln>
+                <a:solidFill>
+                  <a:schemeClr val="bg1"/>
+                </a:solidFill>
+                <a:latin typeface="나눔스퀘어라운드 ExtraBold" panose="020B0600000101010101" pitchFamily="50" charset="-127"/>
+                <a:ea typeface="나눔스퀘어라운드 ExtraBold" panose="020B0600000101010101" pitchFamily="50" charset="-127"/>
+              </a:rPr>
+              <a:t>및 구성</a:t>
+            </a:r>
+            <a:endParaRPr lang="ko-KR" altLang="en-US" sz="5400" dirty="0">
+              <a:ln w="28575">
+                <a:noFill/>
+              </a:ln>
+              <a:solidFill>
+                <a:schemeClr val="bg1"/>
+              </a:solidFill>
+              <a:latin typeface="나눔스퀘어라운드 ExtraBold" panose="020B0600000101010101" pitchFamily="50" charset="-127"/>
+              <a:ea typeface="나눔스퀘어라운드 ExtraBold" panose="020B0600000101010101" pitchFamily="50" charset="-127"/>
+            </a:endParaRPr>
+          </a:p>
+        </p:txBody>
+      </p:sp>
+    </p:spTree>
+    <p:extLst>
+      <p:ext uri="{BB962C8B-B14F-4D97-AF65-F5344CB8AC3E}">
+        <p14:creationId xmlns:p14="http://schemas.microsoft.com/office/powerpoint/2010/main" val="3572875868"/>
+      </p:ext>
+    </p:extLst>
+  </p:cSld>
+  <p:clrMapOvr>
+    <a:masterClrMapping/>
+  </p:clrMapOvr>
+  <p:transition spd="slow">
+    <p:push dir="r"/>
+  </p:transition>
+  <p:timing>
+    <p:tnLst>
+      <p:par>
+        <p:cTn id="1" dur="indefinite" restart="never" nodeType="tmRoot"/>
+      </p:par>
+    </p:tnLst>
+  </p:timing>
+</p:sld>
+</file>
+
+<file path=ppt/slides/slide5.xml><?xml version="1.0" encoding="utf-8"?>
+<p:sld xmlns:a="http://schemas.openxmlformats.org/drawingml/2006/main" xmlns:r="http://schemas.openxmlformats.org/officeDocument/2006/relationships" xmlns:p="http://schemas.openxmlformats.org/presentationml/2006/main">
+  <p:cSld>
+    <p:spTree>
+      <p:nvGrpSpPr>
+        <p:cNvPr id="1" name=""/>
+        <p:cNvGrpSpPr/>
+        <p:nvPr/>
+      </p:nvGrpSpPr>
+      <p:grpSpPr>
+        <a:xfrm>
+          <a:off x="0" y="0"/>
+          <a:ext cx="0" cy="0"/>
+          <a:chOff x="0" y="0"/>
+          <a:chExt cx="0" cy="0"/>
+        </a:xfrm>
+      </p:grpSpPr>
+      <p:sp>
+        <p:nvSpPr>
+          <p:cNvPr id="12" name="모서리가 둥근 직사각형 11"/>
           <p:cNvSpPr/>
           <p:nvPr/>
         </p:nvSpPr>
         <p:spPr>
           <a:xfrm>
-            <a:off x="4980213" y="3131003"/>
-            <a:ext cx="2231573" cy="595993"/>
+            <a:off x="351576" y="328188"/>
+            <a:ext cx="11488848" cy="6201624"/>
           </a:xfrm>
-          <a:prstGeom prst="rightArrow">
+          <a:prstGeom prst="roundRect">
             <a:avLst/>
           </a:prstGeom>
           <a:solidFill>
-            <a:schemeClr val="tx2">
-              <a:lumMod val="50000"/>
-            </a:schemeClr>
+            <a:schemeClr val="bg1"/>
           </a:solidFill>
+          <a:ln>
+            <a:noFill/>
+          </a:ln>
         </p:spPr>
         <p:style>
           <a:lnRef idx="2">
@@ -3773,86 +4874,297 @@
           </a:p>
         </p:txBody>
       </p:sp>
-      <p:pic>
-        <p:nvPicPr>
-          <p:cNvPr id="13" name="그림 12">
+      <p:sp>
+        <p:nvSpPr>
+          <p:cNvPr id="11" name="화살표: 오른쪽 10">
             <a:extLst>
               <a:ext uri="{FF2B5EF4-FFF2-40B4-BE49-F238E27FC236}">
-                <a16:creationId xmlns:a16="http://schemas.microsoft.com/office/drawing/2014/main" id="{5C693F8E-A6FB-437F-BC9E-8EF8FDDB0578}"/>
+                <a16:creationId xmlns:a16="http://schemas.microsoft.com/office/drawing/2014/main" id="{92E4A9FF-563C-41B2-A0F8-D06C296F4B7E}"/>
               </a:ext>
             </a:extLst>
           </p:cNvPr>
-          <p:cNvPicPr>
-            <a:picLocks noChangeAspect="1"/>
-          </p:cNvPicPr>
+          <p:cNvSpPr/>
           <p:nvPr/>
-        </p:nvPicPr>
-        <p:blipFill>
-          <a:blip r:embed="rId3">
-            <a:extLst>
-              <a:ext uri="{28A0092B-C50C-407E-A947-70E740481C1C}">
-                <a14:useLocalDpi xmlns:a14="http://schemas.microsoft.com/office/drawing/2010/main" val="0"/>
-              </a:ext>
-            </a:extLst>
-          </a:blip>
-          <a:stretch>
-            <a:fillRect/>
-          </a:stretch>
-        </p:blipFill>
+        </p:nvSpPr>
         <p:spPr>
           <a:xfrm>
-            <a:off x="8191499" y="380802"/>
-            <a:ext cx="3475004" cy="5541225"/>
+            <a:off x="5390234" y="2957472"/>
+            <a:ext cx="1411533" cy="943056"/>
           </a:xfrm>
-          <a:prstGeom prst="rect">
-            <a:avLst/>
+          <a:prstGeom prst="rightArrow">
+            <a:avLst>
+              <a:gd name="adj1" fmla="val 50000"/>
+              <a:gd name="adj2" fmla="val 66320"/>
+            </a:avLst>
           </a:prstGeom>
+          <a:solidFill>
+            <a:srgbClr val="494949"/>
+          </a:solidFill>
+          <a:ln w="28575">
+            <a:solidFill>
+              <a:srgbClr val="1CB3B4"/>
+            </a:solidFill>
+          </a:ln>
         </p:spPr>
-      </p:pic>
-      <p:sp>
-        <p:nvSpPr>
-          <p:cNvPr id="14" name="TextBox 13">
-            <a:extLst>
-              <a:ext uri="{FF2B5EF4-FFF2-40B4-BE49-F238E27FC236}">
-                <a16:creationId xmlns:a16="http://schemas.microsoft.com/office/drawing/2014/main" id="{07D9832D-BC39-4201-9F86-3175599309EB}"/>
-              </a:ext>
-            </a:extLst>
-          </p:cNvPr>
-          <p:cNvSpPr txBox="1"/>
+        <p:style>
+          <a:lnRef idx="2">
+            <a:schemeClr val="accent1">
+              <a:shade val="50000"/>
+            </a:schemeClr>
+          </a:lnRef>
+          <a:fillRef idx="1">
+            <a:schemeClr val="accent1"/>
+          </a:fillRef>
+          <a:effectRef idx="0">
+            <a:schemeClr val="accent1"/>
+          </a:effectRef>
+          <a:fontRef idx="minor">
+            <a:schemeClr val="lt1"/>
+          </a:fontRef>
+        </p:style>
+        <p:txBody>
+          <a:bodyPr rtlCol="0" anchor="ctr"/>
+          <a:lstStyle/>
+          <a:p>
+            <a:pPr algn="ctr"/>
+            <a:endParaRPr lang="ko-KR" altLang="en-US">
+              <a:solidFill>
+                <a:srgbClr val="1CB3B4"/>
+              </a:solidFill>
+            </a:endParaRPr>
+          </a:p>
+        </p:txBody>
+      </p:sp>
+      <p:grpSp>
+        <p:nvGrpSpPr>
+          <p:cNvPr id="8" name="그룹 7"/>
+          <p:cNvGrpSpPr/>
           <p:nvPr/>
-        </p:nvSpPr>
-        <p:spPr>
+        </p:nvGrpSpPr>
+        <p:grpSpPr>
           <a:xfrm>
-            <a:off x="9160329" y="6302827"/>
-            <a:ext cx="3200400" cy="369332"/>
+            <a:off x="1340250" y="823865"/>
+            <a:ext cx="3259248" cy="5321578"/>
+            <a:chOff x="941918" y="823865"/>
+            <a:chExt cx="3259248" cy="5321578"/>
           </a:xfrm>
-          <a:prstGeom prst="rect">
-            <a:avLst/>
-          </a:prstGeom>
-          <a:noFill/>
-        </p:spPr>
-        <p:txBody>
-          <a:bodyPr wrap="square" rtlCol="0">
-            <a:spAutoFit/>
-          </a:bodyPr>
-          <a:lstStyle/>
-          <a:p>
-            <a:r>
-              <a:rPr lang="en-US" altLang="ko-KR" dirty="0"/>
-              <a:t>&lt;</a:t>
-            </a:r>
-            <a:r>
-              <a:rPr lang="ko-KR" altLang="en-US" dirty="0" err="1"/>
-              <a:t>메인화면</a:t>
-            </a:r>
-            <a:r>
-              <a:rPr lang="en-US" altLang="ko-KR" dirty="0"/>
-              <a:t>&gt;</a:t>
-            </a:r>
-            <a:endParaRPr lang="ko-KR" altLang="en-US" dirty="0"/>
-          </a:p>
-        </p:txBody>
-      </p:sp>
+        </p:grpSpPr>
+        <p:sp>
+          <p:nvSpPr>
+            <p:cNvPr id="2" name="TextBox 1"/>
+            <p:cNvSpPr txBox="1"/>
+            <p:nvPr/>
+          </p:nvSpPr>
+          <p:spPr>
+            <a:xfrm>
+              <a:off x="1231272" y="5776111"/>
+              <a:ext cx="2680541" cy="369332"/>
+            </a:xfrm>
+            <a:prstGeom prst="rect">
+              <a:avLst/>
+            </a:prstGeom>
+            <a:noFill/>
+          </p:spPr>
+          <p:txBody>
+            <a:bodyPr wrap="none" rtlCol="0">
+              <a:spAutoFit/>
+            </a:bodyPr>
+            <a:lstStyle/>
+            <a:p>
+              <a:pPr algn="ctr"/>
+              <a:r>
+                <a:rPr lang="en-US" altLang="ko-KR" b="1" dirty="0" smtClean="0">
+                  <a:latin typeface="나눔고딕" panose="020D0604000000000000" pitchFamily="50" charset="-127"/>
+                  <a:ea typeface="나눔고딕" panose="020D0604000000000000" pitchFamily="50" charset="-127"/>
+                </a:rPr>
+                <a:t>&lt; </a:t>
+              </a:r>
+              <a:r>
+                <a:rPr lang="ko-KR" altLang="en-US" b="1" dirty="0" err="1" smtClean="0">
+                  <a:latin typeface="나눔고딕" panose="020D0604000000000000" pitchFamily="50" charset="-127"/>
+                  <a:ea typeface="나눔고딕" panose="020D0604000000000000" pitchFamily="50" charset="-127"/>
+                </a:rPr>
+                <a:t>인트로</a:t>
+              </a:r>
+              <a:r>
+                <a:rPr lang="ko-KR" altLang="en-US" b="1" spc="-300" dirty="0" smtClean="0">
+                  <a:latin typeface="나눔고딕" panose="020D0604000000000000" pitchFamily="50" charset="-127"/>
+                  <a:ea typeface="나눔고딕" panose="020D0604000000000000" pitchFamily="50" charset="-127"/>
+                </a:rPr>
+                <a:t> </a:t>
+              </a:r>
+              <a:r>
+                <a:rPr lang="en-US" altLang="ko-KR" b="1" dirty="0" smtClean="0">
+                  <a:latin typeface="나눔고딕" panose="020D0604000000000000" pitchFamily="50" charset="-127"/>
+                  <a:ea typeface="나눔고딕" panose="020D0604000000000000" pitchFamily="50" charset="-127"/>
+                </a:rPr>
+                <a:t>(Intro) Layout &gt;</a:t>
+              </a:r>
+              <a:endParaRPr lang="ko-KR" altLang="en-US" b="1" dirty="0">
+                <a:latin typeface="나눔고딕" panose="020D0604000000000000" pitchFamily="50" charset="-127"/>
+                <a:ea typeface="나눔고딕" panose="020D0604000000000000" pitchFamily="50" charset="-127"/>
+              </a:endParaRPr>
+            </a:p>
+          </p:txBody>
+        </p:sp>
+        <p:sp>
+          <p:nvSpPr>
+            <p:cNvPr id="7" name="모서리가 둥근 직사각형 6"/>
+            <p:cNvSpPr/>
+            <p:nvPr/>
+          </p:nvSpPr>
+          <p:spPr>
+            <a:xfrm>
+              <a:off x="941918" y="823865"/>
+              <a:ext cx="3259248" cy="4707802"/>
+            </a:xfrm>
+            <a:prstGeom prst="roundRect">
+              <a:avLst/>
+            </a:prstGeom>
+            <a:solidFill>
+              <a:srgbClr val="C1D6E1"/>
+            </a:solidFill>
+            <a:ln>
+              <a:noFill/>
+            </a:ln>
+          </p:spPr>
+          <p:style>
+            <a:lnRef idx="2">
+              <a:schemeClr val="accent1">
+                <a:shade val="50000"/>
+              </a:schemeClr>
+            </a:lnRef>
+            <a:fillRef idx="1">
+              <a:schemeClr val="accent1"/>
+            </a:fillRef>
+            <a:effectRef idx="0">
+              <a:schemeClr val="accent1"/>
+            </a:effectRef>
+            <a:fontRef idx="minor">
+              <a:schemeClr val="lt1"/>
+            </a:fontRef>
+          </p:style>
+          <p:txBody>
+            <a:bodyPr rtlCol="0" anchor="ctr"/>
+            <a:lstStyle/>
+            <a:p>
+              <a:pPr algn="ctr"/>
+              <a:endParaRPr lang="ko-KR" altLang="en-US"/>
+            </a:p>
+          </p:txBody>
+        </p:sp>
+      </p:grpSp>
+      <p:grpSp>
+        <p:nvGrpSpPr>
+          <p:cNvPr id="16" name="그룹 15"/>
+          <p:cNvGrpSpPr/>
+          <p:nvPr/>
+        </p:nvGrpSpPr>
+        <p:grpSpPr>
+          <a:xfrm>
+            <a:off x="7574163" y="823865"/>
+            <a:ext cx="3259248" cy="5321578"/>
+            <a:chOff x="7691852" y="823865"/>
+            <a:chExt cx="3259248" cy="5321578"/>
+          </a:xfrm>
+        </p:grpSpPr>
+        <p:sp>
+          <p:nvSpPr>
+            <p:cNvPr id="5" name="TextBox 4"/>
+            <p:cNvSpPr txBox="1"/>
+            <p:nvPr/>
+          </p:nvSpPr>
+          <p:spPr>
+            <a:xfrm>
+              <a:off x="8048531" y="5776111"/>
+              <a:ext cx="2545890" cy="369332"/>
+            </a:xfrm>
+            <a:prstGeom prst="rect">
+              <a:avLst/>
+            </a:prstGeom>
+            <a:noFill/>
+          </p:spPr>
+          <p:txBody>
+            <a:bodyPr wrap="none" rtlCol="0">
+              <a:spAutoFit/>
+            </a:bodyPr>
+            <a:lstStyle/>
+            <a:p>
+              <a:r>
+                <a:rPr lang="en-US" altLang="ko-KR" b="1" dirty="0" smtClean="0">
+                  <a:latin typeface="나눔고딕" panose="020D0604000000000000" pitchFamily="50" charset="-127"/>
+                  <a:ea typeface="나눔고딕" panose="020D0604000000000000" pitchFamily="50" charset="-127"/>
+                </a:rPr>
+                <a:t>&lt; </a:t>
+              </a:r>
+              <a:r>
+                <a:rPr lang="ko-KR" altLang="en-US" b="1" dirty="0" smtClean="0">
+                  <a:latin typeface="나눔고딕" panose="020D0604000000000000" pitchFamily="50" charset="-127"/>
+                  <a:ea typeface="나눔고딕" panose="020D0604000000000000" pitchFamily="50" charset="-127"/>
+                </a:rPr>
+                <a:t>메인 </a:t>
+              </a:r>
+              <a:r>
+                <a:rPr lang="en-US" altLang="ko-KR" b="1" dirty="0" smtClean="0">
+                  <a:latin typeface="나눔고딕" panose="020D0604000000000000" pitchFamily="50" charset="-127"/>
+                  <a:ea typeface="나눔고딕" panose="020D0604000000000000" pitchFamily="50" charset="-127"/>
+                </a:rPr>
+                <a:t>(Main) Layout &gt;</a:t>
+              </a:r>
+              <a:endParaRPr lang="ko-KR" altLang="en-US" b="1" dirty="0">
+                <a:latin typeface="나눔고딕" panose="020D0604000000000000" pitchFamily="50" charset="-127"/>
+                <a:ea typeface="나눔고딕" panose="020D0604000000000000" pitchFamily="50" charset="-127"/>
+              </a:endParaRPr>
+            </a:p>
+          </p:txBody>
+        </p:sp>
+        <p:sp>
+          <p:nvSpPr>
+            <p:cNvPr id="15" name="모서리가 둥근 직사각형 14"/>
+            <p:cNvSpPr/>
+            <p:nvPr/>
+          </p:nvSpPr>
+          <p:spPr>
+            <a:xfrm>
+              <a:off x="7691852" y="823865"/>
+              <a:ext cx="3259248" cy="4707802"/>
+            </a:xfrm>
+            <a:prstGeom prst="roundRect">
+              <a:avLst/>
+            </a:prstGeom>
+            <a:solidFill>
+              <a:srgbClr val="C1D6E1"/>
+            </a:solidFill>
+            <a:ln>
+              <a:noFill/>
+            </a:ln>
+          </p:spPr>
+          <p:style>
+            <a:lnRef idx="2">
+              <a:schemeClr val="accent1">
+                <a:shade val="50000"/>
+              </a:schemeClr>
+            </a:lnRef>
+            <a:fillRef idx="1">
+              <a:schemeClr val="accent1"/>
+            </a:fillRef>
+            <a:effectRef idx="0">
+              <a:schemeClr val="accent1"/>
+            </a:effectRef>
+            <a:fontRef idx="minor">
+              <a:schemeClr val="lt1"/>
+            </a:fontRef>
+          </p:style>
+          <p:txBody>
+            <a:bodyPr rtlCol="0" anchor="ctr"/>
+            <a:lstStyle/>
+            <a:p>
+              <a:pPr algn="ctr"/>
+              <a:endParaRPr lang="ko-KR" altLang="en-US"/>
+            </a:p>
+          </p:txBody>
+        </p:sp>
+      </p:grpSp>
     </p:spTree>
     <p:extLst>
       <p:ext uri="{BB962C8B-B14F-4D97-AF65-F5344CB8AC3E}">
@@ -3863,22 +5175,20 @@
   <p:clrMapOvr>
     <a:masterClrMapping/>
   </p:clrMapOvr>
-  <mc:AlternateContent xmlns:mc="http://schemas.openxmlformats.org/markup-compatibility/2006" xmlns:p14="http://schemas.microsoft.com/office/powerpoint/2010/main">
-    <mc:Choice Requires="p14">
-      <p:transition spd="med" p14:dur="700">
-        <p:fade/>
-      </p:transition>
-    </mc:Choice>
-    <mc:Fallback xmlns="">
-      <p:transition spd="med">
-        <p:fade/>
-      </p:transition>
-    </mc:Fallback>
-  </mc:AlternateContent>
+  <p:transition spd="slow">
+    <p:pull dir="rd"/>
+  </p:transition>
+  <p:timing>
+    <p:tnLst>
+      <p:par>
+        <p:cTn id="1" dur="indefinite" restart="never" nodeType="tmRoot"/>
+      </p:par>
+    </p:tnLst>
+  </p:timing>
 </p:sld>
 </file>
 
-<file path=ppt/slides/slide5.xml><?xml version="1.0" encoding="utf-8"?>
+<file path=ppt/slides/slide6.xml><?xml version="1.0" encoding="utf-8"?>
 <p:sld xmlns:a="http://schemas.openxmlformats.org/drawingml/2006/main" xmlns:r="http://schemas.openxmlformats.org/officeDocument/2006/relationships" xmlns:p="http://schemas.openxmlformats.org/presentationml/2006/main">
   <p:cSld>
     <p:spTree>
@@ -3925,27 +5235,73 @@
         </p:blipFill>
         <p:spPr>
           <a:xfrm>
-            <a:off x="499892" y="212277"/>
-            <a:ext cx="3686509" cy="5896407"/>
+            <a:off x="894339" y="1014295"/>
+            <a:ext cx="2664649" cy="4261987"/>
           </a:xfrm>
         </p:spPr>
       </p:pic>
       <p:sp>
         <p:nvSpPr>
-          <p:cNvPr id="6" name="TextBox 5">
-            <a:extLst>
-              <a:ext uri="{FF2B5EF4-FFF2-40B4-BE49-F238E27FC236}">
-                <a16:creationId xmlns:a16="http://schemas.microsoft.com/office/drawing/2014/main" id="{5CE74D5D-48ED-454F-B6AA-7E23E66EE7B4}"/>
-              </a:ext>
-            </a:extLst>
-          </p:cNvPr>
+          <p:cNvPr id="14" name="모서리가 둥근 사각형 설명선 13"/>
+          <p:cNvSpPr/>
+          <p:nvPr/>
+        </p:nvSpPr>
+        <p:spPr>
+          <a:xfrm>
+            <a:off x="4661646" y="1591235"/>
+            <a:ext cx="7214979" cy="3792071"/>
+          </a:xfrm>
+          <a:prstGeom prst="wedgeRoundRectCallout">
+            <a:avLst>
+              <a:gd name="adj1" fmla="val -62758"/>
+              <a:gd name="adj2" fmla="val 762"/>
+              <a:gd name="adj3" fmla="val 16667"/>
+            </a:avLst>
+          </a:prstGeom>
+          <a:solidFill>
+            <a:schemeClr val="bg1"/>
+          </a:solidFill>
+          <a:ln w="28575">
+            <a:solidFill>
+              <a:schemeClr val="tx1"/>
+            </a:solidFill>
+          </a:ln>
+        </p:spPr>
+        <p:style>
+          <a:lnRef idx="2">
+            <a:schemeClr val="accent1">
+              <a:shade val="50000"/>
+            </a:schemeClr>
+          </a:lnRef>
+          <a:fillRef idx="1">
+            <a:schemeClr val="accent1"/>
+          </a:fillRef>
+          <a:effectRef idx="0">
+            <a:schemeClr val="accent1"/>
+          </a:effectRef>
+          <a:fontRef idx="minor">
+            <a:schemeClr val="lt1"/>
+          </a:fontRef>
+        </p:style>
+        <p:txBody>
+          <a:bodyPr rtlCol="0" anchor="ctr"/>
+          <a:lstStyle/>
+          <a:p>
+            <a:pPr algn="ctr"/>
+            <a:endParaRPr lang="ko-KR" altLang="en-US"/>
+          </a:p>
+        </p:txBody>
+      </p:sp>
+      <p:sp>
+        <p:nvSpPr>
+          <p:cNvPr id="3" name="TextBox 2"/>
           <p:cNvSpPr txBox="1"/>
           <p:nvPr/>
         </p:nvSpPr>
         <p:spPr>
           <a:xfrm>
-            <a:off x="1583871" y="6271068"/>
-            <a:ext cx="2824843" cy="369332"/>
+            <a:off x="1162301" y="5555626"/>
+            <a:ext cx="2128724" cy="400110"/>
           </a:xfrm>
           <a:prstGeom prst="rect">
             <a:avLst/>
@@ -3953,233 +5309,462 @@
           <a:noFill/>
         </p:spPr>
         <p:txBody>
-          <a:bodyPr wrap="square" rtlCol="0">
+          <a:bodyPr wrap="none" rtlCol="0">
             <a:spAutoFit/>
           </a:bodyPr>
           <a:lstStyle/>
           <a:p>
             <a:r>
-              <a:rPr lang="ko-KR" altLang="en-US" dirty="0"/>
-              <a:t>나무 성장 탭</a:t>
-            </a:r>
-          </a:p>
-        </p:txBody>
-      </p:sp>
-      <p:sp>
-        <p:nvSpPr>
-          <p:cNvPr id="7" name="TextBox 6">
-            <a:extLst>
-              <a:ext uri="{FF2B5EF4-FFF2-40B4-BE49-F238E27FC236}">
-                <a16:creationId xmlns:a16="http://schemas.microsoft.com/office/drawing/2014/main" id="{736B2273-2383-4CA4-91B5-7C62F220B0C3}"/>
-              </a:ext>
-            </a:extLst>
-          </p:cNvPr>
-          <p:cNvSpPr txBox="1"/>
+              <a:rPr lang="en-US" altLang="ko-KR" sz="2000" b="1" dirty="0" smtClean="0">
+                <a:latin typeface="나눔고딕" panose="020D0604000000000000" pitchFamily="50" charset="-127"/>
+                <a:ea typeface="나눔고딕" panose="020D0604000000000000" pitchFamily="50" charset="-127"/>
+              </a:rPr>
+              <a:t>&lt; </a:t>
+            </a:r>
+            <a:r>
+              <a:rPr lang="ko-KR" altLang="en-US" sz="2000" b="1" dirty="0" smtClean="0">
+                <a:latin typeface="나눔고딕" panose="020D0604000000000000" pitchFamily="50" charset="-127"/>
+                <a:ea typeface="나눔고딕" panose="020D0604000000000000" pitchFamily="50" charset="-127"/>
+              </a:rPr>
+              <a:t>나무 </a:t>
+            </a:r>
+            <a:r>
+              <a:rPr lang="ko-KR" altLang="en-US" sz="2000" b="1" dirty="0" smtClean="0">
+                <a:latin typeface="나눔고딕" panose="020D0604000000000000" pitchFamily="50" charset="-127"/>
+                <a:ea typeface="나눔고딕" panose="020D0604000000000000" pitchFamily="50" charset="-127"/>
+              </a:rPr>
+              <a:t>성장 </a:t>
+            </a:r>
+            <a:r>
+              <a:rPr lang="en-US" altLang="ko-KR" sz="2000" b="1" dirty="0" smtClean="0">
+                <a:latin typeface="나눔고딕" panose="020D0604000000000000" pitchFamily="50" charset="-127"/>
+                <a:ea typeface="나눔고딕" panose="020D0604000000000000" pitchFamily="50" charset="-127"/>
+              </a:rPr>
+              <a:t>Tab</a:t>
+            </a:r>
+            <a:r>
+              <a:rPr lang="ko-KR" altLang="en-US" sz="2000" b="1" dirty="0" smtClean="0">
+                <a:latin typeface="나눔고딕" panose="020D0604000000000000" pitchFamily="50" charset="-127"/>
+                <a:ea typeface="나눔고딕" panose="020D0604000000000000" pitchFamily="50" charset="-127"/>
+              </a:rPr>
+              <a:t> </a:t>
+            </a:r>
+            <a:r>
+              <a:rPr lang="en-US" altLang="ko-KR" sz="2000" b="1" dirty="0" smtClean="0">
+                <a:latin typeface="나눔고딕" panose="020D0604000000000000" pitchFamily="50" charset="-127"/>
+                <a:ea typeface="나눔고딕" panose="020D0604000000000000" pitchFamily="50" charset="-127"/>
+              </a:rPr>
+              <a:t>&gt;</a:t>
+            </a:r>
+            <a:endParaRPr lang="ko-KR" altLang="en-US" sz="2000" b="1" dirty="0">
+              <a:latin typeface="나눔고딕" panose="020D0604000000000000" pitchFamily="50" charset="-127"/>
+              <a:ea typeface="나눔고딕" panose="020D0604000000000000" pitchFamily="50" charset="-127"/>
+            </a:endParaRPr>
+          </a:p>
+        </p:txBody>
+      </p:sp>
+      <p:grpSp>
+        <p:nvGrpSpPr>
+          <p:cNvPr id="18" name="그룹 17"/>
+          <p:cNvGrpSpPr/>
           <p:nvPr/>
-        </p:nvSpPr>
-        <p:spPr>
+        </p:nvGrpSpPr>
+        <p:grpSpPr>
           <a:xfrm>
-            <a:off x="4408714" y="2014472"/>
-            <a:ext cx="6361856" cy="461665"/>
+            <a:off x="4794402" y="2137183"/>
+            <a:ext cx="6949465" cy="2700174"/>
+            <a:chOff x="4406508" y="2367110"/>
+            <a:chExt cx="6949465" cy="2700174"/>
           </a:xfrm>
-          <a:prstGeom prst="rect">
-            <a:avLst/>
-          </a:prstGeom>
-          <a:noFill/>
-        </p:spPr>
-        <p:txBody>
-          <a:bodyPr wrap="square" rtlCol="0">
-            <a:spAutoFit/>
-          </a:bodyPr>
-          <a:lstStyle/>
-          <a:p>
-            <a:r>
-              <a:rPr lang="ko-KR" altLang="en-US" sz="2400" dirty="0"/>
-              <a:t>트리 그래프의 성취도에 따라 나무 성장가능</a:t>
-            </a:r>
-          </a:p>
-        </p:txBody>
-      </p:sp>
-      <p:pic>
-        <p:nvPicPr>
-          <p:cNvPr id="9" name="그림 8">
-            <a:extLst>
-              <a:ext uri="{FF2B5EF4-FFF2-40B4-BE49-F238E27FC236}">
-                <a16:creationId xmlns:a16="http://schemas.microsoft.com/office/drawing/2014/main" id="{A4C7DB72-6A52-42EE-B4B6-D3E04DDBE8E2}"/>
-              </a:ext>
-            </a:extLst>
-          </p:cNvPr>
-          <p:cNvPicPr>
-            <a:picLocks noChangeAspect="1"/>
-          </p:cNvPicPr>
-          <p:nvPr/>
-        </p:nvPicPr>
-        <p:blipFill>
-          <a:blip r:embed="rId3" cstate="print">
-            <a:extLst>
-              <a:ext uri="{28A0092B-C50C-407E-A947-70E740481C1C}">
-                <a14:useLocalDpi xmlns:a14="http://schemas.microsoft.com/office/drawing/2010/main" val="0"/>
-              </a:ext>
-            </a:extLst>
-          </a:blip>
-          <a:stretch>
-            <a:fillRect/>
-          </a:stretch>
-        </p:blipFill>
-        <p:spPr>
-          <a:xfrm>
-            <a:off x="4408714" y="3622539"/>
-            <a:ext cx="1447088" cy="1502127"/>
-          </a:xfrm>
-          <a:prstGeom prst="rect">
-            <a:avLst/>
-          </a:prstGeom>
-        </p:spPr>
-      </p:pic>
-      <p:pic>
-        <p:nvPicPr>
-          <p:cNvPr id="11" name="그림 10">
-            <a:extLst>
-              <a:ext uri="{FF2B5EF4-FFF2-40B4-BE49-F238E27FC236}">
-                <a16:creationId xmlns:a16="http://schemas.microsoft.com/office/drawing/2014/main" id="{1D5B7D19-3DA0-4978-B455-23691414CFB2}"/>
-              </a:ext>
-            </a:extLst>
-          </p:cNvPr>
-          <p:cNvPicPr>
-            <a:picLocks noChangeAspect="1"/>
-          </p:cNvPicPr>
-          <p:nvPr/>
-        </p:nvPicPr>
-        <p:blipFill>
-          <a:blip r:embed="rId4" cstate="print">
-            <a:extLst>
-              <a:ext uri="{28A0092B-C50C-407E-A947-70E740481C1C}">
-                <a14:useLocalDpi xmlns:a14="http://schemas.microsoft.com/office/drawing/2010/main" val="0"/>
-              </a:ext>
-            </a:extLst>
-          </a:blip>
-          <a:stretch>
-            <a:fillRect/>
-          </a:stretch>
-        </p:blipFill>
-        <p:spPr>
-          <a:xfrm>
-            <a:off x="5633489" y="3627284"/>
-            <a:ext cx="1447088" cy="1497382"/>
-          </a:xfrm>
-          <a:prstGeom prst="rect">
-            <a:avLst/>
-          </a:prstGeom>
-        </p:spPr>
-      </p:pic>
-      <p:pic>
-        <p:nvPicPr>
-          <p:cNvPr id="13" name="그림 12">
-            <a:extLst>
-              <a:ext uri="{FF2B5EF4-FFF2-40B4-BE49-F238E27FC236}">
-                <a16:creationId xmlns:a16="http://schemas.microsoft.com/office/drawing/2014/main" id="{91A1F4C8-0B0C-4766-96DE-8FA15F04F1D2}"/>
-              </a:ext>
-            </a:extLst>
-          </p:cNvPr>
-          <p:cNvPicPr>
-            <a:picLocks noChangeAspect="1"/>
-          </p:cNvPicPr>
-          <p:nvPr/>
-        </p:nvPicPr>
-        <p:blipFill>
-          <a:blip r:embed="rId5" cstate="print">
-            <a:extLst>
-              <a:ext uri="{28A0092B-C50C-407E-A947-70E740481C1C}">
-                <a14:useLocalDpi xmlns:a14="http://schemas.microsoft.com/office/drawing/2010/main" val="0"/>
-              </a:ext>
-            </a:extLst>
-          </a:blip>
-          <a:stretch>
-            <a:fillRect/>
-          </a:stretch>
-        </p:blipFill>
-        <p:spPr>
-          <a:xfrm>
-            <a:off x="7080577" y="3622539"/>
-            <a:ext cx="1447171" cy="1502127"/>
-          </a:xfrm>
-          <a:prstGeom prst="rect">
-            <a:avLst/>
-          </a:prstGeom>
-        </p:spPr>
-      </p:pic>
-      <p:pic>
-        <p:nvPicPr>
-          <p:cNvPr id="15" name="그림 14">
-            <a:extLst>
-              <a:ext uri="{FF2B5EF4-FFF2-40B4-BE49-F238E27FC236}">
-                <a16:creationId xmlns:a16="http://schemas.microsoft.com/office/drawing/2014/main" id="{8746AEAC-ECDD-47B5-B5C6-69ADB5FA5404}"/>
-              </a:ext>
-            </a:extLst>
-          </p:cNvPr>
-          <p:cNvPicPr>
-            <a:picLocks noChangeAspect="1"/>
-          </p:cNvPicPr>
-          <p:nvPr/>
-        </p:nvPicPr>
-        <p:blipFill>
-          <a:blip r:embed="rId6" cstate="print">
-            <a:extLst>
-              <a:ext uri="{28A0092B-C50C-407E-A947-70E740481C1C}">
-                <a14:useLocalDpi xmlns:a14="http://schemas.microsoft.com/office/drawing/2010/main" val="0"/>
-              </a:ext>
-            </a:extLst>
-          </a:blip>
-          <a:stretch>
-            <a:fillRect/>
-          </a:stretch>
-        </p:blipFill>
-        <p:spPr>
-          <a:xfrm>
-            <a:off x="8305352" y="3622539"/>
-            <a:ext cx="1442772" cy="1502127"/>
-          </a:xfrm>
-          <a:prstGeom prst="rect">
-            <a:avLst/>
-          </a:prstGeom>
-        </p:spPr>
-      </p:pic>
-      <p:pic>
-        <p:nvPicPr>
-          <p:cNvPr id="17" name="그림 16">
-            <a:extLst>
-              <a:ext uri="{FF2B5EF4-FFF2-40B4-BE49-F238E27FC236}">
-                <a16:creationId xmlns:a16="http://schemas.microsoft.com/office/drawing/2014/main" id="{A90F6C99-7777-43DB-931F-DFBD73B9095E}"/>
-              </a:ext>
-            </a:extLst>
-          </p:cNvPr>
-          <p:cNvPicPr>
-            <a:picLocks noChangeAspect="1"/>
-          </p:cNvPicPr>
-          <p:nvPr/>
-        </p:nvPicPr>
-        <p:blipFill>
-          <a:blip r:embed="rId7" cstate="print">
-            <a:extLst>
-              <a:ext uri="{28A0092B-C50C-407E-A947-70E740481C1C}">
-                <a14:useLocalDpi xmlns:a14="http://schemas.microsoft.com/office/drawing/2010/main" val="0"/>
-              </a:ext>
-            </a:extLst>
-          </a:blip>
-          <a:stretch>
-            <a:fillRect/>
-          </a:stretch>
-        </p:blipFill>
-        <p:spPr>
-          <a:xfrm>
-            <a:off x="9748124" y="3622539"/>
-            <a:ext cx="1442772" cy="1486147"/>
-          </a:xfrm>
-          <a:prstGeom prst="rect">
-            <a:avLst/>
-          </a:prstGeom>
-        </p:spPr>
-      </p:pic>
+        </p:grpSpPr>
+        <p:grpSp>
+          <p:nvGrpSpPr>
+            <p:cNvPr id="2" name="그룹 1"/>
+            <p:cNvGrpSpPr/>
+            <p:nvPr/>
+          </p:nvGrpSpPr>
+          <p:grpSpPr>
+            <a:xfrm>
+              <a:off x="4408713" y="3627284"/>
+              <a:ext cx="6947260" cy="1440000"/>
+              <a:chOff x="4408713" y="3627284"/>
+              <a:chExt cx="6947260" cy="1440000"/>
+            </a:xfrm>
+          </p:grpSpPr>
+          <p:pic>
+            <p:nvPicPr>
+              <p:cNvPr id="9" name="그림 8">
+                <a:extLst>
+                  <a:ext uri="{FF2B5EF4-FFF2-40B4-BE49-F238E27FC236}">
+                    <a16:creationId xmlns:a16="http://schemas.microsoft.com/office/drawing/2014/main" id="{A4C7DB72-6A52-42EE-B4B6-D3E04DDBE8E2}"/>
+                  </a:ext>
+                </a:extLst>
+              </p:cNvPr>
+              <p:cNvPicPr>
+                <a:picLocks noChangeAspect="1"/>
+              </p:cNvPicPr>
+              <p:nvPr/>
+            </p:nvPicPr>
+            <p:blipFill>
+              <a:blip r:embed="rId3" cstate="print">
+                <a:extLst>
+                  <a:ext uri="{28A0092B-C50C-407E-A947-70E740481C1C}">
+                    <a14:useLocalDpi xmlns:a14="http://schemas.microsoft.com/office/drawing/2010/main" val="0"/>
+                  </a:ext>
+                </a:extLst>
+              </a:blip>
+              <a:stretch>
+                <a:fillRect/>
+              </a:stretch>
+            </p:blipFill>
+            <p:spPr>
+              <a:xfrm>
+                <a:off x="4408713" y="3627284"/>
+                <a:ext cx="1387237" cy="1440000"/>
+              </a:xfrm>
+              <a:prstGeom prst="rect">
+                <a:avLst/>
+              </a:prstGeom>
+            </p:spPr>
+          </p:pic>
+          <p:pic>
+            <p:nvPicPr>
+              <p:cNvPr id="11" name="그림 10">
+                <a:extLst>
+                  <a:ext uri="{FF2B5EF4-FFF2-40B4-BE49-F238E27FC236}">
+                    <a16:creationId xmlns:a16="http://schemas.microsoft.com/office/drawing/2014/main" id="{1D5B7D19-3DA0-4978-B455-23691414CFB2}"/>
+                  </a:ext>
+                </a:extLst>
+              </p:cNvPr>
+              <p:cNvPicPr>
+                <a:picLocks noChangeAspect="1"/>
+              </p:cNvPicPr>
+              <p:nvPr/>
+            </p:nvPicPr>
+            <p:blipFill>
+              <a:blip r:embed="rId4" cstate="print">
+                <a:extLst>
+                  <a:ext uri="{28A0092B-C50C-407E-A947-70E740481C1C}">
+                    <a14:useLocalDpi xmlns:a14="http://schemas.microsoft.com/office/drawing/2010/main" val="0"/>
+                  </a:ext>
+                </a:extLst>
+              </a:blip>
+              <a:stretch>
+                <a:fillRect/>
+              </a:stretch>
+            </p:blipFill>
+            <p:spPr>
+              <a:xfrm>
+                <a:off x="5795951" y="3627284"/>
+                <a:ext cx="1391633" cy="1440000"/>
+              </a:xfrm>
+              <a:prstGeom prst="rect">
+                <a:avLst/>
+              </a:prstGeom>
+            </p:spPr>
+          </p:pic>
+          <p:pic>
+            <p:nvPicPr>
+              <p:cNvPr id="13" name="그림 12">
+                <a:extLst>
+                  <a:ext uri="{FF2B5EF4-FFF2-40B4-BE49-F238E27FC236}">
+                    <a16:creationId xmlns:a16="http://schemas.microsoft.com/office/drawing/2014/main" id="{91A1F4C8-0B0C-4766-96DE-8FA15F04F1D2}"/>
+                  </a:ext>
+                </a:extLst>
+              </p:cNvPr>
+              <p:cNvPicPr>
+                <a:picLocks noChangeAspect="1"/>
+              </p:cNvPicPr>
+              <p:nvPr/>
+            </p:nvPicPr>
+            <p:blipFill>
+              <a:blip r:embed="rId5" cstate="print">
+                <a:extLst>
+                  <a:ext uri="{28A0092B-C50C-407E-A947-70E740481C1C}">
+                    <a14:useLocalDpi xmlns:a14="http://schemas.microsoft.com/office/drawing/2010/main" val="0"/>
+                  </a:ext>
+                </a:extLst>
+              </a:blip>
+              <a:stretch>
+                <a:fillRect/>
+              </a:stretch>
+            </p:blipFill>
+            <p:spPr>
+              <a:xfrm>
+                <a:off x="7187584" y="3627284"/>
+                <a:ext cx="1387317" cy="1440000"/>
+              </a:xfrm>
+              <a:prstGeom prst="rect">
+                <a:avLst/>
+              </a:prstGeom>
+            </p:spPr>
+          </p:pic>
+          <p:pic>
+            <p:nvPicPr>
+              <p:cNvPr id="15" name="그림 14">
+                <a:extLst>
+                  <a:ext uri="{FF2B5EF4-FFF2-40B4-BE49-F238E27FC236}">
+                    <a16:creationId xmlns:a16="http://schemas.microsoft.com/office/drawing/2014/main" id="{8746AEAC-ECDD-47B5-B5C6-69ADB5FA5404}"/>
+                  </a:ext>
+                </a:extLst>
+              </p:cNvPr>
+              <p:cNvPicPr>
+                <a:picLocks noChangeAspect="1"/>
+              </p:cNvPicPr>
+              <p:nvPr/>
+            </p:nvPicPr>
+            <p:blipFill>
+              <a:blip r:embed="rId6" cstate="print">
+                <a:extLst>
+                  <a:ext uri="{28A0092B-C50C-407E-A947-70E740481C1C}">
+                    <a14:useLocalDpi xmlns:a14="http://schemas.microsoft.com/office/drawing/2010/main" val="0"/>
+                  </a:ext>
+                </a:extLst>
+              </a:blip>
+              <a:stretch>
+                <a:fillRect/>
+              </a:stretch>
+            </p:blipFill>
+            <p:spPr>
+              <a:xfrm>
+                <a:off x="8574901" y="3627284"/>
+                <a:ext cx="1383100" cy="1440000"/>
+              </a:xfrm>
+              <a:prstGeom prst="rect">
+                <a:avLst/>
+              </a:prstGeom>
+            </p:spPr>
+          </p:pic>
+          <p:pic>
+            <p:nvPicPr>
+              <p:cNvPr id="17" name="그림 16">
+                <a:extLst>
+                  <a:ext uri="{FF2B5EF4-FFF2-40B4-BE49-F238E27FC236}">
+                    <a16:creationId xmlns:a16="http://schemas.microsoft.com/office/drawing/2014/main" id="{A90F6C99-7777-43DB-931F-DFBD73B9095E}"/>
+                  </a:ext>
+                </a:extLst>
+              </p:cNvPr>
+              <p:cNvPicPr>
+                <a:picLocks noChangeAspect="1"/>
+              </p:cNvPicPr>
+              <p:nvPr/>
+            </p:nvPicPr>
+            <p:blipFill>
+              <a:blip r:embed="rId7" cstate="print">
+                <a:extLst>
+                  <a:ext uri="{28A0092B-C50C-407E-A947-70E740481C1C}">
+                    <a14:useLocalDpi xmlns:a14="http://schemas.microsoft.com/office/drawing/2010/main" val="0"/>
+                  </a:ext>
+                </a:extLst>
+              </a:blip>
+              <a:stretch>
+                <a:fillRect/>
+              </a:stretch>
+            </p:blipFill>
+            <p:spPr>
+              <a:xfrm>
+                <a:off x="9958001" y="3627284"/>
+                <a:ext cx="1397972" cy="1440000"/>
+              </a:xfrm>
+              <a:prstGeom prst="rect">
+                <a:avLst/>
+              </a:prstGeom>
+            </p:spPr>
+          </p:pic>
+        </p:grpSp>
+        <p:sp>
+          <p:nvSpPr>
+            <p:cNvPr id="6" name="TextBox 5"/>
+            <p:cNvSpPr txBox="1"/>
+            <p:nvPr/>
+          </p:nvSpPr>
+          <p:spPr>
+            <a:xfrm>
+              <a:off x="5352344" y="2367110"/>
+              <a:ext cx="5057795" cy="461665"/>
+            </a:xfrm>
+            <a:prstGeom prst="rect">
+              <a:avLst/>
+            </a:prstGeom>
+            <a:noFill/>
+          </p:spPr>
+          <p:txBody>
+            <a:bodyPr wrap="none" rtlCol="0">
+              <a:spAutoFit/>
+            </a:bodyPr>
+            <a:lstStyle/>
+            <a:p>
+              <a:r>
+                <a:rPr lang="ko-KR" altLang="en-US" sz="2400" dirty="0" smtClean="0">
+                  <a:latin typeface="나눔스퀘어라운드 ExtraBold" panose="020B0600000101010101" pitchFamily="50" charset="-127"/>
+                  <a:ea typeface="나눔스퀘어라운드 ExtraBold" panose="020B0600000101010101" pitchFamily="50" charset="-127"/>
+                </a:rPr>
+                <a:t>트리 그래프의 성취도에 따른 나무 성장</a:t>
+              </a:r>
+              <a:endParaRPr lang="ko-KR" altLang="en-US" sz="2400" dirty="0">
+                <a:latin typeface="나눔스퀘어라운드 ExtraBold" panose="020B0600000101010101" pitchFamily="50" charset="-127"/>
+                <a:ea typeface="나눔스퀘어라운드 ExtraBold" panose="020B0600000101010101" pitchFamily="50" charset="-127"/>
+              </a:endParaRPr>
+            </a:p>
+          </p:txBody>
+        </p:sp>
+        <p:sp>
+          <p:nvSpPr>
+            <p:cNvPr id="8" name="오른쪽 화살표 7"/>
+            <p:cNvSpPr/>
+            <p:nvPr/>
+          </p:nvSpPr>
+          <p:spPr>
+            <a:xfrm>
+              <a:off x="4408713" y="3138950"/>
+              <a:ext cx="6947260" cy="348321"/>
+            </a:xfrm>
+            <a:prstGeom prst="rightArrow">
+              <a:avLst/>
+            </a:prstGeom>
+            <a:solidFill>
+              <a:schemeClr val="tx1"/>
+            </a:solidFill>
+            <a:ln w="28575">
+              <a:solidFill>
+                <a:srgbClr val="1CB3B4"/>
+              </a:solidFill>
+            </a:ln>
+          </p:spPr>
+          <p:style>
+            <a:lnRef idx="2">
+              <a:schemeClr val="accent1">
+                <a:shade val="50000"/>
+              </a:schemeClr>
+            </a:lnRef>
+            <a:fillRef idx="1">
+              <a:schemeClr val="accent1"/>
+            </a:fillRef>
+            <a:effectRef idx="0">
+              <a:schemeClr val="accent1"/>
+            </a:effectRef>
+            <a:fontRef idx="minor">
+              <a:schemeClr val="lt1"/>
+            </a:fontRef>
+          </p:style>
+          <p:txBody>
+            <a:bodyPr rtlCol="0" anchor="ctr"/>
+            <a:lstStyle/>
+            <a:p>
+              <a:pPr algn="ctr"/>
+              <a:endParaRPr lang="ko-KR" altLang="en-US"/>
+            </a:p>
+          </p:txBody>
+        </p:sp>
+        <p:sp>
+          <p:nvSpPr>
+            <p:cNvPr id="10" name="TextBox 9"/>
+            <p:cNvSpPr txBox="1"/>
+            <p:nvPr/>
+          </p:nvSpPr>
+          <p:spPr>
+            <a:xfrm>
+              <a:off x="7437850" y="2809559"/>
+              <a:ext cx="886781" cy="400110"/>
+            </a:xfrm>
+            <a:prstGeom prst="rect">
+              <a:avLst/>
+            </a:prstGeom>
+            <a:noFill/>
+          </p:spPr>
+          <p:txBody>
+            <a:bodyPr wrap="none" rtlCol="0">
+              <a:spAutoFit/>
+            </a:bodyPr>
+            <a:lstStyle/>
+            <a:p>
+              <a:r>
+                <a:rPr lang="ko-KR" altLang="en-US" sz="2000" dirty="0" smtClean="0">
+                  <a:latin typeface="나눔스퀘어라운드 ExtraBold" panose="020B0600000101010101" pitchFamily="50" charset="-127"/>
+                  <a:ea typeface="나눔스퀘어라운드 ExtraBold" panose="020B0600000101010101" pitchFamily="50" charset="-127"/>
+                </a:rPr>
+                <a:t>성취도</a:t>
+              </a:r>
+              <a:endParaRPr lang="ko-KR" altLang="en-US" sz="2000" dirty="0">
+                <a:latin typeface="나눔스퀘어라운드 ExtraBold" panose="020B0600000101010101" pitchFamily="50" charset="-127"/>
+                <a:ea typeface="나눔스퀘어라운드 ExtraBold" panose="020B0600000101010101" pitchFamily="50" charset="-127"/>
+              </a:endParaRPr>
+            </a:p>
+          </p:txBody>
+        </p:sp>
+        <p:sp>
+          <p:nvSpPr>
+            <p:cNvPr id="12" name="TextBox 11"/>
+            <p:cNvSpPr txBox="1"/>
+            <p:nvPr/>
+          </p:nvSpPr>
+          <p:spPr>
+            <a:xfrm>
+              <a:off x="4406508" y="2948059"/>
+              <a:ext cx="402674" cy="261610"/>
+            </a:xfrm>
+            <a:prstGeom prst="rect">
+              <a:avLst/>
+            </a:prstGeom>
+            <a:noFill/>
+          </p:spPr>
+          <p:txBody>
+            <a:bodyPr wrap="none" rtlCol="0">
+              <a:spAutoFit/>
+            </a:bodyPr>
+            <a:lstStyle/>
+            <a:p>
+              <a:r>
+                <a:rPr lang="en-US" altLang="ko-KR" sz="1050" dirty="0" smtClean="0">
+                  <a:latin typeface="나눔스퀘어라운드 ExtraBold" panose="020B0600000101010101" pitchFamily="50" charset="-127"/>
+                  <a:ea typeface="나눔스퀘어라운드 ExtraBold" panose="020B0600000101010101" pitchFamily="50" charset="-127"/>
+                </a:rPr>
+                <a:t>0%</a:t>
+              </a:r>
+              <a:endParaRPr lang="ko-KR" altLang="en-US" sz="1050" dirty="0">
+                <a:latin typeface="나눔스퀘어라운드 ExtraBold" panose="020B0600000101010101" pitchFamily="50" charset="-127"/>
+                <a:ea typeface="나눔스퀘어라운드 ExtraBold" panose="020B0600000101010101" pitchFamily="50" charset="-127"/>
+              </a:endParaRPr>
+            </a:p>
+          </p:txBody>
+        </p:sp>
+        <p:sp>
+          <p:nvSpPr>
+            <p:cNvPr id="16" name="TextBox 15"/>
+            <p:cNvSpPr txBox="1"/>
+            <p:nvPr/>
+          </p:nvSpPr>
+          <p:spPr>
+            <a:xfrm>
+              <a:off x="10654902" y="2948059"/>
+              <a:ext cx="559769" cy="253916"/>
+            </a:xfrm>
+            <a:prstGeom prst="rect">
+              <a:avLst/>
+            </a:prstGeom>
+            <a:noFill/>
+          </p:spPr>
+          <p:txBody>
+            <a:bodyPr wrap="none" rtlCol="0">
+              <a:spAutoFit/>
+            </a:bodyPr>
+            <a:lstStyle/>
+            <a:p>
+              <a:r>
+                <a:rPr lang="en-US" altLang="ko-KR" sz="1050" dirty="0" smtClean="0">
+                  <a:latin typeface="나눔스퀘어라운드 ExtraBold" panose="020B0600000101010101" pitchFamily="50" charset="-127"/>
+                  <a:ea typeface="나눔스퀘어라운드 ExtraBold" panose="020B0600000101010101" pitchFamily="50" charset="-127"/>
+                </a:rPr>
+                <a:t>100%</a:t>
+              </a:r>
+              <a:endParaRPr lang="ko-KR" altLang="en-US" sz="1050" dirty="0">
+                <a:latin typeface="나눔스퀘어라운드 ExtraBold" panose="020B0600000101010101" pitchFamily="50" charset="-127"/>
+                <a:ea typeface="나눔스퀘어라운드 ExtraBold" panose="020B0600000101010101" pitchFamily="50" charset="-127"/>
+              </a:endParaRPr>
+            </a:p>
+          </p:txBody>
+        </p:sp>
+      </p:grpSp>
     </p:spTree>
     <p:extLst>
       <p:ext uri="{BB962C8B-B14F-4D97-AF65-F5344CB8AC3E}">
@@ -4202,10 +5787,17 @@
       </p:transition>
     </mc:Fallback>
   </mc:AlternateContent>
+  <p:timing>
+    <p:tnLst>
+      <p:par>
+        <p:cTn id="1" dur="indefinite" restart="never" nodeType="tmRoot"/>
+      </p:par>
+    </p:tnLst>
+  </p:timing>
 </p:sld>
 </file>
 
-<file path=ppt/slides/slide6.xml><?xml version="1.0" encoding="utf-8"?>
+<file path=ppt/slides/slide7.xml><?xml version="1.0" encoding="utf-8"?>
 <p:sld xmlns:a="http://schemas.openxmlformats.org/drawingml/2006/main" xmlns:r="http://schemas.openxmlformats.org/officeDocument/2006/relationships" xmlns:p="http://schemas.openxmlformats.org/presentationml/2006/main">
   <p:cSld>
     <p:spTree>
@@ -4291,170 +5883,240 @@
           </a:p>
         </p:txBody>
       </p:sp>
-      <p:pic>
-        <p:nvPicPr>
-          <p:cNvPr id="2049" name="_x204844856" descr="EMB00004fa44b6b">
+      <p:grpSp>
+        <p:nvGrpSpPr>
+          <p:cNvPr id="7" name="그룹 6"/>
+          <p:cNvGrpSpPr/>
+          <p:nvPr/>
+        </p:nvGrpSpPr>
+        <p:grpSpPr>
+          <a:xfrm>
+            <a:off x="498117" y="2562800"/>
+            <a:ext cx="6718471" cy="4038411"/>
+            <a:chOff x="498117" y="1684252"/>
+            <a:chExt cx="6718471" cy="4038411"/>
+          </a:xfrm>
+        </p:grpSpPr>
+        <p:pic>
+          <p:nvPicPr>
+            <p:cNvPr id="2049" name="_x204844856" descr="EMB00004fa44b6b">
+              <a:extLst>
+                <a:ext uri="{FF2B5EF4-FFF2-40B4-BE49-F238E27FC236}">
+                  <a16:creationId xmlns:a16="http://schemas.microsoft.com/office/drawing/2014/main" id="{7A416B3A-A987-4476-8168-E01B2A7060BE}"/>
+                </a:ext>
+              </a:extLst>
+            </p:cNvPr>
+            <p:cNvPicPr>
+              <a:picLocks noChangeAspect="1" noChangeArrowheads="1"/>
+            </p:cNvPicPr>
+            <p:nvPr/>
+          </p:nvPicPr>
+          <p:blipFill rotWithShape="1">
+            <a:blip r:embed="rId2">
+              <a:extLst>
+                <a:ext uri="{28A0092B-C50C-407E-A947-70E740481C1C}">
+                  <a14:useLocalDpi xmlns:a14="http://schemas.microsoft.com/office/drawing/2010/main" val="0"/>
+                </a:ext>
+              </a:extLst>
+            </a:blip>
+            <a:srcRect r="664" b="2708"/>
+            <a:stretch/>
+          </p:blipFill>
+          <p:spPr bwMode="auto">
+            <a:xfrm>
+              <a:off x="498117" y="1684252"/>
+              <a:ext cx="6718471" cy="3489496"/>
+            </a:xfrm>
+            <a:prstGeom prst="rect">
+              <a:avLst/>
+            </a:prstGeom>
+            <a:noFill/>
             <a:extLst>
-              <a:ext uri="{FF2B5EF4-FFF2-40B4-BE49-F238E27FC236}">
-                <a16:creationId xmlns:a16="http://schemas.microsoft.com/office/drawing/2014/main" id="{7A416B3A-A987-4476-8168-E01B2A7060BE}"/>
+              <a:ext uri="{909E8E84-426E-40DD-AFC4-6F175D3DCCD1}">
+                <a14:hiddenFill xmlns:a14="http://schemas.microsoft.com/office/drawing/2010/main">
+                  <a:solidFill>
+                    <a:srgbClr val="FFFFFF"/>
+                  </a:solidFill>
+                </a14:hiddenFill>
               </a:ext>
             </a:extLst>
-          </p:cNvPr>
-          <p:cNvPicPr>
-            <a:picLocks noChangeAspect="1" noChangeArrowheads="1"/>
-          </p:cNvPicPr>
+          </p:spPr>
+        </p:pic>
+        <p:sp>
+          <p:nvSpPr>
+            <p:cNvPr id="2" name="TextBox 1"/>
+            <p:cNvSpPr txBox="1"/>
+            <p:nvPr/>
+          </p:nvSpPr>
+          <p:spPr>
+            <a:xfrm>
+              <a:off x="2784622" y="5353331"/>
+              <a:ext cx="2145459" cy="369332"/>
+            </a:xfrm>
+            <a:prstGeom prst="rect">
+              <a:avLst/>
+            </a:prstGeom>
+            <a:noFill/>
+          </p:spPr>
+          <p:txBody>
+            <a:bodyPr wrap="none" rtlCol="0">
+              <a:spAutoFit/>
+            </a:bodyPr>
+            <a:lstStyle/>
+            <a:p>
+              <a:r>
+                <a:rPr lang="en-US" altLang="ko-KR" b="1" dirty="0" smtClean="0">
+                  <a:latin typeface="나눔고딕" panose="020D0604000000000000" pitchFamily="50" charset="-127"/>
+                  <a:ea typeface="나눔고딕" panose="020D0604000000000000" pitchFamily="50" charset="-127"/>
+                </a:rPr>
+                <a:t>&lt; </a:t>
+              </a:r>
+              <a:r>
+                <a:rPr lang="ko-KR" altLang="en-US" b="1" dirty="0" smtClean="0">
+                  <a:latin typeface="나눔고딕" panose="020D0604000000000000" pitchFamily="50" charset="-127"/>
+                  <a:ea typeface="나눔고딕" panose="020D0604000000000000" pitchFamily="50" charset="-127"/>
+                </a:rPr>
+                <a:t>트리 그래프 </a:t>
+              </a:r>
+              <a:r>
+                <a:rPr lang="en-US" altLang="ko-KR" b="1" dirty="0" smtClean="0">
+                  <a:latin typeface="나눔고딕" panose="020D0604000000000000" pitchFamily="50" charset="-127"/>
+                  <a:ea typeface="나눔고딕" panose="020D0604000000000000" pitchFamily="50" charset="-127"/>
+                </a:rPr>
+                <a:t>Tab</a:t>
+              </a:r>
+              <a:r>
+                <a:rPr lang="ko-KR" altLang="en-US" b="1" dirty="0" smtClean="0">
+                  <a:latin typeface="나눔고딕" panose="020D0604000000000000" pitchFamily="50" charset="-127"/>
+                  <a:ea typeface="나눔고딕" panose="020D0604000000000000" pitchFamily="50" charset="-127"/>
+                </a:rPr>
+                <a:t> </a:t>
+              </a:r>
+              <a:r>
+                <a:rPr lang="en-US" altLang="ko-KR" b="1" dirty="0" smtClean="0">
+                  <a:latin typeface="나눔고딕" panose="020D0604000000000000" pitchFamily="50" charset="-127"/>
+                  <a:ea typeface="나눔고딕" panose="020D0604000000000000" pitchFamily="50" charset="-127"/>
+                </a:rPr>
+                <a:t>&gt;</a:t>
+              </a:r>
+              <a:endParaRPr lang="ko-KR" altLang="en-US" b="1" dirty="0">
+                <a:latin typeface="나눔고딕" panose="020D0604000000000000" pitchFamily="50" charset="-127"/>
+                <a:ea typeface="나눔고딕" panose="020D0604000000000000" pitchFamily="50" charset="-127"/>
+              </a:endParaRPr>
+            </a:p>
+          </p:txBody>
+        </p:sp>
+      </p:grpSp>
+      <p:grpSp>
+        <p:nvGrpSpPr>
+          <p:cNvPr id="4" name="그룹 3"/>
+          <p:cNvGrpSpPr/>
           <p:nvPr/>
-        </p:nvPicPr>
-        <p:blipFill>
-          <a:blip r:embed="rId2">
+        </p:nvGrpSpPr>
+        <p:grpSpPr>
+          <a:xfrm>
+            <a:off x="8028511" y="969626"/>
+            <a:ext cx="3267023" cy="5631585"/>
+            <a:chOff x="7759565" y="879976"/>
+            <a:chExt cx="3267023" cy="5631585"/>
+          </a:xfrm>
+        </p:grpSpPr>
+        <p:pic>
+          <p:nvPicPr>
+            <p:cNvPr id="8" name="_x204844136" descr="EMB00004fa44b78">
+              <a:extLst>
+                <a:ext uri="{FF2B5EF4-FFF2-40B4-BE49-F238E27FC236}">
+                  <a16:creationId xmlns:a16="http://schemas.microsoft.com/office/drawing/2014/main" id="{75F27950-DD6D-481C-BF13-61A8A8DB73A1}"/>
+                </a:ext>
+              </a:extLst>
+            </p:cNvPr>
+            <p:cNvPicPr>
+              <a:picLocks noChangeAspect="1" noChangeArrowheads="1"/>
+            </p:cNvPicPr>
+            <p:nvPr/>
+          </p:nvPicPr>
+          <p:blipFill rotWithShape="1">
+            <a:blip r:embed="rId3">
+              <a:extLst>
+                <a:ext uri="{28A0092B-C50C-407E-A947-70E740481C1C}">
+                  <a14:useLocalDpi xmlns:a14="http://schemas.microsoft.com/office/drawing/2010/main" val="0"/>
+                </a:ext>
+              </a:extLst>
+            </a:blip>
+            <a:srcRect r="420" b="1014"/>
+            <a:stretch/>
+          </p:blipFill>
+          <p:spPr bwMode="auto">
+            <a:xfrm>
+              <a:off x="7759565" y="879976"/>
+              <a:ext cx="3267023" cy="5098049"/>
+            </a:xfrm>
+            <a:prstGeom prst="rect">
+              <a:avLst/>
+            </a:prstGeom>
+            <a:noFill/>
             <a:extLst>
-              <a:ext uri="{28A0092B-C50C-407E-A947-70E740481C1C}">
-                <a14:useLocalDpi xmlns:a14="http://schemas.microsoft.com/office/drawing/2010/main" val="0"/>
+              <a:ext uri="{909E8E84-426E-40DD-AFC4-6F175D3DCCD1}">
+                <a14:hiddenFill xmlns:a14="http://schemas.microsoft.com/office/drawing/2010/main">
+                  <a:solidFill>
+                    <a:srgbClr val="FFFFFF"/>
+                  </a:solidFill>
+                </a14:hiddenFill>
               </a:ext>
             </a:extLst>
-          </a:blip>
-          <a:srcRect/>
-          <a:stretch>
-            <a:fillRect/>
-          </a:stretch>
-        </p:blipFill>
-        <p:spPr bwMode="auto">
-          <a:xfrm>
-            <a:off x="498117" y="1351445"/>
-            <a:ext cx="6763331" cy="3586616"/>
-          </a:xfrm>
-          <a:prstGeom prst="rect">
-            <a:avLst/>
-          </a:prstGeom>
-          <a:noFill/>
-          <a:extLst>
-            <a:ext uri="{909E8E84-426E-40DD-AFC4-6F175D3DCCD1}">
-              <a14:hiddenFill xmlns:a14="http://schemas.microsoft.com/office/drawing/2010/main">
-                <a:solidFill>
-                  <a:srgbClr val="FFFFFF"/>
-                </a:solidFill>
-              </a14:hiddenFill>
-            </a:ext>
-          </a:extLst>
-        </p:spPr>
-      </p:pic>
-      <p:sp>
-        <p:nvSpPr>
-          <p:cNvPr id="6" name="TextBox 5">
-            <a:extLst>
-              <a:ext uri="{FF2B5EF4-FFF2-40B4-BE49-F238E27FC236}">
-                <a16:creationId xmlns:a16="http://schemas.microsoft.com/office/drawing/2014/main" id="{DB856A9D-B517-4497-8246-700EA07AF971}"/>
-              </a:ext>
-            </a:extLst>
-          </p:cNvPr>
-          <p:cNvSpPr txBox="1"/>
-          <p:nvPr/>
-        </p:nvSpPr>
-        <p:spPr>
-          <a:xfrm>
-            <a:off x="3235778" y="5184467"/>
-            <a:ext cx="5720443" cy="369332"/>
-          </a:xfrm>
-          <a:prstGeom prst="rect">
-            <a:avLst/>
-          </a:prstGeom>
-          <a:noFill/>
-        </p:spPr>
-        <p:txBody>
-          <a:bodyPr wrap="square" rtlCol="0">
-            <a:spAutoFit/>
-          </a:bodyPr>
-          <a:lstStyle/>
-          <a:p>
-            <a:r>
-              <a:rPr lang="ko-KR" altLang="en-US" dirty="0"/>
-              <a:t>그래프 탭</a:t>
-            </a:r>
-          </a:p>
-        </p:txBody>
-      </p:sp>
-      <p:pic>
-        <p:nvPicPr>
-          <p:cNvPr id="8" name="_x204844136" descr="EMB00004fa44b78">
-            <a:extLst>
-              <a:ext uri="{FF2B5EF4-FFF2-40B4-BE49-F238E27FC236}">
-                <a16:creationId xmlns:a16="http://schemas.microsoft.com/office/drawing/2014/main" id="{75F27950-DD6D-481C-BF13-61A8A8DB73A1}"/>
-              </a:ext>
-            </a:extLst>
-          </p:cNvPr>
-          <p:cNvPicPr>
-            <a:picLocks noChangeAspect="1" noChangeArrowheads="1"/>
-          </p:cNvPicPr>
-          <p:nvPr/>
-        </p:nvPicPr>
-        <p:blipFill>
-          <a:blip r:embed="rId3">
-            <a:extLst>
-              <a:ext uri="{28A0092B-C50C-407E-A947-70E740481C1C}">
-                <a14:useLocalDpi xmlns:a14="http://schemas.microsoft.com/office/drawing/2010/main" val="0"/>
-              </a:ext>
-            </a:extLst>
-          </a:blip>
-          <a:srcRect/>
-          <a:stretch>
-            <a:fillRect/>
-          </a:stretch>
-        </p:blipFill>
-        <p:spPr bwMode="auto">
-          <a:xfrm>
-            <a:off x="7759565" y="153188"/>
-            <a:ext cx="3910992" cy="6139543"/>
-          </a:xfrm>
-          <a:prstGeom prst="rect">
-            <a:avLst/>
-          </a:prstGeom>
-          <a:noFill/>
-          <a:extLst>
-            <a:ext uri="{909E8E84-426E-40DD-AFC4-6F175D3DCCD1}">
-              <a14:hiddenFill xmlns:a14="http://schemas.microsoft.com/office/drawing/2010/main">
-                <a:solidFill>
-                  <a:srgbClr val="FFFFFF"/>
-                </a:solidFill>
-              </a14:hiddenFill>
-            </a:ext>
-          </a:extLst>
-        </p:spPr>
-      </p:pic>
-      <p:sp>
-        <p:nvSpPr>
-          <p:cNvPr id="9" name="TextBox 8">
-            <a:extLst>
-              <a:ext uri="{FF2B5EF4-FFF2-40B4-BE49-F238E27FC236}">
-                <a16:creationId xmlns:a16="http://schemas.microsoft.com/office/drawing/2014/main" id="{107C10B3-275C-4BDC-B419-203AD8320CAA}"/>
-              </a:ext>
-            </a:extLst>
-          </p:cNvPr>
-          <p:cNvSpPr txBox="1"/>
-          <p:nvPr/>
-        </p:nvSpPr>
-        <p:spPr>
-          <a:xfrm>
-            <a:off x="9041657" y="6335480"/>
-            <a:ext cx="2628900" cy="369332"/>
-          </a:xfrm>
-          <a:prstGeom prst="rect">
-            <a:avLst/>
-          </a:prstGeom>
-          <a:noFill/>
-        </p:spPr>
-        <p:txBody>
-          <a:bodyPr wrap="square" rtlCol="0">
-            <a:spAutoFit/>
-          </a:bodyPr>
-          <a:lstStyle/>
-          <a:p>
-            <a:r>
-              <a:rPr lang="ko-KR" altLang="en-US" dirty="0"/>
-              <a:t>명언 탭</a:t>
-            </a:r>
-          </a:p>
-        </p:txBody>
-      </p:sp>
+          </p:spPr>
+        </p:pic>
+        <p:sp>
+          <p:nvSpPr>
+            <p:cNvPr id="3" name="TextBox 2"/>
+            <p:cNvSpPr txBox="1"/>
+            <p:nvPr/>
+          </p:nvSpPr>
+          <p:spPr>
+            <a:xfrm>
+              <a:off x="8677014" y="6142229"/>
+              <a:ext cx="1432123" cy="369332"/>
+            </a:xfrm>
+            <a:prstGeom prst="rect">
+              <a:avLst/>
+            </a:prstGeom>
+            <a:noFill/>
+          </p:spPr>
+          <p:txBody>
+            <a:bodyPr wrap="none" rtlCol="0">
+              <a:spAutoFit/>
+            </a:bodyPr>
+            <a:lstStyle/>
+            <a:p>
+              <a:r>
+                <a:rPr lang="en-US" altLang="ko-KR" b="1" dirty="0" smtClean="0">
+                  <a:latin typeface="나눔고딕" panose="020D0604000000000000" pitchFamily="50" charset="-127"/>
+                  <a:ea typeface="나눔고딕" panose="020D0604000000000000" pitchFamily="50" charset="-127"/>
+                </a:rPr>
+                <a:t>&lt; </a:t>
+              </a:r>
+              <a:r>
+                <a:rPr lang="ko-KR" altLang="en-US" b="1" dirty="0" smtClean="0">
+                  <a:latin typeface="나눔고딕" panose="020D0604000000000000" pitchFamily="50" charset="-127"/>
+                  <a:ea typeface="나눔고딕" panose="020D0604000000000000" pitchFamily="50" charset="-127"/>
+                </a:rPr>
+                <a:t>명언 </a:t>
+              </a:r>
+              <a:r>
+                <a:rPr lang="en-US" altLang="ko-KR" b="1" dirty="0" smtClean="0">
+                  <a:latin typeface="나눔고딕" panose="020D0604000000000000" pitchFamily="50" charset="-127"/>
+                  <a:ea typeface="나눔고딕" panose="020D0604000000000000" pitchFamily="50" charset="-127"/>
+                </a:rPr>
+                <a:t>Tab &gt;</a:t>
+              </a:r>
+              <a:endParaRPr lang="ko-KR" altLang="en-US" b="1" dirty="0">
+                <a:latin typeface="나눔고딕" panose="020D0604000000000000" pitchFamily="50" charset="-127"/>
+                <a:ea typeface="나눔고딕" panose="020D0604000000000000" pitchFamily="50" charset="-127"/>
+              </a:endParaRPr>
+            </a:p>
+          </p:txBody>
+        </p:sp>
+      </p:grpSp>
     </p:spTree>
     <p:extLst>
       <p:ext uri="{BB962C8B-B14F-4D97-AF65-F5344CB8AC3E}">
@@ -4477,10 +6139,17 @@
       </p:transition>
     </mc:Fallback>
   </mc:AlternateContent>
+  <p:timing>
+    <p:tnLst>
+      <p:par>
+        <p:cTn id="1" dur="indefinite" restart="never" nodeType="tmRoot"/>
+      </p:par>
+    </p:tnLst>
+  </p:timing>
 </p:sld>
 </file>
 
-<file path=ppt/slides/slide7.xml><?xml version="1.0" encoding="utf-8"?>
+<file path=ppt/slides/slide8.xml><?xml version="1.0" encoding="utf-8"?>
 <p:sld xmlns:a="http://schemas.openxmlformats.org/drawingml/2006/main" xmlns:r="http://schemas.openxmlformats.org/officeDocument/2006/relationships" xmlns:p="http://schemas.openxmlformats.org/presentationml/2006/main">
   <p:cSld>
     <p:spTree>
@@ -4499,17 +6168,108 @@
       </p:grpSpPr>
       <p:sp>
         <p:nvSpPr>
-          <p:cNvPr id="2" name="제목 1"/>
-          <p:cNvSpPr>
-            <a:spLocks noGrp="1"/>
-          </p:cNvSpPr>
-          <p:nvPr>
-            <p:ph type="title"/>
-          </p:nvPr>
+          <p:cNvPr id="4" name="TextBox 3"/>
+          <p:cNvSpPr txBox="1"/>
+          <p:nvPr/>
         </p:nvSpPr>
         <p:spPr>
           <a:xfrm>
-            <a:off x="838200" y="2103437"/>
+            <a:off x="4342154" y="2967335"/>
+            <a:ext cx="3507692" cy="923330"/>
+          </a:xfrm>
+          <a:prstGeom prst="rect">
+            <a:avLst/>
+          </a:prstGeom>
+          <a:noFill/>
+          <a:ln>
+            <a:noFill/>
+          </a:ln>
+        </p:spPr>
+        <p:txBody>
+          <a:bodyPr wrap="none" rtlCol="0">
+            <a:spAutoFit/>
+          </a:bodyPr>
+          <a:lstStyle/>
+          <a:p>
+            <a:r>
+              <a:rPr lang="ko-KR" altLang="en-US" sz="5400" b="1" smtClean="0">
+                <a:ln w="19050">
+                  <a:noFill/>
+                </a:ln>
+                <a:solidFill>
+                  <a:schemeClr val="bg1"/>
+                </a:solidFill>
+                <a:latin typeface="나눔스퀘어라운드 ExtraBold" panose="020B0600000101010101" pitchFamily="50" charset="-127"/>
+                <a:ea typeface="나눔스퀘어라운드 ExtraBold" panose="020B0600000101010101" pitchFamily="50" charset="-127"/>
+              </a:rPr>
+              <a:t>시연 동영상</a:t>
+            </a:r>
+            <a:endParaRPr lang="ko-KR" altLang="en-US" sz="5400" b="1" dirty="0">
+              <a:ln w="19050">
+                <a:noFill/>
+              </a:ln>
+              <a:solidFill>
+                <a:schemeClr val="bg1"/>
+              </a:solidFill>
+              <a:latin typeface="나눔스퀘어라운드 ExtraBold" panose="020B0600000101010101" pitchFamily="50" charset="-127"/>
+              <a:ea typeface="나눔스퀘어라운드 ExtraBold" panose="020B0600000101010101" pitchFamily="50" charset="-127"/>
+            </a:endParaRPr>
+          </a:p>
+        </p:txBody>
+      </p:sp>
+    </p:spTree>
+    <p:extLst>
+      <p:ext uri="{BB962C8B-B14F-4D97-AF65-F5344CB8AC3E}">
+        <p14:creationId xmlns:p14="http://schemas.microsoft.com/office/powerpoint/2010/main" val="1120527982"/>
+      </p:ext>
+    </p:extLst>
+  </p:cSld>
+  <p:clrMapOvr>
+    <a:masterClrMapping/>
+  </p:clrMapOvr>
+  <p:transition spd="slow">
+    <p:pull dir="lu"/>
+  </p:transition>
+  <p:timing>
+    <p:tnLst>
+      <p:par>
+        <p:cTn id="1" dur="indefinite" restart="never" nodeType="tmRoot"/>
+      </p:par>
+    </p:tnLst>
+  </p:timing>
+</p:sld>
+</file>
+
+<file path=ppt/slides/slide9.xml><?xml version="1.0" encoding="utf-8"?>
+<p:sld xmlns:a="http://schemas.openxmlformats.org/drawingml/2006/main" xmlns:r="http://schemas.openxmlformats.org/officeDocument/2006/relationships" xmlns:p="http://schemas.openxmlformats.org/presentationml/2006/main">
+  <p:cSld>
+    <p:spTree>
+      <p:nvGrpSpPr>
+        <p:cNvPr id="1" name=""/>
+        <p:cNvGrpSpPr/>
+        <p:nvPr/>
+      </p:nvGrpSpPr>
+      <p:grpSpPr>
+        <a:xfrm>
+          <a:off x="0" y="0"/>
+          <a:ext cx="0" cy="0"/>
+          <a:chOff x="0" y="0"/>
+          <a:chExt cx="0" cy="0"/>
+        </a:xfrm>
+      </p:grpSpPr>
+      <p:sp>
+        <p:nvSpPr>
+          <p:cNvPr id="2" name="제목 1"/>
+          <p:cNvSpPr>
+            <a:spLocks noGrp="1"/>
+          </p:cNvSpPr>
+          <p:nvPr>
+            <p:ph type="title"/>
+          </p:nvPr>
+        </p:nvSpPr>
+        <p:spPr>
+          <a:xfrm>
+            <a:off x="838200" y="2766219"/>
             <a:ext cx="10515600" cy="1325563"/>
           </a:xfrm>
         </p:spPr>
@@ -4519,8 +6279,18 @@
           </a:bodyPr>
           <a:lstStyle/>
           <a:p>
-            <a:r>
-              <a:rPr lang="ko-KR" altLang="en-US" sz="5400" dirty="0"/>
+            <a:pPr algn="ctr"/>
+            <a:r>
+              <a:rPr lang="ko-KR" altLang="en-US" sz="5400" dirty="0">
+                <a:ln w="28575">
+                  <a:noFill/>
+                </a:ln>
+                <a:solidFill>
+                  <a:schemeClr val="bg1"/>
+                </a:solidFill>
+                <a:latin typeface="나눔스퀘어라운드 ExtraBold" panose="020B0600000101010101" pitchFamily="50" charset="-127"/>
+                <a:ea typeface="나눔스퀘어라운드 ExtraBold" panose="020B0600000101010101" pitchFamily="50" charset="-127"/>
+              </a:rPr>
               <a:t>소감 발표</a:t>
             </a:r>
           </a:p>
@@ -4548,305 +6318,12 @@
       </p:transition>
     </mc:Fallback>
   </mc:AlternateContent>
-</p:sld>
-</file>
-
-<file path=ppt/slides/slide8.xml><?xml version="1.0" encoding="utf-8"?>
-<p:sld xmlns:a="http://schemas.openxmlformats.org/drawingml/2006/main" xmlns:r="http://schemas.openxmlformats.org/officeDocument/2006/relationships" xmlns:p="http://schemas.openxmlformats.org/presentationml/2006/main">
-  <p:cSld>
-    <p:spTree>
-      <p:nvGrpSpPr>
-        <p:cNvPr id="1" name=""/>
-        <p:cNvGrpSpPr/>
-        <p:nvPr/>
-      </p:nvGrpSpPr>
-      <p:grpSpPr>
-        <a:xfrm>
-          <a:off x="0" y="0"/>
-          <a:ext cx="0" cy="0"/>
-          <a:chOff x="0" y="0"/>
-          <a:chExt cx="0" cy="0"/>
-        </a:xfrm>
-      </p:grpSpPr>
-      <p:sp>
-        <p:nvSpPr>
-          <p:cNvPr id="2" name="제목 1"/>
-          <p:cNvSpPr>
-            <a:spLocks noGrp="1"/>
-          </p:cNvSpPr>
-          <p:nvPr>
-            <p:ph type="title"/>
-          </p:nvPr>
-        </p:nvSpPr>
-        <p:spPr>
-          <a:xfrm>
-            <a:off x="329317" y="1801461"/>
-            <a:ext cx="11533365" cy="3255078"/>
-          </a:xfrm>
-        </p:spPr>
-        <p:txBody>
-          <a:bodyPr>
-            <a:normAutofit/>
-          </a:bodyPr>
-          <a:lstStyle/>
-          <a:p>
-            <a:pPr algn="ctr"/>
-            <a:r>
-              <a:rPr lang="ko-KR" altLang="en-US" sz="4800" dirty="0">
-                <a:ea typeface="문체부 쓰기 정체" panose="02030609000101010101" pitchFamily="17" charset="-127"/>
-              </a:rPr>
-              <a:t>꿈을 꾸세요</a:t>
-            </a:r>
-            <a:r>
-              <a:rPr lang="en-US" altLang="ko-KR" sz="4800" dirty="0">
-                <a:ea typeface="문체부 쓰기 정체" panose="02030609000101010101" pitchFamily="17" charset="-127"/>
-              </a:rPr>
-              <a:t>.</a:t>
-            </a:r>
-            <a:br>
-              <a:rPr lang="en-US" altLang="ko-KR" sz="4800" dirty="0">
-                <a:ea typeface="문체부 쓰기 정체" panose="02030609000101010101" pitchFamily="17" charset="-127"/>
-              </a:rPr>
-            </a:br>
-            <a:r>
-              <a:rPr lang="ko-KR" altLang="en-US" sz="4800" dirty="0">
-                <a:ea typeface="문체부 쓰기 정체" panose="02030609000101010101" pitchFamily="17" charset="-127"/>
-              </a:rPr>
-              <a:t>그러면 그 꿈이 당신을 만들 것입니다</a:t>
-            </a:r>
-            <a:br>
-              <a:rPr lang="en-US" altLang="ko-KR" sz="4800" dirty="0">
-                <a:ea typeface="문체부 쓰기 정체" panose="02030609000101010101" pitchFamily="17" charset="-127"/>
-              </a:rPr>
-            </a:br>
-            <a:br>
-              <a:rPr lang="en-US" altLang="ko-KR" sz="5400" dirty="0">
-                <a:ea typeface="문체부 쓰기 정체" panose="02030609000101010101" pitchFamily="17" charset="-127"/>
-              </a:rPr>
-            </a:br>
-            <a:r>
-              <a:rPr lang="ko-KR" altLang="en-US" sz="2000" dirty="0">
-                <a:ea typeface="문체부 쓰기 정체" panose="02030609000101010101" pitchFamily="17" charset="-127"/>
-              </a:rPr>
-              <a:t>로버트 </a:t>
-            </a:r>
-            <a:r>
-              <a:rPr lang="en-US" altLang="ko-KR" sz="2000" dirty="0">
-                <a:ea typeface="문체부 쓰기 정체" panose="02030609000101010101" pitchFamily="17" charset="-127"/>
-              </a:rPr>
-              <a:t>J </a:t>
-            </a:r>
-            <a:r>
-              <a:rPr lang="ko-KR" altLang="en-US" sz="2000" dirty="0" err="1">
-                <a:ea typeface="문체부 쓰기 정체" panose="02030609000101010101" pitchFamily="17" charset="-127"/>
-              </a:rPr>
-              <a:t>쉴러</a:t>
-            </a:r>
-            <a:endParaRPr lang="ko-KR" altLang="en-US" sz="5400" dirty="0">
-              <a:ea typeface="문체부 쓰기 정체" panose="02030609000101010101" pitchFamily="17" charset="-127"/>
-            </a:endParaRPr>
-          </a:p>
-        </p:txBody>
-      </p:sp>
-      <p:sp>
-        <p:nvSpPr>
-          <p:cNvPr id="4" name="TextBox 3">
-            <a:extLst>
-              <a:ext uri="{FF2B5EF4-FFF2-40B4-BE49-F238E27FC236}">
-                <a16:creationId xmlns:a16="http://schemas.microsoft.com/office/drawing/2014/main" id="{F9CDA9BF-F5E1-458A-A7B5-27021FC8A0B6}"/>
-              </a:ext>
-            </a:extLst>
-          </p:cNvPr>
-          <p:cNvSpPr txBox="1"/>
-          <p:nvPr/>
-        </p:nvSpPr>
-        <p:spPr>
-          <a:xfrm>
-            <a:off x="2105099" y="5056539"/>
-            <a:ext cx="7981800" cy="923330"/>
-          </a:xfrm>
-          <a:prstGeom prst="rect">
-            <a:avLst/>
-          </a:prstGeom>
-          <a:noFill/>
-        </p:spPr>
-        <p:txBody>
-          <a:bodyPr wrap="square" rtlCol="0">
-            <a:spAutoFit/>
-          </a:bodyPr>
-          <a:lstStyle/>
-          <a:p>
-            <a:pPr algn="ctr"/>
-            <a:r>
-              <a:rPr lang="en-US" altLang="ko-KR" sz="5400" b="1" dirty="0">
-                <a:latin typeface="Freestyle Script" panose="030804020302050B0404" pitchFamily="66" charset="0"/>
-              </a:rPr>
-              <a:t>With Dream Tree</a:t>
-            </a:r>
-            <a:endParaRPr lang="ko-KR" altLang="en-US" sz="5400" b="1" dirty="0">
-              <a:latin typeface="Freestyle Script" panose="030804020302050B0404" pitchFamily="66" charset="0"/>
-            </a:endParaRPr>
-          </a:p>
-        </p:txBody>
-      </p:sp>
-    </p:spTree>
-    <p:extLst>
-      <p:ext uri="{BB962C8B-B14F-4D97-AF65-F5344CB8AC3E}">
-        <p14:creationId xmlns:p14="http://schemas.microsoft.com/office/powerpoint/2010/main" val="3506323016"/>
-      </p:ext>
-    </p:extLst>
-  </p:cSld>
-  <p:clrMapOvr>
-    <a:masterClrMapping/>
-  </p:clrMapOvr>
-  <mc:AlternateContent xmlns:mc="http://schemas.openxmlformats.org/markup-compatibility/2006" xmlns:p14="http://schemas.microsoft.com/office/powerpoint/2010/main">
-    <mc:Choice Requires="p14">
-      <p:transition spd="med" p14:dur="700">
-        <p:fade/>
-      </p:transition>
-    </mc:Choice>
-    <mc:Fallback xmlns="">
-      <p:transition spd="med">
-        <p:fade/>
-      </p:transition>
-    </mc:Fallback>
-  </mc:AlternateContent>
   <p:timing>
     <p:tnLst>
       <p:par>
-        <p:cTn id="1" dur="indefinite" restart="never" nodeType="tmRoot">
-          <p:childTnLst>
-            <p:seq concurrent="1" nextAc="seek">
-              <p:cTn id="2" dur="indefinite" nodeType="mainSeq">
-                <p:childTnLst>
-                  <p:par>
-                    <p:cTn id="3" fill="hold">
-                      <p:stCondLst>
-                        <p:cond delay="indefinite"/>
-                      </p:stCondLst>
-                      <p:childTnLst>
-                        <p:par>
-                          <p:cTn id="4" fill="hold">
-                            <p:stCondLst>
-                              <p:cond delay="0"/>
-                            </p:stCondLst>
-                            <p:childTnLst>
-                              <p:par>
-                                <p:cTn id="5" presetID="34" presetClass="entr" presetSubtype="0" fill="hold" grpId="0" nodeType="clickEffect">
-                                  <p:stCondLst>
-                                    <p:cond delay="0"/>
-                                  </p:stCondLst>
-                                  <p:childTnLst>
-                                    <p:set>
-                                      <p:cBhvr>
-                                        <p:cTn id="6" dur="1" fill="hold">
-                                          <p:stCondLst>
-                                            <p:cond delay="0"/>
-                                          </p:stCondLst>
-                                        </p:cTn>
-                                        <p:tgtEl>
-                                          <p:spTgt spid="4"/>
-                                        </p:tgtEl>
-                                        <p:attrNameLst>
-                                          <p:attrName>style.visibility</p:attrName>
-                                        </p:attrNameLst>
-                                      </p:cBhvr>
-                                      <p:to>
-                                        <p:strVal val="visible"/>
-                                      </p:to>
-                                    </p:set>
-                                    <p:anim from="(-#ppt_w/2)" to="(#ppt_x)" calcmode="lin" valueType="num">
-                                      <p:cBhvr>
-                                        <p:cTn id="7" dur="600" fill="hold">
-                                          <p:stCondLst>
-                                            <p:cond delay="0"/>
-                                          </p:stCondLst>
-                                        </p:cTn>
-                                        <p:tgtEl>
-                                          <p:spTgt spid="4"/>
-                                        </p:tgtEl>
-                                        <p:attrNameLst>
-                                          <p:attrName>ppt_x</p:attrName>
-                                        </p:attrNameLst>
-                                      </p:cBhvr>
-                                    </p:anim>
-                                    <p:anim from="0" to="-1.0" calcmode="lin" valueType="num">
-                                      <p:cBhvr>
-                                        <p:cTn id="8" dur="200" decel="50000" autoRev="1" fill="hold">
-                                          <p:stCondLst>
-                                            <p:cond delay="600"/>
-                                          </p:stCondLst>
-                                        </p:cTn>
-                                        <p:tgtEl>
-                                          <p:spTgt spid="4"/>
-                                        </p:tgtEl>
-                                        <p:attrNameLst>
-                                          <p:attrName>xshear</p:attrName>
-                                        </p:attrNameLst>
-                                      </p:cBhvr>
-                                    </p:anim>
-                                    <p:animScale>
-                                      <p:cBhvr>
-                                        <p:cTn id="9" dur="200" decel="100000" autoRev="1" fill="hold">
-                                          <p:stCondLst>
-                                            <p:cond delay="600"/>
-                                          </p:stCondLst>
-                                        </p:cTn>
-                                        <p:tgtEl>
-                                          <p:spTgt spid="4"/>
-                                        </p:tgtEl>
-                                      </p:cBhvr>
-                                      <p:from x="100000" y="100000"/>
-                                      <p:to x="80000" y="100000"/>
-                                    </p:animScale>
-                                    <p:anim by="(#ppt_h/3+#ppt_w*0.1)" calcmode="lin" valueType="num">
-                                      <p:cBhvr additive="sum">
-                                        <p:cTn id="10" dur="200" decel="100000" autoRev="1" fill="hold">
-                                          <p:stCondLst>
-                                            <p:cond delay="600"/>
-                                          </p:stCondLst>
-                                        </p:cTn>
-                                        <p:tgtEl>
-                                          <p:spTgt spid="4"/>
-                                        </p:tgtEl>
-                                        <p:attrNameLst>
-                                          <p:attrName>ppt_x</p:attrName>
-                                        </p:attrNameLst>
-                                      </p:cBhvr>
-                                    </p:anim>
-                                  </p:childTnLst>
-                                </p:cTn>
-                              </p:par>
-                            </p:childTnLst>
-                          </p:cTn>
-                        </p:par>
-                      </p:childTnLst>
-                    </p:cTn>
-                  </p:par>
-                </p:childTnLst>
-              </p:cTn>
-              <p:prevCondLst>
-                <p:cond evt="onPrev" delay="0">
-                  <p:tgtEl>
-                    <p:sldTgt/>
-                  </p:tgtEl>
-                </p:cond>
-              </p:prevCondLst>
-              <p:nextCondLst>
-                <p:cond evt="onNext" delay="0">
-                  <p:tgtEl>
-                    <p:sldTgt/>
-                  </p:tgtEl>
-                </p:cond>
-              </p:nextCondLst>
-            </p:seq>
-          </p:childTnLst>
-        </p:cTn>
+        <p:cTn id="1" dur="indefinite" restart="never" nodeType="tmRoot"/>
       </p:par>
     </p:tnLst>
-    <p:bldLst>
-      <p:bldP spid="4" grpId="0"/>
-    </p:bldLst>
   </p:timing>
 </p:sld>
 </file>

--- a/3학년1반3조ppt.pptx
+++ b/3학년1반3조ppt.pptx
@@ -4747,33 +4747,7 @@
                 <a:latin typeface="나눔스퀘어라운드 ExtraBold" panose="020B0600000101010101" pitchFamily="50" charset="-127"/>
                 <a:ea typeface="나눔스퀘어라운드 ExtraBold" panose="020B0600000101010101" pitchFamily="50" charset="-127"/>
               </a:rPr>
-              <a:t>앱 </a:t>
-            </a:r>
-            <a:r>
-              <a:rPr lang="ko-KR" altLang="en-US" sz="5400" dirty="0" smtClean="0">
-                <a:ln w="28575">
-                  <a:noFill/>
-                </a:ln>
-                <a:solidFill>
-                  <a:schemeClr val="bg1"/>
-                </a:solidFill>
-                <a:latin typeface="나눔스퀘어라운드 ExtraBold" panose="020B0600000101010101" pitchFamily="50" charset="-127"/>
-                <a:ea typeface="나눔스퀘어라운드 ExtraBold" panose="020B0600000101010101" pitchFamily="50" charset="-127"/>
-              </a:rPr>
-              <a:t>레이아웃 </a:t>
-            </a:r>
-            <a:r>
-              <a:rPr lang="ko-KR" altLang="en-US" sz="5400" dirty="0" smtClean="0">
-                <a:ln w="28575">
-                  <a:noFill/>
-                </a:ln>
-                <a:solidFill>
-                  <a:schemeClr val="bg1"/>
-                </a:solidFill>
-                <a:latin typeface="나눔스퀘어라운드 ExtraBold" panose="020B0600000101010101" pitchFamily="50" charset="-127"/>
-                <a:ea typeface="나눔스퀘어라운드 ExtraBold" panose="020B0600000101010101" pitchFamily="50" charset="-127"/>
-              </a:rPr>
-              <a:t>및 구성</a:t>
+              <a:t>앱 레이아웃 및 구성</a:t>
             </a:r>
             <a:endParaRPr lang="ko-KR" altLang="en-US" sz="5400" dirty="0">
               <a:ln w="28575">
@@ -5262,9 +5236,7 @@
             <a:schemeClr val="bg1"/>
           </a:solidFill>
           <a:ln w="28575">
-            <a:solidFill>
-              <a:schemeClr val="tx1"/>
-            </a:solidFill>
+            <a:noFill/>
           </a:ln>
         </p:spPr>
         <p:style>
@@ -5326,14 +5298,7 @@
                 <a:latin typeface="나눔고딕" panose="020D0604000000000000" pitchFamily="50" charset="-127"/>
                 <a:ea typeface="나눔고딕" panose="020D0604000000000000" pitchFamily="50" charset="-127"/>
               </a:rPr>
-              <a:t>나무 </a:t>
-            </a:r>
-            <a:r>
-              <a:rPr lang="ko-KR" altLang="en-US" sz="2000" b="1" dirty="0" smtClean="0">
-                <a:latin typeface="나눔고딕" panose="020D0604000000000000" pitchFamily="50" charset="-127"/>
-                <a:ea typeface="나눔고딕" panose="020D0604000000000000" pitchFamily="50" charset="-127"/>
-              </a:rPr>
-              <a:t>성장 </a:t>
+              <a:t>나무 성장 </a:t>
             </a:r>
             <a:r>
               <a:rPr lang="en-US" altLang="ko-KR" sz="2000" b="1" dirty="0" smtClean="0">
@@ -5891,7 +5856,7 @@
         </p:nvGrpSpPr>
         <p:grpSpPr>
           <a:xfrm>
-            <a:off x="498117" y="2562800"/>
+            <a:off x="4612917" y="2562800"/>
             <a:ext cx="6718471" cy="4038411"/>
             <a:chOff x="498117" y="1684252"/>
             <a:chExt cx="6718471" cy="4038411"/>
@@ -6015,7 +5980,7 @@
         </p:nvGrpSpPr>
         <p:grpSpPr>
           <a:xfrm>
-            <a:off x="8028511" y="969626"/>
+            <a:off x="498117" y="969626"/>
             <a:ext cx="3267023" cy="5631585"/>
             <a:chOff x="7759565" y="879976"/>
             <a:chExt cx="3267023" cy="5631585"/>
@@ -6117,6 +6082,56 @@
           </p:txBody>
         </p:sp>
       </p:grpSp>
+      <p:sp>
+        <p:nvSpPr>
+          <p:cNvPr id="6" name="모서리가 둥근 사각형 설명선 5"/>
+          <p:cNvSpPr/>
+          <p:nvPr/>
+        </p:nvSpPr>
+        <p:spPr>
+          <a:xfrm>
+            <a:off x="9117106" y="769570"/>
+            <a:ext cx="2214282" cy="1613647"/>
+          </a:xfrm>
+          <a:prstGeom prst="wedgeRoundRectCallout">
+            <a:avLst>
+              <a:gd name="adj1" fmla="val -26096"/>
+              <a:gd name="adj2" fmla="val 87500"/>
+              <a:gd name="adj3" fmla="val 16667"/>
+            </a:avLst>
+          </a:prstGeom>
+          <a:solidFill>
+            <a:schemeClr val="bg1"/>
+          </a:solidFill>
+          <a:ln>
+            <a:noFill/>
+          </a:ln>
+        </p:spPr>
+        <p:style>
+          <a:lnRef idx="2">
+            <a:schemeClr val="accent1">
+              <a:shade val="50000"/>
+            </a:schemeClr>
+          </a:lnRef>
+          <a:fillRef idx="1">
+            <a:schemeClr val="accent1"/>
+          </a:fillRef>
+          <a:effectRef idx="0">
+            <a:schemeClr val="accent1"/>
+          </a:effectRef>
+          <a:fontRef idx="minor">
+            <a:schemeClr val="lt1"/>
+          </a:fontRef>
+        </p:style>
+        <p:txBody>
+          <a:bodyPr rtlCol="0" anchor="ctr"/>
+          <a:lstStyle/>
+          <a:p>
+            <a:pPr algn="ctr"/>
+            <a:endParaRPr lang="ko-KR" altLang="en-US"/>
+          </a:p>
+        </p:txBody>
+      </p:sp>
     </p:spTree>
     <p:extLst>
       <p:ext uri="{BB962C8B-B14F-4D97-AF65-F5344CB8AC3E}">

--- a/3학년1반3조ppt.pptx
+++ b/3학년1반3조ppt.pptx
@@ -5,16 +5,19 @@
     <p:sldMasterId id="2147483648" r:id="rId1"/>
   </p:sldMasterIdLst>
   <p:sldIdLst>
-    <p:sldId id="268" r:id="rId2"/>
-    <p:sldId id="258" r:id="rId3"/>
-    <p:sldId id="266" r:id="rId4"/>
-    <p:sldId id="263" r:id="rId5"/>
-    <p:sldId id="259" r:id="rId6"/>
-    <p:sldId id="260" r:id="rId7"/>
-    <p:sldId id="261" r:id="rId8"/>
-    <p:sldId id="270" r:id="rId9"/>
-    <p:sldId id="265" r:id="rId10"/>
-    <p:sldId id="269" r:id="rId11"/>
+    <p:sldId id="276" r:id="rId2"/>
+    <p:sldId id="272" r:id="rId3"/>
+    <p:sldId id="274" r:id="rId4"/>
+    <p:sldId id="275" r:id="rId5"/>
+    <p:sldId id="258" r:id="rId6"/>
+    <p:sldId id="266" r:id="rId7"/>
+    <p:sldId id="263" r:id="rId8"/>
+    <p:sldId id="259" r:id="rId9"/>
+    <p:sldId id="260" r:id="rId10"/>
+    <p:sldId id="261" r:id="rId11"/>
+    <p:sldId id="270" r:id="rId12"/>
+    <p:sldId id="265" r:id="rId13"/>
+    <p:sldId id="269" r:id="rId14"/>
   </p:sldIdLst>
   <p:sldSz cx="12192000" cy="6858000"/>
   <p:notesSz cx="6858000" cy="9144000"/>
@@ -115,7 +118,7 @@
   </p:defaultTextStyle>
   <p:extLst>
     <p:ext uri="{EFAFB233-063F-42B5-8137-9DF3F51BA10A}">
-      <p15:sldGuideLst xmlns:p15="http://schemas.microsoft.com/office/powerpoint/2012/main">
+      <p15:sldGuideLst xmlns:p15="http://schemas.microsoft.com/office/powerpoint/2012/main" xmlns="">
         <p15:guide id="1" orient="horz" pos="2160">
           <p15:clr>
             <a:srgbClr val="A4A3A4"/>
@@ -544,59 +547,6 @@
           </a:p>
         </p:txBody>
       </p:sp>
-      <p:pic>
-        <p:nvPicPr>
-          <p:cNvPr id="8" name="Picture 2" descr="C:\Users\MS_House\Downloads\Document-master\DreamTree_icon.png"/>
-          <p:cNvPicPr>
-            <a:picLocks noChangeAspect="1" noChangeArrowheads="1"/>
-          </p:cNvPicPr>
-          <p:nvPr userDrawn="1"/>
-        </p:nvPicPr>
-        <p:blipFill>
-          <a:blip r:embed="rId3" cstate="print">
-            <a:extLst>
-              <a:ext uri="{BEBA8EAE-BF5A-486C-A8C5-ECC9F3942E4B}">
-                <a14:imgProps xmlns:a14="http://schemas.microsoft.com/office/drawing/2010/main">
-                  <a14:imgLayer r:embed="rId4">
-                    <a14:imgEffect>
-                      <a14:saturation sat="60000"/>
-                    </a14:imgEffect>
-                    <a14:imgEffect>
-                      <a14:brightnessContrast bright="-18000"/>
-                    </a14:imgEffect>
-                  </a14:imgLayer>
-                </a14:imgProps>
-              </a:ext>
-              <a:ext uri="{28A0092B-C50C-407E-A947-70E740481C1C}">
-                <a14:useLocalDpi xmlns:a14="http://schemas.microsoft.com/office/drawing/2010/main" val="0"/>
-              </a:ext>
-            </a:extLst>
-          </a:blip>
-          <a:srcRect/>
-          <a:stretch>
-            <a:fillRect/>
-          </a:stretch>
-        </p:blipFill>
-        <p:spPr bwMode="auto">
-          <a:xfrm>
-            <a:off x="11488848" y="6197302"/>
-            <a:ext cx="569834" cy="563246"/>
-          </a:xfrm>
-          <a:prstGeom prst="rect">
-            <a:avLst/>
-          </a:prstGeom>
-          <a:noFill/>
-          <a:extLst>
-            <a:ext uri="{909E8E84-426E-40DD-AFC4-6F175D3DCCD1}">
-              <a14:hiddenFill xmlns:a14="http://schemas.microsoft.com/office/drawing/2010/main">
-                <a:solidFill>
-                  <a:srgbClr val="FFFFFF"/>
-                </a:solidFill>
-              </a14:hiddenFill>
-            </a:ext>
-          </a:extLst>
-        </p:spPr>
-      </p:pic>
     </p:spTree>
     <p:extLst>
       <p:ext uri="{BB962C8B-B14F-4D97-AF65-F5344CB8AC3E}">
@@ -812,59 +762,6 @@
           </a:p>
         </p:txBody>
       </p:sp>
-      <p:pic>
-        <p:nvPicPr>
-          <p:cNvPr id="8" name="Picture 2" descr="C:\Users\MS_House\Downloads\Document-master\DreamTree_icon.png"/>
-          <p:cNvPicPr>
-            <a:picLocks noChangeAspect="1" noChangeArrowheads="1"/>
-          </p:cNvPicPr>
-          <p:nvPr userDrawn="1"/>
-        </p:nvPicPr>
-        <p:blipFill>
-          <a:blip r:embed="rId3" cstate="print">
-            <a:extLst>
-              <a:ext uri="{BEBA8EAE-BF5A-486C-A8C5-ECC9F3942E4B}">
-                <a14:imgProps xmlns:a14="http://schemas.microsoft.com/office/drawing/2010/main">
-                  <a14:imgLayer r:embed="rId4">
-                    <a14:imgEffect>
-                      <a14:saturation sat="60000"/>
-                    </a14:imgEffect>
-                    <a14:imgEffect>
-                      <a14:brightnessContrast bright="-18000"/>
-                    </a14:imgEffect>
-                  </a14:imgLayer>
-                </a14:imgProps>
-              </a:ext>
-              <a:ext uri="{28A0092B-C50C-407E-A947-70E740481C1C}">
-                <a14:useLocalDpi xmlns:a14="http://schemas.microsoft.com/office/drawing/2010/main" val="0"/>
-              </a:ext>
-            </a:extLst>
-          </a:blip>
-          <a:srcRect/>
-          <a:stretch>
-            <a:fillRect/>
-          </a:stretch>
-        </p:blipFill>
-        <p:spPr bwMode="auto">
-          <a:xfrm>
-            <a:off x="11488848" y="6197302"/>
-            <a:ext cx="569834" cy="563246"/>
-          </a:xfrm>
-          <a:prstGeom prst="rect">
-            <a:avLst/>
-          </a:prstGeom>
-          <a:noFill/>
-          <a:extLst>
-            <a:ext uri="{909E8E84-426E-40DD-AFC4-6F175D3DCCD1}">
-              <a14:hiddenFill xmlns:a14="http://schemas.microsoft.com/office/drawing/2010/main">
-                <a:solidFill>
-                  <a:srgbClr val="FFFFFF"/>
-                </a:solidFill>
-              </a14:hiddenFill>
-            </a:ext>
-          </a:extLst>
-        </p:spPr>
-      </p:pic>
     </p:spTree>
     <p:extLst>
       <p:ext uri="{BB962C8B-B14F-4D97-AF65-F5344CB8AC3E}">
@@ -1019,59 +916,6 @@
           </a:p>
         </p:txBody>
       </p:sp>
-      <p:pic>
-        <p:nvPicPr>
-          <p:cNvPr id="7" name="Picture 2" descr="C:\Users\MS_House\Downloads\Document-master\DreamTree_icon.png"/>
-          <p:cNvPicPr>
-            <a:picLocks noChangeAspect="1" noChangeArrowheads="1"/>
-          </p:cNvPicPr>
-          <p:nvPr userDrawn="1"/>
-        </p:nvPicPr>
-        <p:blipFill>
-          <a:blip r:embed="rId3" cstate="print">
-            <a:extLst>
-              <a:ext uri="{BEBA8EAE-BF5A-486C-A8C5-ECC9F3942E4B}">
-                <a14:imgProps xmlns:a14="http://schemas.microsoft.com/office/drawing/2010/main">
-                  <a14:imgLayer r:embed="rId4">
-                    <a14:imgEffect>
-                      <a14:saturation sat="60000"/>
-                    </a14:imgEffect>
-                    <a14:imgEffect>
-                      <a14:brightnessContrast bright="-18000"/>
-                    </a14:imgEffect>
-                  </a14:imgLayer>
-                </a14:imgProps>
-              </a:ext>
-              <a:ext uri="{28A0092B-C50C-407E-A947-70E740481C1C}">
-                <a14:useLocalDpi xmlns:a14="http://schemas.microsoft.com/office/drawing/2010/main" val="0"/>
-              </a:ext>
-            </a:extLst>
-          </a:blip>
-          <a:srcRect/>
-          <a:stretch>
-            <a:fillRect/>
-          </a:stretch>
-        </p:blipFill>
-        <p:spPr bwMode="auto">
-          <a:xfrm>
-            <a:off x="11488848" y="6197302"/>
-            <a:ext cx="569834" cy="563246"/>
-          </a:xfrm>
-          <a:prstGeom prst="rect">
-            <a:avLst/>
-          </a:prstGeom>
-          <a:noFill/>
-          <a:extLst>
-            <a:ext uri="{909E8E84-426E-40DD-AFC4-6F175D3DCCD1}">
-              <a14:hiddenFill xmlns:a14="http://schemas.microsoft.com/office/drawing/2010/main">
-                <a:solidFill>
-                  <a:srgbClr val="FFFFFF"/>
-                </a:solidFill>
-              </a14:hiddenFill>
-            </a:ext>
-          </a:extLst>
-        </p:spPr>
-      </p:pic>
     </p:spTree>
     <p:extLst>
       <p:ext uri="{BB962C8B-B14F-4D97-AF65-F5344CB8AC3E}">
@@ -1277,59 +1121,6 @@
           </a:p>
         </p:txBody>
       </p:sp>
-      <p:pic>
-        <p:nvPicPr>
-          <p:cNvPr id="8" name="Picture 2" descr="C:\Users\MS_House\Downloads\Document-master\DreamTree_icon.png"/>
-          <p:cNvPicPr>
-            <a:picLocks noChangeAspect="1" noChangeArrowheads="1"/>
-          </p:cNvPicPr>
-          <p:nvPr userDrawn="1"/>
-        </p:nvPicPr>
-        <p:blipFill>
-          <a:blip r:embed="rId3" cstate="print">
-            <a:extLst>
-              <a:ext uri="{BEBA8EAE-BF5A-486C-A8C5-ECC9F3942E4B}">
-                <a14:imgProps xmlns:a14="http://schemas.microsoft.com/office/drawing/2010/main">
-                  <a14:imgLayer r:embed="rId4">
-                    <a14:imgEffect>
-                      <a14:saturation sat="60000"/>
-                    </a14:imgEffect>
-                    <a14:imgEffect>
-                      <a14:brightnessContrast bright="-18000"/>
-                    </a14:imgEffect>
-                  </a14:imgLayer>
-                </a14:imgProps>
-              </a:ext>
-              <a:ext uri="{28A0092B-C50C-407E-A947-70E740481C1C}">
-                <a14:useLocalDpi xmlns:a14="http://schemas.microsoft.com/office/drawing/2010/main" val="0"/>
-              </a:ext>
-            </a:extLst>
-          </a:blip>
-          <a:srcRect/>
-          <a:stretch>
-            <a:fillRect/>
-          </a:stretch>
-        </p:blipFill>
-        <p:spPr bwMode="auto">
-          <a:xfrm>
-            <a:off x="11488848" y="6197302"/>
-            <a:ext cx="569834" cy="563246"/>
-          </a:xfrm>
-          <a:prstGeom prst="rect">
-            <a:avLst/>
-          </a:prstGeom>
-          <a:noFill/>
-          <a:extLst>
-            <a:ext uri="{909E8E84-426E-40DD-AFC4-6F175D3DCCD1}">
-              <a14:hiddenFill xmlns:a14="http://schemas.microsoft.com/office/drawing/2010/main">
-                <a:solidFill>
-                  <a:srgbClr val="FFFFFF"/>
-                </a:solidFill>
-              </a14:hiddenFill>
-            </a:ext>
-          </a:extLst>
-        </p:spPr>
-      </p:pic>
     </p:spTree>
     <p:extLst>
       <p:ext uri="{BB962C8B-B14F-4D97-AF65-F5344CB8AC3E}">
@@ -1612,59 +1403,6 @@
           </a:p>
         </p:txBody>
       </p:sp>
-      <p:pic>
-        <p:nvPicPr>
-          <p:cNvPr id="8" name="Picture 2" descr="C:\Users\MS_House\Downloads\Document-master\DreamTree_icon.png"/>
-          <p:cNvPicPr>
-            <a:picLocks noChangeAspect="1" noChangeArrowheads="1"/>
-          </p:cNvPicPr>
-          <p:nvPr userDrawn="1"/>
-        </p:nvPicPr>
-        <p:blipFill>
-          <a:blip r:embed="rId3" cstate="print">
-            <a:extLst>
-              <a:ext uri="{BEBA8EAE-BF5A-486C-A8C5-ECC9F3942E4B}">
-                <a14:imgProps xmlns:a14="http://schemas.microsoft.com/office/drawing/2010/main">
-                  <a14:imgLayer r:embed="rId4">
-                    <a14:imgEffect>
-                      <a14:saturation sat="60000"/>
-                    </a14:imgEffect>
-                    <a14:imgEffect>
-                      <a14:brightnessContrast bright="-18000"/>
-                    </a14:imgEffect>
-                  </a14:imgLayer>
-                </a14:imgProps>
-              </a:ext>
-              <a:ext uri="{28A0092B-C50C-407E-A947-70E740481C1C}">
-                <a14:useLocalDpi xmlns:a14="http://schemas.microsoft.com/office/drawing/2010/main" val="0"/>
-              </a:ext>
-            </a:extLst>
-          </a:blip>
-          <a:srcRect/>
-          <a:stretch>
-            <a:fillRect/>
-          </a:stretch>
-        </p:blipFill>
-        <p:spPr bwMode="auto">
-          <a:xfrm>
-            <a:off x="11488848" y="6197302"/>
-            <a:ext cx="569834" cy="563246"/>
-          </a:xfrm>
-          <a:prstGeom prst="rect">
-            <a:avLst/>
-          </a:prstGeom>
-          <a:noFill/>
-          <a:extLst>
-            <a:ext uri="{909E8E84-426E-40DD-AFC4-6F175D3DCCD1}">
-              <a14:hiddenFill xmlns:a14="http://schemas.microsoft.com/office/drawing/2010/main">
-                <a:solidFill>
-                  <a:srgbClr val="FFFFFF"/>
-                </a:solidFill>
-              </a14:hiddenFill>
-            </a:ext>
-          </a:extLst>
-        </p:spPr>
-      </p:pic>
     </p:spTree>
     <p:extLst>
       <p:ext uri="{BB962C8B-B14F-4D97-AF65-F5344CB8AC3E}">
@@ -1931,59 +1669,6 @@
           </a:p>
         </p:txBody>
       </p:sp>
-      <p:pic>
-        <p:nvPicPr>
-          <p:cNvPr id="9" name="Picture 2" descr="C:\Users\MS_House\Downloads\Document-master\DreamTree_icon.png"/>
-          <p:cNvPicPr>
-            <a:picLocks noChangeAspect="1" noChangeArrowheads="1"/>
-          </p:cNvPicPr>
-          <p:nvPr userDrawn="1"/>
-        </p:nvPicPr>
-        <p:blipFill>
-          <a:blip r:embed="rId3" cstate="print">
-            <a:extLst>
-              <a:ext uri="{BEBA8EAE-BF5A-486C-A8C5-ECC9F3942E4B}">
-                <a14:imgProps xmlns:a14="http://schemas.microsoft.com/office/drawing/2010/main">
-                  <a14:imgLayer r:embed="rId4">
-                    <a14:imgEffect>
-                      <a14:saturation sat="60000"/>
-                    </a14:imgEffect>
-                    <a14:imgEffect>
-                      <a14:brightnessContrast bright="-18000"/>
-                    </a14:imgEffect>
-                  </a14:imgLayer>
-                </a14:imgProps>
-              </a:ext>
-              <a:ext uri="{28A0092B-C50C-407E-A947-70E740481C1C}">
-                <a14:useLocalDpi xmlns:a14="http://schemas.microsoft.com/office/drawing/2010/main" val="0"/>
-              </a:ext>
-            </a:extLst>
-          </a:blip>
-          <a:srcRect/>
-          <a:stretch>
-            <a:fillRect/>
-          </a:stretch>
-        </p:blipFill>
-        <p:spPr bwMode="auto">
-          <a:xfrm>
-            <a:off x="11488848" y="6197302"/>
-            <a:ext cx="569834" cy="563246"/>
-          </a:xfrm>
-          <a:prstGeom prst="rect">
-            <a:avLst/>
-          </a:prstGeom>
-          <a:noFill/>
-          <a:extLst>
-            <a:ext uri="{909E8E84-426E-40DD-AFC4-6F175D3DCCD1}">
-              <a14:hiddenFill xmlns:a14="http://schemas.microsoft.com/office/drawing/2010/main">
-                <a:solidFill>
-                  <a:srgbClr val="FFFFFF"/>
-                </a:solidFill>
-              </a14:hiddenFill>
-            </a:ext>
-          </a:extLst>
-        </p:spPr>
-      </p:pic>
     </p:spTree>
     <p:extLst>
       <p:ext uri="{BB962C8B-B14F-4D97-AF65-F5344CB8AC3E}">
@@ -2385,59 +2070,6 @@
           </a:p>
         </p:txBody>
       </p:sp>
-      <p:pic>
-        <p:nvPicPr>
-          <p:cNvPr id="11" name="Picture 2" descr="C:\Users\MS_House\Downloads\Document-master\DreamTree_icon.png"/>
-          <p:cNvPicPr>
-            <a:picLocks noChangeAspect="1" noChangeArrowheads="1"/>
-          </p:cNvPicPr>
-          <p:nvPr userDrawn="1"/>
-        </p:nvPicPr>
-        <p:blipFill>
-          <a:blip r:embed="rId3" cstate="print">
-            <a:extLst>
-              <a:ext uri="{BEBA8EAE-BF5A-486C-A8C5-ECC9F3942E4B}">
-                <a14:imgProps xmlns:a14="http://schemas.microsoft.com/office/drawing/2010/main">
-                  <a14:imgLayer r:embed="rId4">
-                    <a14:imgEffect>
-                      <a14:saturation sat="60000"/>
-                    </a14:imgEffect>
-                    <a14:imgEffect>
-                      <a14:brightnessContrast bright="-18000"/>
-                    </a14:imgEffect>
-                  </a14:imgLayer>
-                </a14:imgProps>
-              </a:ext>
-              <a:ext uri="{28A0092B-C50C-407E-A947-70E740481C1C}">
-                <a14:useLocalDpi xmlns:a14="http://schemas.microsoft.com/office/drawing/2010/main" val="0"/>
-              </a:ext>
-            </a:extLst>
-          </a:blip>
-          <a:srcRect/>
-          <a:stretch>
-            <a:fillRect/>
-          </a:stretch>
-        </p:blipFill>
-        <p:spPr bwMode="auto">
-          <a:xfrm>
-            <a:off x="11488848" y="6197302"/>
-            <a:ext cx="569834" cy="563246"/>
-          </a:xfrm>
-          <a:prstGeom prst="rect">
-            <a:avLst/>
-          </a:prstGeom>
-          <a:noFill/>
-          <a:extLst>
-            <a:ext uri="{909E8E84-426E-40DD-AFC4-6F175D3DCCD1}">
-              <a14:hiddenFill xmlns:a14="http://schemas.microsoft.com/office/drawing/2010/main">
-                <a:solidFill>
-                  <a:srgbClr val="FFFFFF"/>
-                </a:solidFill>
-              </a14:hiddenFill>
-            </a:ext>
-          </a:extLst>
-        </p:spPr>
-      </p:pic>
     </p:spTree>
     <p:extLst>
       <p:ext uri="{BB962C8B-B14F-4D97-AF65-F5344CB8AC3E}">
@@ -3006,59 +2638,6 @@
           </a:p>
         </p:txBody>
       </p:sp>
-      <p:pic>
-        <p:nvPicPr>
-          <p:cNvPr id="9" name="Picture 2" descr="C:\Users\MS_House\Downloads\Document-master\DreamTree_icon.png"/>
-          <p:cNvPicPr>
-            <a:picLocks noChangeAspect="1" noChangeArrowheads="1"/>
-          </p:cNvPicPr>
-          <p:nvPr userDrawn="1"/>
-        </p:nvPicPr>
-        <p:blipFill>
-          <a:blip r:embed="rId3" cstate="print">
-            <a:extLst>
-              <a:ext uri="{BEBA8EAE-BF5A-486C-A8C5-ECC9F3942E4B}">
-                <a14:imgProps xmlns:a14="http://schemas.microsoft.com/office/drawing/2010/main">
-                  <a14:imgLayer r:embed="rId4">
-                    <a14:imgEffect>
-                      <a14:saturation sat="60000"/>
-                    </a14:imgEffect>
-                    <a14:imgEffect>
-                      <a14:brightnessContrast bright="-18000"/>
-                    </a14:imgEffect>
-                  </a14:imgLayer>
-                </a14:imgProps>
-              </a:ext>
-              <a:ext uri="{28A0092B-C50C-407E-A947-70E740481C1C}">
-                <a14:useLocalDpi xmlns:a14="http://schemas.microsoft.com/office/drawing/2010/main" val="0"/>
-              </a:ext>
-            </a:extLst>
-          </a:blip>
-          <a:srcRect/>
-          <a:stretch>
-            <a:fillRect/>
-          </a:stretch>
-        </p:blipFill>
-        <p:spPr bwMode="auto">
-          <a:xfrm>
-            <a:off x="11488848" y="6197302"/>
-            <a:ext cx="569834" cy="563246"/>
-          </a:xfrm>
-          <a:prstGeom prst="rect">
-            <a:avLst/>
-          </a:prstGeom>
-          <a:noFill/>
-          <a:extLst>
-            <a:ext uri="{909E8E84-426E-40DD-AFC4-6F175D3DCCD1}">
-              <a14:hiddenFill xmlns:a14="http://schemas.microsoft.com/office/drawing/2010/main">
-                <a:solidFill>
-                  <a:srgbClr val="FFFFFF"/>
-                </a:solidFill>
-              </a14:hiddenFill>
-            </a:ext>
-          </a:extLst>
-        </p:spPr>
-      </p:pic>
     </p:spTree>
     <p:extLst>
       <p:ext uri="{BB962C8B-B14F-4D97-AF65-F5344CB8AC3E}">
@@ -3348,59 +2927,6 @@
           </a:p>
         </p:txBody>
       </p:sp>
-      <p:pic>
-        <p:nvPicPr>
-          <p:cNvPr id="9" name="Picture 2" descr="C:\Users\MS_House\Downloads\Document-master\DreamTree_icon.png"/>
-          <p:cNvPicPr>
-            <a:picLocks noChangeAspect="1" noChangeArrowheads="1"/>
-          </p:cNvPicPr>
-          <p:nvPr userDrawn="1"/>
-        </p:nvPicPr>
-        <p:blipFill>
-          <a:blip r:embed="rId3" cstate="print">
-            <a:extLst>
-              <a:ext uri="{BEBA8EAE-BF5A-486C-A8C5-ECC9F3942E4B}">
-                <a14:imgProps xmlns:a14="http://schemas.microsoft.com/office/drawing/2010/main">
-                  <a14:imgLayer r:embed="rId4">
-                    <a14:imgEffect>
-                      <a14:saturation sat="60000"/>
-                    </a14:imgEffect>
-                    <a14:imgEffect>
-                      <a14:brightnessContrast bright="-18000"/>
-                    </a14:imgEffect>
-                  </a14:imgLayer>
-                </a14:imgProps>
-              </a:ext>
-              <a:ext uri="{28A0092B-C50C-407E-A947-70E740481C1C}">
-                <a14:useLocalDpi xmlns:a14="http://schemas.microsoft.com/office/drawing/2010/main" val="0"/>
-              </a:ext>
-            </a:extLst>
-          </a:blip>
-          <a:srcRect/>
-          <a:stretch>
-            <a:fillRect/>
-          </a:stretch>
-        </p:blipFill>
-        <p:spPr bwMode="auto">
-          <a:xfrm>
-            <a:off x="11488848" y="6197302"/>
-            <a:ext cx="569834" cy="563246"/>
-          </a:xfrm>
-          <a:prstGeom prst="rect">
-            <a:avLst/>
-          </a:prstGeom>
-          <a:noFill/>
-          <a:extLst>
-            <a:ext uri="{909E8E84-426E-40DD-AFC4-6F175D3DCCD1}">
-              <a14:hiddenFill xmlns:a14="http://schemas.microsoft.com/office/drawing/2010/main">
-                <a:solidFill>
-                  <a:srgbClr val="FFFFFF"/>
-                </a:solidFill>
-              </a14:hiddenFill>
-            </a:ext>
-          </a:extLst>
-        </p:spPr>
-      </p:pic>
     </p:spTree>
     <p:extLst>
       <p:ext uri="{BB962C8B-B14F-4D97-AF65-F5344CB8AC3E}">
@@ -3987,13 +3513,25 @@
     </p:spTree>
     <p:extLst>
       <p:ext uri="{BB962C8B-B14F-4D97-AF65-F5344CB8AC3E}">
-        <p14:creationId xmlns:p14="http://schemas.microsoft.com/office/powerpoint/2010/main" val="4173933837"/>
+        <p14:creationId xmlns:p14="http://schemas.microsoft.com/office/powerpoint/2010/main" val="646038120"/>
       </p:ext>
     </p:extLst>
   </p:cSld>
   <p:clrMapOvr>
     <a:masterClrMapping/>
   </p:clrMapOvr>
+  <mc:AlternateContent xmlns:mc="http://schemas.openxmlformats.org/markup-compatibility/2006">
+    <mc:Choice xmlns:p14="http://schemas.microsoft.com/office/powerpoint/2010/main" Requires="p14">
+      <p:transition spd="med" p14:dur="700">
+        <p:fade/>
+      </p:transition>
+    </mc:Choice>
+    <mc:Fallback>
+      <p:transition spd="med">
+        <p:fade/>
+      </p:transition>
+    </mc:Fallback>
+  </mc:AlternateContent>
   <p:timing>
     <p:tnLst>
       <p:par>
@@ -4023,255 +3561,331 @@
       </p:grpSpPr>
       <p:sp>
         <p:nvSpPr>
-          <p:cNvPr id="2" name="제목 1"/>
-          <p:cNvSpPr txBox="1">
-            <a:spLocks/>
-          </p:cNvSpPr>
-          <p:nvPr/>
-        </p:nvSpPr>
-        <p:spPr>
-          <a:xfrm>
-            <a:off x="329317" y="1801461"/>
-            <a:ext cx="11533365" cy="3255078"/>
-          </a:xfrm>
-          <a:prstGeom prst="rect">
-            <a:avLst/>
-          </a:prstGeom>
-        </p:spPr>
-        <p:txBody>
-          <a:bodyPr>
-            <a:normAutofit/>
-          </a:bodyPr>
-          <a:lstStyle>
-            <a:lvl1pPr algn="l" defTabSz="914400" rtl="0" eaLnBrk="1" latinLnBrk="1" hangingPunct="1">
-              <a:lnSpc>
-                <a:spcPct val="90000"/>
-              </a:lnSpc>
-              <a:spcBef>
-                <a:spcPct val="0"/>
-              </a:spcBef>
-              <a:buNone/>
-              <a:defRPr sz="4400" kern="1200">
-                <a:solidFill>
-                  <a:schemeClr val="tx1"/>
-                </a:solidFill>
-                <a:latin typeface="+mj-lt"/>
-                <a:ea typeface="+mj-ea"/>
-                <a:cs typeface="+mj-cs"/>
-              </a:defRPr>
-            </a:lvl1pPr>
-          </a:lstStyle>
-          <a:p>
-            <a:pPr algn="ctr">
-              <a:tabLst>
-                <a:tab pos="6102350" algn="l"/>
-              </a:tabLst>
-            </a:pPr>
-            <a:r>
-              <a:rPr lang="ko-KR" altLang="en-US" sz="4800" smtClean="0">
-                <a:ea typeface="문체부 쓰기 정체" panose="02030609000101010101" pitchFamily="17" charset="-127"/>
-              </a:rPr>
-              <a:t>꿈을 꾸세요</a:t>
-            </a:r>
-            <a:r>
-              <a:rPr lang="en-US" altLang="ko-KR" sz="4800" smtClean="0">
-                <a:ea typeface="문체부 쓰기 정체" panose="02030609000101010101" pitchFamily="17" charset="-127"/>
-              </a:rPr>
-              <a:t>.</a:t>
-            </a:r>
-            <a:br>
-              <a:rPr lang="en-US" altLang="ko-KR" sz="4800" smtClean="0">
-                <a:ea typeface="문체부 쓰기 정체" panose="02030609000101010101" pitchFamily="17" charset="-127"/>
-              </a:rPr>
-            </a:br>
-            <a:r>
-              <a:rPr lang="ko-KR" altLang="en-US" sz="4800" smtClean="0">
-                <a:ea typeface="문체부 쓰기 정체" panose="02030609000101010101" pitchFamily="17" charset="-127"/>
-              </a:rPr>
-              <a:t>그러면 그 꿈이 당신을 만들 것입니다</a:t>
-            </a:r>
-            <a:r>
-              <a:rPr lang="en-US" altLang="ko-KR" sz="4800" smtClean="0">
-                <a:ea typeface="문체부 쓰기 정체" panose="02030609000101010101" pitchFamily="17" charset="-127"/>
-              </a:rPr>
-              <a:t/>
-            </a:r>
-            <a:br>
-              <a:rPr lang="en-US" altLang="ko-KR" sz="4800" smtClean="0">
-                <a:ea typeface="문체부 쓰기 정체" panose="02030609000101010101" pitchFamily="17" charset="-127"/>
-              </a:rPr>
-            </a:br>
-            <a:r>
-              <a:rPr lang="en-US" altLang="ko-KR" sz="5400" smtClean="0">
-                <a:ea typeface="문체부 쓰기 정체" panose="02030609000101010101" pitchFamily="17" charset="-127"/>
-              </a:rPr>
-              <a:t/>
-            </a:r>
-            <a:br>
-              <a:rPr lang="en-US" altLang="ko-KR" sz="5400" smtClean="0">
-                <a:ea typeface="문체부 쓰기 정체" panose="02030609000101010101" pitchFamily="17" charset="-127"/>
-              </a:rPr>
-            </a:br>
-            <a:r>
-              <a:rPr lang="en-US" altLang="ko-KR" sz="3200" smtClean="0">
-                <a:latin typeface="나눔손글씨 펜" panose="03040600000000000000" pitchFamily="66" charset="-127"/>
-                <a:ea typeface="나눔손글씨 펜" panose="03040600000000000000" pitchFamily="66" charset="-127"/>
-              </a:rPr>
-              <a:t>Robert J. Shiller</a:t>
-            </a:r>
-            <a:endParaRPr lang="ko-KR" altLang="en-US" sz="7200" dirty="0">
-              <a:latin typeface="나눔손글씨 펜" panose="03040600000000000000" pitchFamily="66" charset="-127"/>
-              <a:ea typeface="나눔손글씨 펜" panose="03040600000000000000" pitchFamily="66" charset="-127"/>
-            </a:endParaRPr>
-          </a:p>
-        </p:txBody>
-      </p:sp>
-      <p:sp>
-        <p:nvSpPr>
-          <p:cNvPr id="3" name="TextBox 2">
+          <p:cNvPr id="5" name="Rectangle 2">
             <a:extLst>
               <a:ext uri="{FF2B5EF4-FFF2-40B4-BE49-F238E27FC236}">
-                <a16:creationId xmlns:a16="http://schemas.microsoft.com/office/drawing/2014/main" id="{F9CDA9BF-F5E1-458A-A7B5-27021FC8A0B6}"/>
+                <a16:creationId xmlns:a16="http://schemas.microsoft.com/office/drawing/2014/main" xmlns="" id="{408ABB84-6CDD-4C9C-9863-365D7B5C2ACF}"/>
               </a:ext>
             </a:extLst>
           </p:cNvPr>
-          <p:cNvSpPr txBox="1"/>
+          <p:cNvSpPr>
+            <a:spLocks noChangeArrowheads="1"/>
+          </p:cNvSpPr>
           <p:nvPr/>
         </p:nvSpPr>
-        <p:spPr>
+        <p:spPr bwMode="auto">
           <a:xfrm>
-            <a:off x="2105099" y="5056539"/>
-            <a:ext cx="7981800" cy="923330"/>
+            <a:off x="-1" y="2582922"/>
+            <a:ext cx="41101130" cy="1123663"/>
           </a:xfrm>
           <a:prstGeom prst="rect">
             <a:avLst/>
           </a:prstGeom>
           <a:noFill/>
+          <a:ln>
+            <a:noFill/>
+          </a:ln>
+          <a:effectLst/>
+          <a:extLst>
+            <a:ext uri="{909E8E84-426E-40DD-AFC4-6F175D3DCCD1}">
+              <a14:hiddenFill xmlns:a14="http://schemas.microsoft.com/office/drawing/2010/main">
+                <a:solidFill>
+                  <a:schemeClr val="accent1"/>
+                </a:solidFill>
+              </a14:hiddenFill>
+            </a:ext>
+            <a:ext uri="{91240B29-F687-4F45-9708-019B960494DF}">
+              <a14:hiddenLine xmlns:a14="http://schemas.microsoft.com/office/drawing/2010/main" w="9525">
+                <a:solidFill>
+                  <a:schemeClr val="tx1"/>
+                </a:solidFill>
+                <a:miter lim="800000"/>
+                <a:headEnd/>
+                <a:tailEnd/>
+              </a14:hiddenLine>
+            </a:ext>
+            <a:ext uri="{AF507438-7753-43E0-B8FC-AC1667EBCBE1}">
+              <a14:hiddenEffects xmlns:a14="http://schemas.microsoft.com/office/drawing/2010/main">
+                <a:effectLst>
+                  <a:outerShdw dist="35921" dir="2700000" algn="ctr" rotWithShape="0">
+                    <a:schemeClr val="bg2"/>
+                  </a:outerShdw>
+                </a:effectLst>
+              </a14:hiddenEffects>
+            </a:ext>
+          </a:extLst>
         </p:spPr>
         <p:txBody>
-          <a:bodyPr wrap="square" rtlCol="0">
+          <a:bodyPr vert="horz" wrap="square" lIns="91440" tIns="45720" rIns="91440" bIns="45720" numCol="1" anchor="ctr" anchorCtr="0" compatLnSpc="1">
+            <a:prstTxWarp prst="textNoShape">
+              <a:avLst/>
+            </a:prstTxWarp>
             <a:spAutoFit/>
           </a:bodyPr>
           <a:lstStyle/>
           <a:p>
-            <a:pPr algn="ctr"/>
-            <a:r>
-              <a:rPr lang="en-US" altLang="ko-KR" sz="5400" dirty="0">
-                <a:latin typeface="나눔바른펜" panose="020B0503000000000000" pitchFamily="50" charset="-127"/>
-                <a:ea typeface="나눔바른펜" panose="020B0503000000000000" pitchFamily="50" charset="-127"/>
-              </a:rPr>
-              <a:t>With Dream Tree</a:t>
-            </a:r>
-            <a:endParaRPr lang="ko-KR" altLang="en-US" sz="5400" dirty="0">
-              <a:latin typeface="나눔바른펜" panose="020B0503000000000000" pitchFamily="50" charset="-127"/>
-              <a:ea typeface="나눔바른펜" panose="020B0503000000000000" pitchFamily="50" charset="-127"/>
-            </a:endParaRPr>
-          </a:p>
-        </p:txBody>
-      </p:sp>
+            <a:endParaRPr lang="ko-KR" altLang="en-US"/>
+          </a:p>
+        </p:txBody>
+      </p:sp>
+      <p:grpSp>
+        <p:nvGrpSpPr>
+          <p:cNvPr id="7" name="그룹 6"/>
+          <p:cNvGrpSpPr/>
+          <p:nvPr/>
+        </p:nvGrpSpPr>
+        <p:grpSpPr>
+          <a:xfrm>
+            <a:off x="498117" y="2562800"/>
+            <a:ext cx="6718471" cy="4038411"/>
+            <a:chOff x="498117" y="1684252"/>
+            <a:chExt cx="6718471" cy="4038411"/>
+          </a:xfrm>
+        </p:grpSpPr>
+        <p:pic>
+          <p:nvPicPr>
+            <p:cNvPr id="2049" name="_x204844856" descr="EMB00004fa44b6b">
+              <a:extLst>
+                <a:ext uri="{FF2B5EF4-FFF2-40B4-BE49-F238E27FC236}">
+                  <a16:creationId xmlns:a16="http://schemas.microsoft.com/office/drawing/2014/main" xmlns="" id="{7A416B3A-A987-4476-8168-E01B2A7060BE}"/>
+                </a:ext>
+              </a:extLst>
+            </p:cNvPr>
+            <p:cNvPicPr>
+              <a:picLocks noChangeAspect="1" noChangeArrowheads="1"/>
+            </p:cNvPicPr>
+            <p:nvPr/>
+          </p:nvPicPr>
+          <p:blipFill rotWithShape="1">
+            <a:blip r:embed="rId2">
+              <a:extLst>
+                <a:ext uri="{28A0092B-C50C-407E-A947-70E740481C1C}">
+                  <a14:useLocalDpi xmlns:a14="http://schemas.microsoft.com/office/drawing/2010/main" val="0"/>
+                </a:ext>
+              </a:extLst>
+            </a:blip>
+            <a:srcRect r="664" b="2708"/>
+            <a:stretch/>
+          </p:blipFill>
+          <p:spPr bwMode="auto">
+            <a:xfrm>
+              <a:off x="498117" y="1684252"/>
+              <a:ext cx="6718471" cy="3489496"/>
+            </a:xfrm>
+            <a:prstGeom prst="rect">
+              <a:avLst/>
+            </a:prstGeom>
+            <a:noFill/>
+            <a:extLst>
+              <a:ext uri="{909E8E84-426E-40DD-AFC4-6F175D3DCCD1}">
+                <a14:hiddenFill xmlns:a14="http://schemas.microsoft.com/office/drawing/2010/main">
+                  <a:solidFill>
+                    <a:srgbClr val="FFFFFF"/>
+                  </a:solidFill>
+                </a14:hiddenFill>
+              </a:ext>
+            </a:extLst>
+          </p:spPr>
+        </p:pic>
+        <p:sp>
+          <p:nvSpPr>
+            <p:cNvPr id="2" name="TextBox 1"/>
+            <p:cNvSpPr txBox="1"/>
+            <p:nvPr/>
+          </p:nvSpPr>
+          <p:spPr>
+            <a:xfrm>
+              <a:off x="2784622" y="5353331"/>
+              <a:ext cx="2145459" cy="369332"/>
+            </a:xfrm>
+            <a:prstGeom prst="rect">
+              <a:avLst/>
+            </a:prstGeom>
+            <a:noFill/>
+          </p:spPr>
+          <p:txBody>
+            <a:bodyPr wrap="none" rtlCol="0">
+              <a:spAutoFit/>
+            </a:bodyPr>
+            <a:lstStyle/>
+            <a:p>
+              <a:r>
+                <a:rPr lang="en-US" altLang="ko-KR" b="1" dirty="0" smtClean="0">
+                  <a:latin typeface="나눔고딕" panose="020D0604000000000000" pitchFamily="50" charset="-127"/>
+                  <a:ea typeface="나눔고딕" panose="020D0604000000000000" pitchFamily="50" charset="-127"/>
+                </a:rPr>
+                <a:t>&lt; </a:t>
+              </a:r>
+              <a:r>
+                <a:rPr lang="ko-KR" altLang="en-US" b="1" dirty="0" smtClean="0">
+                  <a:latin typeface="나눔고딕" panose="020D0604000000000000" pitchFamily="50" charset="-127"/>
+                  <a:ea typeface="나눔고딕" panose="020D0604000000000000" pitchFamily="50" charset="-127"/>
+                </a:rPr>
+                <a:t>트리 그래프 </a:t>
+              </a:r>
+              <a:r>
+                <a:rPr lang="en-US" altLang="ko-KR" b="1" dirty="0" smtClean="0">
+                  <a:latin typeface="나눔고딕" panose="020D0604000000000000" pitchFamily="50" charset="-127"/>
+                  <a:ea typeface="나눔고딕" panose="020D0604000000000000" pitchFamily="50" charset="-127"/>
+                </a:rPr>
+                <a:t>Tab</a:t>
+              </a:r>
+              <a:r>
+                <a:rPr lang="ko-KR" altLang="en-US" b="1" dirty="0" smtClean="0">
+                  <a:latin typeface="나눔고딕" panose="020D0604000000000000" pitchFamily="50" charset="-127"/>
+                  <a:ea typeface="나눔고딕" panose="020D0604000000000000" pitchFamily="50" charset="-127"/>
+                </a:rPr>
+                <a:t> </a:t>
+              </a:r>
+              <a:r>
+                <a:rPr lang="en-US" altLang="ko-KR" b="1" dirty="0" smtClean="0">
+                  <a:latin typeface="나눔고딕" panose="020D0604000000000000" pitchFamily="50" charset="-127"/>
+                  <a:ea typeface="나눔고딕" panose="020D0604000000000000" pitchFamily="50" charset="-127"/>
+                </a:rPr>
+                <a:t>&gt;</a:t>
+              </a:r>
+              <a:endParaRPr lang="ko-KR" altLang="en-US" b="1" dirty="0">
+                <a:latin typeface="나눔고딕" panose="020D0604000000000000" pitchFamily="50" charset="-127"/>
+                <a:ea typeface="나눔고딕" panose="020D0604000000000000" pitchFamily="50" charset="-127"/>
+              </a:endParaRPr>
+            </a:p>
+          </p:txBody>
+        </p:sp>
+      </p:grpSp>
+      <p:grpSp>
+        <p:nvGrpSpPr>
+          <p:cNvPr id="4" name="그룹 3"/>
+          <p:cNvGrpSpPr/>
+          <p:nvPr/>
+        </p:nvGrpSpPr>
+        <p:grpSpPr>
+          <a:xfrm>
+            <a:off x="8028511" y="969626"/>
+            <a:ext cx="3267023" cy="5631585"/>
+            <a:chOff x="7759565" y="879976"/>
+            <a:chExt cx="3267023" cy="5631585"/>
+          </a:xfrm>
+        </p:grpSpPr>
+        <p:pic>
+          <p:nvPicPr>
+            <p:cNvPr id="8" name="_x204844136" descr="EMB00004fa44b78">
+              <a:extLst>
+                <a:ext uri="{FF2B5EF4-FFF2-40B4-BE49-F238E27FC236}">
+                  <a16:creationId xmlns:a16="http://schemas.microsoft.com/office/drawing/2014/main" xmlns="" id="{75F27950-DD6D-481C-BF13-61A8A8DB73A1}"/>
+                </a:ext>
+              </a:extLst>
+            </p:cNvPr>
+            <p:cNvPicPr>
+              <a:picLocks noChangeAspect="1" noChangeArrowheads="1"/>
+            </p:cNvPicPr>
+            <p:nvPr/>
+          </p:nvPicPr>
+          <p:blipFill rotWithShape="1">
+            <a:blip r:embed="rId3">
+              <a:extLst>
+                <a:ext uri="{28A0092B-C50C-407E-A947-70E740481C1C}">
+                  <a14:useLocalDpi xmlns:a14="http://schemas.microsoft.com/office/drawing/2010/main" val="0"/>
+                </a:ext>
+              </a:extLst>
+            </a:blip>
+            <a:srcRect r="420" b="1014"/>
+            <a:stretch/>
+          </p:blipFill>
+          <p:spPr bwMode="auto">
+            <a:xfrm>
+              <a:off x="7759565" y="879976"/>
+              <a:ext cx="3267023" cy="5098049"/>
+            </a:xfrm>
+            <a:prstGeom prst="rect">
+              <a:avLst/>
+            </a:prstGeom>
+            <a:noFill/>
+            <a:extLst>
+              <a:ext uri="{909E8E84-426E-40DD-AFC4-6F175D3DCCD1}">
+                <a14:hiddenFill xmlns:a14="http://schemas.microsoft.com/office/drawing/2010/main">
+                  <a:solidFill>
+                    <a:srgbClr val="FFFFFF"/>
+                  </a:solidFill>
+                </a14:hiddenFill>
+              </a:ext>
+            </a:extLst>
+          </p:spPr>
+        </p:pic>
+        <p:sp>
+          <p:nvSpPr>
+            <p:cNvPr id="3" name="TextBox 2"/>
+            <p:cNvSpPr txBox="1"/>
+            <p:nvPr/>
+          </p:nvSpPr>
+          <p:spPr>
+            <a:xfrm>
+              <a:off x="8677014" y="6142229"/>
+              <a:ext cx="1432123" cy="369332"/>
+            </a:xfrm>
+            <a:prstGeom prst="rect">
+              <a:avLst/>
+            </a:prstGeom>
+            <a:noFill/>
+          </p:spPr>
+          <p:txBody>
+            <a:bodyPr wrap="none" rtlCol="0">
+              <a:spAutoFit/>
+            </a:bodyPr>
+            <a:lstStyle/>
+            <a:p>
+              <a:r>
+                <a:rPr lang="en-US" altLang="ko-KR" b="1" dirty="0" smtClean="0">
+                  <a:latin typeface="나눔고딕" panose="020D0604000000000000" pitchFamily="50" charset="-127"/>
+                  <a:ea typeface="나눔고딕" panose="020D0604000000000000" pitchFamily="50" charset="-127"/>
+                </a:rPr>
+                <a:t>&lt; </a:t>
+              </a:r>
+              <a:r>
+                <a:rPr lang="ko-KR" altLang="en-US" b="1" dirty="0" smtClean="0">
+                  <a:latin typeface="나눔고딕" panose="020D0604000000000000" pitchFamily="50" charset="-127"/>
+                  <a:ea typeface="나눔고딕" panose="020D0604000000000000" pitchFamily="50" charset="-127"/>
+                </a:rPr>
+                <a:t>명언 </a:t>
+              </a:r>
+              <a:r>
+                <a:rPr lang="en-US" altLang="ko-KR" b="1" dirty="0" smtClean="0">
+                  <a:latin typeface="나눔고딕" panose="020D0604000000000000" pitchFamily="50" charset="-127"/>
+                  <a:ea typeface="나눔고딕" panose="020D0604000000000000" pitchFamily="50" charset="-127"/>
+                </a:rPr>
+                <a:t>Tab &gt;</a:t>
+              </a:r>
+              <a:endParaRPr lang="ko-KR" altLang="en-US" b="1" dirty="0">
+                <a:latin typeface="나눔고딕" panose="020D0604000000000000" pitchFamily="50" charset="-127"/>
+                <a:ea typeface="나눔고딕" panose="020D0604000000000000" pitchFamily="50" charset="-127"/>
+              </a:endParaRPr>
+            </a:p>
+          </p:txBody>
+        </p:sp>
+      </p:grpSp>
     </p:spTree>
     <p:extLst>
       <p:ext uri="{BB962C8B-B14F-4D97-AF65-F5344CB8AC3E}">
-        <p14:creationId xmlns:p14="http://schemas.microsoft.com/office/powerpoint/2010/main" val="2150920336"/>
+        <p14:creationId xmlns:p14="http://schemas.microsoft.com/office/powerpoint/2010/main" val="2797743240"/>
       </p:ext>
     </p:extLst>
   </p:cSld>
   <p:clrMapOvr>
     <a:masterClrMapping/>
   </p:clrMapOvr>
+  <p:transition spd="slow">
+    <p:push dir="u"/>
+  </p:transition>
   <p:timing>
     <p:tnLst>
       <p:par>
-        <p:cTn id="1" dur="indefinite" restart="never" nodeType="tmRoot">
-          <p:childTnLst>
-            <p:seq concurrent="1" nextAc="seek">
-              <p:cTn id="2" dur="indefinite" nodeType="mainSeq">
-                <p:childTnLst>
-                  <p:par>
-                    <p:cTn id="3" fill="hold">
-                      <p:stCondLst>
-                        <p:cond delay="indefinite"/>
-                        <p:cond evt="onBegin" delay="0">
-                          <p:tn val="2"/>
-                        </p:cond>
-                      </p:stCondLst>
-                      <p:childTnLst>
-                        <p:par>
-                          <p:cTn id="4" fill="hold">
-                            <p:stCondLst>
-                              <p:cond delay="0"/>
-                            </p:stCondLst>
-                            <p:childTnLst>
-                              <p:par>
-                                <p:cTn id="5" presetID="10" presetClass="entr" presetSubtype="0" fill="hold" grpId="0" nodeType="withEffect">
-                                  <p:stCondLst>
-                                    <p:cond delay="5000"/>
-                                  </p:stCondLst>
-                                  <p:childTnLst>
-                                    <p:set>
-                                      <p:cBhvr>
-                                        <p:cTn id="6" dur="1" fill="hold">
-                                          <p:stCondLst>
-                                            <p:cond delay="0"/>
-                                          </p:stCondLst>
-                                        </p:cTn>
-                                        <p:tgtEl>
-                                          <p:spTgt spid="3"/>
-                                        </p:tgtEl>
-                                        <p:attrNameLst>
-                                          <p:attrName>style.visibility</p:attrName>
-                                        </p:attrNameLst>
-                                      </p:cBhvr>
-                                      <p:to>
-                                        <p:strVal val="visible"/>
-                                      </p:to>
-                                    </p:set>
-                                    <p:animEffect transition="in" filter="fade">
-                                      <p:cBhvr>
-                                        <p:cTn id="7" dur="1000"/>
-                                        <p:tgtEl>
-                                          <p:spTgt spid="3"/>
-                                        </p:tgtEl>
-                                      </p:cBhvr>
-                                    </p:animEffect>
-                                  </p:childTnLst>
-                                </p:cTn>
-                              </p:par>
-                            </p:childTnLst>
-                          </p:cTn>
-                        </p:par>
-                      </p:childTnLst>
-                    </p:cTn>
-                  </p:par>
-                </p:childTnLst>
-              </p:cTn>
-              <p:prevCondLst>
-                <p:cond evt="onPrev" delay="0">
-                  <p:tgtEl>
-                    <p:sldTgt/>
-                  </p:tgtEl>
-                </p:cond>
-              </p:prevCondLst>
-              <p:nextCondLst>
-                <p:cond evt="onNext" delay="0">
-                  <p:tgtEl>
-                    <p:sldTgt/>
-                  </p:tgtEl>
-                </p:cond>
-              </p:nextCondLst>
-            </p:seq>
-          </p:childTnLst>
-        </p:cTn>
+        <p:cTn id="1" dur="indefinite" restart="never" nodeType="tmRoot"/>
       </p:par>
     </p:tnLst>
-    <p:bldLst>
-      <p:bldP spid="3" grpId="0"/>
-    </p:bldLst>
   </p:timing>
 </p:sld>
 </file>
 
-<file path=ppt/slides/slide2.xml><?xml version="1.0" encoding="utf-8"?>
+<file path=ppt/slides/slide11.xml><?xml version="1.0" encoding="utf-8"?>
 <p:sld xmlns:a="http://schemas.openxmlformats.org/drawingml/2006/main" xmlns:r="http://schemas.openxmlformats.org/officeDocument/2006/relationships" xmlns:p="http://schemas.openxmlformats.org/presentationml/2006/main">
   <p:cSld>
     <p:spTree>
@@ -4290,32 +3904,33 @@
       </p:grpSpPr>
       <p:sp>
         <p:nvSpPr>
-          <p:cNvPr id="2" name="제목 1"/>
-          <p:cNvSpPr>
-            <a:spLocks noGrp="1"/>
-          </p:cNvSpPr>
-          <p:nvPr>
-            <p:ph type="ctrTitle"/>
-          </p:nvPr>
-        </p:nvSpPr>
-        <p:spPr/>
-        <p:txBody>
-          <a:bodyPr>
-            <a:normAutofit/>
+          <p:cNvPr id="4" name="TextBox 3"/>
+          <p:cNvSpPr txBox="1"/>
+          <p:nvPr/>
+        </p:nvSpPr>
+        <p:spPr>
+          <a:xfrm>
+            <a:off x="4342154" y="2967335"/>
+            <a:ext cx="3507692" cy="923330"/>
+          </a:xfrm>
+          <a:prstGeom prst="rect">
+            <a:avLst/>
+          </a:prstGeom>
+          <a:noFill/>
+          <a:ln>
+            <a:noFill/>
+          </a:ln>
+        </p:spPr>
+        <p:txBody>
+          <a:bodyPr wrap="none" rtlCol="0">
+            <a:spAutoFit/>
           </a:bodyPr>
           <a:lstStyle/>
           <a:p>
-            <a:pPr>
-              <a:tabLst>
-                <a:tab pos="6011863" algn="l"/>
-              </a:tabLst>
-            </a:pPr>
-            <a:r>
-              <a:rPr lang="en-US" altLang="ko-KR" sz="8000" dirty="0" err="1" smtClean="0">
-                <a:ln w="28575">
-                  <a:solidFill>
-                    <a:srgbClr val="1CB3B4"/>
-                  </a:solidFill>
+            <a:r>
+              <a:rPr lang="ko-KR" altLang="en-US" sz="5400" b="1" smtClean="0">
+                <a:ln w="19050">
+                  <a:noFill/>
                 </a:ln>
                 <a:solidFill>
                   <a:schemeClr val="bg1"/>
@@ -4323,13 +3938,11 @@
                 <a:latin typeface="나눔스퀘어라운드 ExtraBold" panose="020B0600000101010101" pitchFamily="50" charset="-127"/>
                 <a:ea typeface="나눔스퀘어라운드 ExtraBold" panose="020B0600000101010101" pitchFamily="50" charset="-127"/>
               </a:rPr>
-              <a:t>DreamTree</a:t>
-            </a:r>
-            <a:endParaRPr lang="ko-KR" altLang="en-US" sz="7200" dirty="0">
-              <a:ln w="28575">
-                <a:solidFill>
-                  <a:srgbClr val="1CB3B4"/>
-                </a:solidFill>
+              <a:t>시연 동영상</a:t>
+            </a:r>
+            <a:endParaRPr lang="ko-KR" altLang="en-US" sz="5400" b="1" dirty="0">
+              <a:ln w="19050">
+                <a:noFill/>
               </a:ln>
               <a:solidFill>
                 <a:schemeClr val="bg1"/>
@@ -4340,254 +3953,487 @@
           </a:p>
         </p:txBody>
       </p:sp>
-      <p:sp>
-        <p:nvSpPr>
-          <p:cNvPr id="3" name="부제목 2"/>
-          <p:cNvSpPr>
-            <a:spLocks noGrp="1"/>
-          </p:cNvSpPr>
-          <p:nvPr>
-            <p:ph type="subTitle" idx="1"/>
-          </p:nvPr>
-        </p:nvSpPr>
-        <p:spPr>
-          <a:xfrm>
-            <a:off x="1524000" y="4054688"/>
-            <a:ext cx="9144000" cy="1655762"/>
-          </a:xfrm>
-        </p:spPr>
-        <p:txBody>
-          <a:bodyPr>
-            <a:normAutofit/>
-          </a:bodyPr>
-          <a:lstStyle/>
-          <a:p>
-            <a:r>
-              <a:rPr lang="ko-KR" altLang="en-US" sz="2000" b="1" dirty="0" smtClean="0">
-                <a:ln>
-                  <a:solidFill>
-                    <a:srgbClr val="1CB3B4"/>
-                  </a:solidFill>
-                </a:ln>
-                <a:latin typeface="나눔고딕 ExtraBold" panose="020D0904000000000000" pitchFamily="50" charset="-127"/>
-                <a:ea typeface="나눔고딕 ExtraBold" panose="020D0904000000000000" pitchFamily="50" charset="-127"/>
-              </a:rPr>
-              <a:t>선린 </a:t>
-            </a:r>
-            <a:r>
-              <a:rPr lang="en-US" altLang="ko-KR" sz="2000" b="1" dirty="0">
-                <a:ln>
-                  <a:solidFill>
-                    <a:srgbClr val="1CB3B4"/>
-                  </a:solidFill>
-                </a:ln>
-                <a:latin typeface="나눔고딕 ExtraBold" panose="020D0904000000000000" pitchFamily="50" charset="-127"/>
-                <a:ea typeface="나눔고딕 ExtraBold" panose="020D0904000000000000" pitchFamily="50" charset="-127"/>
-              </a:rPr>
-              <a:t>SW</a:t>
-            </a:r>
-            <a:r>
-              <a:rPr lang="ko-KR" altLang="en-US" sz="2000" b="1" dirty="0">
-                <a:ln>
-                  <a:solidFill>
-                    <a:srgbClr val="1CB3B4"/>
-                  </a:solidFill>
-                </a:ln>
-                <a:latin typeface="나눔고딕 ExtraBold" panose="020D0904000000000000" pitchFamily="50" charset="-127"/>
-                <a:ea typeface="나눔고딕 ExtraBold" panose="020D0904000000000000" pitchFamily="50" charset="-127"/>
-              </a:rPr>
-              <a:t>학급 </a:t>
-            </a:r>
-            <a:r>
-              <a:rPr lang="en-US" altLang="ko-KR" sz="2000" b="1" dirty="0">
-                <a:ln>
-                  <a:solidFill>
-                    <a:srgbClr val="1CB3B4"/>
-                  </a:solidFill>
-                </a:ln>
-                <a:latin typeface="나눔고딕 ExtraBold" panose="020D0904000000000000" pitchFamily="50" charset="-127"/>
-                <a:ea typeface="나눔고딕 ExtraBold" panose="020D0904000000000000" pitchFamily="50" charset="-127"/>
-              </a:rPr>
-              <a:t>3</a:t>
-            </a:r>
-            <a:r>
-              <a:rPr lang="ko-KR" altLang="en-US" sz="2000" b="1" dirty="0">
-                <a:ln>
-                  <a:solidFill>
-                    <a:srgbClr val="1CB3B4"/>
-                  </a:solidFill>
-                </a:ln>
-                <a:latin typeface="나눔고딕 ExtraBold" panose="020D0904000000000000" pitchFamily="50" charset="-127"/>
-                <a:ea typeface="나눔고딕 ExtraBold" panose="020D0904000000000000" pitchFamily="50" charset="-127"/>
-              </a:rPr>
-              <a:t>학년 </a:t>
-            </a:r>
-            <a:r>
-              <a:rPr lang="en-US" altLang="ko-KR" sz="2000" b="1" dirty="0">
-                <a:ln>
-                  <a:solidFill>
-                    <a:srgbClr val="1CB3B4"/>
-                  </a:solidFill>
-                </a:ln>
-                <a:latin typeface="나눔고딕 ExtraBold" panose="020D0904000000000000" pitchFamily="50" charset="-127"/>
-                <a:ea typeface="나눔고딕 ExtraBold" panose="020D0904000000000000" pitchFamily="50" charset="-127"/>
-              </a:rPr>
-              <a:t>3</a:t>
-            </a:r>
-            <a:r>
-              <a:rPr lang="ko-KR" altLang="en-US" sz="2000" b="1" dirty="0">
-                <a:ln>
-                  <a:solidFill>
-                    <a:srgbClr val="1CB3B4"/>
-                  </a:solidFill>
-                </a:ln>
-                <a:latin typeface="나눔고딕 ExtraBold" panose="020D0904000000000000" pitchFamily="50" charset="-127"/>
-                <a:ea typeface="나눔고딕 ExtraBold" panose="020D0904000000000000" pitchFamily="50" charset="-127"/>
-              </a:rPr>
-              <a:t>조</a:t>
-            </a:r>
-            <a:endParaRPr lang="en-US" altLang="ko-KR" sz="2000" b="1" dirty="0">
-              <a:ln>
-                <a:solidFill>
-                  <a:srgbClr val="1CB3B4"/>
-                </a:solidFill>
-              </a:ln>
-              <a:latin typeface="나눔고딕 ExtraBold" panose="020D0904000000000000" pitchFamily="50" charset="-127"/>
-              <a:ea typeface="나눔고딕 ExtraBold" panose="020D0904000000000000" pitchFamily="50" charset="-127"/>
-            </a:endParaRPr>
-          </a:p>
-          <a:p>
-            <a:r>
-              <a:rPr lang="ko-KR" altLang="en-US" sz="2000" b="1" dirty="0">
-                <a:ln>
-                  <a:solidFill>
-                    <a:srgbClr val="1CB3B4"/>
-                  </a:solidFill>
-                </a:ln>
-                <a:latin typeface="나눔고딕 ExtraBold" panose="020D0904000000000000" pitchFamily="50" charset="-127"/>
-                <a:ea typeface="나눔고딕 ExtraBold" panose="020D0904000000000000" pitchFamily="50" charset="-127"/>
-              </a:rPr>
-              <a:t>선민수</a:t>
-            </a:r>
-            <a:r>
-              <a:rPr lang="en-US" altLang="ko-KR" sz="2000" b="1" dirty="0">
-                <a:ln>
-                  <a:solidFill>
-                    <a:srgbClr val="1CB3B4"/>
-                  </a:solidFill>
-                </a:ln>
-                <a:latin typeface="나눔고딕 ExtraBold" panose="020D0904000000000000" pitchFamily="50" charset="-127"/>
-                <a:ea typeface="나눔고딕 ExtraBold" panose="020D0904000000000000" pitchFamily="50" charset="-127"/>
-              </a:rPr>
-              <a:t>, </a:t>
-            </a:r>
-            <a:r>
-              <a:rPr lang="ko-KR" altLang="en-US" sz="2000" b="1" dirty="0" err="1">
-                <a:ln>
-                  <a:solidFill>
-                    <a:srgbClr val="1CB3B4"/>
-                  </a:solidFill>
-                </a:ln>
-                <a:latin typeface="나눔고딕 ExtraBold" panose="020D0904000000000000" pitchFamily="50" charset="-127"/>
-                <a:ea typeface="나눔고딕 ExtraBold" panose="020D0904000000000000" pitchFamily="50" charset="-127"/>
-              </a:rPr>
-              <a:t>정찬효</a:t>
-            </a:r>
-            <a:r>
-              <a:rPr lang="en-US" altLang="ko-KR" sz="2000" b="1" dirty="0">
-                <a:ln>
-                  <a:solidFill>
-                    <a:srgbClr val="1CB3B4"/>
-                  </a:solidFill>
-                </a:ln>
-                <a:latin typeface="나눔고딕 ExtraBold" panose="020D0904000000000000" pitchFamily="50" charset="-127"/>
-                <a:ea typeface="나눔고딕 ExtraBold" panose="020D0904000000000000" pitchFamily="50" charset="-127"/>
-              </a:rPr>
-              <a:t>, </a:t>
-            </a:r>
-            <a:r>
-              <a:rPr lang="ko-KR" altLang="en-US" sz="2000" b="1" dirty="0" err="1">
-                <a:ln>
-                  <a:solidFill>
-                    <a:srgbClr val="1CB3B4"/>
-                  </a:solidFill>
-                </a:ln>
-                <a:latin typeface="나눔고딕 ExtraBold" panose="020D0904000000000000" pitchFamily="50" charset="-127"/>
-                <a:ea typeface="나눔고딕 ExtraBold" panose="020D0904000000000000" pitchFamily="50" charset="-127"/>
-              </a:rPr>
-              <a:t>한윤호</a:t>
-            </a:r>
-            <a:endParaRPr lang="ko-KR" altLang="en-US" sz="2000" b="1" dirty="0">
-              <a:ln>
-                <a:solidFill>
-                  <a:srgbClr val="1CB3B4"/>
-                </a:solidFill>
-              </a:ln>
-              <a:latin typeface="나눔고딕 ExtraBold" panose="020D0904000000000000" pitchFamily="50" charset="-127"/>
-              <a:ea typeface="나눔고딕 ExtraBold" panose="020D0904000000000000" pitchFamily="50" charset="-127"/>
-            </a:endParaRPr>
-          </a:p>
-        </p:txBody>
-      </p:sp>
-      <p:pic>
-        <p:nvPicPr>
-          <p:cNvPr id="5" name="Picture 2" descr="C:\Users\MS_House\Downloads\Document-master\DreamTree_icon.png"/>
-          <p:cNvPicPr>
-            <a:picLocks noChangeAspect="1" noChangeArrowheads="1"/>
-          </p:cNvPicPr>
-          <p:nvPr/>
-        </p:nvPicPr>
-        <p:blipFill>
-          <a:blip r:embed="rId2" cstate="print">
-            <a:extLst>
-              <a:ext uri="{28A0092B-C50C-407E-A947-70E740481C1C}">
-                <a14:useLocalDpi xmlns:a14="http://schemas.microsoft.com/office/drawing/2010/main" val="0"/>
-              </a:ext>
-            </a:extLst>
-          </a:blip>
-          <a:srcRect/>
-          <a:stretch>
-            <a:fillRect/>
-          </a:stretch>
-        </p:blipFill>
-        <p:spPr bwMode="auto">
-          <a:xfrm rot="19616581">
-            <a:off x="2884738" y="1724039"/>
-            <a:ext cx="749174" cy="740513"/>
-          </a:xfrm>
-          <a:prstGeom prst="rect">
-            <a:avLst/>
-          </a:prstGeom>
-          <a:noFill/>
-          <a:extLst>
-            <a:ext uri="{909E8E84-426E-40DD-AFC4-6F175D3DCCD1}">
-              <a14:hiddenFill xmlns:a14="http://schemas.microsoft.com/office/drawing/2010/main">
-                <a:solidFill>
-                  <a:srgbClr val="FFFFFF"/>
-                </a:solidFill>
-              </a14:hiddenFill>
-            </a:ext>
-          </a:extLst>
-        </p:spPr>
-      </p:pic>
     </p:spTree>
     <p:extLst>
       <p:ext uri="{BB962C8B-B14F-4D97-AF65-F5344CB8AC3E}">
-        <p14:creationId xmlns:p14="http://schemas.microsoft.com/office/powerpoint/2010/main" val="4108364297"/>
+        <p14:creationId xmlns:p14="http://schemas.microsoft.com/office/powerpoint/2010/main" val="1120527982"/>
       </p:ext>
     </p:extLst>
   </p:cSld>
   <p:clrMapOvr>
     <a:masterClrMapping/>
   </p:clrMapOvr>
-  <mc:AlternateContent xmlns:mc="http://schemas.openxmlformats.org/markup-compatibility/2006" xmlns:p14="http://schemas.microsoft.com/office/powerpoint/2010/main">
-    <mc:Choice Requires="p14">
-      <p:transition spd="slow" p14:dur="1500">
-        <p14:flash/>
+  <p:transition spd="slow">
+    <p:push dir="u"/>
+  </p:transition>
+  <p:timing>
+    <p:tnLst>
+      <p:par>
+        <p:cTn id="1" dur="indefinite" restart="never" nodeType="tmRoot"/>
+      </p:par>
+    </p:tnLst>
+  </p:timing>
+</p:sld>
+</file>
+
+<file path=ppt/slides/slide12.xml><?xml version="1.0" encoding="utf-8"?>
+<p:sld xmlns:a="http://schemas.openxmlformats.org/drawingml/2006/main" xmlns:r="http://schemas.openxmlformats.org/officeDocument/2006/relationships" xmlns:p="http://schemas.openxmlformats.org/presentationml/2006/main">
+  <p:cSld>
+    <p:spTree>
+      <p:nvGrpSpPr>
+        <p:cNvPr id="1" name=""/>
+        <p:cNvGrpSpPr/>
+        <p:nvPr/>
+      </p:nvGrpSpPr>
+      <p:grpSpPr>
+        <a:xfrm>
+          <a:off x="0" y="0"/>
+          <a:ext cx="0" cy="0"/>
+          <a:chOff x="0" y="0"/>
+          <a:chExt cx="0" cy="0"/>
+        </a:xfrm>
+      </p:grpSpPr>
+      <p:sp>
+        <p:nvSpPr>
+          <p:cNvPr id="2" name="제목 1"/>
+          <p:cNvSpPr>
+            <a:spLocks noGrp="1"/>
+          </p:cNvSpPr>
+          <p:nvPr>
+            <p:ph type="title"/>
+          </p:nvPr>
+        </p:nvSpPr>
+        <p:spPr>
+          <a:xfrm>
+            <a:off x="838200" y="2766219"/>
+            <a:ext cx="10515600" cy="1325563"/>
+          </a:xfrm>
+        </p:spPr>
+        <p:txBody>
+          <a:bodyPr>
+            <a:normAutofit/>
+          </a:bodyPr>
+          <a:lstStyle/>
+          <a:p>
+            <a:pPr algn="ctr"/>
+            <a:r>
+              <a:rPr lang="ko-KR" altLang="en-US" sz="5400" dirty="0">
+                <a:ln w="28575">
+                  <a:noFill/>
+                </a:ln>
+                <a:solidFill>
+                  <a:schemeClr val="bg1"/>
+                </a:solidFill>
+                <a:latin typeface="나눔스퀘어라운드 ExtraBold" panose="020B0600000101010101" pitchFamily="50" charset="-127"/>
+                <a:ea typeface="나눔스퀘어라운드 ExtraBold" panose="020B0600000101010101" pitchFamily="50" charset="-127"/>
+              </a:rPr>
+              <a:t>소감 발표</a:t>
+            </a:r>
+          </a:p>
+        </p:txBody>
+      </p:sp>
+    </p:spTree>
+    <p:extLst>
+      <p:ext uri="{BB962C8B-B14F-4D97-AF65-F5344CB8AC3E}">
+        <p14:creationId xmlns:p14="http://schemas.microsoft.com/office/powerpoint/2010/main" val="163221039"/>
+      </p:ext>
+    </p:extLst>
+  </p:cSld>
+  <p:clrMapOvr>
+    <a:masterClrMapping/>
+  </p:clrMapOvr>
+  <p:transition spd="slow">
+    <p:push dir="u"/>
+  </p:transition>
+  <p:timing>
+    <p:tnLst>
+      <p:par>
+        <p:cTn id="1" dur="indefinite" restart="never" nodeType="tmRoot"/>
+      </p:par>
+    </p:tnLst>
+  </p:timing>
+</p:sld>
+</file>
+
+<file path=ppt/slides/slide13.xml><?xml version="1.0" encoding="utf-8"?>
+<p:sld xmlns:a="http://schemas.openxmlformats.org/drawingml/2006/main" xmlns:r="http://schemas.openxmlformats.org/officeDocument/2006/relationships" xmlns:p="http://schemas.openxmlformats.org/presentationml/2006/main">
+  <p:cSld>
+    <p:spTree>
+      <p:nvGrpSpPr>
+        <p:cNvPr id="1" name=""/>
+        <p:cNvGrpSpPr/>
+        <p:nvPr/>
+      </p:nvGrpSpPr>
+      <p:grpSpPr>
+        <a:xfrm>
+          <a:off x="0" y="0"/>
+          <a:ext cx="0" cy="0"/>
+          <a:chOff x="0" y="0"/>
+          <a:chExt cx="0" cy="0"/>
+        </a:xfrm>
+      </p:grpSpPr>
+      <p:sp>
+        <p:nvSpPr>
+          <p:cNvPr id="2" name="제목 1"/>
+          <p:cNvSpPr txBox="1">
+            <a:spLocks/>
+          </p:cNvSpPr>
+          <p:nvPr/>
+        </p:nvSpPr>
+        <p:spPr>
+          <a:xfrm>
+            <a:off x="329317" y="1801461"/>
+            <a:ext cx="11533365" cy="3255078"/>
+          </a:xfrm>
+          <a:prstGeom prst="rect">
+            <a:avLst/>
+          </a:prstGeom>
+        </p:spPr>
+        <p:txBody>
+          <a:bodyPr>
+            <a:normAutofit/>
+          </a:bodyPr>
+          <a:lstStyle>
+            <a:lvl1pPr algn="l" defTabSz="914400" rtl="0" eaLnBrk="1" latinLnBrk="1" hangingPunct="1">
+              <a:lnSpc>
+                <a:spcPct val="90000"/>
+              </a:lnSpc>
+              <a:spcBef>
+                <a:spcPct val="0"/>
+              </a:spcBef>
+              <a:buNone/>
+              <a:defRPr sz="4400" kern="1200">
+                <a:solidFill>
+                  <a:schemeClr val="tx1"/>
+                </a:solidFill>
+                <a:latin typeface="+mj-lt"/>
+                <a:ea typeface="+mj-ea"/>
+                <a:cs typeface="+mj-cs"/>
+              </a:defRPr>
+            </a:lvl1pPr>
+          </a:lstStyle>
+          <a:p>
+            <a:pPr algn="ctr">
+              <a:tabLst>
+                <a:tab pos="6102350" algn="l"/>
+              </a:tabLst>
+            </a:pPr>
+            <a:r>
+              <a:rPr lang="ko-KR" altLang="en-US" sz="4800" smtClean="0">
+                <a:solidFill>
+                  <a:schemeClr val="bg1"/>
+                </a:solidFill>
+                <a:ea typeface="문체부 쓰기 정체" panose="02030609000101010101" pitchFamily="17" charset="-127"/>
+              </a:rPr>
+              <a:t>꿈을 꾸세요</a:t>
+            </a:r>
+            <a:r>
+              <a:rPr lang="en-US" altLang="ko-KR" sz="4800" smtClean="0">
+                <a:solidFill>
+                  <a:schemeClr val="bg1"/>
+                </a:solidFill>
+                <a:ea typeface="문체부 쓰기 정체" panose="02030609000101010101" pitchFamily="17" charset="-127"/>
+              </a:rPr>
+              <a:t>.</a:t>
+            </a:r>
+            <a:br>
+              <a:rPr lang="en-US" altLang="ko-KR" sz="4800" smtClean="0">
+                <a:solidFill>
+                  <a:schemeClr val="bg1"/>
+                </a:solidFill>
+                <a:ea typeface="문체부 쓰기 정체" panose="02030609000101010101" pitchFamily="17" charset="-127"/>
+              </a:rPr>
+            </a:br>
+            <a:r>
+              <a:rPr lang="ko-KR" altLang="en-US" sz="4800" smtClean="0">
+                <a:solidFill>
+                  <a:schemeClr val="bg1"/>
+                </a:solidFill>
+                <a:ea typeface="문체부 쓰기 정체" panose="02030609000101010101" pitchFamily="17" charset="-127"/>
+              </a:rPr>
+              <a:t>그러면 그 꿈이 당신을 만들 것입니다</a:t>
+            </a:r>
+            <a:r>
+              <a:rPr lang="en-US" altLang="ko-KR" sz="4800" smtClean="0">
+                <a:solidFill>
+                  <a:schemeClr val="bg1"/>
+                </a:solidFill>
+                <a:ea typeface="문체부 쓰기 정체" panose="02030609000101010101" pitchFamily="17" charset="-127"/>
+              </a:rPr>
+              <a:t/>
+            </a:r>
+            <a:br>
+              <a:rPr lang="en-US" altLang="ko-KR" sz="4800" smtClean="0">
+                <a:solidFill>
+                  <a:schemeClr val="bg1"/>
+                </a:solidFill>
+                <a:ea typeface="문체부 쓰기 정체" panose="02030609000101010101" pitchFamily="17" charset="-127"/>
+              </a:rPr>
+            </a:br>
+            <a:r>
+              <a:rPr lang="en-US" altLang="ko-KR" sz="5400" smtClean="0">
+                <a:solidFill>
+                  <a:schemeClr val="bg1"/>
+                </a:solidFill>
+                <a:ea typeface="문체부 쓰기 정체" panose="02030609000101010101" pitchFamily="17" charset="-127"/>
+              </a:rPr>
+              <a:t/>
+            </a:r>
+            <a:br>
+              <a:rPr lang="en-US" altLang="ko-KR" sz="5400" smtClean="0">
+                <a:solidFill>
+                  <a:schemeClr val="bg1"/>
+                </a:solidFill>
+                <a:ea typeface="문체부 쓰기 정체" panose="02030609000101010101" pitchFamily="17" charset="-127"/>
+              </a:rPr>
+            </a:br>
+            <a:r>
+              <a:rPr lang="en-US" altLang="ko-KR" sz="3200" smtClean="0">
+                <a:solidFill>
+                  <a:schemeClr val="bg1"/>
+                </a:solidFill>
+                <a:latin typeface="나눔손글씨 펜" panose="03040600000000000000" pitchFamily="66" charset="-127"/>
+                <a:ea typeface="나눔손글씨 펜" panose="03040600000000000000" pitchFamily="66" charset="-127"/>
+              </a:rPr>
+              <a:t>Robert J. Shiller</a:t>
+            </a:r>
+            <a:endParaRPr lang="ko-KR" altLang="en-US" sz="7200" dirty="0">
+              <a:solidFill>
+                <a:schemeClr val="bg1"/>
+              </a:solidFill>
+              <a:latin typeface="나눔손글씨 펜" panose="03040600000000000000" pitchFamily="66" charset="-127"/>
+              <a:ea typeface="나눔손글씨 펜" panose="03040600000000000000" pitchFamily="66" charset="-127"/>
+            </a:endParaRPr>
+          </a:p>
+        </p:txBody>
+      </p:sp>
+      <p:sp>
+        <p:nvSpPr>
+          <p:cNvPr id="3" name="TextBox 2">
+            <a:extLst>
+              <a:ext uri="{FF2B5EF4-FFF2-40B4-BE49-F238E27FC236}">
+                <a16:creationId xmlns:a16="http://schemas.microsoft.com/office/drawing/2014/main" xmlns="" id="{F9CDA9BF-F5E1-458A-A7B5-27021FC8A0B6}"/>
+              </a:ext>
+            </a:extLst>
+          </p:cNvPr>
+          <p:cNvSpPr txBox="1"/>
+          <p:nvPr/>
+        </p:nvSpPr>
+        <p:spPr>
+          <a:xfrm>
+            <a:off x="2105099" y="5056539"/>
+            <a:ext cx="7981800" cy="923330"/>
+          </a:xfrm>
+          <a:prstGeom prst="rect">
+            <a:avLst/>
+          </a:prstGeom>
+          <a:noFill/>
+        </p:spPr>
+        <p:txBody>
+          <a:bodyPr wrap="square" rtlCol="0">
+            <a:spAutoFit/>
+          </a:bodyPr>
+          <a:lstStyle/>
+          <a:p>
+            <a:pPr algn="ctr"/>
+            <a:r>
+              <a:rPr lang="en-US" altLang="ko-KR" sz="5400" dirty="0">
+                <a:solidFill>
+                  <a:schemeClr val="bg1"/>
+                </a:solidFill>
+                <a:latin typeface="나눔바른펜" panose="020B0503000000000000" pitchFamily="50" charset="-127"/>
+                <a:ea typeface="나눔바른펜" panose="020B0503000000000000" pitchFamily="50" charset="-127"/>
+              </a:rPr>
+              <a:t>With Dream Tree</a:t>
+            </a:r>
+            <a:endParaRPr lang="ko-KR" altLang="en-US" sz="5400" dirty="0">
+              <a:solidFill>
+                <a:schemeClr val="bg1"/>
+              </a:solidFill>
+              <a:latin typeface="나눔바른펜" panose="020B0503000000000000" pitchFamily="50" charset="-127"/>
+              <a:ea typeface="나눔바른펜" panose="020B0503000000000000" pitchFamily="50" charset="-127"/>
+            </a:endParaRPr>
+          </a:p>
+        </p:txBody>
+      </p:sp>
+    </p:spTree>
+    <p:extLst>
+      <p:ext uri="{BB962C8B-B14F-4D97-AF65-F5344CB8AC3E}">
+        <p14:creationId xmlns:p14="http://schemas.microsoft.com/office/powerpoint/2010/main" val="2150920336"/>
+      </p:ext>
+    </p:extLst>
+  </p:cSld>
+  <p:clrMapOvr>
+    <a:masterClrMapping/>
+  </p:clrMapOvr>
+  <p:transition spd="slow">
+    <p:push dir="u"/>
+  </p:transition>
+  <p:timing>
+    <p:tnLst>
+      <p:par>
+        <p:cTn id="1" dur="indefinite" restart="never" nodeType="tmRoot"/>
+      </p:par>
+    </p:tnLst>
+  </p:timing>
+</p:sld>
+</file>
+
+<file path=ppt/slides/slide2.xml><?xml version="1.0" encoding="utf-8"?>
+<p:sld xmlns:a="http://schemas.openxmlformats.org/drawingml/2006/main" xmlns:r="http://schemas.openxmlformats.org/officeDocument/2006/relationships" xmlns:p="http://schemas.openxmlformats.org/presentationml/2006/main">
+  <p:cSld>
+    <p:bg>
+      <p:bgPr>
+        <a:solidFill>
+          <a:schemeClr val="tx1"/>
+        </a:solidFill>
+        <a:effectLst/>
+      </p:bgPr>
+    </p:bg>
+    <p:spTree>
+      <p:nvGrpSpPr>
+        <p:cNvPr id="1" name=""/>
+        <p:cNvGrpSpPr/>
+        <p:nvPr/>
+      </p:nvGrpSpPr>
+      <p:grpSpPr>
+        <a:xfrm>
+          <a:off x="0" y="0"/>
+          <a:ext cx="0" cy="0"/>
+          <a:chOff x="0" y="0"/>
+          <a:chExt cx="0" cy="0"/>
+        </a:xfrm>
+      </p:grpSpPr>
+      <p:sp>
+        <p:nvSpPr>
+          <p:cNvPr id="4" name="TextBox 3"/>
+          <p:cNvSpPr txBox="1"/>
+          <p:nvPr/>
+        </p:nvSpPr>
+        <p:spPr>
+          <a:xfrm>
+            <a:off x="2131693" y="1892380"/>
+            <a:ext cx="1482091" cy="1233012"/>
+          </a:xfrm>
+          <a:prstGeom prst="rect">
+            <a:avLst/>
+          </a:prstGeom>
+          <a:noFill/>
+        </p:spPr>
+        <p:txBody>
+          <a:bodyPr wrap="square" rtlCol="0">
+            <a:noAutofit/>
+          </a:bodyPr>
+          <a:lstStyle/>
+          <a:p>
+            <a:r>
+              <a:rPr lang="en-US" altLang="ko-KR" sz="8800" dirty="0" smtClean="0">
+                <a:solidFill>
+                  <a:schemeClr val="bg1"/>
+                </a:solidFill>
+                <a:latin typeface="HY견고딕" panose="02030600000101010101" pitchFamily="18" charset="-127"/>
+                <a:ea typeface="HY견고딕" panose="02030600000101010101" pitchFamily="18" charset="-127"/>
+              </a:rPr>
+              <a:t>“</a:t>
+            </a:r>
+          </a:p>
+        </p:txBody>
+      </p:sp>
+      <p:sp>
+        <p:nvSpPr>
+          <p:cNvPr id="2" name="TextBox 1"/>
+          <p:cNvSpPr txBox="1"/>
+          <p:nvPr/>
+        </p:nvSpPr>
+        <p:spPr>
+          <a:xfrm>
+            <a:off x="5614035" y="2841070"/>
+            <a:ext cx="1120140" cy="1200329"/>
+          </a:xfrm>
+          <a:prstGeom prst="rect">
+            <a:avLst/>
+          </a:prstGeom>
+          <a:noFill/>
+        </p:spPr>
+        <p:txBody>
+          <a:bodyPr wrap="square" rtlCol="0">
+            <a:spAutoFit/>
+          </a:bodyPr>
+          <a:lstStyle/>
+          <a:p>
+            <a:r>
+              <a:rPr lang="ko-KR" altLang="en-US" sz="7200" dirty="0" smtClean="0">
+                <a:solidFill>
+                  <a:schemeClr val="bg1"/>
+                </a:solidFill>
+                <a:latin typeface="나눔고딕 Light" panose="020D0904000000000000" pitchFamily="50" charset="-127"/>
+                <a:ea typeface="나눔고딕 Light" panose="020D0904000000000000" pitchFamily="50" charset="-127"/>
+              </a:rPr>
+              <a:t>꿈</a:t>
+            </a:r>
+            <a:endParaRPr lang="en-US" altLang="ko-KR" sz="7200" dirty="0" smtClean="0">
+              <a:solidFill>
+                <a:schemeClr val="bg1"/>
+              </a:solidFill>
+              <a:latin typeface="나눔고딕 Light" panose="020D0904000000000000" pitchFamily="50" charset="-127"/>
+              <a:ea typeface="나눔고딕 Light" panose="020D0904000000000000" pitchFamily="50" charset="-127"/>
+            </a:endParaRPr>
+          </a:p>
+        </p:txBody>
+      </p:sp>
+      <p:sp>
+        <p:nvSpPr>
+          <p:cNvPr id="8" name="직사각형 7"/>
+          <p:cNvSpPr/>
+          <p:nvPr/>
+        </p:nvSpPr>
+        <p:spPr>
+          <a:xfrm>
+            <a:off x="9004300" y="4028333"/>
+            <a:ext cx="1313180" cy="1446550"/>
+          </a:xfrm>
+          <a:prstGeom prst="rect">
+            <a:avLst/>
+          </a:prstGeom>
+        </p:spPr>
+        <p:txBody>
+          <a:bodyPr wrap="none">
+            <a:spAutoFit/>
+          </a:bodyPr>
+          <a:lstStyle/>
+          <a:p>
+            <a:r>
+              <a:rPr lang="en-US" altLang="ko-KR" sz="8800" dirty="0">
+                <a:solidFill>
+                  <a:prstClr val="white"/>
+                </a:solidFill>
+                <a:latin typeface="HY견고딕" panose="02030600000101010101" pitchFamily="18" charset="-127"/>
+                <a:ea typeface="HY견고딕" panose="02030600000101010101" pitchFamily="18" charset="-127"/>
+              </a:rPr>
+              <a:t>”</a:t>
+            </a:r>
+            <a:endParaRPr lang="ko-KR" altLang="en-US" dirty="0"/>
+          </a:p>
+        </p:txBody>
+      </p:sp>
+    </p:spTree>
+    <p:extLst>
+      <p:ext uri="{BB962C8B-B14F-4D97-AF65-F5344CB8AC3E}">
+        <p14:creationId xmlns:p14="http://schemas.microsoft.com/office/powerpoint/2010/main" val="620503310"/>
+      </p:ext>
+    </p:extLst>
+  </p:cSld>
+  <p:clrMapOvr>
+    <a:masterClrMapping/>
+  </p:clrMapOvr>
+  <mc:AlternateContent xmlns:mc="http://schemas.openxmlformats.org/markup-compatibility/2006">
+    <mc:Choice xmlns:p14="http://schemas.microsoft.com/office/powerpoint/2010/main" Requires="p14">
+      <p:transition spd="med" p14:dur="700">
+        <p:fade/>
       </p:transition>
     </mc:Choice>
-    <mc:Fallback xmlns="">
-      <p:transition spd="slow">
+    <mc:Fallback>
+      <p:transition spd="med">
         <p:fade/>
       </p:transition>
     </mc:Fallback>
@@ -4605,6 +4451,14 @@
 <file path=ppt/slides/slide3.xml><?xml version="1.0" encoding="utf-8"?>
 <p:sld xmlns:a="http://schemas.openxmlformats.org/drawingml/2006/main" xmlns:r="http://schemas.openxmlformats.org/officeDocument/2006/relationships" xmlns:p="http://schemas.openxmlformats.org/presentationml/2006/main">
   <p:cSld>
+    <p:bg>
+      <p:bgPr>
+        <a:solidFill>
+          <a:schemeClr val="tx1"/>
+        </a:solidFill>
+        <a:effectLst/>
+      </p:bgPr>
+    </p:bg>
     <p:spTree>
       <p:nvGrpSpPr>
         <p:cNvPr id="1" name=""/>
@@ -4627,45 +4481,110 @@
         </p:nvSpPr>
         <p:spPr>
           <a:xfrm>
-            <a:off x="4657145" y="2967335"/>
-            <a:ext cx="2877711" cy="923330"/>
+            <a:off x="2131693" y="1892380"/>
+            <a:ext cx="1482091" cy="1233012"/>
           </a:xfrm>
           <a:prstGeom prst="rect">
             <a:avLst/>
           </a:prstGeom>
           <a:noFill/>
-          <a:ln>
-            <a:noFill/>
-          </a:ln>
         </p:spPr>
         <p:txBody>
-          <a:bodyPr wrap="none" rtlCol="0">
+          <a:bodyPr wrap="square" rtlCol="0">
+            <a:noAutofit/>
+          </a:bodyPr>
+          <a:lstStyle/>
+          <a:p>
+            <a:r>
+              <a:rPr lang="en-US" altLang="ko-KR" sz="8800" dirty="0" smtClean="0">
+                <a:solidFill>
+                  <a:prstClr val="white"/>
+                </a:solidFill>
+                <a:latin typeface="HY견고딕" panose="02030600000101010101" pitchFamily="18" charset="-127"/>
+                <a:ea typeface="HY견고딕" panose="02030600000101010101" pitchFamily="18" charset="-127"/>
+              </a:rPr>
+              <a:t>“</a:t>
+            </a:r>
+          </a:p>
+        </p:txBody>
+      </p:sp>
+      <p:sp>
+        <p:nvSpPr>
+          <p:cNvPr id="2" name="TextBox 1"/>
+          <p:cNvSpPr txBox="1"/>
+          <p:nvPr/>
+        </p:nvSpPr>
+        <p:spPr>
+          <a:xfrm>
+            <a:off x="3214370" y="3176261"/>
+            <a:ext cx="6115050" cy="646331"/>
+          </a:xfrm>
+          <a:prstGeom prst="rect">
+            <a:avLst/>
+          </a:prstGeom>
+          <a:noFill/>
+        </p:spPr>
+        <p:txBody>
+          <a:bodyPr wrap="square" rtlCol="0">
             <a:spAutoFit/>
           </a:bodyPr>
           <a:lstStyle/>
           <a:p>
             <a:r>
-              <a:rPr lang="ko-KR" altLang="en-US" sz="5400" b="1" dirty="0" smtClean="0">
-                <a:ln w="19050">
-                  <a:noFill/>
-                </a:ln>
+              <a:rPr lang="ko-KR" altLang="en-US" sz="3600" dirty="0" smtClean="0">
                 <a:solidFill>
-                  <a:schemeClr val="bg1"/>
+                  <a:prstClr val="white"/>
                 </a:solidFill>
-                <a:latin typeface="나눔스퀘어라운드 ExtraBold" panose="020B0600000101010101" pitchFamily="50" charset="-127"/>
-                <a:ea typeface="나눔스퀘어라운드 ExtraBold" panose="020B0600000101010101" pitchFamily="50" charset="-127"/>
+                <a:latin typeface="나눔고딕 Light" panose="020D0904000000000000" pitchFamily="50" charset="-127"/>
+                <a:ea typeface="나눔고딕 Light" panose="020D0904000000000000" pitchFamily="50" charset="-127"/>
               </a:rPr>
-              <a:t>제작 동기</a:t>
-            </a:r>
-            <a:endParaRPr lang="ko-KR" altLang="en-US" sz="5400" b="1" dirty="0">
-              <a:ln w="19050">
-                <a:noFill/>
-              </a:ln>
+              <a:t>나는 지금 무엇을 해야 하나요</a:t>
+            </a:r>
+            <a:endParaRPr lang="en-US" altLang="ko-KR" sz="3600" dirty="0" smtClean="0">
               <a:solidFill>
-                <a:schemeClr val="bg1"/>
+                <a:prstClr val="white"/>
               </a:solidFill>
-              <a:latin typeface="나눔스퀘어라운드 ExtraBold" panose="020B0600000101010101" pitchFamily="50" charset="-127"/>
-              <a:ea typeface="나눔스퀘어라운드 ExtraBold" panose="020B0600000101010101" pitchFamily="50" charset="-127"/>
+              <a:latin typeface="나눔고딕 Light" panose="020D0904000000000000" pitchFamily="50" charset="-127"/>
+              <a:ea typeface="나눔고딕 Light" panose="020D0904000000000000" pitchFamily="50" charset="-127"/>
+            </a:endParaRPr>
+          </a:p>
+        </p:txBody>
+      </p:sp>
+      <p:sp>
+        <p:nvSpPr>
+          <p:cNvPr id="8" name="직사각형 7"/>
+          <p:cNvSpPr/>
+          <p:nvPr/>
+        </p:nvSpPr>
+        <p:spPr>
+          <a:xfrm>
+            <a:off x="9004300" y="4028333"/>
+            <a:ext cx="1313180" cy="1446550"/>
+          </a:xfrm>
+          <a:prstGeom prst="rect">
+            <a:avLst/>
+          </a:prstGeom>
+        </p:spPr>
+        <p:txBody>
+          <a:bodyPr wrap="none">
+            <a:spAutoFit/>
+          </a:bodyPr>
+          <a:lstStyle/>
+          <a:p>
+            <a:r>
+              <a:rPr lang="en-US" altLang="ko-KR" sz="8800" dirty="0">
+                <a:solidFill>
+                  <a:prstClr val="white"/>
+                </a:solidFill>
+                <a:latin typeface="HY견고딕" panose="02030600000101010101" pitchFamily="18" charset="-127"/>
+                <a:ea typeface="HY견고딕" panose="02030600000101010101" pitchFamily="18" charset="-127"/>
+              </a:rPr>
+              <a:t>”</a:t>
+            </a:r>
+            <a:endParaRPr lang="ko-KR" altLang="en-US" dirty="0">
+              <a:solidFill>
+                <a:prstClr val="black"/>
+              </a:solidFill>
             </a:endParaRPr>
           </a:p>
         </p:txBody>
@@ -4673,16 +4592,25 @@
     </p:spTree>
     <p:extLst>
       <p:ext uri="{BB962C8B-B14F-4D97-AF65-F5344CB8AC3E}">
-        <p14:creationId xmlns:p14="http://schemas.microsoft.com/office/powerpoint/2010/main" val="402478993"/>
+        <p14:creationId xmlns:p14="http://schemas.microsoft.com/office/powerpoint/2010/main" val="1702734725"/>
       </p:ext>
     </p:extLst>
   </p:cSld>
   <p:clrMapOvr>
     <a:masterClrMapping/>
   </p:clrMapOvr>
-  <p:transition spd="slow">
-    <p:pull dir="lu"/>
-  </p:transition>
+  <mc:AlternateContent xmlns:mc="http://schemas.openxmlformats.org/markup-compatibility/2006">
+    <mc:Choice xmlns:p14="http://schemas.microsoft.com/office/powerpoint/2010/main" Requires="p14">
+      <p:transition spd="med" p14:dur="700">
+        <p:fade/>
+      </p:transition>
+    </mc:Choice>
+    <mc:Fallback>
+      <p:transition spd="med">
+        <p:fade/>
+      </p:transition>
+    </mc:Fallback>
+  </mc:AlternateContent>
   <p:timing>
     <p:tnLst>
       <p:par>
@@ -4710,6 +4638,666 @@
           <a:chExt cx="0" cy="0"/>
         </a:xfrm>
       </p:grpSpPr>
+    </p:spTree>
+    <p:extLst>
+      <p:ext uri="{BB962C8B-B14F-4D97-AF65-F5344CB8AC3E}">
+        <p14:creationId xmlns:p14="http://schemas.microsoft.com/office/powerpoint/2010/main" val="1735497036"/>
+      </p:ext>
+    </p:extLst>
+  </p:cSld>
+  <p:clrMapOvr>
+    <a:masterClrMapping/>
+  </p:clrMapOvr>
+  <mc:AlternateContent xmlns:mc="http://schemas.openxmlformats.org/markup-compatibility/2006">
+    <mc:Choice xmlns:p14="http://schemas.microsoft.com/office/powerpoint/2010/main" Requires="p14">
+      <p:transition spd="med" p14:dur="700">
+        <p:fade/>
+      </p:transition>
+    </mc:Choice>
+    <mc:Fallback>
+      <p:transition spd="med">
+        <p:fade/>
+      </p:transition>
+    </mc:Fallback>
+  </mc:AlternateContent>
+  <p:timing>
+    <p:tnLst>
+      <p:par>
+        <p:cTn id="1" dur="indefinite" restart="never" nodeType="tmRoot"/>
+      </p:par>
+    </p:tnLst>
+  </p:timing>
+</p:sld>
+</file>
+
+<file path=ppt/slides/slide5.xml><?xml version="1.0" encoding="utf-8"?>
+<p:sld xmlns:a="http://schemas.openxmlformats.org/drawingml/2006/main" xmlns:r="http://schemas.openxmlformats.org/officeDocument/2006/relationships" xmlns:p="http://schemas.openxmlformats.org/presentationml/2006/main">
+  <p:cSld>
+    <p:spTree>
+      <p:nvGrpSpPr>
+        <p:cNvPr id="1" name=""/>
+        <p:cNvGrpSpPr/>
+        <p:nvPr/>
+      </p:nvGrpSpPr>
+      <p:grpSpPr>
+        <a:xfrm>
+          <a:off x="0" y="0"/>
+          <a:ext cx="0" cy="0"/>
+          <a:chOff x="0" y="0"/>
+          <a:chExt cx="0" cy="0"/>
+        </a:xfrm>
+      </p:grpSpPr>
+      <p:sp>
+        <p:nvSpPr>
+          <p:cNvPr id="2" name="제목 1"/>
+          <p:cNvSpPr>
+            <a:spLocks noGrp="1"/>
+          </p:cNvSpPr>
+          <p:nvPr>
+            <p:ph type="ctrTitle"/>
+          </p:nvPr>
+        </p:nvSpPr>
+        <p:spPr>
+          <a:xfrm>
+            <a:off x="1636265" y="3577590"/>
+            <a:ext cx="9144000" cy="1433374"/>
+          </a:xfrm>
+        </p:spPr>
+        <p:txBody>
+          <a:bodyPr>
+            <a:normAutofit/>
+          </a:bodyPr>
+          <a:lstStyle/>
+          <a:p>
+            <a:pPr>
+              <a:tabLst>
+                <a:tab pos="6011863" algn="l"/>
+              </a:tabLst>
+            </a:pPr>
+            <a:r>
+              <a:rPr lang="en-US" altLang="ko-KR" sz="8000" dirty="0" err="1" smtClean="0">
+                <a:ln w="28575">
+                  <a:noFill/>
+                </a:ln>
+                <a:solidFill>
+                  <a:schemeClr val="bg1"/>
+                </a:solidFill>
+                <a:latin typeface="나눔스퀘어라운드 ExtraBold" panose="020B0600000101010101" pitchFamily="50" charset="-127"/>
+                <a:ea typeface="나눔스퀘어라운드 ExtraBold" panose="020B0600000101010101" pitchFamily="50" charset="-127"/>
+              </a:rPr>
+              <a:t>DreamTree</a:t>
+            </a:r>
+            <a:endParaRPr lang="ko-KR" altLang="en-US" sz="7200" dirty="0">
+              <a:ln w="28575">
+                <a:noFill/>
+              </a:ln>
+              <a:solidFill>
+                <a:schemeClr val="bg1"/>
+              </a:solidFill>
+              <a:latin typeface="나눔스퀘어라운드 ExtraBold" panose="020B0600000101010101" pitchFamily="50" charset="-127"/>
+              <a:ea typeface="나눔스퀘어라운드 ExtraBold" panose="020B0600000101010101" pitchFamily="50" charset="-127"/>
+            </a:endParaRPr>
+          </a:p>
+        </p:txBody>
+      </p:sp>
+      <p:sp>
+        <p:nvSpPr>
+          <p:cNvPr id="3" name="부제목 2"/>
+          <p:cNvSpPr>
+            <a:spLocks noGrp="1"/>
+          </p:cNvSpPr>
+          <p:nvPr>
+            <p:ph type="subTitle" idx="1"/>
+          </p:nvPr>
+        </p:nvSpPr>
+        <p:spPr>
+          <a:xfrm>
+            <a:off x="1556255" y="5453698"/>
+            <a:ext cx="9144000" cy="992822"/>
+          </a:xfrm>
+        </p:spPr>
+        <p:txBody>
+          <a:bodyPr>
+            <a:normAutofit/>
+          </a:bodyPr>
+          <a:lstStyle/>
+          <a:p>
+            <a:r>
+              <a:rPr lang="ko-KR" altLang="en-US" sz="2000" dirty="0" smtClean="0">
+                <a:solidFill>
+                  <a:schemeClr val="bg1"/>
+                </a:solidFill>
+                <a:latin typeface="나눔스퀘어 Light" panose="020B0600000101010101" pitchFamily="50" charset="-127"/>
+                <a:ea typeface="나눔스퀘어 Light" panose="020B0600000101010101" pitchFamily="50" charset="-127"/>
+              </a:rPr>
+              <a:t>선린 </a:t>
+            </a:r>
+            <a:r>
+              <a:rPr lang="en-US" altLang="ko-KR" sz="2000" dirty="0">
+                <a:solidFill>
+                  <a:schemeClr val="bg1"/>
+                </a:solidFill>
+                <a:latin typeface="나눔스퀘어 Light" panose="020B0600000101010101" pitchFamily="50" charset="-127"/>
+                <a:ea typeface="나눔스퀘어 Light" panose="020B0600000101010101" pitchFamily="50" charset="-127"/>
+              </a:rPr>
+              <a:t>SW</a:t>
+            </a:r>
+            <a:r>
+              <a:rPr lang="ko-KR" altLang="en-US" sz="2000" dirty="0">
+                <a:solidFill>
+                  <a:schemeClr val="bg1"/>
+                </a:solidFill>
+                <a:latin typeface="나눔스퀘어 Light" panose="020B0600000101010101" pitchFamily="50" charset="-127"/>
+                <a:ea typeface="나눔스퀘어 Light" panose="020B0600000101010101" pitchFamily="50" charset="-127"/>
+              </a:rPr>
+              <a:t>학급 </a:t>
+            </a:r>
+            <a:r>
+              <a:rPr lang="en-US" altLang="ko-KR" sz="2000" dirty="0">
+                <a:solidFill>
+                  <a:schemeClr val="bg1"/>
+                </a:solidFill>
+                <a:latin typeface="나눔스퀘어 Light" panose="020B0600000101010101" pitchFamily="50" charset="-127"/>
+                <a:ea typeface="나눔스퀘어 Light" panose="020B0600000101010101" pitchFamily="50" charset="-127"/>
+              </a:rPr>
+              <a:t>3</a:t>
+            </a:r>
+            <a:r>
+              <a:rPr lang="ko-KR" altLang="en-US" sz="2000" dirty="0">
+                <a:solidFill>
+                  <a:schemeClr val="bg1"/>
+                </a:solidFill>
+                <a:latin typeface="나눔스퀘어 Light" panose="020B0600000101010101" pitchFamily="50" charset="-127"/>
+                <a:ea typeface="나눔스퀘어 Light" panose="020B0600000101010101" pitchFamily="50" charset="-127"/>
+              </a:rPr>
+              <a:t>학년 </a:t>
+            </a:r>
+            <a:r>
+              <a:rPr lang="en-US" altLang="ko-KR" sz="2000" dirty="0">
+                <a:solidFill>
+                  <a:schemeClr val="bg1"/>
+                </a:solidFill>
+                <a:latin typeface="나눔스퀘어 Light" panose="020B0600000101010101" pitchFamily="50" charset="-127"/>
+                <a:ea typeface="나눔스퀘어 Light" panose="020B0600000101010101" pitchFamily="50" charset="-127"/>
+              </a:rPr>
+              <a:t>3</a:t>
+            </a:r>
+            <a:r>
+              <a:rPr lang="ko-KR" altLang="en-US" sz="2000" dirty="0">
+                <a:solidFill>
+                  <a:schemeClr val="bg1"/>
+                </a:solidFill>
+                <a:latin typeface="나눔스퀘어 Light" panose="020B0600000101010101" pitchFamily="50" charset="-127"/>
+                <a:ea typeface="나눔스퀘어 Light" panose="020B0600000101010101" pitchFamily="50" charset="-127"/>
+              </a:rPr>
+              <a:t>조</a:t>
+            </a:r>
+            <a:endParaRPr lang="en-US" altLang="ko-KR" sz="2000" dirty="0">
+              <a:solidFill>
+                <a:schemeClr val="bg1"/>
+              </a:solidFill>
+              <a:latin typeface="나눔스퀘어 Light" panose="020B0600000101010101" pitchFamily="50" charset="-127"/>
+              <a:ea typeface="나눔스퀘어 Light" panose="020B0600000101010101" pitchFamily="50" charset="-127"/>
+            </a:endParaRPr>
+          </a:p>
+          <a:p>
+            <a:r>
+              <a:rPr lang="ko-KR" altLang="en-US" sz="2000" dirty="0">
+                <a:solidFill>
+                  <a:schemeClr val="bg1"/>
+                </a:solidFill>
+                <a:latin typeface="나눔스퀘어 Light" panose="020B0600000101010101" pitchFamily="50" charset="-127"/>
+                <a:ea typeface="나눔스퀘어 Light" panose="020B0600000101010101" pitchFamily="50" charset="-127"/>
+              </a:rPr>
+              <a:t>선민수</a:t>
+            </a:r>
+            <a:r>
+              <a:rPr lang="en-US" altLang="ko-KR" sz="2000" dirty="0">
+                <a:solidFill>
+                  <a:schemeClr val="bg1"/>
+                </a:solidFill>
+                <a:latin typeface="나눔스퀘어 Light" panose="020B0600000101010101" pitchFamily="50" charset="-127"/>
+                <a:ea typeface="나눔스퀘어 Light" panose="020B0600000101010101" pitchFamily="50" charset="-127"/>
+              </a:rPr>
+              <a:t>, </a:t>
+            </a:r>
+            <a:r>
+              <a:rPr lang="ko-KR" altLang="en-US" sz="2000" dirty="0" err="1">
+                <a:solidFill>
+                  <a:schemeClr val="bg1"/>
+                </a:solidFill>
+                <a:latin typeface="나눔스퀘어 Light" panose="020B0600000101010101" pitchFamily="50" charset="-127"/>
+                <a:ea typeface="나눔스퀘어 Light" panose="020B0600000101010101" pitchFamily="50" charset="-127"/>
+              </a:rPr>
+              <a:t>정찬효</a:t>
+            </a:r>
+            <a:r>
+              <a:rPr lang="en-US" altLang="ko-KR" sz="2000" dirty="0">
+                <a:solidFill>
+                  <a:schemeClr val="bg1"/>
+                </a:solidFill>
+                <a:latin typeface="나눔스퀘어 Light" panose="020B0600000101010101" pitchFamily="50" charset="-127"/>
+                <a:ea typeface="나눔스퀘어 Light" panose="020B0600000101010101" pitchFamily="50" charset="-127"/>
+              </a:rPr>
+              <a:t>, </a:t>
+            </a:r>
+            <a:r>
+              <a:rPr lang="ko-KR" altLang="en-US" sz="2000" dirty="0" err="1">
+                <a:solidFill>
+                  <a:schemeClr val="bg1"/>
+                </a:solidFill>
+                <a:latin typeface="나눔스퀘어 Light" panose="020B0600000101010101" pitchFamily="50" charset="-127"/>
+                <a:ea typeface="나눔스퀘어 Light" panose="020B0600000101010101" pitchFamily="50" charset="-127"/>
+              </a:rPr>
+              <a:t>한윤호</a:t>
+            </a:r>
+            <a:endParaRPr lang="ko-KR" altLang="en-US" sz="2000" dirty="0">
+              <a:solidFill>
+                <a:schemeClr val="bg1"/>
+              </a:solidFill>
+              <a:latin typeface="나눔스퀘어 Light" panose="020B0600000101010101" pitchFamily="50" charset="-127"/>
+              <a:ea typeface="나눔스퀘어 Light" panose="020B0600000101010101" pitchFamily="50" charset="-127"/>
+            </a:endParaRPr>
+          </a:p>
+        </p:txBody>
+      </p:sp>
+      <p:pic>
+        <p:nvPicPr>
+          <p:cNvPr id="5" name="Picture 2" descr="C:\Users\MS_House\Downloads\Document-master\DreamTree_icon.png"/>
+          <p:cNvPicPr>
+            <a:picLocks noChangeAspect="1" noChangeArrowheads="1"/>
+          </p:cNvPicPr>
+          <p:nvPr/>
+        </p:nvPicPr>
+        <p:blipFill>
+          <a:blip r:embed="rId2" cstate="print">
+            <a:extLst>
+              <a:ext uri="{28A0092B-C50C-407E-A947-70E740481C1C}">
+                <a14:useLocalDpi xmlns:a14="http://schemas.microsoft.com/office/drawing/2010/main" val="0"/>
+              </a:ext>
+            </a:extLst>
+          </a:blip>
+          <a:srcRect/>
+          <a:stretch>
+            <a:fillRect/>
+          </a:stretch>
+        </p:blipFill>
+        <p:spPr bwMode="auto">
+          <a:xfrm>
+            <a:off x="5040630" y="965383"/>
+            <a:ext cx="2175250" cy="2150103"/>
+          </a:xfrm>
+          <a:prstGeom prst="rect">
+            <a:avLst/>
+          </a:prstGeom>
+          <a:noFill/>
+          <a:extLst>
+            <a:ext uri="{909E8E84-426E-40DD-AFC4-6F175D3DCCD1}">
+              <a14:hiddenFill xmlns:a14="http://schemas.microsoft.com/office/drawing/2010/main">
+                <a:solidFill>
+                  <a:srgbClr val="FFFFFF"/>
+                </a:solidFill>
+              </a14:hiddenFill>
+            </a:ext>
+          </a:extLst>
+        </p:spPr>
+      </p:pic>
+      <p:sp>
+        <p:nvSpPr>
+          <p:cNvPr id="6" name="부제목 2"/>
+          <p:cNvSpPr txBox="1">
+            <a:spLocks/>
+          </p:cNvSpPr>
+          <p:nvPr/>
+        </p:nvSpPr>
+        <p:spPr>
+          <a:xfrm>
+            <a:off x="4282050" y="3446782"/>
+            <a:ext cx="3768090" cy="496411"/>
+          </a:xfrm>
+          <a:prstGeom prst="rect">
+            <a:avLst/>
+          </a:prstGeom>
+        </p:spPr>
+        <p:txBody>
+          <a:bodyPr vert="horz" lIns="91440" tIns="45720" rIns="91440" bIns="45720" rtlCol="0">
+            <a:normAutofit/>
+          </a:bodyPr>
+          <a:lstStyle>
+            <a:lvl1pPr marL="0" indent="0" algn="ctr" defTabSz="914400" rtl="0" eaLnBrk="1" latinLnBrk="1" hangingPunct="1">
+              <a:lnSpc>
+                <a:spcPct val="90000"/>
+              </a:lnSpc>
+              <a:spcBef>
+                <a:spcPts val="1000"/>
+              </a:spcBef>
+              <a:buFont typeface="Arial" panose="020B0604020202020204" pitchFamily="34" charset="0"/>
+              <a:buNone/>
+              <a:defRPr sz="2400" kern="1200">
+                <a:solidFill>
+                  <a:schemeClr val="tx1"/>
+                </a:solidFill>
+                <a:latin typeface="+mn-lt"/>
+                <a:ea typeface="+mn-ea"/>
+                <a:cs typeface="+mn-cs"/>
+              </a:defRPr>
+            </a:lvl1pPr>
+            <a:lvl2pPr marL="457200" indent="0" algn="ctr" defTabSz="914400" rtl="0" eaLnBrk="1" latinLnBrk="1" hangingPunct="1">
+              <a:lnSpc>
+                <a:spcPct val="90000"/>
+              </a:lnSpc>
+              <a:spcBef>
+                <a:spcPts val="500"/>
+              </a:spcBef>
+              <a:buFont typeface="Arial" panose="020B0604020202020204" pitchFamily="34" charset="0"/>
+              <a:buNone/>
+              <a:defRPr sz="2000" kern="1200">
+                <a:solidFill>
+                  <a:schemeClr val="tx1"/>
+                </a:solidFill>
+                <a:latin typeface="+mn-lt"/>
+                <a:ea typeface="+mn-ea"/>
+                <a:cs typeface="+mn-cs"/>
+              </a:defRPr>
+            </a:lvl2pPr>
+            <a:lvl3pPr marL="914400" indent="0" algn="ctr" defTabSz="914400" rtl="0" eaLnBrk="1" latinLnBrk="1" hangingPunct="1">
+              <a:lnSpc>
+                <a:spcPct val="90000"/>
+              </a:lnSpc>
+              <a:spcBef>
+                <a:spcPts val="500"/>
+              </a:spcBef>
+              <a:buFont typeface="Arial" panose="020B0604020202020204" pitchFamily="34" charset="0"/>
+              <a:buNone/>
+              <a:defRPr sz="1800" kern="1200">
+                <a:solidFill>
+                  <a:schemeClr val="tx1"/>
+                </a:solidFill>
+                <a:latin typeface="+mn-lt"/>
+                <a:ea typeface="+mn-ea"/>
+                <a:cs typeface="+mn-cs"/>
+              </a:defRPr>
+            </a:lvl3pPr>
+            <a:lvl4pPr marL="1371600" indent="0" algn="ctr" defTabSz="914400" rtl="0" eaLnBrk="1" latinLnBrk="1" hangingPunct="1">
+              <a:lnSpc>
+                <a:spcPct val="90000"/>
+              </a:lnSpc>
+              <a:spcBef>
+                <a:spcPts val="500"/>
+              </a:spcBef>
+              <a:buFont typeface="Arial" panose="020B0604020202020204" pitchFamily="34" charset="0"/>
+              <a:buNone/>
+              <a:defRPr sz="1600" kern="1200">
+                <a:solidFill>
+                  <a:schemeClr val="tx1"/>
+                </a:solidFill>
+                <a:latin typeface="+mn-lt"/>
+                <a:ea typeface="+mn-ea"/>
+                <a:cs typeface="+mn-cs"/>
+              </a:defRPr>
+            </a:lvl4pPr>
+            <a:lvl5pPr marL="1828800" indent="0" algn="ctr" defTabSz="914400" rtl="0" eaLnBrk="1" latinLnBrk="1" hangingPunct="1">
+              <a:lnSpc>
+                <a:spcPct val="90000"/>
+              </a:lnSpc>
+              <a:spcBef>
+                <a:spcPts val="500"/>
+              </a:spcBef>
+              <a:buFont typeface="Arial" panose="020B0604020202020204" pitchFamily="34" charset="0"/>
+              <a:buNone/>
+              <a:defRPr sz="1600" kern="1200">
+                <a:solidFill>
+                  <a:schemeClr val="tx1"/>
+                </a:solidFill>
+                <a:latin typeface="+mn-lt"/>
+                <a:ea typeface="+mn-ea"/>
+                <a:cs typeface="+mn-cs"/>
+              </a:defRPr>
+            </a:lvl5pPr>
+            <a:lvl6pPr marL="2286000" indent="0" algn="ctr" defTabSz="914400" rtl="0" eaLnBrk="1" latinLnBrk="1" hangingPunct="1">
+              <a:lnSpc>
+                <a:spcPct val="90000"/>
+              </a:lnSpc>
+              <a:spcBef>
+                <a:spcPts val="500"/>
+              </a:spcBef>
+              <a:buFont typeface="Arial" panose="020B0604020202020204" pitchFamily="34" charset="0"/>
+              <a:buNone/>
+              <a:defRPr sz="1600" kern="1200">
+                <a:solidFill>
+                  <a:schemeClr val="tx1"/>
+                </a:solidFill>
+                <a:latin typeface="+mn-lt"/>
+                <a:ea typeface="+mn-ea"/>
+                <a:cs typeface="+mn-cs"/>
+              </a:defRPr>
+            </a:lvl6pPr>
+            <a:lvl7pPr marL="2743200" indent="0" algn="ctr" defTabSz="914400" rtl="0" eaLnBrk="1" latinLnBrk="1" hangingPunct="1">
+              <a:lnSpc>
+                <a:spcPct val="90000"/>
+              </a:lnSpc>
+              <a:spcBef>
+                <a:spcPts val="500"/>
+              </a:spcBef>
+              <a:buFont typeface="Arial" panose="020B0604020202020204" pitchFamily="34" charset="0"/>
+              <a:buNone/>
+              <a:defRPr sz="1600" kern="1200">
+                <a:solidFill>
+                  <a:schemeClr val="tx1"/>
+                </a:solidFill>
+                <a:latin typeface="+mn-lt"/>
+                <a:ea typeface="+mn-ea"/>
+                <a:cs typeface="+mn-cs"/>
+              </a:defRPr>
+            </a:lvl7pPr>
+            <a:lvl8pPr marL="3200400" indent="0" algn="ctr" defTabSz="914400" rtl="0" eaLnBrk="1" latinLnBrk="1" hangingPunct="1">
+              <a:lnSpc>
+                <a:spcPct val="90000"/>
+              </a:lnSpc>
+              <a:spcBef>
+                <a:spcPts val="500"/>
+              </a:spcBef>
+              <a:buFont typeface="Arial" panose="020B0604020202020204" pitchFamily="34" charset="0"/>
+              <a:buNone/>
+              <a:defRPr sz="1600" kern="1200">
+                <a:solidFill>
+                  <a:schemeClr val="tx1"/>
+                </a:solidFill>
+                <a:latin typeface="+mn-lt"/>
+                <a:ea typeface="+mn-ea"/>
+                <a:cs typeface="+mn-cs"/>
+              </a:defRPr>
+            </a:lvl8pPr>
+            <a:lvl9pPr marL="3657600" indent="0" algn="ctr" defTabSz="914400" rtl="0" eaLnBrk="1" latinLnBrk="1" hangingPunct="1">
+              <a:lnSpc>
+                <a:spcPct val="90000"/>
+              </a:lnSpc>
+              <a:spcBef>
+                <a:spcPts val="500"/>
+              </a:spcBef>
+              <a:buFont typeface="Arial" panose="020B0604020202020204" pitchFamily="34" charset="0"/>
+              <a:buNone/>
+              <a:defRPr sz="1600" kern="1200">
+                <a:solidFill>
+                  <a:schemeClr val="tx1"/>
+                </a:solidFill>
+                <a:latin typeface="+mn-lt"/>
+                <a:ea typeface="+mn-ea"/>
+                <a:cs typeface="+mn-cs"/>
+              </a:defRPr>
+            </a:lvl9pPr>
+          </a:lstStyle>
+          <a:p>
+            <a:r>
+              <a:rPr lang="ko-KR" altLang="en-US" sz="2800" dirty="0" smtClean="0">
+                <a:solidFill>
+                  <a:schemeClr val="bg1"/>
+                </a:solidFill>
+                <a:latin typeface="나눔스퀘어라운드 ExtraBold" panose="020B0600000101010101" pitchFamily="50" charset="-127"/>
+                <a:ea typeface="나눔스퀘어라운드 ExtraBold" panose="020B0600000101010101" pitchFamily="50" charset="-127"/>
+              </a:rPr>
+              <a:t>더 나은 내일을 위해</a:t>
+            </a:r>
+            <a:r>
+              <a:rPr lang="en-US" altLang="ko-KR" sz="2800" dirty="0" smtClean="0">
+                <a:solidFill>
+                  <a:schemeClr val="bg1"/>
+                </a:solidFill>
+                <a:latin typeface="나눔스퀘어라운드 ExtraBold" panose="020B0600000101010101" pitchFamily="50" charset="-127"/>
+                <a:ea typeface="나눔스퀘어라운드 ExtraBold" panose="020B0600000101010101" pitchFamily="50" charset="-127"/>
+              </a:rPr>
+              <a:t>, </a:t>
+            </a:r>
+            <a:endParaRPr lang="ko-KR" altLang="en-US" sz="2800" dirty="0">
+              <a:solidFill>
+                <a:schemeClr val="bg1"/>
+              </a:solidFill>
+              <a:latin typeface="나눔스퀘어라운드 ExtraBold" panose="020B0600000101010101" pitchFamily="50" charset="-127"/>
+              <a:ea typeface="나눔스퀘어라운드 ExtraBold" panose="020B0600000101010101" pitchFamily="50" charset="-127"/>
+            </a:endParaRPr>
+          </a:p>
+        </p:txBody>
+      </p:sp>
+    </p:spTree>
+    <p:extLst>
+      <p:ext uri="{BB962C8B-B14F-4D97-AF65-F5344CB8AC3E}">
+        <p14:creationId xmlns:p14="http://schemas.microsoft.com/office/powerpoint/2010/main" val="4108364297"/>
+      </p:ext>
+    </p:extLst>
+  </p:cSld>
+  <p:clrMapOvr>
+    <a:masterClrMapping/>
+  </p:clrMapOvr>
+  <mc:AlternateContent xmlns:mc="http://schemas.openxmlformats.org/markup-compatibility/2006">
+    <mc:Choice xmlns:p14="http://schemas.microsoft.com/office/powerpoint/2010/main" Requires="p14">
+      <p:transition spd="med" p14:dur="700">
+        <p:fade/>
+      </p:transition>
+    </mc:Choice>
+    <mc:Fallback>
+      <p:transition spd="med">
+        <p:fade/>
+      </p:transition>
+    </mc:Fallback>
+  </mc:AlternateContent>
+  <p:timing>
+    <p:tnLst>
+      <p:par>
+        <p:cTn id="1" dur="indefinite" restart="never" nodeType="tmRoot"/>
+      </p:par>
+    </p:tnLst>
+  </p:timing>
+</p:sld>
+</file>
+
+<file path=ppt/slides/slide6.xml><?xml version="1.0" encoding="utf-8"?>
+<p:sld xmlns:a="http://schemas.openxmlformats.org/drawingml/2006/main" xmlns:r="http://schemas.openxmlformats.org/officeDocument/2006/relationships" xmlns:p="http://schemas.openxmlformats.org/presentationml/2006/main">
+  <p:cSld>
+    <p:spTree>
+      <p:nvGrpSpPr>
+        <p:cNvPr id="1" name=""/>
+        <p:cNvGrpSpPr/>
+        <p:nvPr/>
+      </p:nvGrpSpPr>
+      <p:grpSpPr>
+        <a:xfrm>
+          <a:off x="0" y="0"/>
+          <a:ext cx="0" cy="0"/>
+          <a:chOff x="0" y="0"/>
+          <a:chExt cx="0" cy="0"/>
+        </a:xfrm>
+      </p:grpSpPr>
+      <p:sp>
+        <p:nvSpPr>
+          <p:cNvPr id="4" name="TextBox 3"/>
+          <p:cNvSpPr txBox="1"/>
+          <p:nvPr/>
+        </p:nvSpPr>
+        <p:spPr>
+          <a:xfrm>
+            <a:off x="4657145" y="2967335"/>
+            <a:ext cx="2877711" cy="923330"/>
+          </a:xfrm>
+          <a:prstGeom prst="rect">
+            <a:avLst/>
+          </a:prstGeom>
+          <a:noFill/>
+          <a:ln>
+            <a:noFill/>
+          </a:ln>
+        </p:spPr>
+        <p:txBody>
+          <a:bodyPr wrap="none" rtlCol="0">
+            <a:spAutoFit/>
+          </a:bodyPr>
+          <a:lstStyle/>
+          <a:p>
+            <a:r>
+              <a:rPr lang="ko-KR" altLang="en-US" sz="5400" b="1" dirty="0" smtClean="0">
+                <a:ln w="19050">
+                  <a:noFill/>
+                </a:ln>
+                <a:solidFill>
+                  <a:schemeClr val="bg1"/>
+                </a:solidFill>
+                <a:latin typeface="나눔스퀘어라운드 ExtraBold" panose="020B0600000101010101" pitchFamily="50" charset="-127"/>
+                <a:ea typeface="나눔스퀘어라운드 ExtraBold" panose="020B0600000101010101" pitchFamily="50" charset="-127"/>
+              </a:rPr>
+              <a:t>제작 동기</a:t>
+            </a:r>
+            <a:endParaRPr lang="ko-KR" altLang="en-US" sz="5400" b="1" dirty="0">
+              <a:ln w="19050">
+                <a:noFill/>
+              </a:ln>
+              <a:solidFill>
+                <a:schemeClr val="bg1"/>
+              </a:solidFill>
+              <a:latin typeface="나눔스퀘어라운드 ExtraBold" panose="020B0600000101010101" pitchFamily="50" charset="-127"/>
+              <a:ea typeface="나눔스퀘어라운드 ExtraBold" panose="020B0600000101010101" pitchFamily="50" charset="-127"/>
+            </a:endParaRPr>
+          </a:p>
+        </p:txBody>
+      </p:sp>
+    </p:spTree>
+    <p:extLst>
+      <p:ext uri="{BB962C8B-B14F-4D97-AF65-F5344CB8AC3E}">
+        <p14:creationId xmlns:p14="http://schemas.microsoft.com/office/powerpoint/2010/main" val="402478993"/>
+      </p:ext>
+    </p:extLst>
+  </p:cSld>
+  <p:clrMapOvr>
+    <a:masterClrMapping/>
+  </p:clrMapOvr>
+  <p:transition spd="slow">
+    <p:push dir="u"/>
+  </p:transition>
+  <p:timing>
+    <p:tnLst>
+      <p:par>
+        <p:cTn id="1" dur="indefinite" restart="never" nodeType="tmRoot"/>
+      </p:par>
+    </p:tnLst>
+  </p:timing>
+</p:sld>
+</file>
+
+<file path=ppt/slides/slide7.xml><?xml version="1.0" encoding="utf-8"?>
+<p:sld xmlns:a="http://schemas.openxmlformats.org/drawingml/2006/main" xmlns:r="http://schemas.openxmlformats.org/officeDocument/2006/relationships" xmlns:p="http://schemas.openxmlformats.org/presentationml/2006/main">
+  <p:cSld>
+    <p:spTree>
+      <p:nvGrpSpPr>
+        <p:cNvPr id="1" name=""/>
+        <p:cNvGrpSpPr/>
+        <p:nvPr/>
+      </p:nvGrpSpPr>
+      <p:grpSpPr>
+        <a:xfrm>
+          <a:off x="0" y="0"/>
+          <a:ext cx="0" cy="0"/>
+          <a:chOff x="0" y="0"/>
+          <a:chExt cx="0" cy="0"/>
+        </a:xfrm>
+      </p:grpSpPr>
       <p:sp>
         <p:nvSpPr>
           <p:cNvPr id="2" name="제목 1"/>
@@ -4773,7 +5361,7 @@
     <a:masterClrMapping/>
   </p:clrMapOvr>
   <p:transition spd="slow">
-    <p:push dir="r"/>
+    <p:push dir="u"/>
   </p:transition>
   <p:timing>
     <p:tnLst>
@@ -4785,7 +5373,7 @@
 </p:sld>
 </file>
 
-<file path=ppt/slides/slide5.xml><?xml version="1.0" encoding="utf-8"?>
+<file path=ppt/slides/slide8.xml><?xml version="1.0" encoding="utf-8"?>
 <p:sld xmlns:a="http://schemas.openxmlformats.org/drawingml/2006/main" xmlns:r="http://schemas.openxmlformats.org/officeDocument/2006/relationships" xmlns:p="http://schemas.openxmlformats.org/presentationml/2006/main">
   <p:cSld>
     <p:spTree>
@@ -4853,7 +5441,7 @@
           <p:cNvPr id="11" name="화살표: 오른쪽 10">
             <a:extLst>
               <a:ext uri="{FF2B5EF4-FFF2-40B4-BE49-F238E27FC236}">
-                <a16:creationId xmlns:a16="http://schemas.microsoft.com/office/drawing/2014/main" id="{92E4A9FF-563C-41B2-A0F8-D06C296F4B7E}"/>
+                <a16:creationId xmlns:a16="http://schemas.microsoft.com/office/drawing/2014/main" xmlns="" id="{92E4A9FF-563C-41B2-A0F8-D06C296F4B7E}"/>
               </a:ext>
             </a:extLst>
           </p:cNvPr>
@@ -4872,7 +5460,7 @@
             </a:avLst>
           </a:prstGeom>
           <a:solidFill>
-            <a:srgbClr val="494949"/>
+            <a:schemeClr val="bg1"/>
           </a:solidFill>
           <a:ln w="28575">
             <a:solidFill>
@@ -5150,7 +5738,7 @@
     <a:masterClrMapping/>
   </p:clrMapOvr>
   <p:transition spd="slow">
-    <p:pull dir="rd"/>
+    <p:push dir="u"/>
   </p:transition>
   <p:timing>
     <p:tnLst>
@@ -5162,7 +5750,7 @@
 </p:sld>
 </file>
 
-<file path=ppt/slides/slide6.xml><?xml version="1.0" encoding="utf-8"?>
+<file path=ppt/slides/slide9.xml><?xml version="1.0" encoding="utf-8"?>
 <p:sld xmlns:a="http://schemas.openxmlformats.org/drawingml/2006/main" xmlns:r="http://schemas.openxmlformats.org/officeDocument/2006/relationships" xmlns:p="http://schemas.openxmlformats.org/presentationml/2006/main">
   <p:cSld>
     <p:spTree>
@@ -5184,7 +5772,7 @@
           <p:cNvPr id="5" name="내용 개체 틀 4">
             <a:extLst>
               <a:ext uri="{FF2B5EF4-FFF2-40B4-BE49-F238E27FC236}">
-                <a16:creationId xmlns:a16="http://schemas.microsoft.com/office/drawing/2014/main" id="{2223157B-97CF-4A9E-972A-114BDE9866F3}"/>
+                <a16:creationId xmlns:a16="http://schemas.microsoft.com/office/drawing/2014/main" xmlns="" id="{2223157B-97CF-4A9E-972A-114BDE9866F3}"/>
               </a:ext>
             </a:extLst>
           </p:cNvPr>
@@ -5195,7 +5783,7 @@
             <p:ph idx="1"/>
           </p:nvPr>
         </p:nvPicPr>
-        <p:blipFill>
+        <p:blipFill rotWithShape="1">
           <a:blip r:embed="rId2">
             <a:extLst>
               <a:ext uri="{28A0092B-C50C-407E-A947-70E740481C1C}">
@@ -5203,20 +5791,19 @@
               </a:ext>
             </a:extLst>
           </a:blip>
-          <a:stretch>
-            <a:fillRect/>
-          </a:stretch>
+          <a:srcRect l="1611" t="1410" r="2305" b="1507"/>
+          <a:stretch/>
         </p:blipFill>
         <p:spPr>
           <a:xfrm>
-            <a:off x="894339" y="1014295"/>
-            <a:ext cx="2664649" cy="4261987"/>
+            <a:off x="937260" y="1074420"/>
+            <a:ext cx="2560320" cy="4137660"/>
           </a:xfrm>
         </p:spPr>
       </p:pic>
       <p:sp>
         <p:nvSpPr>
-          <p:cNvPr id="14" name="모서리가 둥근 사각형 설명선 13"/>
+          <p:cNvPr id="14" name="모서리가 둥근 직사각형 13"/>
           <p:cNvSpPr/>
           <p:nvPr/>
         </p:nvSpPr>
@@ -5225,11 +5812,9 @@
             <a:off x="4661646" y="1591235"/>
             <a:ext cx="7214979" cy="3792071"/>
           </a:xfrm>
-          <a:prstGeom prst="wedgeRoundRectCallout">
+          <a:prstGeom prst="roundRect">
             <a:avLst>
-              <a:gd name="adj1" fmla="val -62758"/>
-              <a:gd name="adj2" fmla="val 762"/>
-              <a:gd name="adj3" fmla="val 16667"/>
+              <a:gd name="adj" fmla="val 9734"/>
             </a:avLst>
           </a:prstGeom>
           <a:solidFill>
@@ -5287,43 +5872,61 @@
           <a:lstStyle/>
           <a:p>
             <a:r>
-              <a:rPr lang="en-US" altLang="ko-KR" sz="2000" b="1" dirty="0" smtClean="0">
-                <a:latin typeface="나눔고딕" panose="020D0604000000000000" pitchFamily="50" charset="-127"/>
-                <a:ea typeface="나눔고딕" panose="020D0604000000000000" pitchFamily="50" charset="-127"/>
+              <a:rPr lang="en-US" altLang="ko-KR" sz="2000" dirty="0" smtClean="0">
+                <a:solidFill>
+                  <a:schemeClr val="bg1"/>
+                </a:solidFill>
+                <a:latin typeface="나눔스퀘어" panose="020B0600000101010101" pitchFamily="50" charset="-127"/>
+                <a:ea typeface="나눔스퀘어" panose="020B0600000101010101" pitchFamily="50" charset="-127"/>
               </a:rPr>
               <a:t>&lt; </a:t>
             </a:r>
             <a:r>
-              <a:rPr lang="ko-KR" altLang="en-US" sz="2000" b="1" dirty="0" smtClean="0">
-                <a:latin typeface="나눔고딕" panose="020D0604000000000000" pitchFamily="50" charset="-127"/>
-                <a:ea typeface="나눔고딕" panose="020D0604000000000000" pitchFamily="50" charset="-127"/>
+              <a:rPr lang="ko-KR" altLang="en-US" sz="2000" dirty="0" smtClean="0">
+                <a:solidFill>
+                  <a:schemeClr val="bg1"/>
+                </a:solidFill>
+                <a:latin typeface="나눔스퀘어" panose="020B0600000101010101" pitchFamily="50" charset="-127"/>
+                <a:ea typeface="나눔스퀘어" panose="020B0600000101010101" pitchFamily="50" charset="-127"/>
               </a:rPr>
               <a:t>나무 성장 </a:t>
             </a:r>
             <a:r>
-              <a:rPr lang="en-US" altLang="ko-KR" sz="2000" b="1" dirty="0" smtClean="0">
-                <a:latin typeface="나눔고딕" panose="020D0604000000000000" pitchFamily="50" charset="-127"/>
-                <a:ea typeface="나눔고딕" panose="020D0604000000000000" pitchFamily="50" charset="-127"/>
+              <a:rPr lang="en-US" altLang="ko-KR" sz="2000" dirty="0" smtClean="0">
+                <a:solidFill>
+                  <a:schemeClr val="bg1"/>
+                </a:solidFill>
+                <a:latin typeface="나눔스퀘어" panose="020B0600000101010101" pitchFamily="50" charset="-127"/>
+                <a:ea typeface="나눔스퀘어" panose="020B0600000101010101" pitchFamily="50" charset="-127"/>
               </a:rPr>
               <a:t>Tab</a:t>
             </a:r>
             <a:r>
-              <a:rPr lang="ko-KR" altLang="en-US" sz="2000" b="1" dirty="0" smtClean="0">
-                <a:latin typeface="나눔고딕" panose="020D0604000000000000" pitchFamily="50" charset="-127"/>
-                <a:ea typeface="나눔고딕" panose="020D0604000000000000" pitchFamily="50" charset="-127"/>
+              <a:rPr lang="ko-KR" altLang="en-US" sz="2000" dirty="0" smtClean="0">
+                <a:solidFill>
+                  <a:schemeClr val="bg1"/>
+                </a:solidFill>
+                <a:latin typeface="나눔스퀘어" panose="020B0600000101010101" pitchFamily="50" charset="-127"/>
+                <a:ea typeface="나눔스퀘어" panose="020B0600000101010101" pitchFamily="50" charset="-127"/>
               </a:rPr>
               <a:t> </a:t>
             </a:r>
             <a:r>
-              <a:rPr lang="en-US" altLang="ko-KR" sz="2000" b="1" dirty="0" smtClean="0">
-                <a:latin typeface="나눔고딕" panose="020D0604000000000000" pitchFamily="50" charset="-127"/>
-                <a:ea typeface="나눔고딕" panose="020D0604000000000000" pitchFamily="50" charset="-127"/>
+              <a:rPr lang="en-US" altLang="ko-KR" sz="2000" dirty="0" smtClean="0">
+                <a:solidFill>
+                  <a:schemeClr val="bg1"/>
+                </a:solidFill>
+                <a:latin typeface="나눔스퀘어" panose="020B0600000101010101" pitchFamily="50" charset="-127"/>
+                <a:ea typeface="나눔스퀘어" panose="020B0600000101010101" pitchFamily="50" charset="-127"/>
               </a:rPr>
               <a:t>&gt;</a:t>
             </a:r>
-            <a:endParaRPr lang="ko-KR" altLang="en-US" sz="2000" b="1" dirty="0">
-              <a:latin typeface="나눔고딕" panose="020D0604000000000000" pitchFamily="50" charset="-127"/>
-              <a:ea typeface="나눔고딕" panose="020D0604000000000000" pitchFamily="50" charset="-127"/>
+            <a:endParaRPr lang="ko-KR" altLang="en-US" sz="2000" dirty="0">
+              <a:solidFill>
+                <a:schemeClr val="bg1"/>
+              </a:solidFill>
+              <a:latin typeface="나눔스퀘어" panose="020B0600000101010101" pitchFamily="50" charset="-127"/>
+              <a:ea typeface="나눔스퀘어" panose="020B0600000101010101" pitchFamily="50" charset="-127"/>
             </a:endParaRPr>
           </a:p>
         </p:txBody>
@@ -5336,10 +5939,10 @@
         </p:nvGrpSpPr>
         <p:grpSpPr>
           <a:xfrm>
-            <a:off x="4794402" y="2137183"/>
-            <a:ext cx="6949465" cy="2700174"/>
-            <a:chOff x="4406508" y="2367110"/>
-            <a:chExt cx="6949465" cy="2700174"/>
+            <a:off x="4805832" y="1906350"/>
+            <a:ext cx="6947260" cy="2999587"/>
+            <a:chOff x="4417938" y="2136277"/>
+            <a:chExt cx="6947260" cy="2999587"/>
           </a:xfrm>
         </p:grpSpPr>
         <p:grpSp>
@@ -5350,9 +5953,9 @@
           </p:nvGrpSpPr>
           <p:grpSpPr>
             <a:xfrm>
-              <a:off x="4408713" y="3627284"/>
+              <a:off x="4417938" y="3695864"/>
               <a:ext cx="6947260" cy="1440000"/>
-              <a:chOff x="4408713" y="3627284"/>
+              <a:chOff x="4417938" y="3695864"/>
               <a:chExt cx="6947260" cy="1440000"/>
             </a:xfrm>
           </p:grpSpPr>
@@ -5361,7 +5964,7 @@
               <p:cNvPr id="9" name="그림 8">
                 <a:extLst>
                   <a:ext uri="{FF2B5EF4-FFF2-40B4-BE49-F238E27FC236}">
-                    <a16:creationId xmlns:a16="http://schemas.microsoft.com/office/drawing/2014/main" id="{A4C7DB72-6A52-42EE-B4B6-D3E04DDBE8E2}"/>
+                    <a16:creationId xmlns:a16="http://schemas.microsoft.com/office/drawing/2014/main" xmlns="" id="{A4C7DB72-6A52-42EE-B4B6-D3E04DDBE8E2}"/>
                   </a:ext>
                 </a:extLst>
               </p:cNvPr>
@@ -5384,7 +5987,7 @@
             </p:blipFill>
             <p:spPr>
               <a:xfrm>
-                <a:off x="4408713" y="3627284"/>
+                <a:off x="4417938" y="3695864"/>
                 <a:ext cx="1387237" cy="1440000"/>
               </a:xfrm>
               <a:prstGeom prst="rect">
@@ -5397,7 +6000,7 @@
               <p:cNvPr id="11" name="그림 10">
                 <a:extLst>
                   <a:ext uri="{FF2B5EF4-FFF2-40B4-BE49-F238E27FC236}">
-                    <a16:creationId xmlns:a16="http://schemas.microsoft.com/office/drawing/2014/main" id="{1D5B7D19-3DA0-4978-B455-23691414CFB2}"/>
+                    <a16:creationId xmlns:a16="http://schemas.microsoft.com/office/drawing/2014/main" xmlns="" id="{1D5B7D19-3DA0-4978-B455-23691414CFB2}"/>
                   </a:ext>
                 </a:extLst>
               </p:cNvPr>
@@ -5420,7 +6023,7 @@
             </p:blipFill>
             <p:spPr>
               <a:xfrm>
-                <a:off x="5795951" y="3627284"/>
+                <a:off x="5805176" y="3695864"/>
                 <a:ext cx="1391633" cy="1440000"/>
               </a:xfrm>
               <a:prstGeom prst="rect">
@@ -5433,7 +6036,7 @@
               <p:cNvPr id="13" name="그림 12">
                 <a:extLst>
                   <a:ext uri="{FF2B5EF4-FFF2-40B4-BE49-F238E27FC236}">
-                    <a16:creationId xmlns:a16="http://schemas.microsoft.com/office/drawing/2014/main" id="{91A1F4C8-0B0C-4766-96DE-8FA15F04F1D2}"/>
+                    <a16:creationId xmlns:a16="http://schemas.microsoft.com/office/drawing/2014/main" xmlns="" id="{91A1F4C8-0B0C-4766-96DE-8FA15F04F1D2}"/>
                   </a:ext>
                 </a:extLst>
               </p:cNvPr>
@@ -5456,7 +6059,7 @@
             </p:blipFill>
             <p:spPr>
               <a:xfrm>
-                <a:off x="7187584" y="3627284"/>
+                <a:off x="7196809" y="3695864"/>
                 <a:ext cx="1387317" cy="1440000"/>
               </a:xfrm>
               <a:prstGeom prst="rect">
@@ -5469,7 +6072,7 @@
               <p:cNvPr id="15" name="그림 14">
                 <a:extLst>
                   <a:ext uri="{FF2B5EF4-FFF2-40B4-BE49-F238E27FC236}">
-                    <a16:creationId xmlns:a16="http://schemas.microsoft.com/office/drawing/2014/main" id="{8746AEAC-ECDD-47B5-B5C6-69ADB5FA5404}"/>
+                    <a16:creationId xmlns:a16="http://schemas.microsoft.com/office/drawing/2014/main" xmlns="" id="{8746AEAC-ECDD-47B5-B5C6-69ADB5FA5404}"/>
                   </a:ext>
                 </a:extLst>
               </p:cNvPr>
@@ -5492,7 +6095,7 @@
             </p:blipFill>
             <p:spPr>
               <a:xfrm>
-                <a:off x="8574901" y="3627284"/>
+                <a:off x="8584126" y="3695864"/>
                 <a:ext cx="1383100" cy="1440000"/>
               </a:xfrm>
               <a:prstGeom prst="rect">
@@ -5505,7 +6108,7 @@
               <p:cNvPr id="17" name="그림 16">
                 <a:extLst>
                   <a:ext uri="{FF2B5EF4-FFF2-40B4-BE49-F238E27FC236}">
-                    <a16:creationId xmlns:a16="http://schemas.microsoft.com/office/drawing/2014/main" id="{A90F6C99-7777-43DB-931F-DFBD73B9095E}"/>
+                    <a16:creationId xmlns:a16="http://schemas.microsoft.com/office/drawing/2014/main" xmlns="" id="{A90F6C99-7777-43DB-931F-DFBD73B9095E}"/>
                   </a:ext>
                 </a:extLst>
               </p:cNvPr>
@@ -5528,7 +6131,7 @@
             </p:blipFill>
             <p:spPr>
               <a:xfrm>
-                <a:off x="9958001" y="3627284"/>
+                <a:off x="9967226" y="3695864"/>
                 <a:ext cx="1397972" cy="1440000"/>
               </a:xfrm>
               <a:prstGeom prst="rect">
@@ -5545,8 +6148,8 @@
           </p:nvSpPr>
           <p:spPr>
             <a:xfrm>
-              <a:off x="5352344" y="2367110"/>
-              <a:ext cx="5057795" cy="461665"/>
+              <a:off x="6032836" y="2136277"/>
+              <a:ext cx="3781805" cy="461665"/>
             </a:xfrm>
             <a:prstGeom prst="rect">
               <a:avLst/>
@@ -5561,14 +6164,14 @@
             <a:p>
               <a:r>
                 <a:rPr lang="ko-KR" altLang="en-US" sz="2400" dirty="0" smtClean="0">
-                  <a:latin typeface="나눔스퀘어라운드 ExtraBold" panose="020B0600000101010101" pitchFamily="50" charset="-127"/>
-                  <a:ea typeface="나눔스퀘어라운드 ExtraBold" panose="020B0600000101010101" pitchFamily="50" charset="-127"/>
+                  <a:latin typeface="나눔스퀘어 Light" panose="020B0600000101010101" pitchFamily="50" charset="-127"/>
+                  <a:ea typeface="나눔스퀘어 Light" panose="020B0600000101010101" pitchFamily="50" charset="-127"/>
                 </a:rPr>
-                <a:t>트리 그래프의 성취도에 따른 나무 성장</a:t>
+                <a:t>성취도에 따라 성장하는 나무</a:t>
               </a:r>
               <a:endParaRPr lang="ko-KR" altLang="en-US" sz="2400" dirty="0">
-                <a:latin typeface="나눔스퀘어라운드 ExtraBold" panose="020B0600000101010101" pitchFamily="50" charset="-127"/>
-                <a:ea typeface="나눔스퀘어라운드 ExtraBold" panose="020B0600000101010101" pitchFamily="50" charset="-127"/>
+                <a:latin typeface="나눔스퀘어 Light" panose="020B0600000101010101" pitchFamily="50" charset="-127"/>
+                <a:ea typeface="나눔스퀘어 Light" panose="020B0600000101010101" pitchFamily="50" charset="-127"/>
               </a:endParaRPr>
             </a:p>
           </p:txBody>
@@ -5581,14 +6184,14 @@
           </p:nvSpPr>
           <p:spPr>
             <a:xfrm>
-              <a:off x="4408713" y="3138950"/>
-              <a:ext cx="6947260" cy="348321"/>
+              <a:off x="4507177" y="3138950"/>
+              <a:ext cx="6748128" cy="348321"/>
             </a:xfrm>
             <a:prstGeom prst="rightArrow">
               <a:avLst/>
             </a:prstGeom>
             <a:solidFill>
-              <a:schemeClr val="tx1"/>
+              <a:schemeClr val="bg1"/>
             </a:solidFill>
             <a:ln w="28575">
               <a:solidFill>
@@ -5623,50 +6226,14 @@
         </p:sp>
         <p:sp>
           <p:nvSpPr>
-            <p:cNvPr id="10" name="TextBox 9"/>
-            <p:cNvSpPr txBox="1"/>
-            <p:nvPr/>
-          </p:nvSpPr>
-          <p:spPr>
-            <a:xfrm>
-              <a:off x="7437850" y="2809559"/>
-              <a:ext cx="886781" cy="400110"/>
-            </a:xfrm>
-            <a:prstGeom prst="rect">
-              <a:avLst/>
-            </a:prstGeom>
-            <a:noFill/>
-          </p:spPr>
-          <p:txBody>
-            <a:bodyPr wrap="none" rtlCol="0">
-              <a:spAutoFit/>
-            </a:bodyPr>
-            <a:lstStyle/>
-            <a:p>
-              <a:r>
-                <a:rPr lang="ko-KR" altLang="en-US" sz="2000" dirty="0" smtClean="0">
-                  <a:latin typeface="나눔스퀘어라운드 ExtraBold" panose="020B0600000101010101" pitchFamily="50" charset="-127"/>
-                  <a:ea typeface="나눔스퀘어라운드 ExtraBold" panose="020B0600000101010101" pitchFamily="50" charset="-127"/>
-                </a:rPr>
-                <a:t>성취도</a:t>
-              </a:r>
-              <a:endParaRPr lang="ko-KR" altLang="en-US" sz="2000" dirty="0">
-                <a:latin typeface="나눔스퀘어라운드 ExtraBold" panose="020B0600000101010101" pitchFamily="50" charset="-127"/>
-                <a:ea typeface="나눔스퀘어라운드 ExtraBold" panose="020B0600000101010101" pitchFamily="50" charset="-127"/>
-              </a:endParaRPr>
-            </a:p>
-          </p:txBody>
-        </p:sp>
-        <p:sp>
-          <p:nvSpPr>
             <p:cNvPr id="12" name="TextBox 11"/>
             <p:cNvSpPr txBox="1"/>
             <p:nvPr/>
           </p:nvSpPr>
           <p:spPr>
             <a:xfrm>
-              <a:off x="4406508" y="2948059"/>
-              <a:ext cx="402674" cy="261610"/>
+              <a:off x="4475088" y="2845189"/>
+              <a:ext cx="413896" cy="253916"/>
             </a:xfrm>
             <a:prstGeom prst="rect">
               <a:avLst/>
@@ -5681,14 +6248,14 @@
             <a:p>
               <a:r>
                 <a:rPr lang="en-US" altLang="ko-KR" sz="1050" dirty="0" smtClean="0">
-                  <a:latin typeface="나눔스퀘어라운드 ExtraBold" panose="020B0600000101010101" pitchFamily="50" charset="-127"/>
-                  <a:ea typeface="나눔스퀘어라운드 ExtraBold" panose="020B0600000101010101" pitchFamily="50" charset="-127"/>
+                  <a:latin typeface="나눔고딕" panose="020D0604000000000000" pitchFamily="50" charset="-127"/>
+                  <a:ea typeface="나눔고딕" panose="020D0604000000000000" pitchFamily="50" charset="-127"/>
                 </a:rPr>
                 <a:t>0%</a:t>
               </a:r>
               <a:endParaRPr lang="ko-KR" altLang="en-US" sz="1050" dirty="0">
-                <a:latin typeface="나눔스퀘어라운드 ExtraBold" panose="020B0600000101010101" pitchFamily="50" charset="-127"/>
-                <a:ea typeface="나눔스퀘어라운드 ExtraBold" panose="020B0600000101010101" pitchFamily="50" charset="-127"/>
+                <a:latin typeface="나눔고딕" panose="020D0604000000000000" pitchFamily="50" charset="-127"/>
+                <a:ea typeface="나눔고딕" panose="020D0604000000000000" pitchFamily="50" charset="-127"/>
               </a:endParaRPr>
             </a:p>
           </p:txBody>
@@ -5701,8 +6268,8 @@
           </p:nvSpPr>
           <p:spPr>
             <a:xfrm>
-              <a:off x="10654902" y="2948059"/>
-              <a:ext cx="559769" cy="253916"/>
+              <a:off x="10723482" y="2845189"/>
+              <a:ext cx="577402" cy="253916"/>
             </a:xfrm>
             <a:prstGeom prst="rect">
               <a:avLst/>
@@ -5717,14 +6284,14 @@
             <a:p>
               <a:r>
                 <a:rPr lang="en-US" altLang="ko-KR" sz="1050" dirty="0" smtClean="0">
-                  <a:latin typeface="나눔스퀘어라운드 ExtraBold" panose="020B0600000101010101" pitchFamily="50" charset="-127"/>
-                  <a:ea typeface="나눔스퀘어라운드 ExtraBold" panose="020B0600000101010101" pitchFamily="50" charset="-127"/>
+                  <a:latin typeface="나눔고딕" panose="020D0604000000000000" pitchFamily="50" charset="-127"/>
+                  <a:ea typeface="나눔고딕" panose="020D0604000000000000" pitchFamily="50" charset="-127"/>
                 </a:rPr>
                 <a:t>100%</a:t>
               </a:r>
               <a:endParaRPr lang="ko-KR" altLang="en-US" sz="1050" dirty="0">
-                <a:latin typeface="나눔스퀘어라운드 ExtraBold" panose="020B0600000101010101" pitchFamily="50" charset="-127"/>
-                <a:ea typeface="나눔스퀘어라운드 ExtraBold" panose="020B0600000101010101" pitchFamily="50" charset="-127"/>
+                <a:latin typeface="나눔고딕" panose="020D0604000000000000" pitchFamily="50" charset="-127"/>
+                <a:ea typeface="나눔고딕" panose="020D0604000000000000" pitchFamily="50" charset="-127"/>
               </a:endParaRPr>
             </a:p>
           </p:txBody>
@@ -5740,599 +6307,9 @@
   <p:clrMapOvr>
     <a:masterClrMapping/>
   </p:clrMapOvr>
-  <mc:AlternateContent xmlns:mc="http://schemas.openxmlformats.org/markup-compatibility/2006" xmlns:p14="http://schemas.microsoft.com/office/powerpoint/2010/main">
-    <mc:Choice Requires="p14">
-      <p:transition spd="med" p14:dur="700">
-        <p:fade/>
-      </p:transition>
-    </mc:Choice>
-    <mc:Fallback xmlns="">
-      <p:transition spd="med">
-        <p:fade/>
-      </p:transition>
-    </mc:Fallback>
-  </mc:AlternateContent>
-  <p:timing>
-    <p:tnLst>
-      <p:par>
-        <p:cTn id="1" dur="indefinite" restart="never" nodeType="tmRoot"/>
-      </p:par>
-    </p:tnLst>
-  </p:timing>
-</p:sld>
-</file>
-
-<file path=ppt/slides/slide7.xml><?xml version="1.0" encoding="utf-8"?>
-<p:sld xmlns:a="http://schemas.openxmlformats.org/drawingml/2006/main" xmlns:r="http://schemas.openxmlformats.org/officeDocument/2006/relationships" xmlns:p="http://schemas.openxmlformats.org/presentationml/2006/main">
-  <p:cSld>
-    <p:spTree>
-      <p:nvGrpSpPr>
-        <p:cNvPr id="1" name=""/>
-        <p:cNvGrpSpPr/>
-        <p:nvPr/>
-      </p:nvGrpSpPr>
-      <p:grpSpPr>
-        <a:xfrm>
-          <a:off x="0" y="0"/>
-          <a:ext cx="0" cy="0"/>
-          <a:chOff x="0" y="0"/>
-          <a:chExt cx="0" cy="0"/>
-        </a:xfrm>
-      </p:grpSpPr>
-      <p:sp>
-        <p:nvSpPr>
-          <p:cNvPr id="5" name="Rectangle 2">
-            <a:extLst>
-              <a:ext uri="{FF2B5EF4-FFF2-40B4-BE49-F238E27FC236}">
-                <a16:creationId xmlns:a16="http://schemas.microsoft.com/office/drawing/2014/main" id="{408ABB84-6CDD-4C9C-9863-365D7B5C2ACF}"/>
-              </a:ext>
-            </a:extLst>
-          </p:cNvPr>
-          <p:cNvSpPr>
-            <a:spLocks noChangeArrowheads="1"/>
-          </p:cNvSpPr>
-          <p:nvPr/>
-        </p:nvSpPr>
-        <p:spPr bwMode="auto">
-          <a:xfrm>
-            <a:off x="-1" y="2582922"/>
-            <a:ext cx="41101130" cy="1123663"/>
-          </a:xfrm>
-          <a:prstGeom prst="rect">
-            <a:avLst/>
-          </a:prstGeom>
-          <a:noFill/>
-          <a:ln>
-            <a:noFill/>
-          </a:ln>
-          <a:effectLst/>
-          <a:extLst>
-            <a:ext uri="{909E8E84-426E-40DD-AFC4-6F175D3DCCD1}">
-              <a14:hiddenFill xmlns:a14="http://schemas.microsoft.com/office/drawing/2010/main">
-                <a:solidFill>
-                  <a:schemeClr val="accent1"/>
-                </a:solidFill>
-              </a14:hiddenFill>
-            </a:ext>
-            <a:ext uri="{91240B29-F687-4F45-9708-019B960494DF}">
-              <a14:hiddenLine xmlns:a14="http://schemas.microsoft.com/office/drawing/2010/main" w="9525">
-                <a:solidFill>
-                  <a:schemeClr val="tx1"/>
-                </a:solidFill>
-                <a:miter lim="800000"/>
-                <a:headEnd/>
-                <a:tailEnd/>
-              </a14:hiddenLine>
-            </a:ext>
-            <a:ext uri="{AF507438-7753-43E0-B8FC-AC1667EBCBE1}">
-              <a14:hiddenEffects xmlns:a14="http://schemas.microsoft.com/office/drawing/2010/main">
-                <a:effectLst>
-                  <a:outerShdw dist="35921" dir="2700000" algn="ctr" rotWithShape="0">
-                    <a:schemeClr val="bg2"/>
-                  </a:outerShdw>
-                </a:effectLst>
-              </a14:hiddenEffects>
-            </a:ext>
-          </a:extLst>
-        </p:spPr>
-        <p:txBody>
-          <a:bodyPr vert="horz" wrap="square" lIns="91440" tIns="45720" rIns="91440" bIns="45720" numCol="1" anchor="ctr" anchorCtr="0" compatLnSpc="1">
-            <a:prstTxWarp prst="textNoShape">
-              <a:avLst/>
-            </a:prstTxWarp>
-            <a:spAutoFit/>
-          </a:bodyPr>
-          <a:lstStyle/>
-          <a:p>
-            <a:endParaRPr lang="ko-KR" altLang="en-US"/>
-          </a:p>
-        </p:txBody>
-      </p:sp>
-      <p:grpSp>
-        <p:nvGrpSpPr>
-          <p:cNvPr id="7" name="그룹 6"/>
-          <p:cNvGrpSpPr/>
-          <p:nvPr/>
-        </p:nvGrpSpPr>
-        <p:grpSpPr>
-          <a:xfrm>
-            <a:off x="4612917" y="2562800"/>
-            <a:ext cx="6718471" cy="4038411"/>
-            <a:chOff x="498117" y="1684252"/>
-            <a:chExt cx="6718471" cy="4038411"/>
-          </a:xfrm>
-        </p:grpSpPr>
-        <p:pic>
-          <p:nvPicPr>
-            <p:cNvPr id="2049" name="_x204844856" descr="EMB00004fa44b6b">
-              <a:extLst>
-                <a:ext uri="{FF2B5EF4-FFF2-40B4-BE49-F238E27FC236}">
-                  <a16:creationId xmlns:a16="http://schemas.microsoft.com/office/drawing/2014/main" id="{7A416B3A-A987-4476-8168-E01B2A7060BE}"/>
-                </a:ext>
-              </a:extLst>
-            </p:cNvPr>
-            <p:cNvPicPr>
-              <a:picLocks noChangeAspect="1" noChangeArrowheads="1"/>
-            </p:cNvPicPr>
-            <p:nvPr/>
-          </p:nvPicPr>
-          <p:blipFill rotWithShape="1">
-            <a:blip r:embed="rId2">
-              <a:extLst>
-                <a:ext uri="{28A0092B-C50C-407E-A947-70E740481C1C}">
-                  <a14:useLocalDpi xmlns:a14="http://schemas.microsoft.com/office/drawing/2010/main" val="0"/>
-                </a:ext>
-              </a:extLst>
-            </a:blip>
-            <a:srcRect r="664" b="2708"/>
-            <a:stretch/>
-          </p:blipFill>
-          <p:spPr bwMode="auto">
-            <a:xfrm>
-              <a:off x="498117" y="1684252"/>
-              <a:ext cx="6718471" cy="3489496"/>
-            </a:xfrm>
-            <a:prstGeom prst="rect">
-              <a:avLst/>
-            </a:prstGeom>
-            <a:noFill/>
-            <a:extLst>
-              <a:ext uri="{909E8E84-426E-40DD-AFC4-6F175D3DCCD1}">
-                <a14:hiddenFill xmlns:a14="http://schemas.microsoft.com/office/drawing/2010/main">
-                  <a:solidFill>
-                    <a:srgbClr val="FFFFFF"/>
-                  </a:solidFill>
-                </a14:hiddenFill>
-              </a:ext>
-            </a:extLst>
-          </p:spPr>
-        </p:pic>
-        <p:sp>
-          <p:nvSpPr>
-            <p:cNvPr id="2" name="TextBox 1"/>
-            <p:cNvSpPr txBox="1"/>
-            <p:nvPr/>
-          </p:nvSpPr>
-          <p:spPr>
-            <a:xfrm>
-              <a:off x="2784622" y="5353331"/>
-              <a:ext cx="2145459" cy="369332"/>
-            </a:xfrm>
-            <a:prstGeom prst="rect">
-              <a:avLst/>
-            </a:prstGeom>
-            <a:noFill/>
-          </p:spPr>
-          <p:txBody>
-            <a:bodyPr wrap="none" rtlCol="0">
-              <a:spAutoFit/>
-            </a:bodyPr>
-            <a:lstStyle/>
-            <a:p>
-              <a:r>
-                <a:rPr lang="en-US" altLang="ko-KR" b="1" dirty="0" smtClean="0">
-                  <a:latin typeface="나눔고딕" panose="020D0604000000000000" pitchFamily="50" charset="-127"/>
-                  <a:ea typeface="나눔고딕" panose="020D0604000000000000" pitchFamily="50" charset="-127"/>
-                </a:rPr>
-                <a:t>&lt; </a:t>
-              </a:r>
-              <a:r>
-                <a:rPr lang="ko-KR" altLang="en-US" b="1" dirty="0" smtClean="0">
-                  <a:latin typeface="나눔고딕" panose="020D0604000000000000" pitchFamily="50" charset="-127"/>
-                  <a:ea typeface="나눔고딕" panose="020D0604000000000000" pitchFamily="50" charset="-127"/>
-                </a:rPr>
-                <a:t>트리 그래프 </a:t>
-              </a:r>
-              <a:r>
-                <a:rPr lang="en-US" altLang="ko-KR" b="1" dirty="0" smtClean="0">
-                  <a:latin typeface="나눔고딕" panose="020D0604000000000000" pitchFamily="50" charset="-127"/>
-                  <a:ea typeface="나눔고딕" panose="020D0604000000000000" pitchFamily="50" charset="-127"/>
-                </a:rPr>
-                <a:t>Tab</a:t>
-              </a:r>
-              <a:r>
-                <a:rPr lang="ko-KR" altLang="en-US" b="1" dirty="0" smtClean="0">
-                  <a:latin typeface="나눔고딕" panose="020D0604000000000000" pitchFamily="50" charset="-127"/>
-                  <a:ea typeface="나눔고딕" panose="020D0604000000000000" pitchFamily="50" charset="-127"/>
-                </a:rPr>
-                <a:t> </a:t>
-              </a:r>
-              <a:r>
-                <a:rPr lang="en-US" altLang="ko-KR" b="1" dirty="0" smtClean="0">
-                  <a:latin typeface="나눔고딕" panose="020D0604000000000000" pitchFamily="50" charset="-127"/>
-                  <a:ea typeface="나눔고딕" panose="020D0604000000000000" pitchFamily="50" charset="-127"/>
-                </a:rPr>
-                <a:t>&gt;</a:t>
-              </a:r>
-              <a:endParaRPr lang="ko-KR" altLang="en-US" b="1" dirty="0">
-                <a:latin typeface="나눔고딕" panose="020D0604000000000000" pitchFamily="50" charset="-127"/>
-                <a:ea typeface="나눔고딕" panose="020D0604000000000000" pitchFamily="50" charset="-127"/>
-              </a:endParaRPr>
-            </a:p>
-          </p:txBody>
-        </p:sp>
-      </p:grpSp>
-      <p:grpSp>
-        <p:nvGrpSpPr>
-          <p:cNvPr id="4" name="그룹 3"/>
-          <p:cNvGrpSpPr/>
-          <p:nvPr/>
-        </p:nvGrpSpPr>
-        <p:grpSpPr>
-          <a:xfrm>
-            <a:off x="498117" y="969626"/>
-            <a:ext cx="3267023" cy="5631585"/>
-            <a:chOff x="7759565" y="879976"/>
-            <a:chExt cx="3267023" cy="5631585"/>
-          </a:xfrm>
-        </p:grpSpPr>
-        <p:pic>
-          <p:nvPicPr>
-            <p:cNvPr id="8" name="_x204844136" descr="EMB00004fa44b78">
-              <a:extLst>
-                <a:ext uri="{FF2B5EF4-FFF2-40B4-BE49-F238E27FC236}">
-                  <a16:creationId xmlns:a16="http://schemas.microsoft.com/office/drawing/2014/main" id="{75F27950-DD6D-481C-BF13-61A8A8DB73A1}"/>
-                </a:ext>
-              </a:extLst>
-            </p:cNvPr>
-            <p:cNvPicPr>
-              <a:picLocks noChangeAspect="1" noChangeArrowheads="1"/>
-            </p:cNvPicPr>
-            <p:nvPr/>
-          </p:nvPicPr>
-          <p:blipFill rotWithShape="1">
-            <a:blip r:embed="rId3">
-              <a:extLst>
-                <a:ext uri="{28A0092B-C50C-407E-A947-70E740481C1C}">
-                  <a14:useLocalDpi xmlns:a14="http://schemas.microsoft.com/office/drawing/2010/main" val="0"/>
-                </a:ext>
-              </a:extLst>
-            </a:blip>
-            <a:srcRect r="420" b="1014"/>
-            <a:stretch/>
-          </p:blipFill>
-          <p:spPr bwMode="auto">
-            <a:xfrm>
-              <a:off x="7759565" y="879976"/>
-              <a:ext cx="3267023" cy="5098049"/>
-            </a:xfrm>
-            <a:prstGeom prst="rect">
-              <a:avLst/>
-            </a:prstGeom>
-            <a:noFill/>
-            <a:extLst>
-              <a:ext uri="{909E8E84-426E-40DD-AFC4-6F175D3DCCD1}">
-                <a14:hiddenFill xmlns:a14="http://schemas.microsoft.com/office/drawing/2010/main">
-                  <a:solidFill>
-                    <a:srgbClr val="FFFFFF"/>
-                  </a:solidFill>
-                </a14:hiddenFill>
-              </a:ext>
-            </a:extLst>
-          </p:spPr>
-        </p:pic>
-        <p:sp>
-          <p:nvSpPr>
-            <p:cNvPr id="3" name="TextBox 2"/>
-            <p:cNvSpPr txBox="1"/>
-            <p:nvPr/>
-          </p:nvSpPr>
-          <p:spPr>
-            <a:xfrm>
-              <a:off x="8677014" y="6142229"/>
-              <a:ext cx="1432123" cy="369332"/>
-            </a:xfrm>
-            <a:prstGeom prst="rect">
-              <a:avLst/>
-            </a:prstGeom>
-            <a:noFill/>
-          </p:spPr>
-          <p:txBody>
-            <a:bodyPr wrap="none" rtlCol="0">
-              <a:spAutoFit/>
-            </a:bodyPr>
-            <a:lstStyle/>
-            <a:p>
-              <a:r>
-                <a:rPr lang="en-US" altLang="ko-KR" b="1" dirty="0" smtClean="0">
-                  <a:latin typeface="나눔고딕" panose="020D0604000000000000" pitchFamily="50" charset="-127"/>
-                  <a:ea typeface="나눔고딕" panose="020D0604000000000000" pitchFamily="50" charset="-127"/>
-                </a:rPr>
-                <a:t>&lt; </a:t>
-              </a:r>
-              <a:r>
-                <a:rPr lang="ko-KR" altLang="en-US" b="1" dirty="0" smtClean="0">
-                  <a:latin typeface="나눔고딕" panose="020D0604000000000000" pitchFamily="50" charset="-127"/>
-                  <a:ea typeface="나눔고딕" panose="020D0604000000000000" pitchFamily="50" charset="-127"/>
-                </a:rPr>
-                <a:t>명언 </a:t>
-              </a:r>
-              <a:r>
-                <a:rPr lang="en-US" altLang="ko-KR" b="1" dirty="0" smtClean="0">
-                  <a:latin typeface="나눔고딕" panose="020D0604000000000000" pitchFamily="50" charset="-127"/>
-                  <a:ea typeface="나눔고딕" panose="020D0604000000000000" pitchFamily="50" charset="-127"/>
-                </a:rPr>
-                <a:t>Tab &gt;</a:t>
-              </a:r>
-              <a:endParaRPr lang="ko-KR" altLang="en-US" b="1" dirty="0">
-                <a:latin typeface="나눔고딕" panose="020D0604000000000000" pitchFamily="50" charset="-127"/>
-                <a:ea typeface="나눔고딕" panose="020D0604000000000000" pitchFamily="50" charset="-127"/>
-              </a:endParaRPr>
-            </a:p>
-          </p:txBody>
-        </p:sp>
-      </p:grpSp>
-      <p:sp>
-        <p:nvSpPr>
-          <p:cNvPr id="6" name="모서리가 둥근 사각형 설명선 5"/>
-          <p:cNvSpPr/>
-          <p:nvPr/>
-        </p:nvSpPr>
-        <p:spPr>
-          <a:xfrm>
-            <a:off x="9117106" y="769570"/>
-            <a:ext cx="2214282" cy="1613647"/>
-          </a:xfrm>
-          <a:prstGeom prst="wedgeRoundRectCallout">
-            <a:avLst>
-              <a:gd name="adj1" fmla="val -26096"/>
-              <a:gd name="adj2" fmla="val 87500"/>
-              <a:gd name="adj3" fmla="val 16667"/>
-            </a:avLst>
-          </a:prstGeom>
-          <a:solidFill>
-            <a:schemeClr val="bg1"/>
-          </a:solidFill>
-          <a:ln>
-            <a:noFill/>
-          </a:ln>
-        </p:spPr>
-        <p:style>
-          <a:lnRef idx="2">
-            <a:schemeClr val="accent1">
-              <a:shade val="50000"/>
-            </a:schemeClr>
-          </a:lnRef>
-          <a:fillRef idx="1">
-            <a:schemeClr val="accent1"/>
-          </a:fillRef>
-          <a:effectRef idx="0">
-            <a:schemeClr val="accent1"/>
-          </a:effectRef>
-          <a:fontRef idx="minor">
-            <a:schemeClr val="lt1"/>
-          </a:fontRef>
-        </p:style>
-        <p:txBody>
-          <a:bodyPr rtlCol="0" anchor="ctr"/>
-          <a:lstStyle/>
-          <a:p>
-            <a:pPr algn="ctr"/>
-            <a:endParaRPr lang="ko-KR" altLang="en-US"/>
-          </a:p>
-        </p:txBody>
-      </p:sp>
-    </p:spTree>
-    <p:extLst>
-      <p:ext uri="{BB962C8B-B14F-4D97-AF65-F5344CB8AC3E}">
-        <p14:creationId xmlns:p14="http://schemas.microsoft.com/office/powerpoint/2010/main" val="2797743240"/>
-      </p:ext>
-    </p:extLst>
-  </p:cSld>
-  <p:clrMapOvr>
-    <a:masterClrMapping/>
-  </p:clrMapOvr>
-  <mc:AlternateContent xmlns:mc="http://schemas.openxmlformats.org/markup-compatibility/2006" xmlns:p14="http://schemas.microsoft.com/office/powerpoint/2010/main">
-    <mc:Choice Requires="p14">
-      <p:transition spd="med" p14:dur="700">
-        <p:fade/>
-      </p:transition>
-    </mc:Choice>
-    <mc:Fallback xmlns="">
-      <p:transition spd="med">
-        <p:fade/>
-      </p:transition>
-    </mc:Fallback>
-  </mc:AlternateContent>
-  <p:timing>
-    <p:tnLst>
-      <p:par>
-        <p:cTn id="1" dur="indefinite" restart="never" nodeType="tmRoot"/>
-      </p:par>
-    </p:tnLst>
-  </p:timing>
-</p:sld>
-</file>
-
-<file path=ppt/slides/slide8.xml><?xml version="1.0" encoding="utf-8"?>
-<p:sld xmlns:a="http://schemas.openxmlformats.org/drawingml/2006/main" xmlns:r="http://schemas.openxmlformats.org/officeDocument/2006/relationships" xmlns:p="http://schemas.openxmlformats.org/presentationml/2006/main">
-  <p:cSld>
-    <p:spTree>
-      <p:nvGrpSpPr>
-        <p:cNvPr id="1" name=""/>
-        <p:cNvGrpSpPr/>
-        <p:nvPr/>
-      </p:nvGrpSpPr>
-      <p:grpSpPr>
-        <a:xfrm>
-          <a:off x="0" y="0"/>
-          <a:ext cx="0" cy="0"/>
-          <a:chOff x="0" y="0"/>
-          <a:chExt cx="0" cy="0"/>
-        </a:xfrm>
-      </p:grpSpPr>
-      <p:sp>
-        <p:nvSpPr>
-          <p:cNvPr id="4" name="TextBox 3"/>
-          <p:cNvSpPr txBox="1"/>
-          <p:nvPr/>
-        </p:nvSpPr>
-        <p:spPr>
-          <a:xfrm>
-            <a:off x="4342154" y="2967335"/>
-            <a:ext cx="3507692" cy="923330"/>
-          </a:xfrm>
-          <a:prstGeom prst="rect">
-            <a:avLst/>
-          </a:prstGeom>
-          <a:noFill/>
-          <a:ln>
-            <a:noFill/>
-          </a:ln>
-        </p:spPr>
-        <p:txBody>
-          <a:bodyPr wrap="none" rtlCol="0">
-            <a:spAutoFit/>
-          </a:bodyPr>
-          <a:lstStyle/>
-          <a:p>
-            <a:r>
-              <a:rPr lang="ko-KR" altLang="en-US" sz="5400" b="1" smtClean="0">
-                <a:ln w="19050">
-                  <a:noFill/>
-                </a:ln>
-                <a:solidFill>
-                  <a:schemeClr val="bg1"/>
-                </a:solidFill>
-                <a:latin typeface="나눔스퀘어라운드 ExtraBold" panose="020B0600000101010101" pitchFamily="50" charset="-127"/>
-                <a:ea typeface="나눔스퀘어라운드 ExtraBold" panose="020B0600000101010101" pitchFamily="50" charset="-127"/>
-              </a:rPr>
-              <a:t>시연 동영상</a:t>
-            </a:r>
-            <a:endParaRPr lang="ko-KR" altLang="en-US" sz="5400" b="1" dirty="0">
-              <a:ln w="19050">
-                <a:noFill/>
-              </a:ln>
-              <a:solidFill>
-                <a:schemeClr val="bg1"/>
-              </a:solidFill>
-              <a:latin typeface="나눔스퀘어라운드 ExtraBold" panose="020B0600000101010101" pitchFamily="50" charset="-127"/>
-              <a:ea typeface="나눔스퀘어라운드 ExtraBold" panose="020B0600000101010101" pitchFamily="50" charset="-127"/>
-            </a:endParaRPr>
-          </a:p>
-        </p:txBody>
-      </p:sp>
-    </p:spTree>
-    <p:extLst>
-      <p:ext uri="{BB962C8B-B14F-4D97-AF65-F5344CB8AC3E}">
-        <p14:creationId xmlns:p14="http://schemas.microsoft.com/office/powerpoint/2010/main" val="1120527982"/>
-      </p:ext>
-    </p:extLst>
-  </p:cSld>
-  <p:clrMapOvr>
-    <a:masterClrMapping/>
-  </p:clrMapOvr>
   <p:transition spd="slow">
-    <p:pull dir="lu"/>
+    <p:push dir="u"/>
   </p:transition>
-  <p:timing>
-    <p:tnLst>
-      <p:par>
-        <p:cTn id="1" dur="indefinite" restart="never" nodeType="tmRoot"/>
-      </p:par>
-    </p:tnLst>
-  </p:timing>
-</p:sld>
-</file>
-
-<file path=ppt/slides/slide9.xml><?xml version="1.0" encoding="utf-8"?>
-<p:sld xmlns:a="http://schemas.openxmlformats.org/drawingml/2006/main" xmlns:r="http://schemas.openxmlformats.org/officeDocument/2006/relationships" xmlns:p="http://schemas.openxmlformats.org/presentationml/2006/main">
-  <p:cSld>
-    <p:spTree>
-      <p:nvGrpSpPr>
-        <p:cNvPr id="1" name=""/>
-        <p:cNvGrpSpPr/>
-        <p:nvPr/>
-      </p:nvGrpSpPr>
-      <p:grpSpPr>
-        <a:xfrm>
-          <a:off x="0" y="0"/>
-          <a:ext cx="0" cy="0"/>
-          <a:chOff x="0" y="0"/>
-          <a:chExt cx="0" cy="0"/>
-        </a:xfrm>
-      </p:grpSpPr>
-      <p:sp>
-        <p:nvSpPr>
-          <p:cNvPr id="2" name="제목 1"/>
-          <p:cNvSpPr>
-            <a:spLocks noGrp="1"/>
-          </p:cNvSpPr>
-          <p:nvPr>
-            <p:ph type="title"/>
-          </p:nvPr>
-        </p:nvSpPr>
-        <p:spPr>
-          <a:xfrm>
-            <a:off x="838200" y="2766219"/>
-            <a:ext cx="10515600" cy="1325563"/>
-          </a:xfrm>
-        </p:spPr>
-        <p:txBody>
-          <a:bodyPr>
-            <a:normAutofit/>
-          </a:bodyPr>
-          <a:lstStyle/>
-          <a:p>
-            <a:pPr algn="ctr"/>
-            <a:r>
-              <a:rPr lang="ko-KR" altLang="en-US" sz="5400" dirty="0">
-                <a:ln w="28575">
-                  <a:noFill/>
-                </a:ln>
-                <a:solidFill>
-                  <a:schemeClr val="bg1"/>
-                </a:solidFill>
-                <a:latin typeface="나눔스퀘어라운드 ExtraBold" panose="020B0600000101010101" pitchFamily="50" charset="-127"/>
-                <a:ea typeface="나눔스퀘어라운드 ExtraBold" panose="020B0600000101010101" pitchFamily="50" charset="-127"/>
-              </a:rPr>
-              <a:t>소감 발표</a:t>
-            </a:r>
-          </a:p>
-        </p:txBody>
-      </p:sp>
-    </p:spTree>
-    <p:extLst>
-      <p:ext uri="{BB962C8B-B14F-4D97-AF65-F5344CB8AC3E}">
-        <p14:creationId xmlns:p14="http://schemas.microsoft.com/office/powerpoint/2010/main" val="163221039"/>
-      </p:ext>
-    </p:extLst>
-  </p:cSld>
-  <p:clrMapOvr>
-    <a:masterClrMapping/>
-  </p:clrMapOvr>
-  <mc:AlternateContent xmlns:mc="http://schemas.openxmlformats.org/markup-compatibility/2006" xmlns:p14="http://schemas.microsoft.com/office/powerpoint/2010/main">
-    <mc:Choice Requires="p14">
-      <p:transition spd="med" p14:dur="700">
-        <p:fade/>
-      </p:transition>
-    </mc:Choice>
-    <mc:Fallback xmlns="">
-      <p:transition spd="med">
-        <p:fade/>
-      </p:transition>
-    </mc:Fallback>
-  </mc:AlternateContent>
   <p:timing>
     <p:tnLst>
       <p:par>
@@ -6598,7 +6575,7 @@
   <a:extraClrSchemeLst/>
   <a:extLst>
     <a:ext uri="{05A4C25C-085E-4340-85A3-A5531E510DB2}">
-      <thm15:themeFamily xmlns:thm15="http://schemas.microsoft.com/office/thememl/2012/main" name="Office Theme" id="{62F939B6-93AF-4DB8-9C6B-D6C7DFDC589F}" vid="{4A3C46E8-61CC-4603-A589-7422A47A8E4A}"/>
+      <thm15:themeFamily xmlns:thm15="http://schemas.microsoft.com/office/thememl/2012/main" xmlns="" name="Office Theme" id="{62F939B6-93AF-4DB8-9C6B-D6C7DFDC589F}" vid="{4A3C46E8-61CC-4603-A589-7422A47A8E4A}"/>
     </a:ext>
   </a:extLst>
 </a:theme>

--- a/3학년1반3조ppt.pptx
+++ b/3학년1반3조ppt.pptx
@@ -1,26 +1,66 @@
 
 <file path=ppt/presentation.xml><?xml version="1.0" encoding="utf-8"?>
-<p:presentation xmlns:a="http://schemas.openxmlformats.org/drawingml/2006/main" xmlns:r="http://schemas.openxmlformats.org/officeDocument/2006/relationships" xmlns:p="http://schemas.openxmlformats.org/presentationml/2006/main" saveSubsetFonts="1">
+<p:presentation xmlns:a="http://schemas.openxmlformats.org/drawingml/2006/main" xmlns:r="http://schemas.openxmlformats.org/officeDocument/2006/relationships" xmlns:p="http://schemas.openxmlformats.org/presentationml/2006/main" embedTrueTypeFonts="1" saveSubsetFonts="1">
   <p:sldMasterIdLst>
     <p:sldMasterId id="2147483648" r:id="rId1"/>
   </p:sldMasterIdLst>
   <p:sldIdLst>
-    <p:sldId id="276" r:id="rId2"/>
+    <p:sldId id="271" r:id="rId2"/>
     <p:sldId id="272" r:id="rId3"/>
-    <p:sldId id="274" r:id="rId4"/>
-    <p:sldId id="275" r:id="rId5"/>
+    <p:sldId id="273" r:id="rId4"/>
+    <p:sldId id="268" r:id="rId5"/>
     <p:sldId id="258" r:id="rId6"/>
     <p:sldId id="266" r:id="rId7"/>
     <p:sldId id="263" r:id="rId8"/>
     <p:sldId id="259" r:id="rId9"/>
     <p:sldId id="260" r:id="rId10"/>
     <p:sldId id="261" r:id="rId11"/>
-    <p:sldId id="270" r:id="rId12"/>
-    <p:sldId id="265" r:id="rId13"/>
-    <p:sldId id="269" r:id="rId14"/>
+    <p:sldId id="275" r:id="rId12"/>
+    <p:sldId id="276" r:id="rId13"/>
+    <p:sldId id="274" r:id="rId14"/>
+    <p:sldId id="270" r:id="rId15"/>
+    <p:sldId id="265" r:id="rId16"/>
+    <p:sldId id="269" r:id="rId17"/>
   </p:sldIdLst>
   <p:sldSz cx="12192000" cy="6858000"/>
   <p:notesSz cx="6858000" cy="9144000"/>
+  <p:embeddedFontLst>
+    <p:embeddedFont>
+      <p:font typeface="나눔고딕" panose="020D0604000000000000" pitchFamily="50" charset="-127"/>
+      <p:regular r:id="rId18"/>
+      <p:bold r:id="rId19"/>
+    </p:embeddedFont>
+    <p:embeddedFont>
+      <p:font typeface="맑은 고딕" panose="020B0503020000020004" pitchFamily="50" charset="-127"/>
+      <p:regular r:id="rId20"/>
+      <p:bold r:id="rId21"/>
+    </p:embeddedFont>
+    <p:embeddedFont>
+      <p:font typeface="나눔바른펜" panose="020B0503000000000000" pitchFamily="50" charset="-127"/>
+      <p:regular r:id="rId22"/>
+      <p:bold r:id="rId23"/>
+    </p:embeddedFont>
+    <p:embeddedFont>
+      <p:font typeface="나눔스퀘어라운드 ExtraBold" panose="020B0600000101010101" pitchFamily="50" charset="-127"/>
+      <p:bold r:id="rId24"/>
+    </p:embeddedFont>
+    <p:embeddedFont>
+      <p:font typeface="나눔스퀘어 Bold" panose="020B0600000101010101" pitchFamily="50" charset="-127"/>
+      <p:bold r:id="rId25"/>
+    </p:embeddedFont>
+    <p:embeddedFont>
+      <p:font typeface="나눔스퀘어 ExtraBold" panose="020B0600000101010101" pitchFamily="50" charset="-127"/>
+      <p:bold r:id="rId26"/>
+    </p:embeddedFont>
+    <p:embeddedFont>
+      <p:font typeface="나눔고딕 ExtraBold" panose="020D0904000000000000" pitchFamily="50" charset="-127"/>
+      <p:bold r:id="rId27"/>
+    </p:embeddedFont>
+    <p:embeddedFont>
+      <p:font typeface="나눔스퀘어 Light" panose="020B0600000101010101" pitchFamily="50" charset="-127"/>
+      <p:regular r:id="rId28"/>
+    </p:embeddedFont>
+  </p:embeddedFontLst>
   <p:defaultTextStyle>
     <a:defPPr>
       <a:defRPr lang="ko-KR"/>
@@ -118,7 +158,7 @@
   </p:defaultTextStyle>
   <p:extLst>
     <p:ext uri="{EFAFB233-063F-42B5-8137-9DF3F51BA10A}">
-      <p15:sldGuideLst xmlns:p15="http://schemas.microsoft.com/office/powerpoint/2012/main" xmlns="">
+      <p15:sldGuideLst xmlns:p15="http://schemas.microsoft.com/office/powerpoint/2012/main">
         <p15:guide id="1" orient="horz" pos="2160">
           <p15:clr>
             <a:srgbClr val="A4A3A4"/>
@@ -294,7 +334,7 @@
           <a:p>
             <a:fld id="{AF8BD327-8EDF-4A3A-80D5-1C0CCFBF0AF3}" type="datetimeFigureOut">
               <a:rPr lang="ko-KR" altLang="en-US" smtClean="0"/>
-              <a:t>2018-10-19</a:t>
+              <a:t>2018-10-20</a:t>
             </a:fld>
             <a:endParaRPr lang="ko-KR" altLang="en-US"/>
           </a:p>
@@ -499,7 +539,7 @@
           <a:p>
             <a:fld id="{AF8BD327-8EDF-4A3A-80D5-1C0CCFBF0AF3}" type="datetimeFigureOut">
               <a:rPr lang="ko-KR" altLang="en-US" smtClean="0"/>
-              <a:t>2018-10-19</a:t>
+              <a:t>2018-10-20</a:t>
             </a:fld>
             <a:endParaRPr lang="ko-KR" altLang="en-US"/>
           </a:p>
@@ -547,6 +587,59 @@
           </a:p>
         </p:txBody>
       </p:sp>
+      <p:pic>
+        <p:nvPicPr>
+          <p:cNvPr id="8" name="Picture 2" descr="C:\Users\MS_House\Downloads\Document-master\DreamTree_icon.png"/>
+          <p:cNvPicPr>
+            <a:picLocks noChangeAspect="1" noChangeArrowheads="1"/>
+          </p:cNvPicPr>
+          <p:nvPr userDrawn="1"/>
+        </p:nvPicPr>
+        <p:blipFill>
+          <a:blip r:embed="rId3" cstate="print">
+            <a:extLst>
+              <a:ext uri="{BEBA8EAE-BF5A-486C-A8C5-ECC9F3942E4B}">
+                <a14:imgProps xmlns:a14="http://schemas.microsoft.com/office/drawing/2010/main">
+                  <a14:imgLayer r:embed="rId4">
+                    <a14:imgEffect>
+                      <a14:saturation sat="60000"/>
+                    </a14:imgEffect>
+                    <a14:imgEffect>
+                      <a14:brightnessContrast bright="-18000"/>
+                    </a14:imgEffect>
+                  </a14:imgLayer>
+                </a14:imgProps>
+              </a:ext>
+              <a:ext uri="{28A0092B-C50C-407E-A947-70E740481C1C}">
+                <a14:useLocalDpi xmlns:a14="http://schemas.microsoft.com/office/drawing/2010/main" val="0"/>
+              </a:ext>
+            </a:extLst>
+          </a:blip>
+          <a:srcRect/>
+          <a:stretch>
+            <a:fillRect/>
+          </a:stretch>
+        </p:blipFill>
+        <p:spPr bwMode="auto">
+          <a:xfrm>
+            <a:off x="11488848" y="6197302"/>
+            <a:ext cx="569834" cy="563246"/>
+          </a:xfrm>
+          <a:prstGeom prst="rect">
+            <a:avLst/>
+          </a:prstGeom>
+          <a:noFill/>
+          <a:extLst>
+            <a:ext uri="{909E8E84-426E-40DD-AFC4-6F175D3DCCD1}">
+              <a14:hiddenFill xmlns:a14="http://schemas.microsoft.com/office/drawing/2010/main">
+                <a:solidFill>
+                  <a:srgbClr val="FFFFFF"/>
+                </a:solidFill>
+              </a14:hiddenFill>
+            </a:ext>
+          </a:extLst>
+        </p:spPr>
+      </p:pic>
     </p:spTree>
     <p:extLst>
       <p:ext uri="{BB962C8B-B14F-4D97-AF65-F5344CB8AC3E}">
@@ -714,7 +807,7 @@
           <a:p>
             <a:fld id="{AF8BD327-8EDF-4A3A-80D5-1C0CCFBF0AF3}" type="datetimeFigureOut">
               <a:rPr lang="ko-KR" altLang="en-US" smtClean="0"/>
-              <a:t>2018-10-19</a:t>
+              <a:t>2018-10-20</a:t>
             </a:fld>
             <a:endParaRPr lang="ko-KR" altLang="en-US"/>
           </a:p>
@@ -762,6 +855,59 @@
           </a:p>
         </p:txBody>
       </p:sp>
+      <p:pic>
+        <p:nvPicPr>
+          <p:cNvPr id="8" name="Picture 2" descr="C:\Users\MS_House\Downloads\Document-master\DreamTree_icon.png"/>
+          <p:cNvPicPr>
+            <a:picLocks noChangeAspect="1" noChangeArrowheads="1"/>
+          </p:cNvPicPr>
+          <p:nvPr userDrawn="1"/>
+        </p:nvPicPr>
+        <p:blipFill>
+          <a:blip r:embed="rId3" cstate="print">
+            <a:extLst>
+              <a:ext uri="{BEBA8EAE-BF5A-486C-A8C5-ECC9F3942E4B}">
+                <a14:imgProps xmlns:a14="http://schemas.microsoft.com/office/drawing/2010/main">
+                  <a14:imgLayer r:embed="rId4">
+                    <a14:imgEffect>
+                      <a14:saturation sat="60000"/>
+                    </a14:imgEffect>
+                    <a14:imgEffect>
+                      <a14:brightnessContrast bright="-18000"/>
+                    </a14:imgEffect>
+                  </a14:imgLayer>
+                </a14:imgProps>
+              </a:ext>
+              <a:ext uri="{28A0092B-C50C-407E-A947-70E740481C1C}">
+                <a14:useLocalDpi xmlns:a14="http://schemas.microsoft.com/office/drawing/2010/main" val="0"/>
+              </a:ext>
+            </a:extLst>
+          </a:blip>
+          <a:srcRect/>
+          <a:stretch>
+            <a:fillRect/>
+          </a:stretch>
+        </p:blipFill>
+        <p:spPr bwMode="auto">
+          <a:xfrm>
+            <a:off x="11488848" y="6197302"/>
+            <a:ext cx="569834" cy="563246"/>
+          </a:xfrm>
+          <a:prstGeom prst="rect">
+            <a:avLst/>
+          </a:prstGeom>
+          <a:noFill/>
+          <a:extLst>
+            <a:ext uri="{909E8E84-426E-40DD-AFC4-6F175D3DCCD1}">
+              <a14:hiddenFill xmlns:a14="http://schemas.microsoft.com/office/drawing/2010/main">
+                <a:solidFill>
+                  <a:srgbClr val="FFFFFF"/>
+                </a:solidFill>
+              </a14:hiddenFill>
+            </a:ext>
+          </a:extLst>
+        </p:spPr>
+      </p:pic>
     </p:spTree>
     <p:extLst>
       <p:ext uri="{BB962C8B-B14F-4D97-AF65-F5344CB8AC3E}">
@@ -868,7 +1014,7 @@
           <a:p>
             <a:fld id="{AF8BD327-8EDF-4A3A-80D5-1C0CCFBF0AF3}" type="datetimeFigureOut">
               <a:rPr lang="ko-KR" altLang="en-US" smtClean="0"/>
-              <a:t>2018-10-19</a:t>
+              <a:t>2018-10-20</a:t>
             </a:fld>
             <a:endParaRPr lang="ko-KR" altLang="en-US"/>
           </a:p>
@@ -916,6 +1062,59 @@
           </a:p>
         </p:txBody>
       </p:sp>
+      <p:pic>
+        <p:nvPicPr>
+          <p:cNvPr id="7" name="Picture 2" descr="C:\Users\MS_House\Downloads\Document-master\DreamTree_icon.png"/>
+          <p:cNvPicPr>
+            <a:picLocks noChangeAspect="1" noChangeArrowheads="1"/>
+          </p:cNvPicPr>
+          <p:nvPr userDrawn="1"/>
+        </p:nvPicPr>
+        <p:blipFill>
+          <a:blip r:embed="rId3" cstate="print">
+            <a:extLst>
+              <a:ext uri="{BEBA8EAE-BF5A-486C-A8C5-ECC9F3942E4B}">
+                <a14:imgProps xmlns:a14="http://schemas.microsoft.com/office/drawing/2010/main">
+                  <a14:imgLayer r:embed="rId4">
+                    <a14:imgEffect>
+                      <a14:saturation sat="60000"/>
+                    </a14:imgEffect>
+                    <a14:imgEffect>
+                      <a14:brightnessContrast bright="-18000"/>
+                    </a14:imgEffect>
+                  </a14:imgLayer>
+                </a14:imgProps>
+              </a:ext>
+              <a:ext uri="{28A0092B-C50C-407E-A947-70E740481C1C}">
+                <a14:useLocalDpi xmlns:a14="http://schemas.microsoft.com/office/drawing/2010/main" val="0"/>
+              </a:ext>
+            </a:extLst>
+          </a:blip>
+          <a:srcRect/>
+          <a:stretch>
+            <a:fillRect/>
+          </a:stretch>
+        </p:blipFill>
+        <p:spPr bwMode="auto">
+          <a:xfrm>
+            <a:off x="11488848" y="6197302"/>
+            <a:ext cx="569834" cy="563246"/>
+          </a:xfrm>
+          <a:prstGeom prst="rect">
+            <a:avLst/>
+          </a:prstGeom>
+          <a:noFill/>
+          <a:extLst>
+            <a:ext uri="{909E8E84-426E-40DD-AFC4-6F175D3DCCD1}">
+              <a14:hiddenFill xmlns:a14="http://schemas.microsoft.com/office/drawing/2010/main">
+                <a:solidFill>
+                  <a:srgbClr val="FFFFFF"/>
+                </a:solidFill>
+              </a14:hiddenFill>
+            </a:ext>
+          </a:extLst>
+        </p:spPr>
+      </p:pic>
     </p:spTree>
     <p:extLst>
       <p:ext uri="{BB962C8B-B14F-4D97-AF65-F5344CB8AC3E}">
@@ -1073,7 +1272,7 @@
           <a:p>
             <a:fld id="{AF8BD327-8EDF-4A3A-80D5-1C0CCFBF0AF3}" type="datetimeFigureOut">
               <a:rPr lang="ko-KR" altLang="en-US" smtClean="0"/>
-              <a:t>2018-10-19</a:t>
+              <a:t>2018-10-20</a:t>
             </a:fld>
             <a:endParaRPr lang="ko-KR" altLang="en-US"/>
           </a:p>
@@ -1121,6 +1320,59 @@
           </a:p>
         </p:txBody>
       </p:sp>
+      <p:pic>
+        <p:nvPicPr>
+          <p:cNvPr id="8" name="Picture 2" descr="C:\Users\MS_House\Downloads\Document-master\DreamTree_icon.png"/>
+          <p:cNvPicPr>
+            <a:picLocks noChangeAspect="1" noChangeArrowheads="1"/>
+          </p:cNvPicPr>
+          <p:nvPr userDrawn="1"/>
+        </p:nvPicPr>
+        <p:blipFill>
+          <a:blip r:embed="rId3" cstate="print">
+            <a:extLst>
+              <a:ext uri="{BEBA8EAE-BF5A-486C-A8C5-ECC9F3942E4B}">
+                <a14:imgProps xmlns:a14="http://schemas.microsoft.com/office/drawing/2010/main">
+                  <a14:imgLayer r:embed="rId4">
+                    <a14:imgEffect>
+                      <a14:saturation sat="60000"/>
+                    </a14:imgEffect>
+                    <a14:imgEffect>
+                      <a14:brightnessContrast bright="-18000"/>
+                    </a14:imgEffect>
+                  </a14:imgLayer>
+                </a14:imgProps>
+              </a:ext>
+              <a:ext uri="{28A0092B-C50C-407E-A947-70E740481C1C}">
+                <a14:useLocalDpi xmlns:a14="http://schemas.microsoft.com/office/drawing/2010/main" val="0"/>
+              </a:ext>
+            </a:extLst>
+          </a:blip>
+          <a:srcRect/>
+          <a:stretch>
+            <a:fillRect/>
+          </a:stretch>
+        </p:blipFill>
+        <p:spPr bwMode="auto">
+          <a:xfrm>
+            <a:off x="11488848" y="6197302"/>
+            <a:ext cx="569834" cy="563246"/>
+          </a:xfrm>
+          <a:prstGeom prst="rect">
+            <a:avLst/>
+          </a:prstGeom>
+          <a:noFill/>
+          <a:extLst>
+            <a:ext uri="{909E8E84-426E-40DD-AFC4-6F175D3DCCD1}">
+              <a14:hiddenFill xmlns:a14="http://schemas.microsoft.com/office/drawing/2010/main">
+                <a:solidFill>
+                  <a:srgbClr val="FFFFFF"/>
+                </a:solidFill>
+              </a14:hiddenFill>
+            </a:ext>
+          </a:extLst>
+        </p:spPr>
+      </p:pic>
     </p:spTree>
     <p:extLst>
       <p:ext uri="{BB962C8B-B14F-4D97-AF65-F5344CB8AC3E}">
@@ -1355,7 +1607,7 @@
           <a:p>
             <a:fld id="{AF8BD327-8EDF-4A3A-80D5-1C0CCFBF0AF3}" type="datetimeFigureOut">
               <a:rPr lang="ko-KR" altLang="en-US" smtClean="0"/>
-              <a:t>2018-10-19</a:t>
+              <a:t>2018-10-20</a:t>
             </a:fld>
             <a:endParaRPr lang="ko-KR" altLang="en-US"/>
           </a:p>
@@ -1403,6 +1655,59 @@
           </a:p>
         </p:txBody>
       </p:sp>
+      <p:pic>
+        <p:nvPicPr>
+          <p:cNvPr id="8" name="Picture 2" descr="C:\Users\MS_House\Downloads\Document-master\DreamTree_icon.png"/>
+          <p:cNvPicPr>
+            <a:picLocks noChangeAspect="1" noChangeArrowheads="1"/>
+          </p:cNvPicPr>
+          <p:nvPr userDrawn="1"/>
+        </p:nvPicPr>
+        <p:blipFill>
+          <a:blip r:embed="rId3" cstate="print">
+            <a:extLst>
+              <a:ext uri="{BEBA8EAE-BF5A-486C-A8C5-ECC9F3942E4B}">
+                <a14:imgProps xmlns:a14="http://schemas.microsoft.com/office/drawing/2010/main">
+                  <a14:imgLayer r:embed="rId4">
+                    <a14:imgEffect>
+                      <a14:saturation sat="60000"/>
+                    </a14:imgEffect>
+                    <a14:imgEffect>
+                      <a14:brightnessContrast bright="-18000"/>
+                    </a14:imgEffect>
+                  </a14:imgLayer>
+                </a14:imgProps>
+              </a:ext>
+              <a:ext uri="{28A0092B-C50C-407E-A947-70E740481C1C}">
+                <a14:useLocalDpi xmlns:a14="http://schemas.microsoft.com/office/drawing/2010/main" val="0"/>
+              </a:ext>
+            </a:extLst>
+          </a:blip>
+          <a:srcRect/>
+          <a:stretch>
+            <a:fillRect/>
+          </a:stretch>
+        </p:blipFill>
+        <p:spPr bwMode="auto">
+          <a:xfrm>
+            <a:off x="11488848" y="6197302"/>
+            <a:ext cx="569834" cy="563246"/>
+          </a:xfrm>
+          <a:prstGeom prst="rect">
+            <a:avLst/>
+          </a:prstGeom>
+          <a:noFill/>
+          <a:extLst>
+            <a:ext uri="{909E8E84-426E-40DD-AFC4-6F175D3DCCD1}">
+              <a14:hiddenFill xmlns:a14="http://schemas.microsoft.com/office/drawing/2010/main">
+                <a:solidFill>
+                  <a:srgbClr val="FFFFFF"/>
+                </a:solidFill>
+              </a14:hiddenFill>
+            </a:ext>
+          </a:extLst>
+        </p:spPr>
+      </p:pic>
     </p:spTree>
     <p:extLst>
       <p:ext uri="{BB962C8B-B14F-4D97-AF65-F5344CB8AC3E}">
@@ -1621,7 +1926,7 @@
           <a:p>
             <a:fld id="{AF8BD327-8EDF-4A3A-80D5-1C0CCFBF0AF3}" type="datetimeFigureOut">
               <a:rPr lang="ko-KR" altLang="en-US" smtClean="0"/>
-              <a:t>2018-10-19</a:t>
+              <a:t>2018-10-20</a:t>
             </a:fld>
             <a:endParaRPr lang="ko-KR" altLang="en-US"/>
           </a:p>
@@ -1669,6 +1974,59 @@
           </a:p>
         </p:txBody>
       </p:sp>
+      <p:pic>
+        <p:nvPicPr>
+          <p:cNvPr id="9" name="Picture 2" descr="C:\Users\MS_House\Downloads\Document-master\DreamTree_icon.png"/>
+          <p:cNvPicPr>
+            <a:picLocks noChangeAspect="1" noChangeArrowheads="1"/>
+          </p:cNvPicPr>
+          <p:nvPr userDrawn="1"/>
+        </p:nvPicPr>
+        <p:blipFill>
+          <a:blip r:embed="rId3" cstate="print">
+            <a:extLst>
+              <a:ext uri="{BEBA8EAE-BF5A-486C-A8C5-ECC9F3942E4B}">
+                <a14:imgProps xmlns:a14="http://schemas.microsoft.com/office/drawing/2010/main">
+                  <a14:imgLayer r:embed="rId4">
+                    <a14:imgEffect>
+                      <a14:saturation sat="60000"/>
+                    </a14:imgEffect>
+                    <a14:imgEffect>
+                      <a14:brightnessContrast bright="-18000"/>
+                    </a14:imgEffect>
+                  </a14:imgLayer>
+                </a14:imgProps>
+              </a:ext>
+              <a:ext uri="{28A0092B-C50C-407E-A947-70E740481C1C}">
+                <a14:useLocalDpi xmlns:a14="http://schemas.microsoft.com/office/drawing/2010/main" val="0"/>
+              </a:ext>
+            </a:extLst>
+          </a:blip>
+          <a:srcRect/>
+          <a:stretch>
+            <a:fillRect/>
+          </a:stretch>
+        </p:blipFill>
+        <p:spPr bwMode="auto">
+          <a:xfrm>
+            <a:off x="11488848" y="6197302"/>
+            <a:ext cx="569834" cy="563246"/>
+          </a:xfrm>
+          <a:prstGeom prst="rect">
+            <a:avLst/>
+          </a:prstGeom>
+          <a:noFill/>
+          <a:extLst>
+            <a:ext uri="{909E8E84-426E-40DD-AFC4-6F175D3DCCD1}">
+              <a14:hiddenFill xmlns:a14="http://schemas.microsoft.com/office/drawing/2010/main">
+                <a:solidFill>
+                  <a:srgbClr val="FFFFFF"/>
+                </a:solidFill>
+              </a14:hiddenFill>
+            </a:ext>
+          </a:extLst>
+        </p:spPr>
+      </p:pic>
     </p:spTree>
     <p:extLst>
       <p:ext uri="{BB962C8B-B14F-4D97-AF65-F5344CB8AC3E}">
@@ -2022,7 +2380,7 @@
           <a:p>
             <a:fld id="{AF8BD327-8EDF-4A3A-80D5-1C0CCFBF0AF3}" type="datetimeFigureOut">
               <a:rPr lang="ko-KR" altLang="en-US" smtClean="0"/>
-              <a:t>2018-10-19</a:t>
+              <a:t>2018-10-20</a:t>
             </a:fld>
             <a:endParaRPr lang="ko-KR" altLang="en-US"/>
           </a:p>
@@ -2070,6 +2428,59 @@
           </a:p>
         </p:txBody>
       </p:sp>
+      <p:pic>
+        <p:nvPicPr>
+          <p:cNvPr id="11" name="Picture 2" descr="C:\Users\MS_House\Downloads\Document-master\DreamTree_icon.png"/>
+          <p:cNvPicPr>
+            <a:picLocks noChangeAspect="1" noChangeArrowheads="1"/>
+          </p:cNvPicPr>
+          <p:nvPr userDrawn="1"/>
+        </p:nvPicPr>
+        <p:blipFill>
+          <a:blip r:embed="rId3" cstate="print">
+            <a:extLst>
+              <a:ext uri="{BEBA8EAE-BF5A-486C-A8C5-ECC9F3942E4B}">
+                <a14:imgProps xmlns:a14="http://schemas.microsoft.com/office/drawing/2010/main">
+                  <a14:imgLayer r:embed="rId4">
+                    <a14:imgEffect>
+                      <a14:saturation sat="60000"/>
+                    </a14:imgEffect>
+                    <a14:imgEffect>
+                      <a14:brightnessContrast bright="-18000"/>
+                    </a14:imgEffect>
+                  </a14:imgLayer>
+                </a14:imgProps>
+              </a:ext>
+              <a:ext uri="{28A0092B-C50C-407E-A947-70E740481C1C}">
+                <a14:useLocalDpi xmlns:a14="http://schemas.microsoft.com/office/drawing/2010/main" val="0"/>
+              </a:ext>
+            </a:extLst>
+          </a:blip>
+          <a:srcRect/>
+          <a:stretch>
+            <a:fillRect/>
+          </a:stretch>
+        </p:blipFill>
+        <p:spPr bwMode="auto">
+          <a:xfrm>
+            <a:off x="11488848" y="6197302"/>
+            <a:ext cx="569834" cy="563246"/>
+          </a:xfrm>
+          <a:prstGeom prst="rect">
+            <a:avLst/>
+          </a:prstGeom>
+          <a:noFill/>
+          <a:extLst>
+            <a:ext uri="{909E8E84-426E-40DD-AFC4-6F175D3DCCD1}">
+              <a14:hiddenFill xmlns:a14="http://schemas.microsoft.com/office/drawing/2010/main">
+                <a:solidFill>
+                  <a:srgbClr val="FFFFFF"/>
+                </a:solidFill>
+              </a14:hiddenFill>
+            </a:ext>
+          </a:extLst>
+        </p:spPr>
+      </p:pic>
     </p:spTree>
     <p:extLst>
       <p:ext uri="{BB962C8B-B14F-4D97-AF65-F5344CB8AC3E}">
@@ -2146,7 +2557,7 @@
           <a:p>
             <a:fld id="{AF8BD327-8EDF-4A3A-80D5-1C0CCFBF0AF3}" type="datetimeFigureOut">
               <a:rPr lang="ko-KR" altLang="en-US" smtClean="0"/>
-              <a:t>2018-10-19</a:t>
+              <a:t>2018-10-20</a:t>
             </a:fld>
             <a:endParaRPr lang="ko-KR" altLang="en-US"/>
           </a:p>
@@ -2278,7 +2689,7 @@
           <a:p>
             <a:fld id="{AF8BD327-8EDF-4A3A-80D5-1C0CCFBF0AF3}" type="datetimeFigureOut">
               <a:rPr lang="ko-KR" altLang="en-US" smtClean="0"/>
-              <a:t>2018-10-19</a:t>
+              <a:t>2018-10-20</a:t>
             </a:fld>
             <a:endParaRPr lang="ko-KR" altLang="en-US"/>
           </a:p>
@@ -2590,7 +3001,7 @@
           <a:p>
             <a:fld id="{AF8BD327-8EDF-4A3A-80D5-1C0CCFBF0AF3}" type="datetimeFigureOut">
               <a:rPr lang="ko-KR" altLang="en-US" smtClean="0"/>
-              <a:t>2018-10-19</a:t>
+              <a:t>2018-10-20</a:t>
             </a:fld>
             <a:endParaRPr lang="ko-KR" altLang="en-US"/>
           </a:p>
@@ -2638,6 +3049,59 @@
           </a:p>
         </p:txBody>
       </p:sp>
+      <p:pic>
+        <p:nvPicPr>
+          <p:cNvPr id="9" name="Picture 2" descr="C:\Users\MS_House\Downloads\Document-master\DreamTree_icon.png"/>
+          <p:cNvPicPr>
+            <a:picLocks noChangeAspect="1" noChangeArrowheads="1"/>
+          </p:cNvPicPr>
+          <p:nvPr userDrawn="1"/>
+        </p:nvPicPr>
+        <p:blipFill>
+          <a:blip r:embed="rId3" cstate="print">
+            <a:extLst>
+              <a:ext uri="{BEBA8EAE-BF5A-486C-A8C5-ECC9F3942E4B}">
+                <a14:imgProps xmlns:a14="http://schemas.microsoft.com/office/drawing/2010/main">
+                  <a14:imgLayer r:embed="rId4">
+                    <a14:imgEffect>
+                      <a14:saturation sat="60000"/>
+                    </a14:imgEffect>
+                    <a14:imgEffect>
+                      <a14:brightnessContrast bright="-18000"/>
+                    </a14:imgEffect>
+                  </a14:imgLayer>
+                </a14:imgProps>
+              </a:ext>
+              <a:ext uri="{28A0092B-C50C-407E-A947-70E740481C1C}">
+                <a14:useLocalDpi xmlns:a14="http://schemas.microsoft.com/office/drawing/2010/main" val="0"/>
+              </a:ext>
+            </a:extLst>
+          </a:blip>
+          <a:srcRect/>
+          <a:stretch>
+            <a:fillRect/>
+          </a:stretch>
+        </p:blipFill>
+        <p:spPr bwMode="auto">
+          <a:xfrm>
+            <a:off x="11488848" y="6197302"/>
+            <a:ext cx="569834" cy="563246"/>
+          </a:xfrm>
+          <a:prstGeom prst="rect">
+            <a:avLst/>
+          </a:prstGeom>
+          <a:noFill/>
+          <a:extLst>
+            <a:ext uri="{909E8E84-426E-40DD-AFC4-6F175D3DCCD1}">
+              <a14:hiddenFill xmlns:a14="http://schemas.microsoft.com/office/drawing/2010/main">
+                <a:solidFill>
+                  <a:srgbClr val="FFFFFF"/>
+                </a:solidFill>
+              </a14:hiddenFill>
+            </a:ext>
+          </a:extLst>
+        </p:spPr>
+      </p:pic>
     </p:spTree>
     <p:extLst>
       <p:ext uri="{BB962C8B-B14F-4D97-AF65-F5344CB8AC3E}">
@@ -2879,7 +3343,7 @@
           <a:p>
             <a:fld id="{AF8BD327-8EDF-4A3A-80D5-1C0CCFBF0AF3}" type="datetimeFigureOut">
               <a:rPr lang="ko-KR" altLang="en-US" smtClean="0"/>
-              <a:t>2018-10-19</a:t>
+              <a:t>2018-10-20</a:t>
             </a:fld>
             <a:endParaRPr lang="ko-KR" altLang="en-US"/>
           </a:p>
@@ -2927,6 +3391,59 @@
           </a:p>
         </p:txBody>
       </p:sp>
+      <p:pic>
+        <p:nvPicPr>
+          <p:cNvPr id="9" name="Picture 2" descr="C:\Users\MS_House\Downloads\Document-master\DreamTree_icon.png"/>
+          <p:cNvPicPr>
+            <a:picLocks noChangeAspect="1" noChangeArrowheads="1"/>
+          </p:cNvPicPr>
+          <p:nvPr userDrawn="1"/>
+        </p:nvPicPr>
+        <p:blipFill>
+          <a:blip r:embed="rId3" cstate="print">
+            <a:extLst>
+              <a:ext uri="{BEBA8EAE-BF5A-486C-A8C5-ECC9F3942E4B}">
+                <a14:imgProps xmlns:a14="http://schemas.microsoft.com/office/drawing/2010/main">
+                  <a14:imgLayer r:embed="rId4">
+                    <a14:imgEffect>
+                      <a14:saturation sat="60000"/>
+                    </a14:imgEffect>
+                    <a14:imgEffect>
+                      <a14:brightnessContrast bright="-18000"/>
+                    </a14:imgEffect>
+                  </a14:imgLayer>
+                </a14:imgProps>
+              </a:ext>
+              <a:ext uri="{28A0092B-C50C-407E-A947-70E740481C1C}">
+                <a14:useLocalDpi xmlns:a14="http://schemas.microsoft.com/office/drawing/2010/main" val="0"/>
+              </a:ext>
+            </a:extLst>
+          </a:blip>
+          <a:srcRect/>
+          <a:stretch>
+            <a:fillRect/>
+          </a:stretch>
+        </p:blipFill>
+        <p:spPr bwMode="auto">
+          <a:xfrm>
+            <a:off x="11488848" y="6197302"/>
+            <a:ext cx="569834" cy="563246"/>
+          </a:xfrm>
+          <a:prstGeom prst="rect">
+            <a:avLst/>
+          </a:prstGeom>
+          <a:noFill/>
+          <a:extLst>
+            <a:ext uri="{909E8E84-426E-40DD-AFC4-6F175D3DCCD1}">
+              <a14:hiddenFill xmlns:a14="http://schemas.microsoft.com/office/drawing/2010/main">
+                <a:solidFill>
+                  <a:srgbClr val="FFFFFF"/>
+                </a:solidFill>
+              </a14:hiddenFill>
+            </a:ext>
+          </a:extLst>
+        </p:spPr>
+      </p:pic>
     </p:spTree>
     <p:extLst>
       <p:ext uri="{BB962C8B-B14F-4D97-AF65-F5344CB8AC3E}">
@@ -3097,7 +3614,7 @@
           <a:p>
             <a:fld id="{AF8BD327-8EDF-4A3A-80D5-1C0CCFBF0AF3}" type="datetimeFigureOut">
               <a:rPr lang="ko-KR" altLang="en-US" smtClean="0"/>
-              <a:t>2018-10-19</a:t>
+              <a:t>2018-10-20</a:t>
             </a:fld>
             <a:endParaRPr lang="ko-KR" altLang="en-US"/>
           </a:p>
@@ -3496,6 +4013,14 @@
 <file path=ppt/slides/slide1.xml><?xml version="1.0" encoding="utf-8"?>
 <p:sld xmlns:a="http://schemas.openxmlformats.org/drawingml/2006/main" xmlns:r="http://schemas.openxmlformats.org/officeDocument/2006/relationships" xmlns:p="http://schemas.openxmlformats.org/presentationml/2006/main">
   <p:cSld>
+    <p:bg>
+      <p:bgPr>
+        <a:solidFill>
+          <a:schemeClr val="tx1"/>
+        </a:solidFill>
+        <a:effectLst/>
+      </p:bgPr>
+    </p:bg>
     <p:spTree>
       <p:nvGrpSpPr>
         <p:cNvPr id="1" name=""/>
@@ -3513,25 +4038,13 @@
     </p:spTree>
     <p:extLst>
       <p:ext uri="{BB962C8B-B14F-4D97-AF65-F5344CB8AC3E}">
-        <p14:creationId xmlns:p14="http://schemas.microsoft.com/office/powerpoint/2010/main" val="646038120"/>
+        <p14:creationId xmlns:p14="http://schemas.microsoft.com/office/powerpoint/2010/main" val="4187542722"/>
       </p:ext>
     </p:extLst>
   </p:cSld>
   <p:clrMapOvr>
     <a:masterClrMapping/>
   </p:clrMapOvr>
-  <mc:AlternateContent xmlns:mc="http://schemas.openxmlformats.org/markup-compatibility/2006">
-    <mc:Choice xmlns:p14="http://schemas.microsoft.com/office/powerpoint/2010/main" Requires="p14">
-      <p:transition spd="med" p14:dur="700">
-        <p:fade/>
-      </p:transition>
-    </mc:Choice>
-    <mc:Fallback>
-      <p:transition spd="med">
-        <p:fade/>
-      </p:transition>
-    </mc:Fallback>
-  </mc:AlternateContent>
   <p:timing>
     <p:tnLst>
       <p:par>
@@ -3564,7 +4077,7 @@
           <p:cNvPr id="5" name="Rectangle 2">
             <a:extLst>
               <a:ext uri="{FF2B5EF4-FFF2-40B4-BE49-F238E27FC236}">
-                <a16:creationId xmlns:a16="http://schemas.microsoft.com/office/drawing/2014/main" xmlns="" id="{408ABB84-6CDD-4C9C-9863-365D7B5C2ACF}"/>
+                <a16:creationId xmlns:a16="http://schemas.microsoft.com/office/drawing/2014/main" id="{408ABB84-6CDD-4C9C-9863-365D7B5C2ACF}"/>
               </a:ext>
             </a:extLst>
           </p:cNvPr>
@@ -3636,7 +4149,7 @@
         </p:nvGrpSpPr>
         <p:grpSpPr>
           <a:xfrm>
-            <a:off x="498117" y="2562800"/>
+            <a:off x="4612917" y="2562800"/>
             <a:ext cx="6718471" cy="4038411"/>
             <a:chOff x="498117" y="1684252"/>
             <a:chExt cx="6718471" cy="4038411"/>
@@ -3647,7 +4160,7 @@
             <p:cNvPr id="2049" name="_x204844856" descr="EMB00004fa44b6b">
               <a:extLst>
                 <a:ext uri="{FF2B5EF4-FFF2-40B4-BE49-F238E27FC236}">
-                  <a16:creationId xmlns:a16="http://schemas.microsoft.com/office/drawing/2014/main" xmlns="" id="{7A416B3A-A987-4476-8168-E01B2A7060BE}"/>
+                  <a16:creationId xmlns:a16="http://schemas.microsoft.com/office/drawing/2014/main" id="{7A416B3A-A987-4476-8168-E01B2A7060BE}"/>
                 </a:ext>
               </a:extLst>
             </p:cNvPr>
@@ -3760,7 +4273,7 @@
         </p:nvGrpSpPr>
         <p:grpSpPr>
           <a:xfrm>
-            <a:off x="8028511" y="969626"/>
+            <a:off x="498117" y="969626"/>
             <a:ext cx="3267023" cy="5631585"/>
             <a:chOff x="7759565" y="879976"/>
             <a:chExt cx="3267023" cy="5631585"/>
@@ -3771,7 +4284,7 @@
             <p:cNvPr id="8" name="_x204844136" descr="EMB00004fa44b78">
               <a:extLst>
                 <a:ext uri="{FF2B5EF4-FFF2-40B4-BE49-F238E27FC236}">
-                  <a16:creationId xmlns:a16="http://schemas.microsoft.com/office/drawing/2014/main" xmlns="" id="{75F27950-DD6D-481C-BF13-61A8A8DB73A1}"/>
+                  <a16:creationId xmlns:a16="http://schemas.microsoft.com/office/drawing/2014/main" id="{75F27950-DD6D-481C-BF13-61A8A8DB73A1}"/>
                 </a:ext>
               </a:extLst>
             </p:cNvPr>
@@ -3862,6 +4375,278 @@
           </p:txBody>
         </p:sp>
       </p:grpSp>
+      <p:sp>
+        <p:nvSpPr>
+          <p:cNvPr id="6" name="모서리가 둥근 사각형 설명선 5"/>
+          <p:cNvSpPr/>
+          <p:nvPr/>
+        </p:nvSpPr>
+        <p:spPr>
+          <a:xfrm>
+            <a:off x="8756537" y="769570"/>
+            <a:ext cx="2935420" cy="1613647"/>
+          </a:xfrm>
+          <a:prstGeom prst="wedgeRoundRectCallout">
+            <a:avLst>
+              <a:gd name="adj1" fmla="val -26096"/>
+              <a:gd name="adj2" fmla="val 87500"/>
+              <a:gd name="adj3" fmla="val 16667"/>
+            </a:avLst>
+          </a:prstGeom>
+          <a:solidFill>
+            <a:schemeClr val="bg1"/>
+          </a:solidFill>
+          <a:ln>
+            <a:noFill/>
+          </a:ln>
+        </p:spPr>
+        <p:style>
+          <a:lnRef idx="2">
+            <a:schemeClr val="accent1">
+              <a:shade val="50000"/>
+            </a:schemeClr>
+          </a:lnRef>
+          <a:fillRef idx="1">
+            <a:schemeClr val="accent1"/>
+          </a:fillRef>
+          <a:effectRef idx="0">
+            <a:schemeClr val="accent1"/>
+          </a:effectRef>
+          <a:fontRef idx="minor">
+            <a:schemeClr val="lt1"/>
+          </a:fontRef>
+        </p:style>
+        <p:txBody>
+          <a:bodyPr rtlCol="0" anchor="ctr"/>
+          <a:lstStyle/>
+          <a:p>
+            <a:pPr algn="ctr"/>
+            <a:endParaRPr lang="ko-KR" altLang="en-US" dirty="0"/>
+          </a:p>
+        </p:txBody>
+      </p:sp>
+      <p:sp>
+        <p:nvSpPr>
+          <p:cNvPr id="9" name="TextBox 8"/>
+          <p:cNvSpPr txBox="1"/>
+          <p:nvPr/>
+        </p:nvSpPr>
+        <p:spPr>
+          <a:xfrm>
+            <a:off x="8756537" y="935205"/>
+            <a:ext cx="2935419" cy="984885"/>
+          </a:xfrm>
+          <a:prstGeom prst="rect">
+            <a:avLst/>
+          </a:prstGeom>
+          <a:noFill/>
+        </p:spPr>
+        <p:txBody>
+          <a:bodyPr wrap="none" rtlCol="0">
+            <a:spAutoFit/>
+          </a:bodyPr>
+          <a:lstStyle/>
+          <a:p>
+            <a:pPr algn="ctr">
+              <a:lnSpc>
+                <a:spcPct val="250000"/>
+              </a:lnSpc>
+            </a:pPr>
+            <a:r>
+              <a:rPr lang="en-US" altLang="ko-KR" sz="1600" i="1" dirty="0" smtClean="0">
+                <a:latin typeface="나눔스퀘어라운드 ExtraBold" panose="020B0600000101010101" pitchFamily="50" charset="-127"/>
+                <a:ea typeface="나눔스퀘어라운드 ExtraBold" panose="020B0600000101010101" pitchFamily="50" charset="-127"/>
+              </a:rPr>
+              <a:t>“ </a:t>
+            </a:r>
+            <a:r>
+              <a:rPr lang="ko-KR" altLang="en-US" sz="1600" i="1" dirty="0" smtClean="0">
+                <a:latin typeface="나눔스퀘어라운드 ExtraBold" panose="020B0600000101010101" pitchFamily="50" charset="-127"/>
+                <a:ea typeface="나눔스퀘어라운드 ExtraBold" panose="020B0600000101010101" pitchFamily="50" charset="-127"/>
+              </a:rPr>
+              <a:t>티끌 모아 태산 </a:t>
+            </a:r>
+            <a:r>
+              <a:rPr lang="en-US" altLang="ko-KR" sz="1600" i="1" dirty="0" smtClean="0">
+                <a:latin typeface="나눔스퀘어라운드 ExtraBold" panose="020B0600000101010101" pitchFamily="50" charset="-127"/>
+                <a:ea typeface="나눔스퀘어라운드 ExtraBold" panose="020B0600000101010101" pitchFamily="50" charset="-127"/>
+              </a:rPr>
+              <a:t>“</a:t>
+            </a:r>
+          </a:p>
+          <a:p>
+            <a:pPr algn="ctr"/>
+            <a:r>
+              <a:rPr lang="ko-KR" altLang="en-US" dirty="0" smtClean="0">
+                <a:latin typeface="나눔스퀘어 Light" panose="020B0600000101010101" pitchFamily="50" charset="-127"/>
+                <a:ea typeface="나눔스퀘어 Light" panose="020B0600000101010101" pitchFamily="50" charset="-127"/>
+              </a:rPr>
+              <a:t>작은 목표로 시작하는 큰 목표</a:t>
+            </a:r>
+            <a:endParaRPr lang="ko-KR" altLang="en-US" dirty="0">
+              <a:latin typeface="나눔스퀘어 Light" panose="020B0600000101010101" pitchFamily="50" charset="-127"/>
+              <a:ea typeface="나눔스퀘어 Light" panose="020B0600000101010101" pitchFamily="50" charset="-127"/>
+            </a:endParaRPr>
+          </a:p>
+        </p:txBody>
+      </p:sp>
+      <p:sp>
+        <p:nvSpPr>
+          <p:cNvPr id="11" name="모서리가 둥근 사각형 설명선 10"/>
+          <p:cNvSpPr/>
+          <p:nvPr/>
+        </p:nvSpPr>
+        <p:spPr>
+          <a:xfrm>
+            <a:off x="5111637" y="769569"/>
+            <a:ext cx="2935420" cy="1613647"/>
+          </a:xfrm>
+          <a:prstGeom prst="wedgeRoundRectCallout">
+            <a:avLst>
+              <a:gd name="adj1" fmla="val -95319"/>
+              <a:gd name="adj2" fmla="val 61134"/>
+              <a:gd name="adj3" fmla="val 16667"/>
+            </a:avLst>
+          </a:prstGeom>
+          <a:solidFill>
+            <a:schemeClr val="bg1"/>
+          </a:solidFill>
+          <a:ln>
+            <a:noFill/>
+          </a:ln>
+        </p:spPr>
+        <p:style>
+          <a:lnRef idx="2">
+            <a:schemeClr val="accent1">
+              <a:shade val="50000"/>
+            </a:schemeClr>
+          </a:lnRef>
+          <a:fillRef idx="1">
+            <a:schemeClr val="accent1"/>
+          </a:fillRef>
+          <a:effectRef idx="0">
+            <a:schemeClr val="accent1"/>
+          </a:effectRef>
+          <a:fontRef idx="minor">
+            <a:schemeClr val="lt1"/>
+          </a:fontRef>
+        </p:style>
+        <p:txBody>
+          <a:bodyPr rtlCol="0" anchor="ctr"/>
+          <a:lstStyle/>
+          <a:p>
+            <a:pPr algn="ctr"/>
+            <a:endParaRPr lang="ko-KR" altLang="en-US" dirty="0"/>
+          </a:p>
+        </p:txBody>
+      </p:sp>
+      <p:sp>
+        <p:nvSpPr>
+          <p:cNvPr id="10" name="TextBox 9"/>
+          <p:cNvSpPr txBox="1"/>
+          <p:nvPr/>
+        </p:nvSpPr>
+        <p:spPr>
+          <a:xfrm>
+            <a:off x="5350485" y="1053185"/>
+            <a:ext cx="2457724" cy="964367"/>
+          </a:xfrm>
+          <a:prstGeom prst="rect">
+            <a:avLst/>
+          </a:prstGeom>
+          <a:noFill/>
+        </p:spPr>
+        <p:txBody>
+          <a:bodyPr wrap="none" rtlCol="0">
+            <a:spAutoFit/>
+          </a:bodyPr>
+          <a:lstStyle/>
+          <a:p>
+            <a:pPr algn="ctr"/>
+            <a:r>
+              <a:rPr lang="en-US" altLang="ko-KR" sz="1600" i="1" dirty="0" smtClean="0">
+                <a:latin typeface="나눔스퀘어 ExtraBold" panose="020B0600000101010101" pitchFamily="50" charset="-127"/>
+                <a:ea typeface="나눔스퀘어 ExtraBold" panose="020B0600000101010101" pitchFamily="50" charset="-127"/>
+              </a:rPr>
+              <a:t>“ </a:t>
+            </a:r>
+            <a:r>
+              <a:rPr lang="ko-KR" altLang="en-US" sz="1600" b="1" i="1" dirty="0" smtClean="0">
+                <a:latin typeface="나눔스퀘어 ExtraBold" panose="020B0600000101010101" pitchFamily="50" charset="-127"/>
+                <a:ea typeface="나눔스퀘어 ExtraBold" panose="020B0600000101010101" pitchFamily="50" charset="-127"/>
+              </a:rPr>
+              <a:t>게으름은 피곤하기</a:t>
+            </a:r>
+            <a:endParaRPr lang="en-US" altLang="ko-KR" sz="1600" b="1" i="1" dirty="0" smtClean="0">
+              <a:latin typeface="나눔스퀘어 ExtraBold" panose="020B0600000101010101" pitchFamily="50" charset="-127"/>
+              <a:ea typeface="나눔스퀘어 ExtraBold" panose="020B0600000101010101" pitchFamily="50" charset="-127"/>
+            </a:endParaRPr>
+          </a:p>
+          <a:p>
+            <a:pPr algn="ctr"/>
+            <a:r>
+              <a:rPr lang="ko-KR" altLang="en-US" sz="1600" b="1" i="1" dirty="0" smtClean="0">
+                <a:latin typeface="나눔스퀘어 ExtraBold" panose="020B0600000101010101" pitchFamily="50" charset="-127"/>
+                <a:ea typeface="나눔스퀘어 ExtraBold" panose="020B0600000101010101" pitchFamily="50" charset="-127"/>
+              </a:rPr>
+              <a:t>전에 </a:t>
+            </a:r>
+            <a:r>
+              <a:rPr lang="ko-KR" altLang="en-US" sz="1600" b="1" i="1" dirty="0">
+                <a:latin typeface="나눔스퀘어 ExtraBold" panose="020B0600000101010101" pitchFamily="50" charset="-127"/>
+                <a:ea typeface="나눔스퀘어 ExtraBold" panose="020B0600000101010101" pitchFamily="50" charset="-127"/>
+              </a:rPr>
+              <a:t>쉬는 습관일 </a:t>
+            </a:r>
+            <a:r>
+              <a:rPr lang="ko-KR" altLang="en-US" sz="1600" b="1" i="1" dirty="0" smtClean="0">
+                <a:latin typeface="나눔스퀘어 ExtraBold" panose="020B0600000101010101" pitchFamily="50" charset="-127"/>
+                <a:ea typeface="나눔스퀘어 ExtraBold" panose="020B0600000101010101" pitchFamily="50" charset="-127"/>
+              </a:rPr>
+              <a:t>뿐</a:t>
+            </a:r>
+            <a:r>
+              <a:rPr lang="en-US" altLang="ko-KR" sz="1600" b="1" i="1" dirty="0">
+                <a:latin typeface="나눔스퀘어 ExtraBold" panose="020B0600000101010101" pitchFamily="50" charset="-127"/>
+                <a:ea typeface="나눔스퀘어 ExtraBold" panose="020B0600000101010101" pitchFamily="50" charset="-127"/>
+              </a:rPr>
+              <a:t> </a:t>
+            </a:r>
+            <a:r>
+              <a:rPr lang="en-US" altLang="ko-KR" sz="1600" b="1" i="1" dirty="0" smtClean="0">
+                <a:latin typeface="나눔스퀘어 ExtraBold" panose="020B0600000101010101" pitchFamily="50" charset="-127"/>
+                <a:ea typeface="나눔스퀘어 ExtraBold" panose="020B0600000101010101" pitchFamily="50" charset="-127"/>
+              </a:rPr>
+              <a:t>”</a:t>
+            </a:r>
+          </a:p>
+          <a:p>
+            <a:pPr algn="ctr">
+              <a:lnSpc>
+                <a:spcPts val="800"/>
+              </a:lnSpc>
+            </a:pPr>
+            <a:endParaRPr lang="en-US" altLang="ko-KR" sz="1600" b="1" i="1" dirty="0" smtClean="0">
+              <a:latin typeface="나눔스퀘어 ExtraBold" panose="020B0600000101010101" pitchFamily="50" charset="-127"/>
+              <a:ea typeface="나눔스퀘어 ExtraBold" panose="020B0600000101010101" pitchFamily="50" charset="-127"/>
+            </a:endParaRPr>
+          </a:p>
+          <a:p>
+            <a:pPr algn="ctr"/>
+            <a:r>
+              <a:rPr lang="ko-KR" altLang="en-US" dirty="0" smtClean="0">
+                <a:latin typeface="나눔스퀘어 Light" panose="020B0600000101010101" pitchFamily="50" charset="-127"/>
+                <a:ea typeface="나눔스퀘어 Light" panose="020B0600000101010101" pitchFamily="50" charset="-127"/>
+              </a:rPr>
+              <a:t>동기를 만들어 내는 명언</a:t>
+            </a:r>
+            <a:endParaRPr lang="ko-KR" altLang="en-US" dirty="0">
+              <a:latin typeface="나눔스퀘어 Light" panose="020B0600000101010101" pitchFamily="50" charset="-127"/>
+              <a:ea typeface="나눔스퀘어 Light" panose="020B0600000101010101" pitchFamily="50" charset="-127"/>
+            </a:endParaRPr>
+          </a:p>
+        </p:txBody>
+      </p:sp>
     </p:spTree>
     <p:extLst>
       <p:ext uri="{BB962C8B-B14F-4D97-AF65-F5344CB8AC3E}">
@@ -3910,8 +4695,8 @@
         </p:nvSpPr>
         <p:spPr>
           <a:xfrm>
-            <a:off x="4342154" y="2967335"/>
-            <a:ext cx="3507692" cy="923330"/>
+            <a:off x="4657145" y="2967335"/>
+            <a:ext cx="2877711" cy="923330"/>
           </a:xfrm>
           <a:prstGeom prst="rect">
             <a:avLst/>
@@ -3928,7 +4713,7 @@
           <a:lstStyle/>
           <a:p>
             <a:r>
-              <a:rPr lang="ko-KR" altLang="en-US" sz="5400" b="1" smtClean="0">
+              <a:rPr lang="ko-KR" altLang="en-US" sz="5400" b="1" dirty="0" smtClean="0">
                 <a:ln w="19050">
                   <a:noFill/>
                 </a:ln>
@@ -3938,7 +4723,7 @@
                 <a:latin typeface="나눔스퀘어라운드 ExtraBold" panose="020B0600000101010101" pitchFamily="50" charset="-127"/>
                 <a:ea typeface="나눔스퀘어라운드 ExtraBold" panose="020B0600000101010101" pitchFamily="50" charset="-127"/>
               </a:rPr>
-              <a:t>시연 동영상</a:t>
+              <a:t>기술 설명</a:t>
             </a:r>
             <a:endParaRPr lang="ko-KR" altLang="en-US" sz="5400" b="1" dirty="0">
               <a:ln w="19050">
@@ -3956,7 +4741,7 @@
     </p:spTree>
     <p:extLst>
       <p:ext uri="{BB962C8B-B14F-4D97-AF65-F5344CB8AC3E}">
-        <p14:creationId xmlns:p14="http://schemas.microsoft.com/office/powerpoint/2010/main" val="1120527982"/>
+        <p14:creationId xmlns:p14="http://schemas.microsoft.com/office/powerpoint/2010/main" val="52950381"/>
       </p:ext>
     </p:extLst>
   </p:cSld>
@@ -3993,58 +4778,455 @@
           <a:chExt cx="0" cy="0"/>
         </a:xfrm>
       </p:grpSpPr>
-      <p:sp>
-        <p:nvSpPr>
-          <p:cNvPr id="2" name="제목 1"/>
-          <p:cNvSpPr>
-            <a:spLocks noGrp="1"/>
-          </p:cNvSpPr>
-          <p:nvPr>
-            <p:ph type="title"/>
-          </p:nvPr>
-        </p:nvSpPr>
+      <p:grpSp>
+        <p:nvGrpSpPr>
+          <p:cNvPr id="8" name="그룹 7"/>
+          <p:cNvGrpSpPr/>
+          <p:nvPr/>
+        </p:nvGrpSpPr>
+        <p:grpSpPr>
+          <a:xfrm>
+            <a:off x="4214814" y="114294"/>
+            <a:ext cx="3633820" cy="735001"/>
+            <a:chOff x="3490914" y="104775"/>
+            <a:chExt cx="3633820" cy="735001"/>
+          </a:xfrm>
+        </p:grpSpPr>
+        <p:grpSp>
+          <p:nvGrpSpPr>
+            <p:cNvPr id="6" name="그룹 5"/>
+            <p:cNvGrpSpPr/>
+            <p:nvPr/>
+          </p:nvGrpSpPr>
+          <p:grpSpPr>
+            <a:xfrm>
+              <a:off x="3490914" y="104775"/>
+              <a:ext cx="2614612" cy="735001"/>
+              <a:chOff x="3157538" y="85725"/>
+              <a:chExt cx="4235399" cy="1190625"/>
+            </a:xfrm>
+          </p:grpSpPr>
+          <p:pic>
+            <p:nvPicPr>
+              <p:cNvPr id="4" name="그림 3"/>
+              <p:cNvPicPr>
+                <a:picLocks noChangeAspect="1"/>
+              </p:cNvPicPr>
+              <p:nvPr/>
+            </p:nvPicPr>
+            <p:blipFill>
+              <a:blip r:embed="rId2" cstate="print">
+                <a:extLst>
+                  <a:ext uri="{28A0092B-C50C-407E-A947-70E740481C1C}">
+                    <a14:useLocalDpi xmlns:a14="http://schemas.microsoft.com/office/drawing/2010/main" val="0"/>
+                  </a:ext>
+                </a:extLst>
+              </a:blip>
+              <a:stretch>
+                <a:fillRect/>
+              </a:stretch>
+            </p:blipFill>
+            <p:spPr>
+              <a:xfrm>
+                <a:off x="3157538" y="85725"/>
+                <a:ext cx="787349" cy="1190625"/>
+              </a:xfrm>
+              <a:prstGeom prst="rect">
+                <a:avLst/>
+              </a:prstGeom>
+            </p:spPr>
+          </p:pic>
+          <p:pic>
+            <p:nvPicPr>
+              <p:cNvPr id="5" name="그림 4"/>
+              <p:cNvPicPr>
+                <a:picLocks noChangeAspect="1"/>
+              </p:cNvPicPr>
+              <p:nvPr/>
+            </p:nvPicPr>
+            <p:blipFill>
+              <a:blip r:embed="rId3" cstate="print">
+                <a:extLst>
+                  <a:ext uri="{28A0092B-C50C-407E-A947-70E740481C1C}">
+                    <a14:useLocalDpi xmlns:a14="http://schemas.microsoft.com/office/drawing/2010/main" val="0"/>
+                  </a:ext>
+                </a:extLst>
+              </a:blip>
+              <a:stretch>
+                <a:fillRect/>
+              </a:stretch>
+            </p:blipFill>
+            <p:spPr>
+              <a:xfrm>
+                <a:off x="3944887" y="314681"/>
+                <a:ext cx="3448050" cy="732711"/>
+              </a:xfrm>
+              <a:prstGeom prst="rect">
+                <a:avLst/>
+              </a:prstGeom>
+            </p:spPr>
+          </p:pic>
+        </p:grpSp>
+        <p:sp>
+          <p:nvSpPr>
+            <p:cNvPr id="7" name="TextBox 6"/>
+            <p:cNvSpPr txBox="1"/>
+            <p:nvPr/>
+          </p:nvSpPr>
+          <p:spPr>
+            <a:xfrm>
+              <a:off x="6058416" y="368996"/>
+              <a:ext cx="1066318" cy="400110"/>
+            </a:xfrm>
+            <a:prstGeom prst="rect">
+              <a:avLst/>
+            </a:prstGeom>
+            <a:noFill/>
+          </p:spPr>
+          <p:txBody>
+            <a:bodyPr wrap="none" rtlCol="0">
+              <a:spAutoFit/>
+            </a:bodyPr>
+            <a:lstStyle/>
+            <a:p>
+              <a:r>
+                <a:rPr lang="en-US" altLang="ko-KR" sz="2000" dirty="0" smtClean="0">
+                  <a:solidFill>
+                    <a:srgbClr val="78C257"/>
+                  </a:solidFill>
+                  <a:latin typeface="나눔스퀘어 Bold" panose="020B0600000101010101" pitchFamily="50" charset="-127"/>
+                  <a:ea typeface="나눔스퀘어 Bold" panose="020B0600000101010101" pitchFamily="50" charset="-127"/>
+                </a:rPr>
+                <a:t>SDK 27</a:t>
+              </a:r>
+              <a:endParaRPr lang="ko-KR" altLang="en-US" sz="2000" dirty="0">
+                <a:solidFill>
+                  <a:srgbClr val="78C257"/>
+                </a:solidFill>
+                <a:latin typeface="나눔스퀘어 Bold" panose="020B0600000101010101" pitchFamily="50" charset="-127"/>
+                <a:ea typeface="나눔스퀘어 Bold" panose="020B0600000101010101" pitchFamily="50" charset="-127"/>
+              </a:endParaRPr>
+            </a:p>
+          </p:txBody>
+        </p:sp>
+      </p:grpSp>
+      <p:pic>
+        <p:nvPicPr>
+          <p:cNvPr id="9" name="그림 8"/>
+          <p:cNvPicPr>
+            <a:picLocks noChangeAspect="1"/>
+          </p:cNvPicPr>
+          <p:nvPr/>
+        </p:nvPicPr>
+        <p:blipFill>
+          <a:blip r:embed="rId4">
+            <a:extLst>
+              <a:ext uri="{28A0092B-C50C-407E-A947-70E740481C1C}">
+                <a14:useLocalDpi xmlns:a14="http://schemas.microsoft.com/office/drawing/2010/main" val="0"/>
+              </a:ext>
+            </a:extLst>
+          </a:blip>
+          <a:stretch>
+            <a:fillRect/>
+          </a:stretch>
+        </p:blipFill>
         <p:spPr>
           <a:xfrm>
-            <a:off x="838200" y="2766219"/>
-            <a:ext cx="10515600" cy="1325563"/>
-          </a:xfrm>
+            <a:off x="122653" y="1559554"/>
+            <a:ext cx="4578210" cy="2751191"/>
+          </a:xfrm>
+          <a:prstGeom prst="rect">
+            <a:avLst/>
+          </a:prstGeom>
         </p:spPr>
-        <p:txBody>
-          <a:bodyPr>
-            <a:normAutofit/>
+      </p:pic>
+      <p:sp>
+        <p:nvSpPr>
+          <p:cNvPr id="10" name="TextBox 9"/>
+          <p:cNvSpPr txBox="1"/>
+          <p:nvPr/>
+        </p:nvSpPr>
+        <p:spPr>
+          <a:xfrm>
+            <a:off x="734055" y="4456342"/>
+            <a:ext cx="3355406" cy="369332"/>
+          </a:xfrm>
+          <a:prstGeom prst="rect">
+            <a:avLst/>
+          </a:prstGeom>
+          <a:noFill/>
+        </p:spPr>
+        <p:txBody>
+          <a:bodyPr wrap="none" rtlCol="0">
+            <a:spAutoFit/>
           </a:bodyPr>
           <a:lstStyle/>
           <a:p>
-            <a:pPr algn="ctr"/>
-            <a:r>
-              <a:rPr lang="ko-KR" altLang="en-US" sz="5400" dirty="0">
-                <a:ln w="28575">
-                  <a:noFill/>
-                </a:ln>
+            <a:r>
+              <a:rPr lang="ko-KR" altLang="en-US" dirty="0" err="1" smtClean="0">
                 <a:solidFill>
                   <a:schemeClr val="bg1"/>
                 </a:solidFill>
                 <a:latin typeface="나눔스퀘어라운드 ExtraBold" panose="020B0600000101010101" pitchFamily="50" charset="-127"/>
                 <a:ea typeface="나눔스퀘어라운드 ExtraBold" panose="020B0600000101010101" pitchFamily="50" charset="-127"/>
               </a:rPr>
-              <a:t>소감 발표</a:t>
-            </a:r>
+              <a:t>킷캣부터</a:t>
+            </a:r>
+            <a:r>
+              <a:rPr lang="ko-KR" altLang="en-US" dirty="0" smtClean="0">
+                <a:solidFill>
+                  <a:schemeClr val="bg1"/>
+                </a:solidFill>
+                <a:latin typeface="나눔스퀘어라운드 ExtraBold" panose="020B0600000101010101" pitchFamily="50" charset="-127"/>
+                <a:ea typeface="나눔스퀘어라운드 ExtraBold" panose="020B0600000101010101" pitchFamily="50" charset="-127"/>
+              </a:rPr>
+              <a:t> 사용 가능한 높은 접근성</a:t>
+            </a:r>
+            <a:endParaRPr lang="ko-KR" altLang="en-US" dirty="0">
+              <a:solidFill>
+                <a:schemeClr val="bg1"/>
+              </a:solidFill>
+              <a:latin typeface="나눔스퀘어라운드 ExtraBold" panose="020B0600000101010101" pitchFamily="50" charset="-127"/>
+              <a:ea typeface="나눔스퀘어라운드 ExtraBold" panose="020B0600000101010101" pitchFamily="50" charset="-127"/>
+            </a:endParaRPr>
+          </a:p>
+        </p:txBody>
+      </p:sp>
+      <p:pic>
+        <p:nvPicPr>
+          <p:cNvPr id="2" name="그림 1"/>
+          <p:cNvPicPr>
+            <a:picLocks noChangeAspect="1"/>
+          </p:cNvPicPr>
+          <p:nvPr/>
+        </p:nvPicPr>
+        <p:blipFill rotWithShape="1">
+          <a:blip r:embed="rId5"/>
+          <a:srcRect l="28914" t="38926" r="28792" b="33447"/>
+          <a:stretch/>
+        </p:blipFill>
+        <p:spPr>
+          <a:xfrm>
+            <a:off x="4802526" y="901506"/>
+            <a:ext cx="4053799" cy="1448164"/>
+          </a:xfrm>
+          <a:prstGeom prst="rect">
+            <a:avLst/>
+          </a:prstGeom>
+        </p:spPr>
+      </p:pic>
+      <p:pic>
+        <p:nvPicPr>
+          <p:cNvPr id="3" name="그림 2"/>
+          <p:cNvPicPr>
+            <a:picLocks noChangeAspect="1"/>
+          </p:cNvPicPr>
+          <p:nvPr/>
+        </p:nvPicPr>
+        <p:blipFill rotWithShape="1">
+          <a:blip r:embed="rId6"/>
+          <a:srcRect l="28456" t="21166" r="41728" b="9801"/>
+          <a:stretch/>
+        </p:blipFill>
+        <p:spPr>
+          <a:xfrm>
+            <a:off x="4946253" y="2880192"/>
+            <a:ext cx="3073059" cy="3890964"/>
+          </a:xfrm>
+          <a:prstGeom prst="rect">
+            <a:avLst/>
+          </a:prstGeom>
+        </p:spPr>
+      </p:pic>
+      <p:pic>
+        <p:nvPicPr>
+          <p:cNvPr id="11" name="그림 10"/>
+          <p:cNvPicPr>
+            <a:picLocks noChangeAspect="1"/>
+          </p:cNvPicPr>
+          <p:nvPr/>
+        </p:nvPicPr>
+        <p:blipFill rotWithShape="1">
+          <a:blip r:embed="rId7"/>
+          <a:srcRect l="32033" t="19815" r="45536" b="54957"/>
+          <a:stretch/>
+        </p:blipFill>
+        <p:spPr>
+          <a:xfrm>
+            <a:off x="9112525" y="901506"/>
+            <a:ext cx="2867204" cy="1763451"/>
+          </a:xfrm>
+          <a:prstGeom prst="rect">
+            <a:avLst/>
+          </a:prstGeom>
+        </p:spPr>
+      </p:pic>
+      <p:sp>
+        <p:nvSpPr>
+          <p:cNvPr id="12" name="TextBox 11"/>
+          <p:cNvSpPr txBox="1"/>
+          <p:nvPr/>
+        </p:nvSpPr>
+        <p:spPr>
+          <a:xfrm>
+            <a:off x="8019312" y="4271676"/>
+            <a:ext cx="3890552" cy="369332"/>
+          </a:xfrm>
+          <a:prstGeom prst="rect">
+            <a:avLst/>
+          </a:prstGeom>
+          <a:noFill/>
+        </p:spPr>
+        <p:txBody>
+          <a:bodyPr wrap="none" rtlCol="0">
+            <a:spAutoFit/>
+          </a:bodyPr>
+          <a:lstStyle/>
+          <a:p>
+            <a:r>
+              <a:rPr lang="ko-KR" altLang="en-US" dirty="0" smtClean="0">
+                <a:solidFill>
+                  <a:schemeClr val="bg1"/>
+                </a:solidFill>
+                <a:latin typeface="나눔스퀘어라운드 ExtraBold" panose="020B0600000101010101" pitchFamily="50" charset="-127"/>
+                <a:ea typeface="나눔스퀘어라운드 ExtraBold" panose="020B0600000101010101" pitchFamily="50" charset="-127"/>
+              </a:rPr>
+              <a:t>서버에서 추출된 명언을 </a:t>
+            </a:r>
+            <a:r>
+              <a:rPr lang="ko-KR" altLang="en-US" dirty="0" err="1" smtClean="0">
+                <a:solidFill>
+                  <a:schemeClr val="bg1"/>
+                </a:solidFill>
+                <a:latin typeface="나눔스퀘어라운드 ExtraBold" panose="020B0600000101010101" pitchFamily="50" charset="-127"/>
+                <a:ea typeface="나눔스퀘어라운드 ExtraBold" panose="020B0600000101010101" pitchFamily="50" charset="-127"/>
+              </a:rPr>
+              <a:t>파싱</a:t>
+            </a:r>
+            <a:r>
+              <a:rPr lang="en-US" altLang="ko-KR" dirty="0" smtClean="0">
+                <a:solidFill>
+                  <a:schemeClr val="bg1"/>
+                </a:solidFill>
+                <a:latin typeface="나눔스퀘어라운드 ExtraBold" panose="020B0600000101010101" pitchFamily="50" charset="-127"/>
+                <a:ea typeface="나눔스퀘어라운드 ExtraBold" panose="020B0600000101010101" pitchFamily="50" charset="-127"/>
+              </a:rPr>
+              <a:t>(Parsing)</a:t>
+            </a:r>
+            <a:endParaRPr lang="ko-KR" altLang="en-US" dirty="0">
+              <a:solidFill>
+                <a:schemeClr val="bg1"/>
+              </a:solidFill>
+              <a:latin typeface="나눔스퀘어라운드 ExtraBold" panose="020B0600000101010101" pitchFamily="50" charset="-127"/>
+              <a:ea typeface="나눔스퀘어라운드 ExtraBold" panose="020B0600000101010101" pitchFamily="50" charset="-127"/>
+            </a:endParaRPr>
+          </a:p>
+        </p:txBody>
+      </p:sp>
+      <p:sp>
+        <p:nvSpPr>
+          <p:cNvPr id="13" name="TextBox 12"/>
+          <p:cNvSpPr txBox="1"/>
+          <p:nvPr/>
+        </p:nvSpPr>
+        <p:spPr>
+          <a:xfrm>
+            <a:off x="5944407" y="2358556"/>
+            <a:ext cx="1770036" cy="369332"/>
+          </a:xfrm>
+          <a:prstGeom prst="rect">
+            <a:avLst/>
+          </a:prstGeom>
+          <a:noFill/>
+        </p:spPr>
+        <p:txBody>
+          <a:bodyPr wrap="none" rtlCol="0">
+            <a:spAutoFit/>
+          </a:bodyPr>
+          <a:lstStyle/>
+          <a:p>
+            <a:r>
+              <a:rPr lang="ko-KR" altLang="en-US" dirty="0" smtClean="0">
+                <a:solidFill>
+                  <a:schemeClr val="bg1"/>
+                </a:solidFill>
+                <a:latin typeface="나눔스퀘어라운드 ExtraBold" panose="020B0600000101010101" pitchFamily="50" charset="-127"/>
+                <a:ea typeface="나눔스퀘어라운드 ExtraBold" panose="020B0600000101010101" pitchFamily="50" charset="-127"/>
+              </a:rPr>
+              <a:t>트리 </a:t>
+            </a:r>
+            <a:r>
+              <a:rPr lang="ko-KR" altLang="en-US" smtClean="0">
+                <a:solidFill>
+                  <a:schemeClr val="bg1"/>
+                </a:solidFill>
+                <a:latin typeface="나눔스퀘어라운드 ExtraBold" panose="020B0600000101010101" pitchFamily="50" charset="-127"/>
+                <a:ea typeface="나눔스퀘어라운드 ExtraBold" panose="020B0600000101010101" pitchFamily="50" charset="-127"/>
+              </a:rPr>
+              <a:t>그래프 구현</a:t>
+            </a:r>
+            <a:endParaRPr lang="ko-KR" altLang="en-US" dirty="0">
+              <a:solidFill>
+                <a:schemeClr val="bg1"/>
+              </a:solidFill>
+              <a:latin typeface="나눔스퀘어라운드 ExtraBold" panose="020B0600000101010101" pitchFamily="50" charset="-127"/>
+              <a:ea typeface="나눔스퀘어라운드 ExtraBold" panose="020B0600000101010101" pitchFamily="50" charset="-127"/>
+            </a:endParaRPr>
+          </a:p>
+        </p:txBody>
+      </p:sp>
+      <p:sp>
+        <p:nvSpPr>
+          <p:cNvPr id="14" name="TextBox 13"/>
+          <p:cNvSpPr txBox="1"/>
+          <p:nvPr/>
+        </p:nvSpPr>
+        <p:spPr>
+          <a:xfrm>
+            <a:off x="9556112" y="2667933"/>
+            <a:ext cx="1980029" cy="369332"/>
+          </a:xfrm>
+          <a:prstGeom prst="rect">
+            <a:avLst/>
+          </a:prstGeom>
+          <a:noFill/>
+        </p:spPr>
+        <p:txBody>
+          <a:bodyPr wrap="none" rtlCol="0">
+            <a:spAutoFit/>
+          </a:bodyPr>
+          <a:lstStyle/>
+          <a:p>
+            <a:r>
+              <a:rPr lang="ko-KR" altLang="en-US" smtClean="0">
+                <a:solidFill>
+                  <a:schemeClr val="bg1"/>
+                </a:solidFill>
+                <a:latin typeface="나눔스퀘어라운드 ExtraBold" panose="020B0600000101010101" pitchFamily="50" charset="-127"/>
+                <a:ea typeface="나눔스퀘어라운드 ExtraBold" panose="020B0600000101010101" pitchFamily="50" charset="-127"/>
+              </a:rPr>
+              <a:t>자라나는 나무 구현</a:t>
+            </a:r>
+            <a:endParaRPr lang="ko-KR" altLang="en-US" dirty="0">
+              <a:solidFill>
+                <a:schemeClr val="bg1"/>
+              </a:solidFill>
+              <a:latin typeface="나눔스퀘어라운드 ExtraBold" panose="020B0600000101010101" pitchFamily="50" charset="-127"/>
+              <a:ea typeface="나눔스퀘어라운드 ExtraBold" panose="020B0600000101010101" pitchFamily="50" charset="-127"/>
+            </a:endParaRPr>
           </a:p>
         </p:txBody>
       </p:sp>
     </p:spTree>
     <p:extLst>
       <p:ext uri="{BB962C8B-B14F-4D97-AF65-F5344CB8AC3E}">
-        <p14:creationId xmlns:p14="http://schemas.microsoft.com/office/powerpoint/2010/main" val="163221039"/>
+        <p14:creationId xmlns:p14="http://schemas.microsoft.com/office/powerpoint/2010/main" val="4130873235"/>
       </p:ext>
     </p:extLst>
   </p:cSld>
   <p:clrMapOvr>
     <a:masterClrMapping/>
   </p:clrMapOvr>
-  <p:transition spd="slow">
-    <p:push dir="u"/>
-  </p:transition>
   <p:timing>
     <p:tnLst>
       <p:par>
@@ -4072,147 +5254,639 @@
           <a:chExt cx="0" cy="0"/>
         </a:xfrm>
       </p:grpSpPr>
-      <p:sp>
-        <p:nvSpPr>
-          <p:cNvPr id="2" name="제목 1"/>
-          <p:cNvSpPr txBox="1">
-            <a:spLocks/>
-          </p:cNvSpPr>
+      <p:pic>
+        <p:nvPicPr>
+          <p:cNvPr id="4" name="그림 3"/>
+          <p:cNvPicPr>
+            <a:picLocks noChangeAspect="1"/>
+          </p:cNvPicPr>
           <p:nvPr/>
-        </p:nvSpPr>
+        </p:nvPicPr>
+        <p:blipFill rotWithShape="1">
+          <a:blip r:embed="rId2"/>
+          <a:srcRect t="-1" r="34948" b="34483"/>
+          <a:stretch/>
+        </p:blipFill>
         <p:spPr>
           <a:xfrm>
-            <a:off x="329317" y="1801461"/>
-            <a:ext cx="11533365" cy="3255078"/>
+            <a:off x="221877" y="1749722"/>
+            <a:ext cx="6857999" cy="3458994"/>
           </a:xfrm>
           <a:prstGeom prst="rect">
             <a:avLst/>
           </a:prstGeom>
         </p:spPr>
+      </p:pic>
+      <p:grpSp>
+        <p:nvGrpSpPr>
+          <p:cNvPr id="9" name="그룹 8"/>
+          <p:cNvGrpSpPr/>
+          <p:nvPr/>
+        </p:nvGrpSpPr>
+        <p:grpSpPr>
+          <a:xfrm>
+            <a:off x="2483035" y="481657"/>
+            <a:ext cx="8159380" cy="923330"/>
+            <a:chOff x="3907113" y="97362"/>
+            <a:chExt cx="8159380" cy="923330"/>
+          </a:xfrm>
+        </p:grpSpPr>
+        <p:pic>
+          <p:nvPicPr>
+            <p:cNvPr id="1028" name="Picture 4" descr="windows server 2016 logo pngì ëí ì´ë¯¸ì§ ê²ìê²°ê³¼"/>
+            <p:cNvPicPr>
+              <a:picLocks noChangeAspect="1" noChangeArrowheads="1"/>
+            </p:cNvPicPr>
+            <p:nvPr/>
+          </p:nvPicPr>
+          <p:blipFill>
+            <a:blip r:embed="rId3" cstate="print">
+              <a:extLst>
+                <a:ext uri="{28A0092B-C50C-407E-A947-70E740481C1C}">
+                  <a14:useLocalDpi xmlns:a14="http://schemas.microsoft.com/office/drawing/2010/main" val="0"/>
+                </a:ext>
+              </a:extLst>
+            </a:blip>
+            <a:srcRect/>
+            <a:stretch>
+              <a:fillRect/>
+            </a:stretch>
+          </p:blipFill>
+          <p:spPr bwMode="auto">
+            <a:xfrm>
+              <a:off x="3907113" y="259977"/>
+              <a:ext cx="5388294" cy="598101"/>
+            </a:xfrm>
+            <a:prstGeom prst="rect">
+              <a:avLst/>
+            </a:prstGeom>
+            <a:noFill/>
+            <a:extLst>
+              <a:ext uri="{909E8E84-426E-40DD-AFC4-6F175D3DCCD1}">
+                <a14:hiddenFill xmlns:a14="http://schemas.microsoft.com/office/drawing/2010/main">
+                  <a:solidFill>
+                    <a:srgbClr val="FFFFFF"/>
+                  </a:solidFill>
+                </a14:hiddenFill>
+              </a:ext>
+            </a:extLst>
+          </p:spPr>
+        </p:pic>
+        <p:sp>
+          <p:nvSpPr>
+            <p:cNvPr id="6" name="TextBox 5"/>
+            <p:cNvSpPr txBox="1"/>
+            <p:nvPr/>
+          </p:nvSpPr>
+          <p:spPr>
+            <a:xfrm>
+              <a:off x="9412940" y="97362"/>
+              <a:ext cx="2653553" cy="923330"/>
+            </a:xfrm>
+            <a:prstGeom prst="rect">
+              <a:avLst/>
+            </a:prstGeom>
+            <a:noFill/>
+          </p:spPr>
+          <p:txBody>
+            <a:bodyPr wrap="square" rtlCol="0">
+              <a:spAutoFit/>
+            </a:bodyPr>
+            <a:lstStyle/>
+            <a:p>
+              <a:r>
+                <a:rPr lang="en-US" altLang="ko-KR" dirty="0" smtClean="0">
+                  <a:solidFill>
+                    <a:srgbClr val="00188F"/>
+                  </a:solidFill>
+                  <a:latin typeface="나눔스퀘어라운드 ExtraBold" panose="020B0600000101010101" pitchFamily="50" charset="-127"/>
+                  <a:ea typeface="나눔스퀘어라운드 ExtraBold" panose="020B0600000101010101" pitchFamily="50" charset="-127"/>
+                </a:rPr>
+                <a:t>                 PHP 7.2.7</a:t>
+              </a:r>
+            </a:p>
+            <a:p>
+              <a:r>
+                <a:rPr lang="en-US" altLang="ko-KR" dirty="0" smtClean="0">
+                  <a:solidFill>
+                    <a:srgbClr val="00188F"/>
+                  </a:solidFill>
+                  <a:latin typeface="나눔스퀘어라운드 ExtraBold" panose="020B0600000101010101" pitchFamily="50" charset="-127"/>
+                  <a:ea typeface="나눔스퀘어라운드 ExtraBold" panose="020B0600000101010101" pitchFamily="50" charset="-127"/>
+                </a:rPr>
+                <a:t>            MySQL 5.5.45</a:t>
+              </a:r>
+            </a:p>
+            <a:p>
+              <a:r>
+                <a:rPr lang="en-US" altLang="ko-KR" dirty="0" err="1" smtClean="0">
+                  <a:solidFill>
+                    <a:srgbClr val="00188F"/>
+                  </a:solidFill>
+                  <a:latin typeface="나눔스퀘어라운드 ExtraBold" panose="020B0600000101010101" pitchFamily="50" charset="-127"/>
+                  <a:ea typeface="나눔스퀘어라운드 ExtraBold" panose="020B0600000101010101" pitchFamily="50" charset="-127"/>
+                </a:rPr>
+                <a:t>phpMyAdmin</a:t>
+              </a:r>
+              <a:r>
+                <a:rPr lang="en-US" altLang="ko-KR" dirty="0" smtClean="0">
+                  <a:solidFill>
+                    <a:srgbClr val="00188F"/>
+                  </a:solidFill>
+                  <a:latin typeface="나눔스퀘어라운드 ExtraBold" panose="020B0600000101010101" pitchFamily="50" charset="-127"/>
+                  <a:ea typeface="나눔스퀘어라운드 ExtraBold" panose="020B0600000101010101" pitchFamily="50" charset="-127"/>
+                </a:rPr>
+                <a:t> 4.8.3 </a:t>
+              </a:r>
+              <a:endParaRPr lang="ko-KR" altLang="en-US" dirty="0">
+                <a:solidFill>
+                  <a:srgbClr val="00188F"/>
+                </a:solidFill>
+                <a:latin typeface="나눔스퀘어라운드 ExtraBold" panose="020B0600000101010101" pitchFamily="50" charset="-127"/>
+                <a:ea typeface="나눔스퀘어라운드 ExtraBold" panose="020B0600000101010101" pitchFamily="50" charset="-127"/>
+              </a:endParaRPr>
+            </a:p>
+          </p:txBody>
+        </p:sp>
+      </p:grpSp>
+      <p:grpSp>
+        <p:nvGrpSpPr>
+          <p:cNvPr id="8" name="그룹 7"/>
+          <p:cNvGrpSpPr/>
+          <p:nvPr/>
+        </p:nvGrpSpPr>
+        <p:grpSpPr>
+          <a:xfrm>
+            <a:off x="7372911" y="1749722"/>
+            <a:ext cx="4231517" cy="3486228"/>
+            <a:chOff x="7077636" y="3111797"/>
+            <a:chExt cx="4231517" cy="3486228"/>
+          </a:xfrm>
+        </p:grpSpPr>
+        <p:pic>
+          <p:nvPicPr>
+            <p:cNvPr id="5" name="그림 4"/>
+            <p:cNvPicPr>
+              <a:picLocks noChangeAspect="1"/>
+            </p:cNvPicPr>
+            <p:nvPr/>
+          </p:nvPicPr>
+          <p:blipFill>
+            <a:blip r:embed="rId4">
+              <a:extLst>
+                <a:ext uri="{28A0092B-C50C-407E-A947-70E740481C1C}">
+                  <a14:useLocalDpi xmlns:a14="http://schemas.microsoft.com/office/drawing/2010/main" val="0"/>
+                </a:ext>
+              </a:extLst>
+            </a:blip>
+            <a:stretch>
+              <a:fillRect/>
+            </a:stretch>
+          </p:blipFill>
+          <p:spPr>
+            <a:xfrm>
+              <a:off x="7077636" y="3111797"/>
+              <a:ext cx="4231517" cy="3486228"/>
+            </a:xfrm>
+            <a:prstGeom prst="rect">
+              <a:avLst/>
+            </a:prstGeom>
+          </p:spPr>
+        </p:pic>
+        <p:sp>
+          <p:nvSpPr>
+            <p:cNvPr id="7" name="직사각형 6"/>
+            <p:cNvSpPr/>
+            <p:nvPr/>
+          </p:nvSpPr>
+          <p:spPr>
+            <a:xfrm>
+              <a:off x="8208169" y="3645694"/>
+              <a:ext cx="400050" cy="83344"/>
+            </a:xfrm>
+            <a:prstGeom prst="rect">
+              <a:avLst/>
+            </a:prstGeom>
+            <a:solidFill>
+              <a:schemeClr val="bg1"/>
+            </a:solidFill>
+            <a:ln>
+              <a:solidFill>
+                <a:schemeClr val="bg1"/>
+              </a:solidFill>
+            </a:ln>
+          </p:spPr>
+          <p:style>
+            <a:lnRef idx="2">
+              <a:schemeClr val="accent1">
+                <a:shade val="50000"/>
+              </a:schemeClr>
+            </a:lnRef>
+            <a:fillRef idx="1">
+              <a:schemeClr val="accent1"/>
+            </a:fillRef>
+            <a:effectRef idx="0">
+              <a:schemeClr val="accent1"/>
+            </a:effectRef>
+            <a:fontRef idx="minor">
+              <a:schemeClr val="lt1"/>
+            </a:fontRef>
+          </p:style>
+          <p:txBody>
+            <a:bodyPr rtlCol="0" anchor="ctr"/>
+            <a:lstStyle/>
+            <a:p>
+              <a:pPr algn="ctr"/>
+              <a:endParaRPr lang="ko-KR" altLang="en-US"/>
+            </a:p>
+          </p:txBody>
+        </p:sp>
+        <p:sp>
+          <p:nvSpPr>
+            <p:cNvPr id="10" name="직사각형 9"/>
+            <p:cNvSpPr/>
+            <p:nvPr/>
+          </p:nvSpPr>
+          <p:spPr>
+            <a:xfrm>
+              <a:off x="8208169" y="3562350"/>
+              <a:ext cx="197644" cy="83344"/>
+            </a:xfrm>
+            <a:prstGeom prst="rect">
+              <a:avLst/>
+            </a:prstGeom>
+            <a:solidFill>
+              <a:schemeClr val="bg1"/>
+            </a:solidFill>
+            <a:ln>
+              <a:solidFill>
+                <a:schemeClr val="bg1"/>
+              </a:solidFill>
+            </a:ln>
+          </p:spPr>
+          <p:style>
+            <a:lnRef idx="2">
+              <a:schemeClr val="accent1">
+                <a:shade val="50000"/>
+              </a:schemeClr>
+            </a:lnRef>
+            <a:fillRef idx="1">
+              <a:schemeClr val="accent1"/>
+            </a:fillRef>
+            <a:effectRef idx="0">
+              <a:schemeClr val="accent1"/>
+            </a:effectRef>
+            <a:fontRef idx="minor">
+              <a:schemeClr val="lt1"/>
+            </a:fontRef>
+          </p:style>
+          <p:txBody>
+            <a:bodyPr rtlCol="0" anchor="ctr"/>
+            <a:lstStyle/>
+            <a:p>
+              <a:pPr algn="ctr"/>
+              <a:endParaRPr lang="ko-KR" altLang="en-US"/>
+            </a:p>
+          </p:txBody>
+        </p:sp>
+      </p:grpSp>
+      <p:sp>
+        <p:nvSpPr>
+          <p:cNvPr id="13" name="TextBox 12"/>
+          <p:cNvSpPr txBox="1"/>
+          <p:nvPr/>
+        </p:nvSpPr>
+        <p:spPr>
+          <a:xfrm>
+            <a:off x="7755662" y="5400515"/>
+            <a:ext cx="3466013" cy="369332"/>
+          </a:xfrm>
+          <a:prstGeom prst="rect">
+            <a:avLst/>
+          </a:prstGeom>
+          <a:noFill/>
+        </p:spPr>
+        <p:txBody>
+          <a:bodyPr wrap="none" rtlCol="0">
+            <a:spAutoFit/>
+          </a:bodyPr>
+          <a:lstStyle/>
+          <a:p>
+            <a:r>
+              <a:rPr lang="ko-KR" altLang="en-US" dirty="0" smtClean="0">
+                <a:solidFill>
+                  <a:schemeClr val="bg1"/>
+                </a:solidFill>
+                <a:latin typeface="나눔스퀘어라운드 ExtraBold" panose="020B0600000101010101" pitchFamily="50" charset="-127"/>
+                <a:ea typeface="나눔스퀘어라운드 ExtraBold" panose="020B0600000101010101" pitchFamily="50" charset="-127"/>
+              </a:rPr>
+              <a:t>랜덤으로 </a:t>
+            </a:r>
+            <a:r>
+              <a:rPr lang="en-US" altLang="ko-KR" dirty="0" smtClean="0">
+                <a:solidFill>
+                  <a:schemeClr val="bg1"/>
+                </a:solidFill>
+                <a:latin typeface="나눔스퀘어라운드 ExtraBold" panose="020B0600000101010101" pitchFamily="50" charset="-127"/>
+                <a:ea typeface="나눔스퀘어라운드 ExtraBold" panose="020B0600000101010101" pitchFamily="50" charset="-127"/>
+              </a:rPr>
+              <a:t>DB</a:t>
+            </a:r>
+            <a:r>
+              <a:rPr lang="ko-KR" altLang="en-US" dirty="0" smtClean="0">
+                <a:solidFill>
+                  <a:schemeClr val="bg1"/>
+                </a:solidFill>
+                <a:latin typeface="나눔스퀘어라운드 ExtraBold" panose="020B0600000101010101" pitchFamily="50" charset="-127"/>
+                <a:ea typeface="나눔스퀘어라운드 ExtraBold" panose="020B0600000101010101" pitchFamily="50" charset="-127"/>
+              </a:rPr>
+              <a:t>에서 명언 검색 </a:t>
+            </a:r>
+            <a:r>
+              <a:rPr lang="en-US" altLang="ko-KR" dirty="0" smtClean="0">
+                <a:solidFill>
+                  <a:schemeClr val="bg1"/>
+                </a:solidFill>
+                <a:latin typeface="나눔스퀘어라운드 ExtraBold" panose="020B0600000101010101" pitchFamily="50" charset="-127"/>
+                <a:ea typeface="나눔스퀘어라운드 ExtraBold" panose="020B0600000101010101" pitchFamily="50" charset="-127"/>
+              </a:rPr>
+              <a:t>&amp; </a:t>
+            </a:r>
+            <a:r>
+              <a:rPr lang="ko-KR" altLang="en-US" dirty="0" smtClean="0">
+                <a:solidFill>
+                  <a:schemeClr val="bg1"/>
+                </a:solidFill>
+                <a:latin typeface="나눔스퀘어라운드 ExtraBold" panose="020B0600000101010101" pitchFamily="50" charset="-127"/>
+                <a:ea typeface="나눔스퀘어라운드 ExtraBold" panose="020B0600000101010101" pitchFamily="50" charset="-127"/>
+              </a:rPr>
+              <a:t>출력</a:t>
+            </a:r>
+            <a:endParaRPr lang="ko-KR" altLang="en-US" dirty="0">
+              <a:solidFill>
+                <a:schemeClr val="bg1"/>
+              </a:solidFill>
+              <a:latin typeface="나눔스퀘어라운드 ExtraBold" panose="020B0600000101010101" pitchFamily="50" charset="-127"/>
+              <a:ea typeface="나눔스퀘어라운드 ExtraBold" panose="020B0600000101010101" pitchFamily="50" charset="-127"/>
+            </a:endParaRPr>
+          </a:p>
+        </p:txBody>
+      </p:sp>
+      <p:sp>
+        <p:nvSpPr>
+          <p:cNvPr id="16" name="TextBox 15"/>
+          <p:cNvSpPr txBox="1"/>
+          <p:nvPr/>
+        </p:nvSpPr>
+        <p:spPr>
+          <a:xfrm>
+            <a:off x="1028202" y="5400515"/>
+            <a:ext cx="5245347" cy="369332"/>
+          </a:xfrm>
+          <a:prstGeom prst="rect">
+            <a:avLst/>
+          </a:prstGeom>
+          <a:noFill/>
+        </p:spPr>
+        <p:txBody>
+          <a:bodyPr wrap="none" rtlCol="0">
+            <a:spAutoFit/>
+          </a:bodyPr>
+          <a:lstStyle/>
+          <a:p>
+            <a:r>
+              <a:rPr lang="ko-KR" altLang="en-US" dirty="0" smtClean="0">
+                <a:solidFill>
+                  <a:schemeClr val="bg1"/>
+                </a:solidFill>
+                <a:latin typeface="나눔스퀘어라운드 ExtraBold" panose="020B0600000101010101" pitchFamily="50" charset="-127"/>
+                <a:ea typeface="나눔스퀘어라운드 ExtraBold" panose="020B0600000101010101" pitchFamily="50" charset="-127"/>
+              </a:rPr>
+              <a:t>안드로이드와의 호환성을 위한 명언의 데이터베이스화</a:t>
+            </a:r>
+            <a:endParaRPr lang="ko-KR" altLang="en-US" dirty="0">
+              <a:solidFill>
+                <a:schemeClr val="bg1"/>
+              </a:solidFill>
+              <a:latin typeface="나눔스퀘어라운드 ExtraBold" panose="020B0600000101010101" pitchFamily="50" charset="-127"/>
+              <a:ea typeface="나눔스퀘어라운드 ExtraBold" panose="020B0600000101010101" pitchFamily="50" charset="-127"/>
+            </a:endParaRPr>
+          </a:p>
+        </p:txBody>
+      </p:sp>
+    </p:spTree>
+    <p:extLst>
+      <p:ext uri="{BB962C8B-B14F-4D97-AF65-F5344CB8AC3E}">
+        <p14:creationId xmlns:p14="http://schemas.microsoft.com/office/powerpoint/2010/main" val="3898254341"/>
+      </p:ext>
+    </p:extLst>
+  </p:cSld>
+  <p:clrMapOvr>
+    <a:masterClrMapping/>
+  </p:clrMapOvr>
+  <p:timing>
+    <p:tnLst>
+      <p:par>
+        <p:cTn id="1" dur="indefinite" restart="never" nodeType="tmRoot"/>
+      </p:par>
+    </p:tnLst>
+  </p:timing>
+</p:sld>
+</file>
+
+<file path=ppt/slides/slide14.xml><?xml version="1.0" encoding="utf-8"?>
+<p:sld xmlns:a="http://schemas.openxmlformats.org/drawingml/2006/main" xmlns:r="http://schemas.openxmlformats.org/officeDocument/2006/relationships" xmlns:p="http://schemas.openxmlformats.org/presentationml/2006/main">
+  <p:cSld>
+    <p:spTree>
+      <p:nvGrpSpPr>
+        <p:cNvPr id="1" name=""/>
+        <p:cNvGrpSpPr/>
+        <p:nvPr/>
+      </p:nvGrpSpPr>
+      <p:grpSpPr>
+        <a:xfrm>
+          <a:off x="0" y="0"/>
+          <a:ext cx="0" cy="0"/>
+          <a:chOff x="0" y="0"/>
+          <a:chExt cx="0" cy="0"/>
+        </a:xfrm>
+      </p:grpSpPr>
+      <p:sp>
+        <p:nvSpPr>
+          <p:cNvPr id="4" name="TextBox 3"/>
+          <p:cNvSpPr txBox="1"/>
+          <p:nvPr/>
+        </p:nvSpPr>
+        <p:spPr>
+          <a:xfrm>
+            <a:off x="4342154" y="2967335"/>
+            <a:ext cx="3507692" cy="923330"/>
+          </a:xfrm>
+          <a:prstGeom prst="rect">
+            <a:avLst/>
+          </a:prstGeom>
+          <a:noFill/>
+          <a:ln>
+            <a:noFill/>
+          </a:ln>
+        </p:spPr>
+        <p:txBody>
+          <a:bodyPr wrap="none" rtlCol="0">
+            <a:spAutoFit/>
+          </a:bodyPr>
+          <a:lstStyle/>
+          <a:p>
+            <a:r>
+              <a:rPr lang="ko-KR" altLang="en-US" sz="5400" b="1" smtClean="0">
+                <a:ln w="19050">
+                  <a:noFill/>
+                </a:ln>
+                <a:solidFill>
+                  <a:schemeClr val="bg1"/>
+                </a:solidFill>
+                <a:latin typeface="나눔스퀘어라운드 ExtraBold" panose="020B0600000101010101" pitchFamily="50" charset="-127"/>
+                <a:ea typeface="나눔스퀘어라운드 ExtraBold" panose="020B0600000101010101" pitchFamily="50" charset="-127"/>
+              </a:rPr>
+              <a:t>시연 동영상</a:t>
+            </a:r>
+            <a:endParaRPr lang="ko-KR" altLang="en-US" sz="5400" b="1" dirty="0">
+              <a:ln w="19050">
+                <a:noFill/>
+              </a:ln>
+              <a:solidFill>
+                <a:schemeClr val="bg1"/>
+              </a:solidFill>
+              <a:latin typeface="나눔스퀘어라운드 ExtraBold" panose="020B0600000101010101" pitchFamily="50" charset="-127"/>
+              <a:ea typeface="나눔스퀘어라운드 ExtraBold" panose="020B0600000101010101" pitchFamily="50" charset="-127"/>
+            </a:endParaRPr>
+          </a:p>
+        </p:txBody>
+      </p:sp>
+    </p:spTree>
+    <p:extLst>
+      <p:ext uri="{BB962C8B-B14F-4D97-AF65-F5344CB8AC3E}">
+        <p14:creationId xmlns:p14="http://schemas.microsoft.com/office/powerpoint/2010/main" val="1120527982"/>
+      </p:ext>
+    </p:extLst>
+  </p:cSld>
+  <p:clrMapOvr>
+    <a:masterClrMapping/>
+  </p:clrMapOvr>
+  <p:transition spd="slow">
+    <p:push dir="u"/>
+  </p:transition>
+  <p:timing>
+    <p:tnLst>
+      <p:par>
+        <p:cTn id="1" dur="indefinite" restart="never" nodeType="tmRoot"/>
+      </p:par>
+    </p:tnLst>
+  </p:timing>
+</p:sld>
+</file>
+
+<file path=ppt/slides/slide15.xml><?xml version="1.0" encoding="utf-8"?>
+<p:sld xmlns:a="http://schemas.openxmlformats.org/drawingml/2006/main" xmlns:r="http://schemas.openxmlformats.org/officeDocument/2006/relationships" xmlns:p="http://schemas.openxmlformats.org/presentationml/2006/main">
+  <p:cSld>
+    <p:spTree>
+      <p:nvGrpSpPr>
+        <p:cNvPr id="1" name=""/>
+        <p:cNvGrpSpPr/>
+        <p:nvPr/>
+      </p:nvGrpSpPr>
+      <p:grpSpPr>
+        <a:xfrm>
+          <a:off x="0" y="0"/>
+          <a:ext cx="0" cy="0"/>
+          <a:chOff x="0" y="0"/>
+          <a:chExt cx="0" cy="0"/>
+        </a:xfrm>
+      </p:grpSpPr>
+      <p:sp>
+        <p:nvSpPr>
+          <p:cNvPr id="2" name="제목 1"/>
+          <p:cNvSpPr>
+            <a:spLocks noGrp="1"/>
+          </p:cNvSpPr>
+          <p:nvPr>
+            <p:ph type="title"/>
+          </p:nvPr>
+        </p:nvSpPr>
+        <p:spPr>
+          <a:xfrm>
+            <a:off x="838200" y="2766219"/>
+            <a:ext cx="10515600" cy="1325563"/>
+          </a:xfrm>
+        </p:spPr>
         <p:txBody>
           <a:bodyPr>
             <a:normAutofit/>
           </a:bodyPr>
-          <a:lstStyle>
-            <a:lvl1pPr algn="l" defTabSz="914400" rtl="0" eaLnBrk="1" latinLnBrk="1" hangingPunct="1">
-              <a:lnSpc>
-                <a:spcPct val="90000"/>
-              </a:lnSpc>
-              <a:spcBef>
-                <a:spcPct val="0"/>
-              </a:spcBef>
-              <a:buNone/>
-              <a:defRPr sz="4400" kern="1200">
-                <a:solidFill>
-                  <a:schemeClr val="tx1"/>
-                </a:solidFill>
-                <a:latin typeface="+mj-lt"/>
-                <a:ea typeface="+mj-ea"/>
-                <a:cs typeface="+mj-cs"/>
-              </a:defRPr>
-            </a:lvl1pPr>
-          </a:lstStyle>
-          <a:p>
-            <a:pPr algn="ctr">
-              <a:tabLst>
-                <a:tab pos="6102350" algn="l"/>
-              </a:tabLst>
-            </a:pPr>
-            <a:r>
-              <a:rPr lang="ko-KR" altLang="en-US" sz="4800" smtClean="0">
+          <a:lstStyle/>
+          <a:p>
+            <a:pPr algn="ctr"/>
+            <a:r>
+              <a:rPr lang="ko-KR" altLang="en-US" sz="5400" dirty="0">
+                <a:ln w="28575">
+                  <a:noFill/>
+                </a:ln>
                 <a:solidFill>
                   <a:schemeClr val="bg1"/>
                 </a:solidFill>
-                <a:ea typeface="문체부 쓰기 정체" panose="02030609000101010101" pitchFamily="17" charset="-127"/>
+                <a:latin typeface="나눔스퀘어라운드 ExtraBold" panose="020B0600000101010101" pitchFamily="50" charset="-127"/>
+                <a:ea typeface="나눔스퀘어라운드 ExtraBold" panose="020B0600000101010101" pitchFamily="50" charset="-127"/>
               </a:rPr>
-              <a:t>꿈을 꾸세요</a:t>
-            </a:r>
-            <a:r>
-              <a:rPr lang="en-US" altLang="ko-KR" sz="4800" smtClean="0">
-                <a:solidFill>
-                  <a:schemeClr val="bg1"/>
-                </a:solidFill>
-                <a:ea typeface="문체부 쓰기 정체" panose="02030609000101010101" pitchFamily="17" charset="-127"/>
-              </a:rPr>
-              <a:t>.</a:t>
-            </a:r>
-            <a:br>
-              <a:rPr lang="en-US" altLang="ko-KR" sz="4800" smtClean="0">
-                <a:solidFill>
-                  <a:schemeClr val="bg1"/>
-                </a:solidFill>
-                <a:ea typeface="문체부 쓰기 정체" panose="02030609000101010101" pitchFamily="17" charset="-127"/>
-              </a:rPr>
-            </a:br>
-            <a:r>
-              <a:rPr lang="ko-KR" altLang="en-US" sz="4800" smtClean="0">
-                <a:solidFill>
-                  <a:schemeClr val="bg1"/>
-                </a:solidFill>
-                <a:ea typeface="문체부 쓰기 정체" panose="02030609000101010101" pitchFamily="17" charset="-127"/>
-              </a:rPr>
-              <a:t>그러면 그 꿈이 당신을 만들 것입니다</a:t>
-            </a:r>
-            <a:r>
-              <a:rPr lang="en-US" altLang="ko-KR" sz="4800" smtClean="0">
-                <a:solidFill>
-                  <a:schemeClr val="bg1"/>
-                </a:solidFill>
-                <a:ea typeface="문체부 쓰기 정체" panose="02030609000101010101" pitchFamily="17" charset="-127"/>
-              </a:rPr>
-              <a:t/>
-            </a:r>
-            <a:br>
-              <a:rPr lang="en-US" altLang="ko-KR" sz="4800" smtClean="0">
-                <a:solidFill>
-                  <a:schemeClr val="bg1"/>
-                </a:solidFill>
-                <a:ea typeface="문체부 쓰기 정체" panose="02030609000101010101" pitchFamily="17" charset="-127"/>
-              </a:rPr>
-            </a:br>
-            <a:r>
-              <a:rPr lang="en-US" altLang="ko-KR" sz="5400" smtClean="0">
-                <a:solidFill>
-                  <a:schemeClr val="bg1"/>
-                </a:solidFill>
-                <a:ea typeface="문체부 쓰기 정체" panose="02030609000101010101" pitchFamily="17" charset="-127"/>
-              </a:rPr>
-              <a:t/>
-            </a:r>
-            <a:br>
-              <a:rPr lang="en-US" altLang="ko-KR" sz="5400" smtClean="0">
-                <a:solidFill>
-                  <a:schemeClr val="bg1"/>
-                </a:solidFill>
-                <a:ea typeface="문체부 쓰기 정체" panose="02030609000101010101" pitchFamily="17" charset="-127"/>
-              </a:rPr>
-            </a:br>
-            <a:r>
-              <a:rPr lang="en-US" altLang="ko-KR" sz="3200" smtClean="0">
-                <a:solidFill>
-                  <a:schemeClr val="bg1"/>
-                </a:solidFill>
-                <a:latin typeface="나눔손글씨 펜" panose="03040600000000000000" pitchFamily="66" charset="-127"/>
-                <a:ea typeface="나눔손글씨 펜" panose="03040600000000000000" pitchFamily="66" charset="-127"/>
-              </a:rPr>
-              <a:t>Robert J. Shiller</a:t>
-            </a:r>
-            <a:endParaRPr lang="ko-KR" altLang="en-US" sz="7200" dirty="0">
-              <a:solidFill>
-                <a:schemeClr val="bg1"/>
-              </a:solidFill>
-              <a:latin typeface="나눔손글씨 펜" panose="03040600000000000000" pitchFamily="66" charset="-127"/>
-              <a:ea typeface="나눔손글씨 펜" panose="03040600000000000000" pitchFamily="66" charset="-127"/>
-            </a:endParaRPr>
-          </a:p>
-        </p:txBody>
-      </p:sp>
+              <a:t>소감 발표</a:t>
+            </a:r>
+          </a:p>
+        </p:txBody>
+      </p:sp>
+    </p:spTree>
+    <p:extLst>
+      <p:ext uri="{BB962C8B-B14F-4D97-AF65-F5344CB8AC3E}">
+        <p14:creationId xmlns:p14="http://schemas.microsoft.com/office/powerpoint/2010/main" val="163221039"/>
+      </p:ext>
+    </p:extLst>
+  </p:cSld>
+  <p:clrMapOvr>
+    <a:masterClrMapping/>
+  </p:clrMapOvr>
+  <p:transition spd="slow">
+    <p:push dir="u"/>
+  </p:transition>
+  <p:timing>
+    <p:tnLst>
+      <p:par>
+        <p:cTn id="1" dur="indefinite" restart="never" nodeType="tmRoot"/>
+      </p:par>
+    </p:tnLst>
+  </p:timing>
+</p:sld>
+</file>
+
+<file path=ppt/slides/slide16.xml><?xml version="1.0" encoding="utf-8"?>
+<p:sld xmlns:a="http://schemas.openxmlformats.org/drawingml/2006/main" xmlns:r="http://schemas.openxmlformats.org/officeDocument/2006/relationships" xmlns:p="http://schemas.openxmlformats.org/presentationml/2006/main">
+  <p:cSld>
+    <p:spTree>
+      <p:nvGrpSpPr>
+        <p:cNvPr id="1" name=""/>
+        <p:cNvGrpSpPr/>
+        <p:nvPr/>
+      </p:nvGrpSpPr>
+      <p:grpSpPr>
+        <a:xfrm>
+          <a:off x="0" y="0"/>
+          <a:ext cx="0" cy="0"/>
+          <a:chOff x="0" y="0"/>
+          <a:chExt cx="0" cy="0"/>
+        </a:xfrm>
+      </p:grpSpPr>
       <p:sp>
         <p:nvSpPr>
           <p:cNvPr id="3" name="TextBox 2">
             <a:extLst>
               <a:ext uri="{FF2B5EF4-FFF2-40B4-BE49-F238E27FC236}">
-                <a16:creationId xmlns:a16="http://schemas.microsoft.com/office/drawing/2014/main" xmlns="" id="{F9CDA9BF-F5E1-458A-A7B5-27021FC8A0B6}"/>
+                <a16:creationId xmlns:a16="http://schemas.microsoft.com/office/drawing/2014/main" id="{F9CDA9BF-F5E1-458A-A7B5-27021FC8A0B6}"/>
               </a:ext>
             </a:extLst>
           </p:cNvPr>
@@ -4256,6 +5930,36 @@
           </a:p>
         </p:txBody>
       </p:sp>
+      <p:pic>
+        <p:nvPicPr>
+          <p:cNvPr id="5" name="그림 4"/>
+          <p:cNvPicPr>
+            <a:picLocks noChangeAspect="1"/>
+          </p:cNvPicPr>
+          <p:nvPr/>
+        </p:nvPicPr>
+        <p:blipFill>
+          <a:blip r:embed="rId2">
+            <a:extLst>
+              <a:ext uri="{28A0092B-C50C-407E-A947-70E740481C1C}">
+                <a14:useLocalDpi xmlns:a14="http://schemas.microsoft.com/office/drawing/2010/main" val="0"/>
+              </a:ext>
+            </a:extLst>
+          </a:blip>
+          <a:stretch>
+            <a:fillRect/>
+          </a:stretch>
+        </p:blipFill>
+        <p:spPr>
+          <a:xfrm>
+            <a:off x="328050" y="1569325"/>
+            <a:ext cx="11534632" cy="3487214"/>
+          </a:xfrm>
+          <a:prstGeom prst="rect">
+            <a:avLst/>
+          </a:prstGeom>
+        </p:spPr>
+      </p:pic>
     </p:spTree>
     <p:extLst>
       <p:ext uri="{BB962C8B-B14F-4D97-AF65-F5344CB8AC3E}">
@@ -4272,9 +5976,91 @@
   <p:timing>
     <p:tnLst>
       <p:par>
-        <p:cTn id="1" dur="indefinite" restart="never" nodeType="tmRoot"/>
+        <p:cTn id="1" dur="indefinite" restart="never" nodeType="tmRoot">
+          <p:childTnLst>
+            <p:seq concurrent="1" nextAc="seek">
+              <p:cTn id="2" dur="indefinite" nodeType="mainSeq">
+                <p:childTnLst>
+                  <p:par>
+                    <p:cTn id="3" fill="hold">
+                      <p:stCondLst>
+                        <p:cond delay="indefinite"/>
+                        <p:cond evt="onBegin" delay="0">
+                          <p:tn val="2"/>
+                        </p:cond>
+                      </p:stCondLst>
+                      <p:childTnLst>
+                        <p:par>
+                          <p:cTn id="4" fill="hold">
+                            <p:stCondLst>
+                              <p:cond delay="0"/>
+                            </p:stCondLst>
+                            <p:childTnLst>
+                              <p:par>
+                                <p:cTn id="5" presetID="10" presetClass="entr" presetSubtype="0" fill="hold" grpId="0" nodeType="withEffect">
+                                  <p:stCondLst>
+                                    <p:cond delay="3000"/>
+                                  </p:stCondLst>
+                                  <p:childTnLst>
+                                    <p:set>
+                                      <p:cBhvr>
+                                        <p:cTn id="6" dur="1" fill="hold">
+                                          <p:stCondLst>
+                                            <p:cond delay="0"/>
+                                          </p:stCondLst>
+                                        </p:cTn>
+                                        <p:tgtEl>
+                                          <p:spTgt spid="3"/>
+                                        </p:tgtEl>
+                                        <p:attrNameLst>
+                                          <p:attrName>style.visibility</p:attrName>
+                                        </p:attrNameLst>
+                                      </p:cBhvr>
+                                      <p:to>
+                                        <p:strVal val="visible"/>
+                                      </p:to>
+                                    </p:set>
+                                    <p:animEffect transition="in" filter="fade">
+                                      <p:cBhvr>
+                                        <p:cTn id="7" dur="1000"/>
+                                        <p:tgtEl>
+                                          <p:spTgt spid="3"/>
+                                        </p:tgtEl>
+                                      </p:cBhvr>
+                                    </p:animEffect>
+                                  </p:childTnLst>
+                                </p:cTn>
+                              </p:par>
+                            </p:childTnLst>
+                          </p:cTn>
+                        </p:par>
+                      </p:childTnLst>
+                    </p:cTn>
+                  </p:par>
+                </p:childTnLst>
+              </p:cTn>
+              <p:prevCondLst>
+                <p:cond evt="onPrev" delay="0">
+                  <p:tgtEl>
+                    <p:sldTgt/>
+                  </p:tgtEl>
+                </p:cond>
+              </p:prevCondLst>
+              <p:nextCondLst>
+                <p:cond evt="onNext" delay="0">
+                  <p:tgtEl>
+                    <p:sldTgt/>
+                  </p:tgtEl>
+                </p:cond>
+              </p:nextCondLst>
+            </p:seq>
+          </p:childTnLst>
+        </p:cTn>
       </p:par>
     </p:tnLst>
+    <p:bldLst>
+      <p:bldP spid="3" grpId="0"/>
+    </p:bldLst>
   </p:timing>
 </p:sld>
 </file>
@@ -4306,14 +6092,14 @@
       </p:grpSpPr>
       <p:sp>
         <p:nvSpPr>
-          <p:cNvPr id="4" name="TextBox 3"/>
+          <p:cNvPr id="2" name="TextBox 1"/>
           <p:cNvSpPr txBox="1"/>
           <p:nvPr/>
         </p:nvSpPr>
         <p:spPr>
           <a:xfrm>
-            <a:off x="2131693" y="1892380"/>
-            <a:ext cx="1482091" cy="1233012"/>
+            <a:off x="5714325" y="3013502"/>
+            <a:ext cx="763351" cy="830997"/>
           </a:xfrm>
           <a:prstGeom prst="rect">
             <a:avLst/>
@@ -4321,34 +6107,41 @@
           <a:noFill/>
         </p:spPr>
         <p:txBody>
-          <a:bodyPr wrap="square" rtlCol="0">
-            <a:noAutofit/>
+          <a:bodyPr wrap="none" rtlCol="0">
+            <a:spAutoFit/>
           </a:bodyPr>
           <a:lstStyle/>
           <a:p>
             <a:r>
-              <a:rPr lang="en-US" altLang="ko-KR" sz="8800" dirty="0" smtClean="0">
+              <a:rPr lang="ko-KR" altLang="en-US" sz="4800" dirty="0" smtClean="0">
                 <a:solidFill>
                   <a:schemeClr val="bg1"/>
                 </a:solidFill>
-                <a:latin typeface="HY견고딕" panose="02030600000101010101" pitchFamily="18" charset="-127"/>
-                <a:ea typeface="HY견고딕" panose="02030600000101010101" pitchFamily="18" charset="-127"/>
+                <a:latin typeface="나눔고딕 ExtraBold" panose="020D0904000000000000" pitchFamily="50" charset="-127"/>
+                <a:ea typeface="나눔고딕 ExtraBold" panose="020D0904000000000000" pitchFamily="50" charset="-127"/>
               </a:rPr>
-              <a:t>“</a:t>
-            </a:r>
-          </a:p>
-        </p:txBody>
-      </p:sp>
-      <p:sp>
-        <p:nvSpPr>
-          <p:cNvPr id="2" name="TextBox 1"/>
+              <a:t>꿈</a:t>
+            </a:r>
+            <a:endParaRPr lang="ko-KR" altLang="en-US" sz="4800" dirty="0">
+              <a:solidFill>
+                <a:schemeClr val="bg1"/>
+              </a:solidFill>
+              <a:latin typeface="나눔고딕 ExtraBold" panose="020D0904000000000000" pitchFamily="50" charset="-127"/>
+              <a:ea typeface="나눔고딕 ExtraBold" panose="020D0904000000000000" pitchFamily="50" charset="-127"/>
+            </a:endParaRPr>
+          </a:p>
+        </p:txBody>
+      </p:sp>
+      <p:sp>
+        <p:nvSpPr>
+          <p:cNvPr id="3" name="TextBox 2"/>
           <p:cNvSpPr txBox="1"/>
           <p:nvPr/>
         </p:nvSpPr>
         <p:spPr>
           <a:xfrm>
-            <a:off x="5614035" y="2841070"/>
-            <a:ext cx="1120140" cy="1200329"/>
+            <a:off x="3200214" y="1355463"/>
+            <a:ext cx="803425" cy="2215991"/>
           </a:xfrm>
           <a:prstGeom prst="rect">
             <a:avLst/>
@@ -4356,83 +6149,90 @@
           <a:noFill/>
         </p:spPr>
         <p:txBody>
-          <a:bodyPr wrap="square" rtlCol="0">
+          <a:bodyPr wrap="none" rtlCol="0">
             <a:spAutoFit/>
           </a:bodyPr>
           <a:lstStyle/>
           <a:p>
             <a:r>
-              <a:rPr lang="ko-KR" altLang="en-US" sz="7200" dirty="0" smtClean="0">
+              <a:rPr lang="en-US" altLang="ko-KR" sz="13800" dirty="0" smtClean="0">
                 <a:solidFill>
                   <a:schemeClr val="bg1"/>
                 </a:solidFill>
-                <a:latin typeface="나눔고딕 Light" panose="020D0904000000000000" pitchFamily="50" charset="-127"/>
-                <a:ea typeface="나눔고딕 Light" panose="020D0904000000000000" pitchFamily="50" charset="-127"/>
+                <a:latin typeface="나눔고딕 ExtraBold" panose="020D0904000000000000" pitchFamily="50" charset="-127"/>
+                <a:ea typeface="나눔고딕 ExtraBold" panose="020D0904000000000000" pitchFamily="50" charset="-127"/>
               </a:rPr>
-              <a:t>꿈</a:t>
-            </a:r>
-            <a:endParaRPr lang="en-US" altLang="ko-KR" sz="7200" dirty="0" smtClean="0">
+              <a:t>“</a:t>
+            </a:r>
+            <a:endParaRPr lang="ko-KR" altLang="en-US" sz="13800" dirty="0">
               <a:solidFill>
                 <a:schemeClr val="bg1"/>
               </a:solidFill>
-              <a:latin typeface="나눔고딕 Light" panose="020D0904000000000000" pitchFamily="50" charset="-127"/>
-              <a:ea typeface="나눔고딕 Light" panose="020D0904000000000000" pitchFamily="50" charset="-127"/>
+              <a:latin typeface="나눔고딕 ExtraBold" panose="020D0904000000000000" pitchFamily="50" charset="-127"/>
+              <a:ea typeface="나눔고딕 ExtraBold" panose="020D0904000000000000" pitchFamily="50" charset="-127"/>
             </a:endParaRPr>
           </a:p>
         </p:txBody>
       </p:sp>
       <p:sp>
         <p:nvSpPr>
-          <p:cNvPr id="8" name="직사각형 7"/>
-          <p:cNvSpPr/>
+          <p:cNvPr id="4" name="TextBox 3"/>
+          <p:cNvSpPr txBox="1"/>
           <p:nvPr/>
         </p:nvSpPr>
         <p:spPr>
-          <a:xfrm>
-            <a:off x="9004300" y="4028333"/>
-            <a:ext cx="1313180" cy="1446550"/>
+          <a:xfrm rot="10800000">
+            <a:off x="8188362" y="3571454"/>
+            <a:ext cx="803425" cy="2215991"/>
           </a:xfrm>
           <a:prstGeom prst="rect">
             <a:avLst/>
           </a:prstGeom>
+          <a:noFill/>
         </p:spPr>
         <p:txBody>
-          <a:bodyPr wrap="none">
+          <a:bodyPr wrap="none" rtlCol="0">
             <a:spAutoFit/>
           </a:bodyPr>
           <a:lstStyle/>
           <a:p>
             <a:r>
-              <a:rPr lang="en-US" altLang="ko-KR" sz="8800" dirty="0">
+              <a:rPr lang="en-US" altLang="ko-KR" sz="13800" dirty="0" smtClean="0">
                 <a:solidFill>
-                  <a:prstClr val="white"/>
+                  <a:schemeClr val="bg1"/>
                 </a:solidFill>
-                <a:latin typeface="HY견고딕" panose="02030600000101010101" pitchFamily="18" charset="-127"/>
-                <a:ea typeface="HY견고딕" panose="02030600000101010101" pitchFamily="18" charset="-127"/>
+                <a:latin typeface="나눔고딕 ExtraBold" panose="020D0904000000000000" pitchFamily="50" charset="-127"/>
+                <a:ea typeface="나눔고딕 ExtraBold" panose="020D0904000000000000" pitchFamily="50" charset="-127"/>
               </a:rPr>
-              <a:t>”</a:t>
-            </a:r>
-            <a:endParaRPr lang="ko-KR" altLang="en-US" dirty="0"/>
+              <a:t>“</a:t>
+            </a:r>
+            <a:endParaRPr lang="ko-KR" altLang="en-US" sz="13800" dirty="0">
+              <a:solidFill>
+                <a:schemeClr val="bg1"/>
+              </a:solidFill>
+              <a:latin typeface="나눔고딕 ExtraBold" panose="020D0904000000000000" pitchFamily="50" charset="-127"/>
+              <a:ea typeface="나눔고딕 ExtraBold" panose="020D0904000000000000" pitchFamily="50" charset="-127"/>
+            </a:endParaRPr>
           </a:p>
         </p:txBody>
       </p:sp>
     </p:spTree>
     <p:extLst>
       <p:ext uri="{BB962C8B-B14F-4D97-AF65-F5344CB8AC3E}">
-        <p14:creationId xmlns:p14="http://schemas.microsoft.com/office/powerpoint/2010/main" val="620503310"/>
+        <p14:creationId xmlns:p14="http://schemas.microsoft.com/office/powerpoint/2010/main" val="921980403"/>
       </p:ext>
     </p:extLst>
   </p:cSld>
   <p:clrMapOvr>
     <a:masterClrMapping/>
   </p:clrMapOvr>
-  <mc:AlternateContent xmlns:mc="http://schemas.openxmlformats.org/markup-compatibility/2006">
-    <mc:Choice xmlns:p14="http://schemas.microsoft.com/office/powerpoint/2010/main" Requires="p14">
+  <mc:AlternateContent xmlns:mc="http://schemas.openxmlformats.org/markup-compatibility/2006" xmlns:p14="http://schemas.microsoft.com/office/powerpoint/2010/main">
+    <mc:Choice Requires="p14">
       <p:transition spd="med" p14:dur="700">
         <p:fade/>
       </p:transition>
     </mc:Choice>
-    <mc:Fallback>
+    <mc:Fallback xmlns="">
       <p:transition spd="med">
         <p:fade/>
       </p:transition>
@@ -4441,9 +6241,91 @@
   <p:timing>
     <p:tnLst>
       <p:par>
-        <p:cTn id="1" dur="indefinite" restart="never" nodeType="tmRoot"/>
+        <p:cTn id="1" dur="indefinite" restart="never" nodeType="tmRoot">
+          <p:childTnLst>
+            <p:seq concurrent="1" nextAc="seek">
+              <p:cTn id="2" dur="indefinite" nodeType="mainSeq">
+                <p:childTnLst>
+                  <p:par>
+                    <p:cTn id="3" fill="hold">
+                      <p:stCondLst>
+                        <p:cond delay="indefinite"/>
+                        <p:cond evt="onBegin" delay="0">
+                          <p:tn val="2"/>
+                        </p:cond>
+                      </p:stCondLst>
+                      <p:childTnLst>
+                        <p:par>
+                          <p:cTn id="4" fill="hold">
+                            <p:stCondLst>
+                              <p:cond delay="0"/>
+                            </p:stCondLst>
+                            <p:childTnLst>
+                              <p:par>
+                                <p:cTn id="5" presetID="10" presetClass="entr" presetSubtype="0" fill="hold" grpId="0" nodeType="afterEffect">
+                                  <p:stCondLst>
+                                    <p:cond delay="0"/>
+                                  </p:stCondLst>
+                                  <p:childTnLst>
+                                    <p:set>
+                                      <p:cBhvr>
+                                        <p:cTn id="6" dur="1" fill="hold">
+                                          <p:stCondLst>
+                                            <p:cond delay="0"/>
+                                          </p:stCondLst>
+                                        </p:cTn>
+                                        <p:tgtEl>
+                                          <p:spTgt spid="2"/>
+                                        </p:tgtEl>
+                                        <p:attrNameLst>
+                                          <p:attrName>style.visibility</p:attrName>
+                                        </p:attrNameLst>
+                                      </p:cBhvr>
+                                      <p:to>
+                                        <p:strVal val="visible"/>
+                                      </p:to>
+                                    </p:set>
+                                    <p:animEffect transition="in" filter="fade">
+                                      <p:cBhvr>
+                                        <p:cTn id="7" dur="500"/>
+                                        <p:tgtEl>
+                                          <p:spTgt spid="2"/>
+                                        </p:tgtEl>
+                                      </p:cBhvr>
+                                    </p:animEffect>
+                                  </p:childTnLst>
+                                </p:cTn>
+                              </p:par>
+                            </p:childTnLst>
+                          </p:cTn>
+                        </p:par>
+                      </p:childTnLst>
+                    </p:cTn>
+                  </p:par>
+                </p:childTnLst>
+              </p:cTn>
+              <p:prevCondLst>
+                <p:cond evt="onPrev" delay="0">
+                  <p:tgtEl>
+                    <p:sldTgt/>
+                  </p:tgtEl>
+                </p:cond>
+              </p:prevCondLst>
+              <p:nextCondLst>
+                <p:cond evt="onNext" delay="0">
+                  <p:tgtEl>
+                    <p:sldTgt/>
+                  </p:tgtEl>
+                </p:cond>
+              </p:nextCondLst>
+            </p:seq>
+          </p:childTnLst>
+        </p:cTn>
       </p:par>
     </p:tnLst>
+    <p:bldLst>
+      <p:bldP spid="2" grpId="0"/>
+    </p:bldLst>
   </p:timing>
 </p:sld>
 </file>
@@ -4475,14 +6357,14 @@
       </p:grpSpPr>
       <p:sp>
         <p:nvSpPr>
-          <p:cNvPr id="4" name="TextBox 3"/>
+          <p:cNvPr id="2" name="TextBox 1"/>
           <p:cNvSpPr txBox="1"/>
           <p:nvPr/>
         </p:nvSpPr>
         <p:spPr>
           <a:xfrm>
-            <a:off x="2131693" y="1892380"/>
-            <a:ext cx="1482091" cy="1233012"/>
+            <a:off x="3772287" y="3167390"/>
+            <a:ext cx="4647426" cy="523220"/>
           </a:xfrm>
           <a:prstGeom prst="rect">
             <a:avLst/>
@@ -4490,34 +6372,41 @@
           <a:noFill/>
         </p:spPr>
         <p:txBody>
-          <a:bodyPr wrap="square" rtlCol="0">
-            <a:noAutofit/>
+          <a:bodyPr wrap="none" rtlCol="0">
+            <a:spAutoFit/>
           </a:bodyPr>
           <a:lstStyle/>
           <a:p>
             <a:r>
-              <a:rPr lang="en-US" altLang="ko-KR" sz="8800" dirty="0" smtClean="0">
+              <a:rPr lang="ko-KR" altLang="en-US" sz="2800" dirty="0" smtClean="0">
                 <a:solidFill>
-                  <a:prstClr val="white"/>
+                  <a:schemeClr val="bg1"/>
                 </a:solidFill>
-                <a:latin typeface="HY견고딕" panose="02030600000101010101" pitchFamily="18" charset="-127"/>
-                <a:ea typeface="HY견고딕" panose="02030600000101010101" pitchFamily="18" charset="-127"/>
+                <a:latin typeface="나눔고딕 ExtraBold" panose="020D0904000000000000" pitchFamily="50" charset="-127"/>
+                <a:ea typeface="나눔고딕 ExtraBold" panose="020D0904000000000000" pitchFamily="50" charset="-127"/>
               </a:rPr>
-              <a:t>“</a:t>
-            </a:r>
-          </a:p>
-        </p:txBody>
-      </p:sp>
-      <p:sp>
-        <p:nvSpPr>
-          <p:cNvPr id="2" name="TextBox 1"/>
+              <a:t>나는 지금 무엇을 해야 하나요</a:t>
+            </a:r>
+            <a:endParaRPr lang="ko-KR" altLang="en-US" sz="2800" dirty="0">
+              <a:solidFill>
+                <a:schemeClr val="bg1"/>
+              </a:solidFill>
+              <a:latin typeface="나눔고딕 ExtraBold" panose="020D0904000000000000" pitchFamily="50" charset="-127"/>
+              <a:ea typeface="나눔고딕 ExtraBold" panose="020D0904000000000000" pitchFamily="50" charset="-127"/>
+            </a:endParaRPr>
+          </a:p>
+        </p:txBody>
+      </p:sp>
+      <p:sp>
+        <p:nvSpPr>
+          <p:cNvPr id="3" name="TextBox 2"/>
           <p:cNvSpPr txBox="1"/>
           <p:nvPr/>
         </p:nvSpPr>
         <p:spPr>
           <a:xfrm>
-            <a:off x="3214370" y="3176261"/>
-            <a:ext cx="6115050" cy="646331"/>
+            <a:off x="3200214" y="1355463"/>
+            <a:ext cx="803425" cy="2215991"/>
           </a:xfrm>
           <a:prstGeom prst="rect">
             <a:avLst/>
@@ -4525,66 +6414,69 @@
           <a:noFill/>
         </p:spPr>
         <p:txBody>
-          <a:bodyPr wrap="square" rtlCol="0">
+          <a:bodyPr wrap="none" rtlCol="0">
             <a:spAutoFit/>
           </a:bodyPr>
           <a:lstStyle/>
           <a:p>
             <a:r>
-              <a:rPr lang="ko-KR" altLang="en-US" sz="3600" dirty="0" smtClean="0">
+              <a:rPr lang="en-US" altLang="ko-KR" sz="13800" dirty="0" smtClean="0">
                 <a:solidFill>
-                  <a:prstClr val="white"/>
+                  <a:schemeClr val="bg1"/>
                 </a:solidFill>
-                <a:latin typeface="나눔고딕 Light" panose="020D0904000000000000" pitchFamily="50" charset="-127"/>
-                <a:ea typeface="나눔고딕 Light" panose="020D0904000000000000" pitchFamily="50" charset="-127"/>
+                <a:latin typeface="나눔고딕 ExtraBold" panose="020D0904000000000000" pitchFamily="50" charset="-127"/>
+                <a:ea typeface="나눔고딕 ExtraBold" panose="020D0904000000000000" pitchFamily="50" charset="-127"/>
               </a:rPr>
-              <a:t>나는 지금 무엇을 해야 하나요</a:t>
-            </a:r>
-            <a:endParaRPr lang="en-US" altLang="ko-KR" sz="3600" dirty="0" smtClean="0">
+              <a:t>“</a:t>
+            </a:r>
+            <a:endParaRPr lang="ko-KR" altLang="en-US" sz="13800" dirty="0">
               <a:solidFill>
-                <a:prstClr val="white"/>
+                <a:schemeClr val="bg1"/>
               </a:solidFill>
-              <a:latin typeface="나눔고딕 Light" panose="020D0904000000000000" pitchFamily="50" charset="-127"/>
-              <a:ea typeface="나눔고딕 Light" panose="020D0904000000000000" pitchFamily="50" charset="-127"/>
+              <a:latin typeface="나눔고딕 ExtraBold" panose="020D0904000000000000" pitchFamily="50" charset="-127"/>
+              <a:ea typeface="나눔고딕 ExtraBold" panose="020D0904000000000000" pitchFamily="50" charset="-127"/>
             </a:endParaRPr>
           </a:p>
         </p:txBody>
       </p:sp>
       <p:sp>
         <p:nvSpPr>
-          <p:cNvPr id="8" name="직사각형 7"/>
-          <p:cNvSpPr/>
+          <p:cNvPr id="4" name="TextBox 3"/>
+          <p:cNvSpPr txBox="1"/>
           <p:nvPr/>
         </p:nvSpPr>
         <p:spPr>
-          <a:xfrm>
-            <a:off x="9004300" y="4028333"/>
-            <a:ext cx="1313180" cy="1446550"/>
+          <a:xfrm rot="10800000">
+            <a:off x="8188362" y="3571454"/>
+            <a:ext cx="803425" cy="2215991"/>
           </a:xfrm>
           <a:prstGeom prst="rect">
             <a:avLst/>
           </a:prstGeom>
+          <a:noFill/>
         </p:spPr>
         <p:txBody>
-          <a:bodyPr wrap="none">
+          <a:bodyPr wrap="none" rtlCol="0">
             <a:spAutoFit/>
           </a:bodyPr>
           <a:lstStyle/>
           <a:p>
             <a:r>
-              <a:rPr lang="en-US" altLang="ko-KR" sz="8800" dirty="0">
+              <a:rPr lang="en-US" altLang="ko-KR" sz="13800" dirty="0" smtClean="0">
                 <a:solidFill>
-                  <a:prstClr val="white"/>
+                  <a:schemeClr val="bg1"/>
                 </a:solidFill>
-                <a:latin typeface="HY견고딕" panose="02030600000101010101" pitchFamily="18" charset="-127"/>
-                <a:ea typeface="HY견고딕" panose="02030600000101010101" pitchFamily="18" charset="-127"/>
+                <a:latin typeface="나눔고딕 ExtraBold" panose="020D0904000000000000" pitchFamily="50" charset="-127"/>
+                <a:ea typeface="나눔고딕 ExtraBold" panose="020D0904000000000000" pitchFamily="50" charset="-127"/>
               </a:rPr>
-              <a:t>”</a:t>
-            </a:r>
-            <a:endParaRPr lang="ko-KR" altLang="en-US" dirty="0">
+              <a:t>“</a:t>
+            </a:r>
+            <a:endParaRPr lang="ko-KR" altLang="en-US" sz="13800" dirty="0">
               <a:solidFill>
-                <a:prstClr val="black"/>
+                <a:schemeClr val="bg1"/>
               </a:solidFill>
+              <a:latin typeface="나눔고딕 ExtraBold" panose="020D0904000000000000" pitchFamily="50" charset="-127"/>
+              <a:ea typeface="나눔고딕 ExtraBold" panose="020D0904000000000000" pitchFamily="50" charset="-127"/>
             </a:endParaRPr>
           </a:p>
         </p:txBody>
@@ -4592,20 +6484,20 @@
     </p:spTree>
     <p:extLst>
       <p:ext uri="{BB962C8B-B14F-4D97-AF65-F5344CB8AC3E}">
-        <p14:creationId xmlns:p14="http://schemas.microsoft.com/office/powerpoint/2010/main" val="1702734725"/>
+        <p14:creationId xmlns:p14="http://schemas.microsoft.com/office/powerpoint/2010/main" val="2210957121"/>
       </p:ext>
     </p:extLst>
   </p:cSld>
   <p:clrMapOvr>
     <a:masterClrMapping/>
   </p:clrMapOvr>
-  <mc:AlternateContent xmlns:mc="http://schemas.openxmlformats.org/markup-compatibility/2006">
-    <mc:Choice xmlns:p14="http://schemas.microsoft.com/office/powerpoint/2010/main" Requires="p14">
+  <mc:AlternateContent xmlns:mc="http://schemas.openxmlformats.org/markup-compatibility/2006" xmlns:p14="http://schemas.microsoft.com/office/powerpoint/2010/main">
+    <mc:Choice Requires="p14">
       <p:transition spd="med" p14:dur="700">
         <p:fade/>
       </p:transition>
     </mc:Choice>
-    <mc:Fallback>
+    <mc:Fallback xmlns="">
       <p:transition spd="med">
         <p:fade/>
       </p:transition>
@@ -4614,9 +6506,91 @@
   <p:timing>
     <p:tnLst>
       <p:par>
-        <p:cTn id="1" dur="indefinite" restart="never" nodeType="tmRoot"/>
+        <p:cTn id="1" dur="indefinite" restart="never" nodeType="tmRoot">
+          <p:childTnLst>
+            <p:seq concurrent="1" nextAc="seek">
+              <p:cTn id="2" dur="indefinite" nodeType="mainSeq">
+                <p:childTnLst>
+                  <p:par>
+                    <p:cTn id="3" fill="hold">
+                      <p:stCondLst>
+                        <p:cond delay="indefinite"/>
+                        <p:cond evt="onBegin" delay="0">
+                          <p:tn val="2"/>
+                        </p:cond>
+                      </p:stCondLst>
+                      <p:childTnLst>
+                        <p:par>
+                          <p:cTn id="4" fill="hold">
+                            <p:stCondLst>
+                              <p:cond delay="0"/>
+                            </p:stCondLst>
+                            <p:childTnLst>
+                              <p:par>
+                                <p:cTn id="5" presetID="10" presetClass="entr" presetSubtype="0" fill="hold" grpId="0" nodeType="afterEffect">
+                                  <p:stCondLst>
+                                    <p:cond delay="0"/>
+                                  </p:stCondLst>
+                                  <p:childTnLst>
+                                    <p:set>
+                                      <p:cBhvr>
+                                        <p:cTn id="6" dur="1" fill="hold">
+                                          <p:stCondLst>
+                                            <p:cond delay="0"/>
+                                          </p:stCondLst>
+                                        </p:cTn>
+                                        <p:tgtEl>
+                                          <p:spTgt spid="2"/>
+                                        </p:tgtEl>
+                                        <p:attrNameLst>
+                                          <p:attrName>style.visibility</p:attrName>
+                                        </p:attrNameLst>
+                                      </p:cBhvr>
+                                      <p:to>
+                                        <p:strVal val="visible"/>
+                                      </p:to>
+                                    </p:set>
+                                    <p:animEffect transition="in" filter="fade">
+                                      <p:cBhvr>
+                                        <p:cTn id="7" dur="500"/>
+                                        <p:tgtEl>
+                                          <p:spTgt spid="2"/>
+                                        </p:tgtEl>
+                                      </p:cBhvr>
+                                    </p:animEffect>
+                                  </p:childTnLst>
+                                </p:cTn>
+                              </p:par>
+                            </p:childTnLst>
+                          </p:cTn>
+                        </p:par>
+                      </p:childTnLst>
+                    </p:cTn>
+                  </p:par>
+                </p:childTnLst>
+              </p:cTn>
+              <p:prevCondLst>
+                <p:cond evt="onPrev" delay="0">
+                  <p:tgtEl>
+                    <p:sldTgt/>
+                  </p:tgtEl>
+                </p:cond>
+              </p:prevCondLst>
+              <p:nextCondLst>
+                <p:cond evt="onNext" delay="0">
+                  <p:tgtEl>
+                    <p:sldTgt/>
+                  </p:tgtEl>
+                </p:cond>
+              </p:nextCondLst>
+            </p:seq>
+          </p:childTnLst>
+        </p:cTn>
       </p:par>
     </p:tnLst>
+    <p:bldLst>
+      <p:bldP spid="2" grpId="0"/>
+    </p:bldLst>
   </p:timing>
 </p:sld>
 </file>
@@ -4641,7 +6615,7 @@
     </p:spTree>
     <p:extLst>
       <p:ext uri="{BB962C8B-B14F-4D97-AF65-F5344CB8AC3E}">
-        <p14:creationId xmlns:p14="http://schemas.microsoft.com/office/powerpoint/2010/main" val="1735497036"/>
+        <p14:creationId xmlns:p14="http://schemas.microsoft.com/office/powerpoint/2010/main" val="4173933837"/>
       </p:ext>
     </p:extLst>
   </p:cSld>
@@ -4650,12 +6624,12 @@
   </p:clrMapOvr>
   <mc:AlternateContent xmlns:mc="http://schemas.openxmlformats.org/markup-compatibility/2006">
     <mc:Choice xmlns:p14="http://schemas.microsoft.com/office/powerpoint/2010/main" Requires="p14">
-      <p:transition spd="med" p14:dur="700">
+      <p:transition spd="med" p14:dur="700" advTm="1000">
         <p:fade/>
       </p:transition>
     </mc:Choice>
     <mc:Fallback>
-      <p:transition spd="med">
+      <p:transition spd="med" advTm="1000">
         <p:fade/>
       </p:transition>
     </mc:Fallback>
@@ -4689,7 +6663,7 @@
       </p:grpSpPr>
       <p:sp>
         <p:nvSpPr>
-          <p:cNvPr id="2" name="제목 1"/>
+          <p:cNvPr id="7" name="제목 1"/>
           <p:cNvSpPr>
             <a:spLocks noGrp="1"/>
           </p:cNvSpPr>
@@ -4699,7 +6673,7 @@
         </p:nvSpPr>
         <p:spPr>
           <a:xfrm>
-            <a:off x="1636265" y="3577590"/>
+            <a:off x="1596260" y="3577590"/>
             <a:ext cx="9144000" cy="1433374"/>
           </a:xfrm>
         </p:spPr>
@@ -4742,7 +6716,7 @@
       </p:sp>
       <p:sp>
         <p:nvSpPr>
-          <p:cNvPr id="3" name="부제목 2"/>
+          <p:cNvPr id="8" name="부제목 2"/>
           <p:cNvSpPr>
             <a:spLocks noGrp="1"/>
           </p:cNvSpPr>
@@ -4752,7 +6726,7 @@
         </p:nvSpPr>
         <p:spPr>
           <a:xfrm>
-            <a:off x="1556255" y="5453698"/>
+            <a:off x="1596260" y="5453698"/>
             <a:ext cx="9144000" cy="992822"/>
           </a:xfrm>
         </p:spPr>
@@ -4763,147 +6737,147 @@
           <a:lstStyle/>
           <a:p>
             <a:r>
-              <a:rPr lang="ko-KR" altLang="en-US" sz="2000" dirty="0" smtClean="0">
+              <a:rPr lang="ko-KR" altLang="en-US" sz="2000" b="1" dirty="0" smtClean="0">
                 <a:solidFill>
                   <a:schemeClr val="bg1"/>
                 </a:solidFill>
-                <a:latin typeface="나눔스퀘어 Light" panose="020B0600000101010101" pitchFamily="50" charset="-127"/>
-                <a:ea typeface="나눔스퀘어 Light" panose="020B0600000101010101" pitchFamily="50" charset="-127"/>
+                <a:latin typeface="나눔고딕" panose="020D0604000000000000" pitchFamily="50" charset="-127"/>
+                <a:ea typeface="나눔고딕" panose="020D0604000000000000" pitchFamily="50" charset="-127"/>
               </a:rPr>
               <a:t>선린 </a:t>
             </a:r>
             <a:r>
-              <a:rPr lang="en-US" altLang="ko-KR" sz="2000" dirty="0">
+              <a:rPr lang="en-US" altLang="ko-KR" sz="2000" b="1" dirty="0" smtClean="0">
                 <a:solidFill>
                   <a:schemeClr val="bg1"/>
                 </a:solidFill>
-                <a:latin typeface="나눔스퀘어 Light" panose="020B0600000101010101" pitchFamily="50" charset="-127"/>
-                <a:ea typeface="나눔스퀘어 Light" panose="020B0600000101010101" pitchFamily="50" charset="-127"/>
+                <a:latin typeface="나눔고딕" panose="020D0604000000000000" pitchFamily="50" charset="-127"/>
+                <a:ea typeface="나눔고딕" panose="020D0604000000000000" pitchFamily="50" charset="-127"/>
               </a:rPr>
               <a:t>SW</a:t>
             </a:r>
             <a:r>
-              <a:rPr lang="ko-KR" altLang="en-US" sz="2000" dirty="0">
+              <a:rPr lang="ko-KR" altLang="en-US" sz="2000" b="1" dirty="0" smtClean="0">
                 <a:solidFill>
                   <a:schemeClr val="bg1"/>
                 </a:solidFill>
-                <a:latin typeface="나눔스퀘어 Light" panose="020B0600000101010101" pitchFamily="50" charset="-127"/>
-                <a:ea typeface="나눔스퀘어 Light" panose="020B0600000101010101" pitchFamily="50" charset="-127"/>
+                <a:latin typeface="나눔고딕" panose="020D0604000000000000" pitchFamily="50" charset="-127"/>
+                <a:ea typeface="나눔고딕" panose="020D0604000000000000" pitchFamily="50" charset="-127"/>
               </a:rPr>
               <a:t>학급 </a:t>
             </a:r>
             <a:r>
-              <a:rPr lang="en-US" altLang="ko-KR" sz="2000" dirty="0">
+              <a:rPr lang="en-US" altLang="ko-KR" sz="2000" b="1" dirty="0" smtClean="0">
                 <a:solidFill>
                   <a:schemeClr val="bg1"/>
                 </a:solidFill>
-                <a:latin typeface="나눔스퀘어 Light" panose="020B0600000101010101" pitchFamily="50" charset="-127"/>
-                <a:ea typeface="나눔스퀘어 Light" panose="020B0600000101010101" pitchFamily="50" charset="-127"/>
+                <a:latin typeface="나눔고딕" panose="020D0604000000000000" pitchFamily="50" charset="-127"/>
+                <a:ea typeface="나눔고딕" panose="020D0604000000000000" pitchFamily="50" charset="-127"/>
               </a:rPr>
               <a:t>3</a:t>
             </a:r>
             <a:r>
-              <a:rPr lang="ko-KR" altLang="en-US" sz="2000" dirty="0">
+              <a:rPr lang="ko-KR" altLang="en-US" sz="2000" b="1" dirty="0" smtClean="0">
                 <a:solidFill>
                   <a:schemeClr val="bg1"/>
                 </a:solidFill>
-                <a:latin typeface="나눔스퀘어 Light" panose="020B0600000101010101" pitchFamily="50" charset="-127"/>
-                <a:ea typeface="나눔스퀘어 Light" panose="020B0600000101010101" pitchFamily="50" charset="-127"/>
+                <a:latin typeface="나눔고딕" panose="020D0604000000000000" pitchFamily="50" charset="-127"/>
+                <a:ea typeface="나눔고딕" panose="020D0604000000000000" pitchFamily="50" charset="-127"/>
               </a:rPr>
               <a:t>학년 </a:t>
             </a:r>
             <a:r>
-              <a:rPr lang="en-US" altLang="ko-KR" sz="2000" dirty="0">
+              <a:rPr lang="en-US" altLang="ko-KR" sz="2000" b="1" dirty="0">
                 <a:solidFill>
                   <a:schemeClr val="bg1"/>
                 </a:solidFill>
-                <a:latin typeface="나눔스퀘어 Light" panose="020B0600000101010101" pitchFamily="50" charset="-127"/>
-                <a:ea typeface="나눔스퀘어 Light" panose="020B0600000101010101" pitchFamily="50" charset="-127"/>
+                <a:latin typeface="나눔고딕" panose="020D0604000000000000" pitchFamily="50" charset="-127"/>
+                <a:ea typeface="나눔고딕" panose="020D0604000000000000" pitchFamily="50" charset="-127"/>
               </a:rPr>
               <a:t>3</a:t>
             </a:r>
             <a:r>
-              <a:rPr lang="ko-KR" altLang="en-US" sz="2000" dirty="0">
+              <a:rPr lang="ko-KR" altLang="en-US" sz="2000" b="1" dirty="0">
                 <a:solidFill>
                   <a:schemeClr val="bg1"/>
                 </a:solidFill>
-                <a:latin typeface="나눔스퀘어 Light" panose="020B0600000101010101" pitchFamily="50" charset="-127"/>
-                <a:ea typeface="나눔스퀘어 Light" panose="020B0600000101010101" pitchFamily="50" charset="-127"/>
+                <a:latin typeface="나눔고딕" panose="020D0604000000000000" pitchFamily="50" charset="-127"/>
+                <a:ea typeface="나눔고딕" panose="020D0604000000000000" pitchFamily="50" charset="-127"/>
               </a:rPr>
               <a:t>조</a:t>
             </a:r>
-            <a:endParaRPr lang="en-US" altLang="ko-KR" sz="2000" dirty="0">
+            <a:endParaRPr lang="en-US" altLang="ko-KR" sz="2000" b="1" dirty="0">
               <a:solidFill>
                 <a:schemeClr val="bg1"/>
               </a:solidFill>
-              <a:latin typeface="나눔스퀘어 Light" panose="020B0600000101010101" pitchFamily="50" charset="-127"/>
-              <a:ea typeface="나눔스퀘어 Light" panose="020B0600000101010101" pitchFamily="50" charset="-127"/>
+              <a:latin typeface="나눔고딕" panose="020D0604000000000000" pitchFamily="50" charset="-127"/>
+              <a:ea typeface="나눔고딕" panose="020D0604000000000000" pitchFamily="50" charset="-127"/>
             </a:endParaRPr>
           </a:p>
           <a:p>
             <a:r>
-              <a:rPr lang="ko-KR" altLang="en-US" sz="2000" dirty="0">
+              <a:rPr lang="ko-KR" altLang="en-US" sz="2000" b="1" dirty="0">
                 <a:solidFill>
                   <a:schemeClr val="bg1"/>
                 </a:solidFill>
-                <a:latin typeface="나눔스퀘어 Light" panose="020B0600000101010101" pitchFamily="50" charset="-127"/>
-                <a:ea typeface="나눔스퀘어 Light" panose="020B0600000101010101" pitchFamily="50" charset="-127"/>
+                <a:latin typeface="나눔고딕" panose="020D0604000000000000" pitchFamily="50" charset="-127"/>
+                <a:ea typeface="나눔고딕" panose="020D0604000000000000" pitchFamily="50" charset="-127"/>
               </a:rPr>
               <a:t>선민수</a:t>
             </a:r>
             <a:r>
-              <a:rPr lang="en-US" altLang="ko-KR" sz="2000" dirty="0">
+              <a:rPr lang="en-US" altLang="ko-KR" sz="2000" b="1" dirty="0">
                 <a:solidFill>
                   <a:schemeClr val="bg1"/>
                 </a:solidFill>
-                <a:latin typeface="나눔스퀘어 Light" panose="020B0600000101010101" pitchFamily="50" charset="-127"/>
-                <a:ea typeface="나눔스퀘어 Light" panose="020B0600000101010101" pitchFamily="50" charset="-127"/>
+                <a:latin typeface="나눔고딕" panose="020D0604000000000000" pitchFamily="50" charset="-127"/>
+                <a:ea typeface="나눔고딕" panose="020D0604000000000000" pitchFamily="50" charset="-127"/>
               </a:rPr>
               <a:t>, </a:t>
             </a:r>
             <a:r>
-              <a:rPr lang="ko-KR" altLang="en-US" sz="2000" dirty="0" err="1">
+              <a:rPr lang="ko-KR" altLang="en-US" sz="2000" b="1" dirty="0" err="1">
                 <a:solidFill>
                   <a:schemeClr val="bg1"/>
                 </a:solidFill>
-                <a:latin typeface="나눔스퀘어 Light" panose="020B0600000101010101" pitchFamily="50" charset="-127"/>
-                <a:ea typeface="나눔스퀘어 Light" panose="020B0600000101010101" pitchFamily="50" charset="-127"/>
+                <a:latin typeface="나눔고딕" panose="020D0604000000000000" pitchFamily="50" charset="-127"/>
+                <a:ea typeface="나눔고딕" panose="020D0604000000000000" pitchFamily="50" charset="-127"/>
               </a:rPr>
               <a:t>정찬효</a:t>
             </a:r>
             <a:r>
-              <a:rPr lang="en-US" altLang="ko-KR" sz="2000" dirty="0">
+              <a:rPr lang="en-US" altLang="ko-KR" sz="2000" b="1" dirty="0">
                 <a:solidFill>
                   <a:schemeClr val="bg1"/>
                 </a:solidFill>
-                <a:latin typeface="나눔스퀘어 Light" panose="020B0600000101010101" pitchFamily="50" charset="-127"/>
-                <a:ea typeface="나눔스퀘어 Light" panose="020B0600000101010101" pitchFamily="50" charset="-127"/>
+                <a:latin typeface="나눔고딕" panose="020D0604000000000000" pitchFamily="50" charset="-127"/>
+                <a:ea typeface="나눔고딕" panose="020D0604000000000000" pitchFamily="50" charset="-127"/>
               </a:rPr>
               <a:t>, </a:t>
             </a:r>
             <a:r>
-              <a:rPr lang="ko-KR" altLang="en-US" sz="2000" dirty="0" err="1">
+              <a:rPr lang="ko-KR" altLang="en-US" sz="2000" b="1" dirty="0" err="1">
                 <a:solidFill>
                   <a:schemeClr val="bg1"/>
                 </a:solidFill>
-                <a:latin typeface="나눔스퀘어 Light" panose="020B0600000101010101" pitchFamily="50" charset="-127"/>
-                <a:ea typeface="나눔스퀘어 Light" panose="020B0600000101010101" pitchFamily="50" charset="-127"/>
+                <a:latin typeface="나눔고딕" panose="020D0604000000000000" pitchFamily="50" charset="-127"/>
+                <a:ea typeface="나눔고딕" panose="020D0604000000000000" pitchFamily="50" charset="-127"/>
               </a:rPr>
               <a:t>한윤호</a:t>
             </a:r>
-            <a:endParaRPr lang="ko-KR" altLang="en-US" sz="2000" dirty="0">
+            <a:endParaRPr lang="ko-KR" altLang="en-US" sz="2000" b="1" dirty="0">
               <a:solidFill>
                 <a:schemeClr val="bg1"/>
               </a:solidFill>
-              <a:latin typeface="나눔스퀘어 Light" panose="020B0600000101010101" pitchFamily="50" charset="-127"/>
-              <a:ea typeface="나눔스퀘어 Light" panose="020B0600000101010101" pitchFamily="50" charset="-127"/>
+              <a:latin typeface="나눔고딕" panose="020D0604000000000000" pitchFamily="50" charset="-127"/>
+              <a:ea typeface="나눔고딕" panose="020D0604000000000000" pitchFamily="50" charset="-127"/>
             </a:endParaRPr>
           </a:p>
         </p:txBody>
       </p:sp>
       <p:pic>
         <p:nvPicPr>
-          <p:cNvPr id="5" name="Picture 2" descr="C:\Users\MS_House\Downloads\Document-master\DreamTree_icon.png"/>
+          <p:cNvPr id="9" name="Picture 2" descr="C:\Users\MS_House\Downloads\Document-master\DreamTree_icon.png"/>
           <p:cNvPicPr>
             <a:picLocks noChangeAspect="1" noChangeArrowheads="1"/>
           </p:cNvPicPr>
@@ -4924,7 +6898,7 @@
         </p:blipFill>
         <p:spPr bwMode="auto">
           <a:xfrm>
-            <a:off x="5040630" y="965383"/>
+            <a:off x="5080635" y="965383"/>
             <a:ext cx="2175250" cy="2150103"/>
           </a:xfrm>
           <a:prstGeom prst="rect">
@@ -4944,7 +6918,7 @@
       </p:pic>
       <p:sp>
         <p:nvSpPr>
-          <p:cNvPr id="6" name="부제목 2"/>
+          <p:cNvPr id="10" name="부제목 2"/>
           <p:cNvSpPr txBox="1">
             <a:spLocks/>
           </p:cNvSpPr>
@@ -4952,7 +6926,7 @@
         </p:nvSpPr>
         <p:spPr>
           <a:xfrm>
-            <a:off x="4282050" y="3446782"/>
+            <a:off x="4284215" y="3446782"/>
             <a:ext cx="3768090" cy="496411"/>
           </a:xfrm>
           <a:prstGeom prst="rect">
@@ -5168,18 +7142,9 @@
   <p:clrMapOvr>
     <a:masterClrMapping/>
   </p:clrMapOvr>
-  <mc:AlternateContent xmlns:mc="http://schemas.openxmlformats.org/markup-compatibility/2006">
-    <mc:Choice xmlns:p14="http://schemas.microsoft.com/office/powerpoint/2010/main" Requires="p14">
-      <p:transition spd="med" p14:dur="700">
-        <p:fade/>
-      </p:transition>
-    </mc:Choice>
-    <mc:Fallback>
-      <p:transition spd="med">
-        <p:fade/>
-      </p:transition>
-    </mc:Fallback>
-  </mc:AlternateContent>
+  <p:transition spd="slow">
+    <p:push dir="u"/>
+  </p:transition>
   <p:timing>
     <p:tnLst>
       <p:par>
@@ -5441,7 +7406,7 @@
           <p:cNvPr id="11" name="화살표: 오른쪽 10">
             <a:extLst>
               <a:ext uri="{FF2B5EF4-FFF2-40B4-BE49-F238E27FC236}">
-                <a16:creationId xmlns:a16="http://schemas.microsoft.com/office/drawing/2014/main" xmlns="" id="{92E4A9FF-563C-41B2-A0F8-D06C296F4B7E}"/>
+                <a16:creationId xmlns:a16="http://schemas.microsoft.com/office/drawing/2014/main" id="{92E4A9FF-563C-41B2-A0F8-D06C296F4B7E}"/>
               </a:ext>
             </a:extLst>
           </p:cNvPr>
@@ -5464,7 +7429,7 @@
           </a:solidFill>
           <a:ln w="28575">
             <a:solidFill>
-              <a:srgbClr val="1CB3B4"/>
+              <a:schemeClr val="tx1"/>
             </a:solidFill>
           </a:ln>
         </p:spPr>
@@ -5772,7 +7737,7 @@
           <p:cNvPr id="5" name="내용 개체 틀 4">
             <a:extLst>
               <a:ext uri="{FF2B5EF4-FFF2-40B4-BE49-F238E27FC236}">
-                <a16:creationId xmlns:a16="http://schemas.microsoft.com/office/drawing/2014/main" xmlns="" id="{2223157B-97CF-4A9E-972A-114BDE9866F3}"/>
+                <a16:creationId xmlns:a16="http://schemas.microsoft.com/office/drawing/2014/main" id="{2223157B-97CF-4A9E-972A-114BDE9866F3}"/>
               </a:ext>
             </a:extLst>
           </p:cNvPr>
@@ -5783,7 +7748,7 @@
             <p:ph idx="1"/>
           </p:nvPr>
         </p:nvPicPr>
-        <p:blipFill rotWithShape="1">
+        <p:blipFill>
           <a:blip r:embed="rId2">
             <a:extLst>
               <a:ext uri="{28A0092B-C50C-407E-A947-70E740481C1C}">
@@ -5791,19 +7756,20 @@
               </a:ext>
             </a:extLst>
           </a:blip>
-          <a:srcRect l="1611" t="1410" r="2305" b="1507"/>
-          <a:stretch/>
+          <a:stretch>
+            <a:fillRect/>
+          </a:stretch>
         </p:blipFill>
         <p:spPr>
           <a:xfrm>
-            <a:off x="937260" y="1074420"/>
-            <a:ext cx="2560320" cy="4137660"/>
+            <a:off x="894339" y="1014295"/>
+            <a:ext cx="2664649" cy="4261987"/>
           </a:xfrm>
         </p:spPr>
       </p:pic>
       <p:sp>
         <p:nvSpPr>
-          <p:cNvPr id="14" name="모서리가 둥근 직사각형 13"/>
+          <p:cNvPr id="14" name="모서리가 둥근 사각형 설명선 13"/>
           <p:cNvSpPr/>
           <p:nvPr/>
         </p:nvSpPr>
@@ -5812,9 +7778,11 @@
             <a:off x="4661646" y="1591235"/>
             <a:ext cx="7214979" cy="3792071"/>
           </a:xfrm>
-          <a:prstGeom prst="roundRect">
+          <a:prstGeom prst="wedgeRoundRectCallout">
             <a:avLst>
-              <a:gd name="adj" fmla="val 9734"/>
+              <a:gd name="adj1" fmla="val -62758"/>
+              <a:gd name="adj2" fmla="val 762"/>
+              <a:gd name="adj3" fmla="val 16667"/>
             </a:avLst>
           </a:prstGeom>
           <a:solidFill>
@@ -5872,330 +7840,218 @@
           <a:lstStyle/>
           <a:p>
             <a:r>
-              <a:rPr lang="en-US" altLang="ko-KR" sz="2000" dirty="0" smtClean="0">
-                <a:solidFill>
-                  <a:schemeClr val="bg1"/>
-                </a:solidFill>
-                <a:latin typeface="나눔스퀘어" panose="020B0600000101010101" pitchFamily="50" charset="-127"/>
-                <a:ea typeface="나눔스퀘어" panose="020B0600000101010101" pitchFamily="50" charset="-127"/>
+              <a:rPr lang="en-US" altLang="ko-KR" sz="2000" b="1" dirty="0" smtClean="0">
+                <a:latin typeface="나눔고딕" panose="020D0604000000000000" pitchFamily="50" charset="-127"/>
+                <a:ea typeface="나눔고딕" panose="020D0604000000000000" pitchFamily="50" charset="-127"/>
               </a:rPr>
               <a:t>&lt; </a:t>
             </a:r>
             <a:r>
-              <a:rPr lang="ko-KR" altLang="en-US" sz="2000" dirty="0" smtClean="0">
-                <a:solidFill>
-                  <a:schemeClr val="bg1"/>
-                </a:solidFill>
-                <a:latin typeface="나눔스퀘어" panose="020B0600000101010101" pitchFamily="50" charset="-127"/>
-                <a:ea typeface="나눔스퀘어" panose="020B0600000101010101" pitchFamily="50" charset="-127"/>
+              <a:rPr lang="ko-KR" altLang="en-US" sz="2000" b="1" dirty="0" smtClean="0">
+                <a:latin typeface="나눔고딕" panose="020D0604000000000000" pitchFamily="50" charset="-127"/>
+                <a:ea typeface="나눔고딕" panose="020D0604000000000000" pitchFamily="50" charset="-127"/>
               </a:rPr>
               <a:t>나무 성장 </a:t>
             </a:r>
             <a:r>
-              <a:rPr lang="en-US" altLang="ko-KR" sz="2000" dirty="0" smtClean="0">
-                <a:solidFill>
-                  <a:schemeClr val="bg1"/>
-                </a:solidFill>
-                <a:latin typeface="나눔스퀘어" panose="020B0600000101010101" pitchFamily="50" charset="-127"/>
-                <a:ea typeface="나눔스퀘어" panose="020B0600000101010101" pitchFamily="50" charset="-127"/>
+              <a:rPr lang="en-US" altLang="ko-KR" sz="2000" b="1" dirty="0" smtClean="0">
+                <a:latin typeface="나눔고딕" panose="020D0604000000000000" pitchFamily="50" charset="-127"/>
+                <a:ea typeface="나눔고딕" panose="020D0604000000000000" pitchFamily="50" charset="-127"/>
               </a:rPr>
               <a:t>Tab</a:t>
             </a:r>
             <a:r>
-              <a:rPr lang="ko-KR" altLang="en-US" sz="2000" dirty="0" smtClean="0">
-                <a:solidFill>
-                  <a:schemeClr val="bg1"/>
-                </a:solidFill>
-                <a:latin typeface="나눔스퀘어" panose="020B0600000101010101" pitchFamily="50" charset="-127"/>
-                <a:ea typeface="나눔스퀘어" panose="020B0600000101010101" pitchFamily="50" charset="-127"/>
+              <a:rPr lang="ko-KR" altLang="en-US" sz="2000" b="1" dirty="0" smtClean="0">
+                <a:latin typeface="나눔고딕" panose="020D0604000000000000" pitchFamily="50" charset="-127"/>
+                <a:ea typeface="나눔고딕" panose="020D0604000000000000" pitchFamily="50" charset="-127"/>
               </a:rPr>
               <a:t> </a:t>
             </a:r>
             <a:r>
-              <a:rPr lang="en-US" altLang="ko-KR" sz="2000" dirty="0" smtClean="0">
-                <a:solidFill>
-                  <a:schemeClr val="bg1"/>
-                </a:solidFill>
-                <a:latin typeface="나눔스퀘어" panose="020B0600000101010101" pitchFamily="50" charset="-127"/>
-                <a:ea typeface="나눔스퀘어" panose="020B0600000101010101" pitchFamily="50" charset="-127"/>
+              <a:rPr lang="en-US" altLang="ko-KR" sz="2000" b="1" dirty="0" smtClean="0">
+                <a:latin typeface="나눔고딕" panose="020D0604000000000000" pitchFamily="50" charset="-127"/>
+                <a:ea typeface="나눔고딕" panose="020D0604000000000000" pitchFamily="50" charset="-127"/>
               </a:rPr>
               <a:t>&gt;</a:t>
             </a:r>
+            <a:endParaRPr lang="ko-KR" altLang="en-US" sz="2000" b="1" dirty="0">
+              <a:latin typeface="나눔고딕" panose="020D0604000000000000" pitchFamily="50" charset="-127"/>
+              <a:ea typeface="나눔고딕" panose="020D0604000000000000" pitchFamily="50" charset="-127"/>
+            </a:endParaRPr>
+          </a:p>
+        </p:txBody>
+      </p:sp>
+      <p:sp>
+        <p:nvSpPr>
+          <p:cNvPr id="6" name="TextBox 5"/>
+          <p:cNvSpPr txBox="1"/>
+          <p:nvPr/>
+        </p:nvSpPr>
+        <p:spPr>
+          <a:xfrm>
+            <a:off x="4952360" y="2061651"/>
+            <a:ext cx="6633547" cy="882293"/>
+          </a:xfrm>
+          <a:prstGeom prst="rect">
+            <a:avLst/>
+          </a:prstGeom>
+          <a:noFill/>
+        </p:spPr>
+        <p:txBody>
+          <a:bodyPr wrap="none" rtlCol="0">
+            <a:spAutoFit/>
+          </a:bodyPr>
+          <a:lstStyle/>
+          <a:p>
+            <a:pPr algn="ctr"/>
+            <a:r>
+              <a:rPr lang="en-US" altLang="ko-KR" b="1" i="1" dirty="0" smtClean="0">
+                <a:latin typeface="나눔스퀘어 ExtraBold" panose="020B0600000101010101" pitchFamily="50" charset="-127"/>
+                <a:ea typeface="나눔스퀘어 ExtraBold" panose="020B0600000101010101" pitchFamily="50" charset="-127"/>
+              </a:rPr>
+              <a:t>“</a:t>
+            </a:r>
+            <a:r>
+              <a:rPr lang="ko-KR" altLang="en-US" b="1" i="1" dirty="0" smtClean="0">
+                <a:latin typeface="나눔스퀘어 ExtraBold" panose="020B0600000101010101" pitchFamily="50" charset="-127"/>
+                <a:ea typeface="나눔스퀘어 ExtraBold" panose="020B0600000101010101" pitchFamily="50" charset="-127"/>
+              </a:rPr>
+              <a:t>우리는 </a:t>
+            </a:r>
+            <a:r>
+              <a:rPr lang="ko-KR" altLang="en-US" b="1" i="1" dirty="0">
+                <a:latin typeface="나눔스퀘어 ExtraBold" panose="020B0600000101010101" pitchFamily="50" charset="-127"/>
+                <a:ea typeface="나눔스퀘어 ExtraBold" panose="020B0600000101010101" pitchFamily="50" charset="-127"/>
+              </a:rPr>
+              <a:t>나이가 들면서 변하는 게 아니다</a:t>
+            </a:r>
+            <a:r>
+              <a:rPr lang="en-US" altLang="ko-KR" b="1" i="1" dirty="0">
+                <a:latin typeface="나눔스퀘어 ExtraBold" panose="020B0600000101010101" pitchFamily="50" charset="-127"/>
+                <a:ea typeface="나눔스퀘어 ExtraBold" panose="020B0600000101010101" pitchFamily="50" charset="-127"/>
+              </a:rPr>
+              <a:t>. </a:t>
+            </a:r>
+            <a:r>
+              <a:rPr lang="ko-KR" altLang="en-US" b="1" i="1" dirty="0">
+                <a:latin typeface="나눔스퀘어 ExtraBold" panose="020B0600000101010101" pitchFamily="50" charset="-127"/>
+                <a:ea typeface="나눔스퀘어 ExtraBold" panose="020B0600000101010101" pitchFamily="50" charset="-127"/>
+              </a:rPr>
+              <a:t>보다 자기다워지는 것이다</a:t>
+            </a:r>
+            <a:r>
+              <a:rPr lang="en-US" altLang="ko-KR" b="1" i="1" dirty="0" smtClean="0">
+                <a:latin typeface="나눔스퀘어 ExtraBold" panose="020B0600000101010101" pitchFamily="50" charset="-127"/>
+                <a:ea typeface="나눔스퀘어 ExtraBold" panose="020B0600000101010101" pitchFamily="50" charset="-127"/>
+              </a:rPr>
+              <a:t>.”</a:t>
+            </a:r>
+          </a:p>
+          <a:p>
+            <a:pPr algn="ctr">
+              <a:lnSpc>
+                <a:spcPts val="800"/>
+              </a:lnSpc>
+            </a:pPr>
+            <a:endParaRPr lang="en-US" altLang="ko-KR" b="1" i="1" dirty="0" smtClean="0">
+              <a:latin typeface="나눔스퀘어 ExtraBold" panose="020B0600000101010101" pitchFamily="50" charset="-127"/>
+              <a:ea typeface="나눔스퀘어 ExtraBold" panose="020B0600000101010101" pitchFamily="50" charset="-127"/>
+            </a:endParaRPr>
+          </a:p>
+          <a:p>
+            <a:pPr algn="ctr">
+              <a:lnSpc>
+                <a:spcPts val="800"/>
+              </a:lnSpc>
+            </a:pPr>
+            <a:endParaRPr lang="en-US" altLang="ko-KR" b="1" i="1" dirty="0" smtClean="0">
+              <a:latin typeface="나눔스퀘어 ExtraBold" panose="020B0600000101010101" pitchFamily="50" charset="-127"/>
+              <a:ea typeface="나눔스퀘어 ExtraBold" panose="020B0600000101010101" pitchFamily="50" charset="-127"/>
+            </a:endParaRPr>
+          </a:p>
+          <a:p>
+            <a:pPr algn="ctr"/>
+            <a:r>
+              <a:rPr lang="ko-KR" altLang="en-US" sz="2000" dirty="0" smtClean="0">
+                <a:latin typeface="나눔고딕" panose="020D0604000000000000" pitchFamily="50" charset="-127"/>
+                <a:ea typeface="나눔고딕" panose="020D0604000000000000" pitchFamily="50" charset="-127"/>
+              </a:rPr>
+              <a:t>목표가 채워짐에 따라 자라나는 나무</a:t>
+            </a:r>
             <a:endParaRPr lang="ko-KR" altLang="en-US" sz="2000" dirty="0">
-              <a:solidFill>
-                <a:schemeClr val="bg1"/>
-              </a:solidFill>
-              <a:latin typeface="나눔스퀘어" panose="020B0600000101010101" pitchFamily="50" charset="-127"/>
-              <a:ea typeface="나눔스퀘어" panose="020B0600000101010101" pitchFamily="50" charset="-127"/>
+              <a:latin typeface="나눔고딕" panose="020D0604000000000000" pitchFamily="50" charset="-127"/>
+              <a:ea typeface="나눔고딕" panose="020D0604000000000000" pitchFamily="50" charset="-127"/>
             </a:endParaRPr>
           </a:p>
         </p:txBody>
       </p:sp>
       <p:grpSp>
         <p:nvGrpSpPr>
-          <p:cNvPr id="18" name="그룹 17"/>
+          <p:cNvPr id="20" name="그룹 19"/>
           <p:cNvGrpSpPr/>
           <p:nvPr/>
         </p:nvGrpSpPr>
         <p:grpSpPr>
           <a:xfrm>
-            <a:off x="4805832" y="1906350"/>
-            <a:ext cx="6947260" cy="2999587"/>
-            <a:chOff x="4417938" y="2136277"/>
-            <a:chExt cx="6947260" cy="2999587"/>
+            <a:off x="5668420" y="3309550"/>
+            <a:ext cx="5201429" cy="1711116"/>
+            <a:chOff x="5668420" y="3309550"/>
+            <a:chExt cx="5201429" cy="1711116"/>
           </a:xfrm>
         </p:grpSpPr>
-        <p:grpSp>
-          <p:nvGrpSpPr>
-            <p:cNvPr id="2" name="그룹 1"/>
-            <p:cNvGrpSpPr/>
+        <p:pic>
+          <p:nvPicPr>
+            <p:cNvPr id="7" name="그림 6"/>
+            <p:cNvPicPr>
+              <a:picLocks noChangeAspect="1"/>
+            </p:cNvPicPr>
             <p:nvPr/>
-          </p:nvGrpSpPr>
-          <p:grpSpPr>
-            <a:xfrm>
-              <a:off x="4417938" y="3695864"/>
-              <a:ext cx="6947260" cy="1440000"/>
-              <a:chOff x="4417938" y="3695864"/>
-              <a:chExt cx="6947260" cy="1440000"/>
-            </a:xfrm>
-          </p:grpSpPr>
-          <p:pic>
-            <p:nvPicPr>
-              <p:cNvPr id="9" name="그림 8">
-                <a:extLst>
-                  <a:ext uri="{FF2B5EF4-FFF2-40B4-BE49-F238E27FC236}">
-                    <a16:creationId xmlns:a16="http://schemas.microsoft.com/office/drawing/2014/main" xmlns="" id="{A4C7DB72-6A52-42EE-B4B6-D3E04DDBE8E2}"/>
-                  </a:ext>
-                </a:extLst>
-              </p:cNvPr>
-              <p:cNvPicPr>
-                <a:picLocks noChangeAspect="1"/>
-              </p:cNvPicPr>
-              <p:nvPr/>
-            </p:nvPicPr>
-            <p:blipFill>
-              <a:blip r:embed="rId3" cstate="print">
-                <a:extLst>
-                  <a:ext uri="{28A0092B-C50C-407E-A947-70E740481C1C}">
-                    <a14:useLocalDpi xmlns:a14="http://schemas.microsoft.com/office/drawing/2010/main" val="0"/>
-                  </a:ext>
-                </a:extLst>
-              </a:blip>
-              <a:stretch>
-                <a:fillRect/>
-              </a:stretch>
-            </p:blipFill>
-            <p:spPr>
-              <a:xfrm>
-                <a:off x="4417938" y="3695864"/>
-                <a:ext cx="1387237" cy="1440000"/>
-              </a:xfrm>
-              <a:prstGeom prst="rect">
-                <a:avLst/>
-              </a:prstGeom>
-            </p:spPr>
-          </p:pic>
-          <p:pic>
-            <p:nvPicPr>
-              <p:cNvPr id="11" name="그림 10">
-                <a:extLst>
-                  <a:ext uri="{FF2B5EF4-FFF2-40B4-BE49-F238E27FC236}">
-                    <a16:creationId xmlns:a16="http://schemas.microsoft.com/office/drawing/2014/main" xmlns="" id="{1D5B7D19-3DA0-4978-B455-23691414CFB2}"/>
-                  </a:ext>
-                </a:extLst>
-              </p:cNvPr>
-              <p:cNvPicPr>
-                <a:picLocks noChangeAspect="1"/>
-              </p:cNvPicPr>
-              <p:nvPr/>
-            </p:nvPicPr>
-            <p:blipFill>
-              <a:blip r:embed="rId4" cstate="print">
-                <a:extLst>
-                  <a:ext uri="{28A0092B-C50C-407E-A947-70E740481C1C}">
-                    <a14:useLocalDpi xmlns:a14="http://schemas.microsoft.com/office/drawing/2010/main" val="0"/>
-                  </a:ext>
-                </a:extLst>
-              </a:blip>
-              <a:stretch>
-                <a:fillRect/>
-              </a:stretch>
-            </p:blipFill>
-            <p:spPr>
-              <a:xfrm>
-                <a:off x="5805176" y="3695864"/>
-                <a:ext cx="1391633" cy="1440000"/>
-              </a:xfrm>
-              <a:prstGeom prst="rect">
-                <a:avLst/>
-              </a:prstGeom>
-            </p:spPr>
-          </p:pic>
-          <p:pic>
-            <p:nvPicPr>
-              <p:cNvPr id="13" name="그림 12">
-                <a:extLst>
-                  <a:ext uri="{FF2B5EF4-FFF2-40B4-BE49-F238E27FC236}">
-                    <a16:creationId xmlns:a16="http://schemas.microsoft.com/office/drawing/2014/main" xmlns="" id="{91A1F4C8-0B0C-4766-96DE-8FA15F04F1D2}"/>
-                  </a:ext>
-                </a:extLst>
-              </p:cNvPr>
-              <p:cNvPicPr>
-                <a:picLocks noChangeAspect="1"/>
-              </p:cNvPicPr>
-              <p:nvPr/>
-            </p:nvPicPr>
-            <p:blipFill>
-              <a:blip r:embed="rId5" cstate="print">
-                <a:extLst>
-                  <a:ext uri="{28A0092B-C50C-407E-A947-70E740481C1C}">
-                    <a14:useLocalDpi xmlns:a14="http://schemas.microsoft.com/office/drawing/2010/main" val="0"/>
-                  </a:ext>
-                </a:extLst>
-              </a:blip>
-              <a:stretch>
-                <a:fillRect/>
-              </a:stretch>
-            </p:blipFill>
-            <p:spPr>
-              <a:xfrm>
-                <a:off x="7196809" y="3695864"/>
-                <a:ext cx="1387317" cy="1440000"/>
-              </a:xfrm>
-              <a:prstGeom prst="rect">
-                <a:avLst/>
-              </a:prstGeom>
-            </p:spPr>
-          </p:pic>
-          <p:pic>
-            <p:nvPicPr>
-              <p:cNvPr id="15" name="그림 14">
-                <a:extLst>
-                  <a:ext uri="{FF2B5EF4-FFF2-40B4-BE49-F238E27FC236}">
-                    <a16:creationId xmlns:a16="http://schemas.microsoft.com/office/drawing/2014/main" xmlns="" id="{8746AEAC-ECDD-47B5-B5C6-69ADB5FA5404}"/>
-                  </a:ext>
-                </a:extLst>
-              </p:cNvPr>
-              <p:cNvPicPr>
-                <a:picLocks noChangeAspect="1"/>
-              </p:cNvPicPr>
-              <p:nvPr/>
-            </p:nvPicPr>
-            <p:blipFill>
-              <a:blip r:embed="rId6" cstate="print">
-                <a:extLst>
-                  <a:ext uri="{28A0092B-C50C-407E-A947-70E740481C1C}">
-                    <a14:useLocalDpi xmlns:a14="http://schemas.microsoft.com/office/drawing/2010/main" val="0"/>
-                  </a:ext>
-                </a:extLst>
-              </a:blip>
-              <a:stretch>
-                <a:fillRect/>
-              </a:stretch>
-            </p:blipFill>
-            <p:spPr>
-              <a:xfrm>
-                <a:off x="8584126" y="3695864"/>
-                <a:ext cx="1383100" cy="1440000"/>
-              </a:xfrm>
-              <a:prstGeom prst="rect">
-                <a:avLst/>
-              </a:prstGeom>
-            </p:spPr>
-          </p:pic>
-          <p:pic>
-            <p:nvPicPr>
-              <p:cNvPr id="17" name="그림 16">
-                <a:extLst>
-                  <a:ext uri="{FF2B5EF4-FFF2-40B4-BE49-F238E27FC236}">
-                    <a16:creationId xmlns:a16="http://schemas.microsoft.com/office/drawing/2014/main" xmlns="" id="{A90F6C99-7777-43DB-931F-DFBD73B9095E}"/>
-                  </a:ext>
-                </a:extLst>
-              </p:cNvPr>
-              <p:cNvPicPr>
-                <a:picLocks noChangeAspect="1"/>
-              </p:cNvPicPr>
-              <p:nvPr/>
-            </p:nvPicPr>
-            <p:blipFill>
-              <a:blip r:embed="rId7" cstate="print">
-                <a:extLst>
-                  <a:ext uri="{28A0092B-C50C-407E-A947-70E740481C1C}">
-                    <a14:useLocalDpi xmlns:a14="http://schemas.microsoft.com/office/drawing/2010/main" val="0"/>
-                  </a:ext>
-                </a:extLst>
-              </a:blip>
-              <a:stretch>
-                <a:fillRect/>
-              </a:stretch>
-            </p:blipFill>
-            <p:spPr>
-              <a:xfrm>
-                <a:off x="9967226" y="3695864"/>
-                <a:ext cx="1397972" cy="1440000"/>
-              </a:xfrm>
-              <a:prstGeom prst="rect">
-                <a:avLst/>
-              </a:prstGeom>
-            </p:spPr>
-          </p:pic>
-        </p:grpSp>
-        <p:sp>
-          <p:nvSpPr>
-            <p:cNvPr id="6" name="TextBox 5"/>
-            <p:cNvSpPr txBox="1"/>
-            <p:nvPr/>
-          </p:nvSpPr>
+          </p:nvPicPr>
+          <p:blipFill>
+            <a:blip r:embed="rId3">
+              <a:extLst>
+                <a:ext uri="{28A0092B-C50C-407E-A947-70E740481C1C}">
+                  <a14:useLocalDpi xmlns:a14="http://schemas.microsoft.com/office/drawing/2010/main" val="0"/>
+                </a:ext>
+              </a:extLst>
+            </a:blip>
+            <a:stretch>
+              <a:fillRect/>
+            </a:stretch>
+          </p:blipFill>
           <p:spPr>
             <a:xfrm>
-              <a:off x="6032836" y="2136277"/>
-              <a:ext cx="3781805" cy="461665"/>
+              <a:off x="5668420" y="3309550"/>
+              <a:ext cx="5201429" cy="1711116"/>
             </a:xfrm>
             <a:prstGeom prst="rect">
               <a:avLst/>
             </a:prstGeom>
-            <a:noFill/>
           </p:spPr>
-          <p:txBody>
-            <a:bodyPr wrap="none" rtlCol="0">
-              <a:spAutoFit/>
-            </a:bodyPr>
-            <a:lstStyle/>
-            <a:p>
-              <a:r>
-                <a:rPr lang="ko-KR" altLang="en-US" sz="2400" dirty="0" smtClean="0">
-                  <a:latin typeface="나눔스퀘어 Light" panose="020B0600000101010101" pitchFamily="50" charset="-127"/>
-                  <a:ea typeface="나눔스퀘어 Light" panose="020B0600000101010101" pitchFamily="50" charset="-127"/>
-                </a:rPr>
-                <a:t>성취도에 따라 성장하는 나무</a:t>
-              </a:r>
-              <a:endParaRPr lang="ko-KR" altLang="en-US" sz="2400" dirty="0">
-                <a:latin typeface="나눔스퀘어 Light" panose="020B0600000101010101" pitchFamily="50" charset="-127"/>
-                <a:ea typeface="나눔스퀘어 Light" panose="020B0600000101010101" pitchFamily="50" charset="-127"/>
-              </a:endParaRPr>
-            </a:p>
-          </p:txBody>
-        </p:sp>
+        </p:pic>
         <p:sp>
           <p:nvSpPr>
-            <p:cNvPr id="8" name="오른쪽 화살표 7"/>
+            <p:cNvPr id="19" name="오른쪽 화살표 18"/>
             <p:cNvSpPr/>
             <p:nvPr/>
           </p:nvSpPr>
           <p:spPr>
             <a:xfrm>
-              <a:off x="4507177" y="3138950"/>
-              <a:ext cx="6748128" cy="348321"/>
+              <a:off x="5668420" y="3565525"/>
+              <a:ext cx="5201429" cy="285750"/>
             </a:xfrm>
             <a:prstGeom prst="rightArrow">
-              <a:avLst/>
+              <a:avLst>
+                <a:gd name="adj1" fmla="val 50000"/>
+                <a:gd name="adj2" fmla="val 57143"/>
+              </a:avLst>
             </a:prstGeom>
             <a:solidFill>
               <a:schemeClr val="bg1"/>
             </a:solidFill>
             <a:ln w="28575">
               <a:solidFill>
-                <a:srgbClr val="1CB3B4"/>
+                <a:schemeClr val="tx1"/>
               </a:solidFill>
             </a:ln>
           </p:spPr>
@@ -6221,78 +8077,6 @@
             <a:p>
               <a:pPr algn="ctr"/>
               <a:endParaRPr lang="ko-KR" altLang="en-US"/>
-            </a:p>
-          </p:txBody>
-        </p:sp>
-        <p:sp>
-          <p:nvSpPr>
-            <p:cNvPr id="12" name="TextBox 11"/>
-            <p:cNvSpPr txBox="1"/>
-            <p:nvPr/>
-          </p:nvSpPr>
-          <p:spPr>
-            <a:xfrm>
-              <a:off x="4475088" y="2845189"/>
-              <a:ext cx="413896" cy="253916"/>
-            </a:xfrm>
-            <a:prstGeom prst="rect">
-              <a:avLst/>
-            </a:prstGeom>
-            <a:noFill/>
-          </p:spPr>
-          <p:txBody>
-            <a:bodyPr wrap="none" rtlCol="0">
-              <a:spAutoFit/>
-            </a:bodyPr>
-            <a:lstStyle/>
-            <a:p>
-              <a:r>
-                <a:rPr lang="en-US" altLang="ko-KR" sz="1050" dirty="0" smtClean="0">
-                  <a:latin typeface="나눔고딕" panose="020D0604000000000000" pitchFamily="50" charset="-127"/>
-                  <a:ea typeface="나눔고딕" panose="020D0604000000000000" pitchFamily="50" charset="-127"/>
-                </a:rPr>
-                <a:t>0%</a:t>
-              </a:r>
-              <a:endParaRPr lang="ko-KR" altLang="en-US" sz="1050" dirty="0">
-                <a:latin typeface="나눔고딕" panose="020D0604000000000000" pitchFamily="50" charset="-127"/>
-                <a:ea typeface="나눔고딕" panose="020D0604000000000000" pitchFamily="50" charset="-127"/>
-              </a:endParaRPr>
-            </a:p>
-          </p:txBody>
-        </p:sp>
-        <p:sp>
-          <p:nvSpPr>
-            <p:cNvPr id="16" name="TextBox 15"/>
-            <p:cNvSpPr txBox="1"/>
-            <p:nvPr/>
-          </p:nvSpPr>
-          <p:spPr>
-            <a:xfrm>
-              <a:off x="10723482" y="2845189"/>
-              <a:ext cx="577402" cy="253916"/>
-            </a:xfrm>
-            <a:prstGeom prst="rect">
-              <a:avLst/>
-            </a:prstGeom>
-            <a:noFill/>
-          </p:spPr>
-          <p:txBody>
-            <a:bodyPr wrap="none" rtlCol="0">
-              <a:spAutoFit/>
-            </a:bodyPr>
-            <a:lstStyle/>
-            <a:p>
-              <a:r>
-                <a:rPr lang="en-US" altLang="ko-KR" sz="1050" dirty="0" smtClean="0">
-                  <a:latin typeface="나눔고딕" panose="020D0604000000000000" pitchFamily="50" charset="-127"/>
-                  <a:ea typeface="나눔고딕" panose="020D0604000000000000" pitchFamily="50" charset="-127"/>
-                </a:rPr>
-                <a:t>100%</a:t>
-              </a:r>
-              <a:endParaRPr lang="ko-KR" altLang="en-US" sz="1050" dirty="0">
-                <a:latin typeface="나눔고딕" panose="020D0604000000000000" pitchFamily="50" charset="-127"/>
-                <a:ea typeface="나눔고딕" panose="020D0604000000000000" pitchFamily="50" charset="-127"/>
-              </a:endParaRPr>
             </a:p>
           </p:txBody>
         </p:sp>
@@ -6575,7 +8359,7 @@
   <a:extraClrSchemeLst/>
   <a:extLst>
     <a:ext uri="{05A4C25C-085E-4340-85A3-A5531E510DB2}">
-      <thm15:themeFamily xmlns:thm15="http://schemas.microsoft.com/office/thememl/2012/main" xmlns="" name="Office Theme" id="{62F939B6-93AF-4DB8-9C6B-D6C7DFDC589F}" vid="{4A3C46E8-61CC-4603-A589-7422A47A8E4A}"/>
+      <thm15:themeFamily xmlns:thm15="http://schemas.microsoft.com/office/thememl/2012/main" name="Office Theme" id="{62F939B6-93AF-4DB8-9C6B-D6C7DFDC589F}" vid="{4A3C46E8-61CC-4603-A589-7422A47A8E4A}"/>
     </a:ext>
   </a:extLst>
 </a:theme>
